--- a/source/lessons/lsn1/Lsn1.pptx
+++ b/source/lessons/lsn1/Lsn1.pptx
@@ -3792,7 +3792,7 @@
               <a:pPr>
                 <a:defRPr/>
               </a:pPr>
-              <a:t>30 May 2018</a:t>
+              <a:t>16 July 2018</a:t>
             </a:fld>
             <a:endParaRPr lang="en-US">
               <a:solidFill>
@@ -4017,7 +4017,7 @@
               <a:pPr>
                 <a:defRPr/>
               </a:pPr>
-              <a:t>30 May 2018</a:t>
+              <a:t>16 July 2018</a:t>
             </a:fld>
             <a:endParaRPr lang="en-US">
               <a:solidFill>
@@ -4250,7 +4250,7 @@
               <a:pPr>
                 <a:defRPr/>
               </a:pPr>
-              <a:t>30 May 2018</a:t>
+              <a:t>16 July 2018</a:t>
             </a:fld>
             <a:endParaRPr lang="en-US">
               <a:solidFill>
@@ -4586,7 +4586,7 @@
               <a:pPr>
                 <a:defRPr/>
               </a:pPr>
-              <a:t>30 May 2018</a:t>
+              <a:t>16 July 2018</a:t>
             </a:fld>
             <a:endParaRPr lang="en-US">
               <a:solidFill>
@@ -5061,7 +5061,7 @@
               <a:pPr>
                 <a:defRPr/>
               </a:pPr>
-              <a:t>30 May 2018</a:t>
+              <a:t>16 July 2018</a:t>
             </a:fld>
             <a:endParaRPr lang="en-US">
               <a:solidFill>
@@ -5227,7 +5227,7 @@
               <a:pPr>
                 <a:defRPr/>
               </a:pPr>
-              <a:t>30 May 2018</a:t>
+              <a:t>16 July 2018</a:t>
             </a:fld>
             <a:endParaRPr lang="en-US">
               <a:solidFill>
@@ -5370,7 +5370,7 @@
               <a:pPr>
                 <a:defRPr/>
               </a:pPr>
-              <a:t>30 May 2018</a:t>
+              <a:t>16 July 2018</a:t>
             </a:fld>
             <a:endParaRPr lang="en-US">
               <a:solidFill>
@@ -5695,7 +5695,7 @@
               <a:pPr>
                 <a:defRPr/>
               </a:pPr>
-              <a:t>30 May 2018</a:t>
+              <a:t>16 July 2018</a:t>
             </a:fld>
             <a:endParaRPr lang="en-US">
               <a:solidFill>
@@ -5997,7 +5997,7 @@
               <a:pPr>
                 <a:defRPr/>
               </a:pPr>
-              <a:t>30 May 2018</a:t>
+              <a:t>16 July 2018</a:t>
             </a:fld>
             <a:endParaRPr lang="en-US">
               <a:solidFill>
@@ -6215,7 +6215,7 @@
               <a:pPr>
                 <a:defRPr/>
               </a:pPr>
-              <a:t>30 May 2018</a:t>
+              <a:t>16 July 2018</a:t>
             </a:fld>
             <a:endParaRPr lang="en-US">
               <a:solidFill>
@@ -6443,7 +6443,7 @@
               <a:pPr>
                 <a:defRPr/>
               </a:pPr>
-              <a:t>30 May 2018</a:t>
+              <a:t>16 July 2018</a:t>
             </a:fld>
             <a:endParaRPr lang="en-US">
               <a:solidFill>
@@ -6639,7 +6639,7 @@
               <a:pPr>
                 <a:defRPr/>
               </a:pPr>
-              <a:t>30 May 2018</a:t>
+              <a:t>16 July 2018</a:t>
             </a:fld>
             <a:endParaRPr lang="en-US">
               <a:solidFill>
@@ -6792,7 +6792,7 @@
               <a:pPr>
                 <a:defRPr/>
               </a:pPr>
-              <a:t>30 May 2018</a:t>
+              <a:t>16 July 2018</a:t>
             </a:fld>
             <a:endParaRPr lang="en-US"/>
           </a:p>
@@ -11353,7 +11353,7 @@
               <a:pPr eaLnBrk="0" hangingPunct="0">
                 <a:defRPr/>
               </a:pPr>
-              <a:t>30 May 2018</a:t>
+              <a:t>16 July 2018</a:t>
             </a:fld>
             <a:endParaRPr lang="en-US">
               <a:solidFill>
@@ -12453,7 +12453,7 @@
             <a:avLst/>
           </a:prstGeom>
           <a:solidFill>
-            <a:srgbClr val="C00000"/>
+            <a:srgbClr val="002060"/>
           </a:solidFill>
           <a:ln>
             <a:solidFill>
@@ -12565,7 +12565,7 @@
             <a:avLst/>
           </a:prstGeom>
           <a:solidFill>
-            <a:srgbClr val="002060"/>
+            <a:srgbClr val="C00000"/>
           </a:solidFill>
           <a:ln>
             <a:solidFill>
@@ -12730,7 +12730,7 @@
             <a:avLst/>
           </a:prstGeom>
           <a:solidFill>
-            <a:srgbClr val="C00000"/>
+            <a:srgbClr val="002060"/>
           </a:solidFill>
           <a:ln>
             <a:solidFill>
@@ -12785,7 +12785,7 @@
             <a:avLst/>
           </a:prstGeom>
           <a:solidFill>
-            <a:srgbClr val="C00000"/>
+            <a:srgbClr val="002060"/>
           </a:solidFill>
           <a:ln>
             <a:solidFill>
@@ -13060,7 +13060,7 @@
             <a:avLst/>
           </a:prstGeom>
           <a:solidFill>
-            <a:srgbClr val="C00000"/>
+            <a:srgbClr val="002060"/>
           </a:solidFill>
           <a:ln>
             <a:solidFill>
@@ -13172,9 +13172,7 @@
             <a:avLst/>
           </a:prstGeom>
           <a:solidFill>
-            <a:schemeClr val="bg1">
-              <a:lumMod val="50000"/>
-            </a:schemeClr>
+            <a:srgbClr val="002060"/>
           </a:solidFill>
           <a:ln>
             <a:solidFill>
@@ -13604,6 +13602,36 @@
               <a:t>11</a:t>
             </a:fld>
             <a:endParaRPr lang="en-US"/>
+          </a:p>
+        </p:txBody>
+      </p:sp>
+      <p:sp>
+        <p:nvSpPr>
+          <p:cNvPr id="3" name="TextBox 2"/>
+          <p:cNvSpPr txBox="1"/>
+          <p:nvPr/>
+        </p:nvSpPr>
+        <p:spPr>
+          <a:xfrm>
+            <a:off x="2883579" y="6028267"/>
+            <a:ext cx="4138762" cy="307777"/>
+          </a:xfrm>
+          <a:prstGeom prst="rect">
+            <a:avLst/>
+          </a:prstGeom>
+          <a:noFill/>
+        </p:spPr>
+        <p:txBody>
+          <a:bodyPr wrap="none" rtlCol="0">
+            <a:spAutoFit/>
+          </a:bodyPr>
+          <a:lstStyle/>
+          <a:p>
+            <a:r>
+              <a:rPr lang="en-US" dirty="0" smtClean="0"/>
+              <a:t>(if you are a REAL programmer, this is FUNNY!!!!)</a:t>
+            </a:r>
+            <a:endParaRPr lang="en-US" dirty="0"/>
           </a:p>
         </p:txBody>
       </p:sp>
@@ -15331,7 +15359,7 @@
                 <a:latin typeface="Times New Roman" pitchFamily="18" charset="0"/>
               </a:rPr>
               <a:pPr/>
-              <a:t>30 May 2018</a:t>
+              <a:t>16 July 2018</a:t>
             </a:fld>
             <a:endParaRPr lang="en-US" smtClean="0">
               <a:latin typeface="Times New Roman" pitchFamily="18" charset="0"/>
@@ -15775,7 +15803,7 @@
                 <a:latin typeface="Times New Roman" pitchFamily="18" charset="0"/>
               </a:rPr>
               <a:pPr/>
-              <a:t>30 May 2018</a:t>
+              <a:t>16 July 2018</a:t>
             </a:fld>
             <a:endParaRPr lang="en-US" smtClean="0">
               <a:latin typeface="Times New Roman" pitchFamily="18" charset="0"/>
@@ -16209,7 +16237,7 @@
                 <a:latin typeface="Times New Roman" pitchFamily="18" charset="0"/>
               </a:rPr>
               <a:pPr/>
-              <a:t>30 May 2018</a:t>
+              <a:t>16 July 2018</a:t>
             </a:fld>
             <a:endParaRPr lang="en-US" smtClean="0">
               <a:latin typeface="Times New Roman" pitchFamily="18" charset="0"/>
@@ -16361,7 +16389,7 @@
               <a:pPr>
                 <a:defRPr/>
               </a:pPr>
-              <a:t>30 May 2018</a:t>
+              <a:t>16 July 2018</a:t>
             </a:fld>
             <a:endParaRPr lang="en-US">
               <a:solidFill>
@@ -16918,7 +16946,7 @@
                 <a:latin typeface="Times New Roman" pitchFamily="18" charset="0"/>
               </a:rPr>
               <a:pPr/>
-              <a:t>30 May 2018</a:t>
+              <a:t>16 July 2018</a:t>
             </a:fld>
             <a:endParaRPr lang="en-US" smtClean="0">
               <a:latin typeface="Times New Roman" pitchFamily="18" charset="0"/>
@@ -17901,7 +17929,7 @@
                 <a:latin typeface="Times New Roman" pitchFamily="18" charset="0"/>
               </a:rPr>
               <a:pPr/>
-              <a:t>30 May 2018</a:t>
+              <a:t>16 July 2018</a:t>
             </a:fld>
             <a:endParaRPr lang="en-US" smtClean="0">
               <a:latin typeface="Times New Roman" pitchFamily="18" charset="0"/>
@@ -18321,7 +18349,7 @@
                 <a:latin typeface="Times New Roman" pitchFamily="18" charset="0"/>
               </a:rPr>
               <a:pPr/>
-              <a:t>30 May 2018</a:t>
+              <a:t>16 July 2018</a:t>
             </a:fld>
             <a:endParaRPr lang="en-US" smtClean="0">
               <a:latin typeface="Times New Roman" pitchFamily="18" charset="0"/>
@@ -18931,7 +18959,7 @@
                 <a:latin typeface="Times New Roman" pitchFamily="18" charset="0"/>
               </a:rPr>
               <a:pPr/>
-              <a:t>30 May 2018</a:t>
+              <a:t>16 July 2018</a:t>
             </a:fld>
             <a:endParaRPr lang="en-US" smtClean="0">
               <a:latin typeface="Times New Roman" pitchFamily="18" charset="0"/>
@@ -18993,11 +19021,7 @@
           <a:p>
             <a:r>
               <a:rPr lang="en-US" dirty="0" smtClean="0"/>
-              <a:t>AF </a:t>
-            </a:r>
-            <a:r>
-              <a:rPr lang="en-US" dirty="0" smtClean="0"/>
-              <a:t>Carrier</a:t>
+              <a:t>AF Carrier</a:t>
             </a:r>
             <a:endParaRPr lang="en-US" dirty="0"/>
           </a:p>
@@ -19892,16 +19916,6 @@
               </a:rPr>
               <a:t>NSA</a:t>
             </a:r>
-            <a:endParaRPr kumimoji="0" lang="en-US" sz="1400" b="0" i="0" u="none" strike="noStrike" cap="none" normalizeH="0" baseline="0" dirty="0" smtClean="0">
-              <a:ln>
-                <a:noFill/>
-              </a:ln>
-              <a:solidFill>
-                <a:schemeClr val="tx1"/>
-              </a:solidFill>
-              <a:effectLst/>
-              <a:latin typeface="Arial" pitchFamily="34" charset="0"/>
-            </a:endParaRPr>
           </a:p>
           <a:p>
             <a:pPr marL="0" marR="0" indent="0" defTabSz="914400" rtl="0" eaLnBrk="0" fontAlgn="base" latinLnBrk="0" hangingPunct="0">
@@ -19922,15 +19936,7 @@
             </a:pPr>
             <a:r>
               <a:rPr lang="en-US" dirty="0" smtClean="0"/>
-              <a:t>Ft Meade</a:t>
-            </a:r>
-            <a:r>
-              <a:rPr lang="en-US" dirty="0" smtClean="0"/>
-              <a:t>, </a:t>
-            </a:r>
-            <a:r>
-              <a:rPr lang="en-US" dirty="0" smtClean="0"/>
-              <a:t>MD</a:t>
+              <a:t>Ft Meade, MD</a:t>
             </a:r>
             <a:endParaRPr kumimoji="0" lang="en-US" sz="1400" b="0" i="0" u="none" strike="noStrike" cap="none" normalizeH="0" baseline="0" dirty="0" smtClean="0">
               <a:ln>
@@ -21144,11 +21150,7 @@
           <a:p>
             <a:r>
               <a:rPr lang="en-US" dirty="0" smtClean="0"/>
-              <a:t>Embedded </a:t>
-            </a:r>
-            <a:r>
-              <a:rPr lang="en-US" dirty="0" smtClean="0"/>
-              <a:t>Systems  </a:t>
+              <a:t>Embedded Systems  </a:t>
             </a:r>
           </a:p>
           <a:p>
@@ -21487,11 +21489,7 @@
           <a:p>
             <a:r>
               <a:rPr lang="en-US" dirty="0" smtClean="0"/>
-              <a:t>In short – </a:t>
-            </a:r>
-            <a:r>
-              <a:rPr lang="en-US" dirty="0" smtClean="0"/>
-              <a:t>this is a </a:t>
+              <a:t>In short – this is a </a:t>
             </a:r>
             <a:r>
               <a:rPr lang="en-US" dirty="0" smtClean="0">
@@ -21503,7 +21501,18 @@
             </a:r>
             <a:r>
               <a:rPr lang="en-US" dirty="0" smtClean="0"/>
-              <a:t> class, NOT a software class</a:t>
+              <a:t> class, NOT a software </a:t>
+            </a:r>
+            <a:r>
+              <a:rPr lang="en-US" dirty="0" smtClean="0"/>
+              <a:t>class</a:t>
+            </a:r>
+          </a:p>
+          <a:p>
+            <a:pPr lvl="1"/>
+            <a:r>
+              <a:rPr lang="en-US" dirty="0" smtClean="0"/>
+              <a:t>Although we will learn assembly and C, those are just the means to use the HW</a:t>
             </a:r>
             <a:endParaRPr lang="en-US" dirty="0"/>
           </a:p>
@@ -21854,7 +21863,7 @@
               <a:pPr>
                 <a:defRPr/>
               </a:pPr>
-              <a:t>30 May 2018</a:t>
+              <a:t>16 July 2018</a:t>
             </a:fld>
             <a:endParaRPr lang="en-US" dirty="0">
               <a:solidFill>
@@ -21873,7 +21882,7 @@
         <p:spPr>
           <a:xfrm>
             <a:off x="430038" y="1584874"/>
-            <a:ext cx="8332961" cy="2000548"/>
+            <a:ext cx="8332961" cy="2739211"/>
           </a:xfrm>
           <a:prstGeom prst="rect">
             <a:avLst/>
@@ -21893,7 +21902,13 @@
               <a:rPr lang="en-US" sz="2400" b="1" dirty="0" smtClean="0">
                 <a:cs typeface="Times New Roman" pitchFamily="18" charset="0"/>
               </a:rPr>
-              <a:t>Required Books (pdfs available online):</a:t>
+              <a:t>Required Books (pdfs available </a:t>
+            </a:r>
+            <a:r>
+              <a:rPr lang="en-US" sz="2400" b="1" dirty="0" smtClean="0">
+                <a:cs typeface="Times New Roman" pitchFamily="18" charset="0"/>
+              </a:rPr>
+              <a:t>on class Webpage):</a:t>
             </a:r>
             <a:endParaRPr lang="en-US" sz="2400" b="1" dirty="0">
               <a:cs typeface="Times New Roman" pitchFamily="18" charset="0"/>
@@ -21939,11 +21954,64 @@
             </a:r>
             <a:r>
               <a:rPr lang="en-US" sz="2400" dirty="0"/>
-              <a:t> - </a:t>
+              <a:t> </a:t>
             </a:r>
             <a:r>
               <a:rPr lang="en-US" sz="2400" dirty="0" smtClean="0"/>
-              <a:t>TBD</a:t>
+              <a:t>-</a:t>
+            </a:r>
+            <a:r>
+              <a:rPr lang="en-US" sz="2400" dirty="0"/>
+              <a:t> </a:t>
+            </a:r>
+            <a:r>
+              <a:rPr lang="en-US" sz="2400" dirty="0">
+                <a:solidFill>
+                  <a:schemeClr val="accent6"/>
+                </a:solidFill>
+                <a:hlinkClick r:id="rId2"/>
+              </a:rPr>
+              <a:t>https://marsuniversity.github.io/ece382</a:t>
+            </a:r>
+            <a:r>
+              <a:rPr lang="en-US" sz="2400" dirty="0" smtClean="0">
+                <a:solidFill>
+                  <a:schemeClr val="accent6"/>
+                </a:solidFill>
+                <a:hlinkClick r:id="rId2"/>
+              </a:rPr>
+              <a:t>/</a:t>
+            </a:r>
+            <a:endParaRPr lang="en-US" sz="2400" dirty="0" smtClean="0">
+              <a:solidFill>
+                <a:schemeClr val="accent6"/>
+              </a:solidFill>
+            </a:endParaRPr>
+          </a:p>
+          <a:p>
+            <a:pPr marL="742950" lvl="1" indent="-285750">
+              <a:buFont typeface="Arial" panose="020B0604020202020204" pitchFamily="34" charset="0"/>
+              <a:buChar char="•"/>
+            </a:pPr>
+            <a:r>
+              <a:rPr lang="en-US" sz="2400" dirty="0" smtClean="0"/>
+              <a:t>Can you guess which TV show my </a:t>
+            </a:r>
+            <a:r>
+              <a:rPr lang="en-US" sz="2400" dirty="0" err="1" smtClean="0"/>
+              <a:t>git</a:t>
+            </a:r>
+            <a:r>
+              <a:rPr lang="en-US" sz="2400" dirty="0" err="1" smtClean="0"/>
+              <a:t>hub</a:t>
+            </a:r>
+            <a:r>
+              <a:rPr lang="en-US" sz="2400" dirty="0" smtClean="0"/>
+              <a:t> Organizations </a:t>
+            </a:r>
+            <a:r>
+              <a:rPr lang="en-US" sz="2400" dirty="0" smtClean="0"/>
+              <a:t>are based off of?</a:t>
             </a:r>
             <a:endParaRPr lang="en-US" sz="2400" dirty="0"/>
           </a:p>
@@ -21957,7 +22025,7 @@
         </p:nvSpPr>
         <p:spPr bwMode="auto">
           <a:xfrm>
-            <a:off x="360189" y="4953000"/>
+            <a:off x="360189" y="5427133"/>
             <a:ext cx="8332961" cy="543983"/>
           </a:xfrm>
           <a:prstGeom prst="rect">
@@ -22017,16 +22085,6 @@
               </a:rPr>
               <a:t>It is your responsibility to read/follow the syllabus and know when things are due</a:t>
             </a:r>
-            <a:endParaRPr kumimoji="0" lang="en-US" sz="1400" b="1" i="0" u="none" strike="noStrike" cap="none" normalizeH="0" baseline="0" dirty="0" smtClean="0">
-              <a:ln>
-                <a:noFill/>
-              </a:ln>
-              <a:solidFill>
-                <a:schemeClr val="bg1"/>
-              </a:solidFill>
-              <a:effectLst/>
-              <a:latin typeface="Arial" pitchFamily="34" charset="0"/>
-            </a:endParaRPr>
           </a:p>
         </p:txBody>
       </p:sp>
@@ -22715,25 +22773,8 @@
                 <a:latin typeface="Arial" pitchFamily="34" charset="0"/>
                 <a:sym typeface="Wingdings" pitchFamily="2" charset="2"/>
               </a:rPr>
-              <a:t>Capt </a:t>
-            </a:r>
-            <a:r>
-              <a:rPr lang="en-US" b="1" dirty="0" smtClean="0">
-                <a:solidFill>
-                  <a:srgbClr val="000000"/>
-                </a:solidFill>
-                <a:latin typeface="Arial" pitchFamily="34" charset="0"/>
-                <a:sym typeface="Wingdings" pitchFamily="2" charset="2"/>
-              </a:rPr>
-              <a:t>Johnson</a:t>
-            </a:r>
-            <a:endParaRPr lang="en-US" b="1" dirty="0" smtClean="0">
-              <a:solidFill>
-                <a:srgbClr val="000000"/>
-              </a:solidFill>
-              <a:latin typeface="Arial" pitchFamily="34" charset="0"/>
-              <a:sym typeface="Wingdings" pitchFamily="2" charset="2"/>
-            </a:endParaRPr>
+              <a:t>Capt Johnson</a:t>
+            </a:r>
           </a:p>
         </p:txBody>
       </p:sp>
@@ -26090,6 +26131,15 @@
 </file>
 
 <file path=customXml/item1.xml><?xml version="1.0" encoding="utf-8"?>
+<p:properties xmlns:p="http://schemas.microsoft.com/office/2006/metadata/properties" xmlns:xsi="http://www.w3.org/2001/XMLSchema-instance" xmlns:pc="http://schemas.microsoft.com/office/infopath/2007/PartnerControls">
+  <documentManagement>
+    <PublishingExpirationDate xmlns="http://schemas.microsoft.com/sharepoint/v3" xsi:nil="true"/>
+    <PublishingStartDate xmlns="http://schemas.microsoft.com/sharepoint/v3" xsi:nil="true"/>
+  </documentManagement>
+</p:properties>
+</file>
+
+<file path=customXml/item2.xml><?xml version="1.0" encoding="utf-8"?>
 <ct:contentTypeSchema xmlns:ct="http://schemas.microsoft.com/office/2006/metadata/contentType" xmlns:ma="http://schemas.microsoft.com/office/2006/metadata/properties/metaAttributes" ct:_="" ma:_="" ma:contentTypeName="Document" ma:contentTypeID="0x01010026B44337BE5C7D4193621DF98D151EB6" ma:contentTypeVersion="1" ma:contentTypeDescription="Create a new document." ma:contentTypeScope="" ma:versionID="97e7a7c9ce595270c3eaeb148770bcf7">
   <xsd:schema xmlns:xsd="http://www.w3.org/2001/XMLSchema" xmlns:xs="http://www.w3.org/2001/XMLSchema" xmlns:p="http://schemas.microsoft.com/office/2006/metadata/properties" xmlns:ns1="http://schemas.microsoft.com/sharepoint/v3" targetNamespace="http://schemas.microsoft.com/office/2006/metadata/properties" ma:root="true" ma:fieldsID="4dcce58c87e9fcebab8021569449a8d0" ns1:_="">
     <xsd:import namespace="http://schemas.microsoft.com/sharepoint/v3"/>
@@ -26221,15 +26271,6 @@
 </ct:contentTypeSchema>
 </file>
 
-<file path=customXml/item2.xml><?xml version="1.0" encoding="utf-8"?>
-<p:properties xmlns:p="http://schemas.microsoft.com/office/2006/metadata/properties" xmlns:xsi="http://www.w3.org/2001/XMLSchema-instance" xmlns:pc="http://schemas.microsoft.com/office/infopath/2007/PartnerControls">
-  <documentManagement>
-    <PublishingExpirationDate xmlns="http://schemas.microsoft.com/sharepoint/v3" xsi:nil="true"/>
-    <PublishingStartDate xmlns="http://schemas.microsoft.com/sharepoint/v3" xsi:nil="true"/>
-  </documentManagement>
-</p:properties>
-</file>
-
 <file path=customXml/item3.xml><?xml version="1.0" encoding="utf-8"?>
 <?mso-contentType ?>
 <FormTemplates xmlns="http://schemas.microsoft.com/sharepoint/v3/contenttype/forms">
@@ -26240,6 +26281,22 @@
 </file>
 
 <file path=customXml/itemProps1.xml><?xml version="1.0" encoding="utf-8"?>
+<ds:datastoreItem xmlns:ds="http://schemas.openxmlformats.org/officeDocument/2006/customXml" ds:itemID="{0A6BADE1-4A4A-48A5-911B-5F6548B33A51}">
+  <ds:schemaRefs>
+    <ds:schemaRef ds:uri="http://schemas.microsoft.com/office/2006/documentManagement/types"/>
+    <ds:schemaRef ds:uri="http://purl.org/dc/dcmitype/"/>
+    <ds:schemaRef ds:uri="http://schemas.microsoft.com/office/infopath/2007/PartnerControls"/>
+    <ds:schemaRef ds:uri="http://purl.org/dc/elements/1.1/"/>
+    <ds:schemaRef ds:uri="http://schemas.microsoft.com/office/2006/metadata/properties"/>
+    <ds:schemaRef ds:uri="http://schemas.microsoft.com/sharepoint/v3"/>
+    <ds:schemaRef ds:uri="http://purl.org/dc/terms/"/>
+    <ds:schemaRef ds:uri="http://schemas.openxmlformats.org/package/2006/metadata/core-properties"/>
+    <ds:schemaRef ds:uri="http://www.w3.org/XML/1998/namespace"/>
+  </ds:schemaRefs>
+</ds:datastoreItem>
+</file>
+
+<file path=customXml/itemProps2.xml><?xml version="1.0" encoding="utf-8"?>
 <ds:datastoreItem xmlns:ds="http://schemas.openxmlformats.org/officeDocument/2006/customXml" ds:itemID="{9BDBC61A-8F22-4749-B0E2-3185185CFF04}">
   <ds:schemaRefs>
     <ds:schemaRef ds:uri="http://schemas.microsoft.com/office/2006/metadata/contentType"/>
@@ -26257,22 +26314,6 @@
 </ds:datastoreItem>
 </file>
 
-<file path=customXml/itemProps2.xml><?xml version="1.0" encoding="utf-8"?>
-<ds:datastoreItem xmlns:ds="http://schemas.openxmlformats.org/officeDocument/2006/customXml" ds:itemID="{0A6BADE1-4A4A-48A5-911B-5F6548B33A51}">
-  <ds:schemaRefs>
-    <ds:schemaRef ds:uri="http://schemas.microsoft.com/office/2006/documentManagement/types"/>
-    <ds:schemaRef ds:uri="http://purl.org/dc/dcmitype/"/>
-    <ds:schemaRef ds:uri="http://schemas.microsoft.com/office/infopath/2007/PartnerControls"/>
-    <ds:schemaRef ds:uri="http://purl.org/dc/elements/1.1/"/>
-    <ds:schemaRef ds:uri="http://schemas.microsoft.com/office/2006/metadata/properties"/>
-    <ds:schemaRef ds:uri="http://schemas.microsoft.com/sharepoint/v3"/>
-    <ds:schemaRef ds:uri="http://purl.org/dc/terms/"/>
-    <ds:schemaRef ds:uri="http://schemas.openxmlformats.org/package/2006/metadata/core-properties"/>
-    <ds:schemaRef ds:uri="http://www.w3.org/XML/1998/namespace"/>
-  </ds:schemaRefs>
-</ds:datastoreItem>
-</file>
-
 <file path=customXml/itemProps3.xml><?xml version="1.0" encoding="utf-8"?>
 <ds:datastoreItem xmlns:ds="http://schemas.openxmlformats.org/officeDocument/2006/customXml" ds:itemID="{7898C6F1-02C7-4807-8DB1-44412B5FAC7D}">
   <ds:schemaRefs>

--- a/source/lessons/lsn1/Lsn1.pptx
+++ b/source/lessons/lsn1/Lsn1.pptx
@@ -8,10 +8,10 @@
     <p:sldMasterId id="2147483805" r:id="rId7"/>
   </p:sldMasterIdLst>
   <p:notesMasterIdLst>
-    <p:notesMasterId r:id="rId30"/>
+    <p:notesMasterId r:id="rId32"/>
   </p:notesMasterIdLst>
   <p:handoutMasterIdLst>
-    <p:handoutMasterId r:id="rId31"/>
+    <p:handoutMasterId r:id="rId33"/>
   </p:handoutMasterIdLst>
   <p:sldIdLst>
     <p:sldId id="286" r:id="rId8"/>
@@ -19,23 +19,25 @@
     <p:sldId id="327" r:id="rId10"/>
     <p:sldId id="328" r:id="rId11"/>
     <p:sldId id="329" r:id="rId12"/>
-    <p:sldId id="292" r:id="rId13"/>
-    <p:sldId id="295" r:id="rId14"/>
-    <p:sldId id="320" r:id="rId15"/>
-    <p:sldId id="299" r:id="rId16"/>
-    <p:sldId id="330" r:id="rId17"/>
-    <p:sldId id="319" r:id="rId18"/>
-    <p:sldId id="280" r:id="rId19"/>
-    <p:sldId id="321" r:id="rId20"/>
-    <p:sldId id="322" r:id="rId21"/>
-    <p:sldId id="323" r:id="rId22"/>
-    <p:sldId id="315" r:id="rId23"/>
-    <p:sldId id="318" r:id="rId24"/>
-    <p:sldId id="309" r:id="rId25"/>
-    <p:sldId id="317" r:id="rId26"/>
-    <p:sldId id="310" r:id="rId27"/>
-    <p:sldId id="311" r:id="rId28"/>
-    <p:sldId id="312" r:id="rId29"/>
+    <p:sldId id="295" r:id="rId13"/>
+    <p:sldId id="332" r:id="rId14"/>
+    <p:sldId id="323" r:id="rId15"/>
+    <p:sldId id="331" r:id="rId16"/>
+    <p:sldId id="320" r:id="rId17"/>
+    <p:sldId id="299" r:id="rId18"/>
+    <p:sldId id="330" r:id="rId19"/>
+    <p:sldId id="319" r:id="rId20"/>
+    <p:sldId id="280" r:id="rId21"/>
+    <p:sldId id="292" r:id="rId22"/>
+    <p:sldId id="321" r:id="rId23"/>
+    <p:sldId id="322" r:id="rId24"/>
+    <p:sldId id="315" r:id="rId25"/>
+    <p:sldId id="318" r:id="rId26"/>
+    <p:sldId id="309" r:id="rId27"/>
+    <p:sldId id="317" r:id="rId28"/>
+    <p:sldId id="310" r:id="rId29"/>
+    <p:sldId id="311" r:id="rId30"/>
+    <p:sldId id="312" r:id="rId31"/>
   </p:sldIdLst>
   <p:sldSz cx="9144000" cy="6858000" type="screen4x3"/>
   <p:notesSz cx="7010400" cy="9296400"/>
@@ -1043,7 +1045,7 @@
               <a:pPr>
                 <a:defRPr/>
               </a:pPr>
-              <a:t>7</a:t>
+              <a:t>6</a:t>
             </a:fld>
             <a:endParaRPr lang="en-US" dirty="0"/>
           </a:p>
@@ -1134,7 +1136,7 @@
                 </a:solidFill>
               </a:rPr>
               <a:pPr/>
-              <a:t>9</a:t>
+              <a:t>11</a:t>
             </a:fld>
             <a:endParaRPr lang="en-US">
               <a:solidFill>
@@ -1228,7 +1230,7 @@
               <a:pPr>
                 <a:defRPr/>
               </a:pPr>
-              <a:t>12</a:t>
+              <a:t>14</a:t>
             </a:fld>
             <a:endParaRPr lang="en-US" dirty="0"/>
           </a:p>
@@ -1588,7 +1590,7 @@
             <a:fld id="{03BBD8DF-5A19-4603-9831-1078DBE4EAF8}" type="slidenum">
               <a:rPr lang="en-US" sz="1200" smtClean="0"/>
               <a:pPr/>
-              <a:t>21</a:t>
+              <a:t>23</a:t>
             </a:fld>
             <a:endParaRPr lang="en-US" sz="1200" smtClean="0"/>
           </a:p>
@@ -3792,7 +3794,7 @@
               <a:pPr>
                 <a:defRPr/>
               </a:pPr>
-              <a:t>16 July 2018</a:t>
+              <a:t>23 July 2018</a:t>
             </a:fld>
             <a:endParaRPr lang="en-US">
               <a:solidFill>
@@ -4017,7 +4019,7 @@
               <a:pPr>
                 <a:defRPr/>
               </a:pPr>
-              <a:t>16 July 2018</a:t>
+              <a:t>23 July 2018</a:t>
             </a:fld>
             <a:endParaRPr lang="en-US">
               <a:solidFill>
@@ -4250,7 +4252,7 @@
               <a:pPr>
                 <a:defRPr/>
               </a:pPr>
-              <a:t>16 July 2018</a:t>
+              <a:t>23 July 2018</a:t>
             </a:fld>
             <a:endParaRPr lang="en-US">
               <a:solidFill>
@@ -4586,7 +4588,7 @@
               <a:pPr>
                 <a:defRPr/>
               </a:pPr>
-              <a:t>16 July 2018</a:t>
+              <a:t>23 July 2018</a:t>
             </a:fld>
             <a:endParaRPr lang="en-US">
               <a:solidFill>
@@ -5061,7 +5063,7 @@
               <a:pPr>
                 <a:defRPr/>
               </a:pPr>
-              <a:t>16 July 2018</a:t>
+              <a:t>23 July 2018</a:t>
             </a:fld>
             <a:endParaRPr lang="en-US">
               <a:solidFill>
@@ -5227,7 +5229,7 @@
               <a:pPr>
                 <a:defRPr/>
               </a:pPr>
-              <a:t>16 July 2018</a:t>
+              <a:t>23 July 2018</a:t>
             </a:fld>
             <a:endParaRPr lang="en-US">
               <a:solidFill>
@@ -5370,7 +5372,7 @@
               <a:pPr>
                 <a:defRPr/>
               </a:pPr>
-              <a:t>16 July 2018</a:t>
+              <a:t>23 July 2018</a:t>
             </a:fld>
             <a:endParaRPr lang="en-US">
               <a:solidFill>
@@ -5695,7 +5697,7 @@
               <a:pPr>
                 <a:defRPr/>
               </a:pPr>
-              <a:t>16 July 2018</a:t>
+              <a:t>23 July 2018</a:t>
             </a:fld>
             <a:endParaRPr lang="en-US">
               <a:solidFill>
@@ -5997,7 +5999,7 @@
               <a:pPr>
                 <a:defRPr/>
               </a:pPr>
-              <a:t>16 July 2018</a:t>
+              <a:t>23 July 2018</a:t>
             </a:fld>
             <a:endParaRPr lang="en-US">
               <a:solidFill>
@@ -6215,7 +6217,7 @@
               <a:pPr>
                 <a:defRPr/>
               </a:pPr>
-              <a:t>16 July 2018</a:t>
+              <a:t>23 July 2018</a:t>
             </a:fld>
             <a:endParaRPr lang="en-US">
               <a:solidFill>
@@ -6443,7 +6445,7 @@
               <a:pPr>
                 <a:defRPr/>
               </a:pPr>
-              <a:t>16 July 2018</a:t>
+              <a:t>23 July 2018</a:t>
             </a:fld>
             <a:endParaRPr lang="en-US">
               <a:solidFill>
@@ -6639,7 +6641,7 @@
               <a:pPr>
                 <a:defRPr/>
               </a:pPr>
-              <a:t>16 July 2018</a:t>
+              <a:t>23 July 2018</a:t>
             </a:fld>
             <a:endParaRPr lang="en-US">
               <a:solidFill>
@@ -6792,7 +6794,7 @@
               <a:pPr>
                 <a:defRPr/>
               </a:pPr>
-              <a:t>16 July 2018</a:t>
+              <a:t>23 July 2018</a:t>
             </a:fld>
             <a:endParaRPr lang="en-US"/>
           </a:p>
@@ -11353,7 +11355,7 @@
               <a:pPr eaLnBrk="0" hangingPunct="0">
                 <a:defRPr/>
               </a:pPr>
-              <a:t>16 July 2018</a:t>
+              <a:t>23 July 2018</a:t>
             </a:fld>
             <a:endParaRPr lang="en-US">
               <a:solidFill>
@@ -12410,6 +12412,1379 @@
       </p:grpSpPr>
       <p:sp>
         <p:nvSpPr>
+          <p:cNvPr id="2" name="Title 1"/>
+          <p:cNvSpPr>
+            <a:spLocks noGrp="1"/>
+          </p:cNvSpPr>
+          <p:nvPr>
+            <p:ph type="title"/>
+          </p:nvPr>
+        </p:nvSpPr>
+        <p:spPr/>
+        <p:txBody>
+          <a:bodyPr/>
+          <a:lstStyle/>
+          <a:p>
+            <a:r>
+              <a:rPr lang="en-US" dirty="0" smtClean="0"/>
+              <a:t>Course Text and Website</a:t>
+            </a:r>
+            <a:endParaRPr lang="en-US" dirty="0"/>
+          </a:p>
+        </p:txBody>
+      </p:sp>
+      <p:sp>
+        <p:nvSpPr>
+          <p:cNvPr id="4" name="Slide Number Placeholder 3"/>
+          <p:cNvSpPr>
+            <a:spLocks noGrp="1"/>
+          </p:cNvSpPr>
+          <p:nvPr>
+            <p:ph type="sldNum" sz="quarter" idx="10"/>
+          </p:nvPr>
+        </p:nvSpPr>
+        <p:spPr/>
+        <p:txBody>
+          <a:bodyPr/>
+          <a:lstStyle/>
+          <a:p>
+            <a:pPr>
+              <a:defRPr/>
+            </a:pPr>
+            <a:endParaRPr lang="en-US" smtClean="0">
+              <a:solidFill>
+                <a:srgbClr val="000000"/>
+              </a:solidFill>
+            </a:endParaRPr>
+          </a:p>
+          <a:p>
+            <a:pPr>
+              <a:defRPr/>
+            </a:pPr>
+            <a:fld id="{7706F834-159A-4AE9-914A-1B0F0E8AD230}" type="slidenum">
+              <a:rPr lang="en-US" smtClean="0">
+                <a:solidFill>
+                  <a:srgbClr val="000000"/>
+                </a:solidFill>
+              </a:rPr>
+              <a:pPr>
+                <a:defRPr/>
+              </a:pPr>
+              <a:t>10</a:t>
+            </a:fld>
+            <a:endParaRPr lang="en-US">
+              <a:solidFill>
+                <a:srgbClr val="000000"/>
+              </a:solidFill>
+            </a:endParaRPr>
+          </a:p>
+        </p:txBody>
+      </p:sp>
+      <p:sp>
+        <p:nvSpPr>
+          <p:cNvPr id="5" name="Date Placeholder 4"/>
+          <p:cNvSpPr>
+            <a:spLocks noGrp="1"/>
+          </p:cNvSpPr>
+          <p:nvPr>
+            <p:ph type="dt" sz="half" idx="11"/>
+          </p:nvPr>
+        </p:nvSpPr>
+        <p:spPr/>
+        <p:txBody>
+          <a:bodyPr/>
+          <a:lstStyle/>
+          <a:p>
+            <a:pPr>
+              <a:defRPr/>
+            </a:pPr>
+            <a:endParaRPr lang="en-US" dirty="0" smtClean="0">
+              <a:solidFill>
+                <a:srgbClr val="000000"/>
+              </a:solidFill>
+            </a:endParaRPr>
+          </a:p>
+          <a:p>
+            <a:pPr>
+              <a:defRPr/>
+            </a:pPr>
+            <a:fld id="{50E6973E-609D-4352-9813-DC0294ABD1EE}" type="datetime3">
+              <a:rPr lang="en-US" smtClean="0">
+                <a:solidFill>
+                  <a:srgbClr val="000000"/>
+                </a:solidFill>
+              </a:rPr>
+              <a:pPr>
+                <a:defRPr/>
+              </a:pPr>
+              <a:t>23 July 2018</a:t>
+            </a:fld>
+            <a:endParaRPr lang="en-US" dirty="0">
+              <a:solidFill>
+                <a:srgbClr val="000000"/>
+              </a:solidFill>
+            </a:endParaRPr>
+          </a:p>
+        </p:txBody>
+      </p:sp>
+      <p:sp>
+        <p:nvSpPr>
+          <p:cNvPr id="6" name="Rectangle 5"/>
+          <p:cNvSpPr/>
+          <p:nvPr/>
+        </p:nvSpPr>
+        <p:spPr>
+          <a:xfrm>
+            <a:off x="430038" y="1584874"/>
+            <a:ext cx="8332961" cy="3477875"/>
+          </a:xfrm>
+          <a:prstGeom prst="rect">
+            <a:avLst/>
+          </a:prstGeom>
+        </p:spPr>
+        <p:txBody>
+          <a:bodyPr wrap="square">
+            <a:spAutoFit/>
+          </a:bodyPr>
+          <a:lstStyle/>
+          <a:p>
+            <a:pPr marL="285750" indent="-285750">
+              <a:buFont typeface="Arial" panose="020B0604020202020204" pitchFamily="34" charset="0"/>
+              <a:buChar char="•"/>
+            </a:pPr>
+            <a:r>
+              <a:rPr lang="en-US" sz="2400" b="1" dirty="0" smtClean="0">
+                <a:cs typeface="Times New Roman" pitchFamily="18" charset="0"/>
+              </a:rPr>
+              <a:t>Required Books (pdfs available on class Webpage):</a:t>
+            </a:r>
+            <a:endParaRPr lang="en-US" sz="2400" b="1" dirty="0">
+              <a:cs typeface="Times New Roman" pitchFamily="18" charset="0"/>
+            </a:endParaRPr>
+          </a:p>
+          <a:p>
+            <a:pPr lvl="1"/>
+            <a:r>
+              <a:rPr lang="en-US" sz="2600" dirty="0">
+                <a:cs typeface="Times New Roman" pitchFamily="18" charset="0"/>
+              </a:rPr>
+              <a:t>MSP430x2xx Family Users Guide</a:t>
+            </a:r>
+          </a:p>
+          <a:p>
+            <a:pPr lvl="1"/>
+            <a:r>
+              <a:rPr lang="en-US" sz="2600" dirty="0">
+                <a:cs typeface="Times New Roman" pitchFamily="18" charset="0"/>
+              </a:rPr>
+              <a:t>MSP430G2x53 MSP430G2x13 Mixed Signal MCU</a:t>
+            </a:r>
+          </a:p>
+          <a:p>
+            <a:pPr marL="285750" indent="-285750">
+              <a:buFont typeface="Arial" panose="020B0604020202020204" pitchFamily="34" charset="0"/>
+              <a:buChar char="•"/>
+            </a:pPr>
+            <a:endParaRPr lang="en-US" sz="2400" b="1" dirty="0" smtClean="0"/>
+          </a:p>
+          <a:p>
+            <a:pPr marL="285750" indent="-285750">
+              <a:buFont typeface="Arial" panose="020B0604020202020204" pitchFamily="34" charset="0"/>
+              <a:buChar char="•"/>
+            </a:pPr>
+            <a:endParaRPr lang="en-US" sz="2400" b="1" dirty="0"/>
+          </a:p>
+          <a:p>
+            <a:pPr marL="285750" indent="-285750">
+              <a:buFont typeface="Arial" panose="020B0604020202020204" pitchFamily="34" charset="0"/>
+              <a:buChar char="•"/>
+            </a:pPr>
+            <a:endParaRPr lang="en-US" sz="2400" b="1" dirty="0"/>
+          </a:p>
+          <a:p>
+            <a:pPr marL="285750" indent="-285750">
+              <a:buFont typeface="Arial" panose="020B0604020202020204" pitchFamily="34" charset="0"/>
+              <a:buChar char="•"/>
+            </a:pPr>
+            <a:r>
+              <a:rPr lang="en-US" sz="2400" b="1" dirty="0" smtClean="0"/>
+              <a:t>Course </a:t>
+            </a:r>
+            <a:r>
+              <a:rPr lang="en-US" sz="2400" b="1" dirty="0"/>
+              <a:t>URL</a:t>
+            </a:r>
+            <a:r>
+              <a:rPr lang="en-US" sz="2400" dirty="0"/>
+              <a:t> </a:t>
+            </a:r>
+            <a:r>
+              <a:rPr lang="en-US" sz="2400" dirty="0" smtClean="0"/>
+              <a:t>-</a:t>
+            </a:r>
+            <a:r>
+              <a:rPr lang="en-US" sz="2400" dirty="0"/>
+              <a:t> </a:t>
+            </a:r>
+            <a:r>
+              <a:rPr lang="en-US" sz="2400" dirty="0">
+                <a:solidFill>
+                  <a:schemeClr val="accent6"/>
+                </a:solidFill>
+                <a:hlinkClick r:id="rId2"/>
+              </a:rPr>
+              <a:t>https://marsuniversity.github.io/ece382</a:t>
+            </a:r>
+            <a:r>
+              <a:rPr lang="en-US" sz="2400" dirty="0" smtClean="0">
+                <a:solidFill>
+                  <a:schemeClr val="accent6"/>
+                </a:solidFill>
+                <a:hlinkClick r:id="rId2"/>
+              </a:rPr>
+              <a:t>/</a:t>
+            </a:r>
+            <a:endParaRPr lang="en-US" sz="2400" dirty="0" smtClean="0">
+              <a:solidFill>
+                <a:schemeClr val="accent6"/>
+              </a:solidFill>
+            </a:endParaRPr>
+          </a:p>
+          <a:p>
+            <a:pPr marL="742950" lvl="1" indent="-285750">
+              <a:buFont typeface="Arial" panose="020B0604020202020204" pitchFamily="34" charset="0"/>
+              <a:buChar char="•"/>
+            </a:pPr>
+            <a:r>
+              <a:rPr lang="en-US" sz="2400" dirty="0" smtClean="0"/>
+              <a:t>Can you guess which TV show my </a:t>
+            </a:r>
+            <a:r>
+              <a:rPr lang="en-US" sz="2400" dirty="0" err="1" smtClean="0"/>
+              <a:t>github</a:t>
+            </a:r>
+            <a:r>
+              <a:rPr lang="en-US" sz="2400" dirty="0" smtClean="0"/>
+              <a:t> Organizations are based off of?</a:t>
+            </a:r>
+            <a:endParaRPr lang="en-US" sz="2400" dirty="0"/>
+          </a:p>
+        </p:txBody>
+      </p:sp>
+      <p:sp>
+        <p:nvSpPr>
+          <p:cNvPr id="8" name="Rectangle 7"/>
+          <p:cNvSpPr/>
+          <p:nvPr/>
+        </p:nvSpPr>
+        <p:spPr bwMode="auto">
+          <a:xfrm>
+            <a:off x="360189" y="5427133"/>
+            <a:ext cx="8332961" cy="543983"/>
+          </a:xfrm>
+          <a:prstGeom prst="rect">
+            <a:avLst/>
+          </a:prstGeom>
+          <a:solidFill>
+            <a:srgbClr val="0C2D83"/>
+          </a:solidFill>
+          <a:ln w="12700" cap="flat" cmpd="sng" algn="ctr">
+            <a:solidFill>
+              <a:schemeClr val="accent6">
+                <a:lumMod val="40000"/>
+                <a:lumOff val="60000"/>
+              </a:schemeClr>
+            </a:solidFill>
+            <a:prstDash val="solid"/>
+            <a:round/>
+            <a:headEnd type="none" w="med" len="med"/>
+            <a:tailEnd type="none" w="med" len="med"/>
+          </a:ln>
+          <a:effectLst/>
+        </p:spPr>
+        <p:txBody>
+          <a:bodyPr vert="horz" wrap="square" lIns="91440" tIns="45720" rIns="91440" bIns="45720" numCol="1" rtlCol="0" anchor="ctr" anchorCtr="0" compatLnSpc="1">
+            <a:prstTxWarp prst="textNoShape">
+              <a:avLst/>
+            </a:prstTxWarp>
+          </a:bodyPr>
+          <a:lstStyle/>
+          <a:p>
+            <a:pPr marL="0" marR="0" indent="0" algn="ctr" defTabSz="914400" rtl="0" eaLnBrk="0" fontAlgn="base" latinLnBrk="0" hangingPunct="0">
+              <a:lnSpc>
+                <a:spcPct val="100000"/>
+              </a:lnSpc>
+              <a:spcBef>
+                <a:spcPct val="0"/>
+              </a:spcBef>
+              <a:spcAft>
+                <a:spcPct val="0"/>
+              </a:spcAft>
+              <a:buClrTx/>
+              <a:buSzTx/>
+              <a:buFontTx/>
+              <a:buNone/>
+              <a:tabLst/>
+            </a:pPr>
+            <a:r>
+              <a:rPr kumimoji="0" lang="en-US" sz="1600" b="1" i="0" u="none" strike="noStrike" cap="none" normalizeH="0" baseline="0" dirty="0" smtClean="0">
+                <a:ln>
+                  <a:noFill/>
+                </a:ln>
+                <a:solidFill>
+                  <a:schemeClr val="bg1"/>
+                </a:solidFill>
+                <a:effectLst/>
+                <a:latin typeface="Arial" pitchFamily="34" charset="0"/>
+              </a:rPr>
+              <a:t>It is your responsibility to read/follow the syllabus and know when things are due</a:t>
+            </a:r>
+          </a:p>
+        </p:txBody>
+      </p:sp>
+      <p:sp>
+        <p:nvSpPr>
+          <p:cNvPr id="7" name="Rectangle 6"/>
+          <p:cNvSpPr/>
+          <p:nvPr/>
+        </p:nvSpPr>
+        <p:spPr bwMode="auto">
+          <a:xfrm>
+            <a:off x="360188" y="3051819"/>
+            <a:ext cx="8332961" cy="543983"/>
+          </a:xfrm>
+          <a:prstGeom prst="rect">
+            <a:avLst/>
+          </a:prstGeom>
+          <a:solidFill>
+            <a:srgbClr val="0C2D83"/>
+          </a:solidFill>
+          <a:ln w="12700" cap="flat" cmpd="sng" algn="ctr">
+            <a:solidFill>
+              <a:schemeClr val="accent6">
+                <a:lumMod val="40000"/>
+                <a:lumOff val="60000"/>
+              </a:schemeClr>
+            </a:solidFill>
+            <a:prstDash val="solid"/>
+            <a:round/>
+            <a:headEnd type="none" w="med" len="med"/>
+            <a:tailEnd type="none" w="med" len="med"/>
+          </a:ln>
+          <a:effectLst/>
+        </p:spPr>
+        <p:txBody>
+          <a:bodyPr vert="horz" wrap="square" lIns="91440" tIns="45720" rIns="91440" bIns="45720" numCol="1" rtlCol="0" anchor="ctr" anchorCtr="0" compatLnSpc="1">
+            <a:prstTxWarp prst="textNoShape">
+              <a:avLst/>
+            </a:prstTxWarp>
+          </a:bodyPr>
+          <a:lstStyle/>
+          <a:p>
+            <a:pPr marL="0" marR="0" indent="0" algn="ctr" defTabSz="914400" rtl="0" eaLnBrk="0" fontAlgn="base" latinLnBrk="0" hangingPunct="0">
+              <a:lnSpc>
+                <a:spcPct val="100000"/>
+              </a:lnSpc>
+              <a:spcBef>
+                <a:spcPct val="0"/>
+              </a:spcBef>
+              <a:spcAft>
+                <a:spcPct val="0"/>
+              </a:spcAft>
+              <a:buClrTx/>
+              <a:buSzTx/>
+              <a:buFontTx/>
+              <a:buNone/>
+              <a:tabLst/>
+            </a:pPr>
+            <a:r>
+              <a:rPr kumimoji="0" lang="en-US" sz="1600" b="1" i="0" u="none" strike="noStrike" cap="none" normalizeH="0" baseline="0" dirty="0" smtClean="0">
+                <a:ln>
+                  <a:noFill/>
+                </a:ln>
+                <a:solidFill>
+                  <a:schemeClr val="bg1"/>
+                </a:solidFill>
+                <a:effectLst/>
+                <a:latin typeface="Arial" pitchFamily="34" charset="0"/>
+              </a:rPr>
+              <a:t>With hardware, you need to read</a:t>
+            </a:r>
+            <a:r>
+              <a:rPr kumimoji="0" lang="en-US" sz="1600" b="1" i="0" u="none" strike="noStrike" cap="none" normalizeH="0" dirty="0" smtClean="0">
+                <a:ln>
+                  <a:noFill/>
+                </a:ln>
+                <a:solidFill>
+                  <a:schemeClr val="bg1"/>
+                </a:solidFill>
+                <a:effectLst/>
+                <a:latin typeface="Arial" pitchFamily="34" charset="0"/>
+              </a:rPr>
+              <a:t> the datasheet, so that is our book for the class</a:t>
+            </a:r>
+            <a:endParaRPr kumimoji="0" lang="en-US" sz="1600" b="1" i="0" u="none" strike="noStrike" cap="none" normalizeH="0" baseline="0" dirty="0" smtClean="0">
+              <a:ln>
+                <a:noFill/>
+              </a:ln>
+              <a:solidFill>
+                <a:schemeClr val="bg1"/>
+              </a:solidFill>
+              <a:effectLst/>
+              <a:latin typeface="Arial" pitchFamily="34" charset="0"/>
+            </a:endParaRPr>
+          </a:p>
+        </p:txBody>
+      </p:sp>
+    </p:spTree>
+    <p:extLst>
+      <p:ext uri="{BB962C8B-B14F-4D97-AF65-F5344CB8AC3E}">
+        <p14:creationId xmlns:p14="http://schemas.microsoft.com/office/powerpoint/2010/main" val="2211890648"/>
+      </p:ext>
+    </p:extLst>
+  </p:cSld>
+  <p:clrMapOvr>
+    <a:masterClrMapping/>
+  </p:clrMapOvr>
+  <p:timing>
+    <p:tnLst>
+      <p:par>
+        <p:cTn id="1" dur="indefinite" restart="never" nodeType="tmRoot"/>
+      </p:par>
+    </p:tnLst>
+  </p:timing>
+</p:sld>
+</file>
+
+<file path=ppt/slides/slide11.xml><?xml version="1.0" encoding="utf-8"?>
+<p:sld xmlns:a="http://schemas.openxmlformats.org/drawingml/2006/main" xmlns:r="http://schemas.openxmlformats.org/officeDocument/2006/relationships" xmlns:p="http://schemas.openxmlformats.org/presentationml/2006/main">
+  <p:cSld>
+    <p:spTree>
+      <p:nvGrpSpPr>
+        <p:cNvPr id="1" name=""/>
+        <p:cNvGrpSpPr/>
+        <p:nvPr/>
+      </p:nvGrpSpPr>
+      <p:grpSpPr>
+        <a:xfrm>
+          <a:off x="0" y="0"/>
+          <a:ext cx="0" cy="0"/>
+          <a:chOff x="0" y="0"/>
+          <a:chExt cx="0" cy="0"/>
+        </a:xfrm>
+      </p:grpSpPr>
+      <p:sp>
+        <p:nvSpPr>
+          <p:cNvPr id="3" name="Rectangle 2"/>
+          <p:cNvSpPr/>
+          <p:nvPr/>
+        </p:nvSpPr>
+        <p:spPr bwMode="auto">
+          <a:xfrm>
+            <a:off x="0" y="0"/>
+            <a:ext cx="9144000" cy="6858000"/>
+          </a:xfrm>
+          <a:prstGeom prst="rect">
+            <a:avLst/>
+          </a:prstGeom>
+          <a:ln>
+            <a:headEnd type="none" w="med" len="med"/>
+            <a:tailEnd type="none" w="med" len="med"/>
+          </a:ln>
+        </p:spPr>
+        <p:style>
+          <a:lnRef idx="2">
+            <a:schemeClr val="accent3"/>
+          </a:lnRef>
+          <a:fillRef idx="1">
+            <a:schemeClr val="lt1"/>
+          </a:fillRef>
+          <a:effectRef idx="0">
+            <a:schemeClr val="accent3"/>
+          </a:effectRef>
+          <a:fontRef idx="minor">
+            <a:schemeClr val="dk1"/>
+          </a:fontRef>
+        </p:style>
+        <p:txBody>
+          <a:bodyPr vert="horz" wrap="square" lIns="91440" tIns="45720" rIns="91440" bIns="45720" numCol="1" rtlCol="0" anchor="t" anchorCtr="0" compatLnSpc="1">
+            <a:prstTxWarp prst="textNoShape">
+              <a:avLst/>
+            </a:prstTxWarp>
+          </a:bodyPr>
+          <a:lstStyle/>
+          <a:p>
+            <a:pPr algn="ctr" eaLnBrk="0" hangingPunct="0"/>
+            <a:endParaRPr lang="en-US" sz="400" b="1" dirty="0" smtClean="0">
+              <a:solidFill>
+                <a:srgbClr val="000000"/>
+              </a:solidFill>
+              <a:latin typeface="Arial" pitchFamily="34" charset="0"/>
+              <a:sym typeface="Wingdings" pitchFamily="2" charset="2"/>
+            </a:endParaRPr>
+          </a:p>
+          <a:p>
+            <a:pPr algn="ctr" eaLnBrk="0" hangingPunct="0"/>
+            <a:r>
+              <a:rPr lang="en-US" sz="2400" b="1" dirty="0" smtClean="0">
+                <a:solidFill>
+                  <a:srgbClr val="000000"/>
+                </a:solidFill>
+                <a:latin typeface="Arial" pitchFamily="34" charset="0"/>
+                <a:sym typeface="Wingdings" pitchFamily="2" charset="2"/>
+              </a:rPr>
+              <a:t>West (Terrazzo) Side</a:t>
+            </a:r>
+          </a:p>
+        </p:txBody>
+      </p:sp>
+      <p:pic>
+        <p:nvPicPr>
+          <p:cNvPr id="1026" name="Picture 2"/>
+          <p:cNvPicPr>
+            <a:picLocks noGrp="1" noChangeAspect="1" noChangeArrowheads="1"/>
+          </p:cNvPicPr>
+          <p:nvPr>
+            <p:ph idx="1"/>
+          </p:nvPr>
+        </p:nvPicPr>
+        <p:blipFill>
+          <a:blip r:embed="rId3" cstate="print">
+            <a:clrChange>
+              <a:clrFrom>
+                <a:srgbClr val="FFFFFF"/>
+              </a:clrFrom>
+              <a:clrTo>
+                <a:srgbClr val="FFFFFF">
+                  <a:alpha val="0"/>
+                </a:srgbClr>
+              </a:clrTo>
+            </a:clrChange>
+          </a:blip>
+          <a:srcRect/>
+          <a:stretch>
+            <a:fillRect/>
+          </a:stretch>
+        </p:blipFill>
+        <p:spPr bwMode="auto">
+          <a:xfrm>
+            <a:off x="1072440" y="441928"/>
+            <a:ext cx="6999120" cy="5974145"/>
+          </a:xfrm>
+          <a:prstGeom prst="rect">
+            <a:avLst/>
+          </a:prstGeom>
+          <a:noFill/>
+          <a:ln w="9525">
+            <a:noFill/>
+            <a:miter lim="800000"/>
+            <a:headEnd/>
+            <a:tailEnd/>
+          </a:ln>
+        </p:spPr>
+      </p:pic>
+      <p:sp>
+        <p:nvSpPr>
+          <p:cNvPr id="2" name="Rectangle 1"/>
+          <p:cNvSpPr/>
+          <p:nvPr/>
+        </p:nvSpPr>
+        <p:spPr>
+          <a:xfrm>
+            <a:off x="3695700" y="914399"/>
+            <a:ext cx="381000" cy="5453063"/>
+          </a:xfrm>
+          <a:prstGeom prst="rect">
+            <a:avLst/>
+          </a:prstGeom>
+          <a:solidFill>
+            <a:schemeClr val="accent6">
+              <a:alpha val="70000"/>
+            </a:schemeClr>
+          </a:solidFill>
+          <a:ln>
+            <a:noFill/>
+          </a:ln>
+        </p:spPr>
+        <p:style>
+          <a:lnRef idx="2">
+            <a:schemeClr val="accent1">
+              <a:shade val="50000"/>
+            </a:schemeClr>
+          </a:lnRef>
+          <a:fillRef idx="1">
+            <a:schemeClr val="accent1"/>
+          </a:fillRef>
+          <a:effectRef idx="0">
+            <a:schemeClr val="accent1"/>
+          </a:effectRef>
+          <a:fontRef idx="minor">
+            <a:schemeClr val="lt1"/>
+          </a:fontRef>
+        </p:style>
+        <p:txBody>
+          <a:bodyPr rtlCol="0" anchor="ctr"/>
+          <a:lstStyle/>
+          <a:p>
+            <a:pPr algn="ctr">
+              <a:spcBef>
+                <a:spcPct val="50000"/>
+              </a:spcBef>
+            </a:pPr>
+            <a:endParaRPr lang="en-US" sz="2400">
+              <a:solidFill>
+                <a:srgbClr val="FFFFFF"/>
+              </a:solidFill>
+              <a:sym typeface="Wingdings" pitchFamily="2" charset="2"/>
+            </a:endParaRPr>
+          </a:p>
+        </p:txBody>
+      </p:sp>
+      <p:sp>
+        <p:nvSpPr>
+          <p:cNvPr id="5" name="Rectangle 4"/>
+          <p:cNvSpPr/>
+          <p:nvPr/>
+        </p:nvSpPr>
+        <p:spPr>
+          <a:xfrm>
+            <a:off x="6477001" y="904867"/>
+            <a:ext cx="371474" cy="5453063"/>
+          </a:xfrm>
+          <a:prstGeom prst="rect">
+            <a:avLst/>
+          </a:prstGeom>
+          <a:solidFill>
+            <a:srgbClr val="FFFF00">
+              <a:alpha val="70000"/>
+            </a:srgbClr>
+          </a:solidFill>
+          <a:ln>
+            <a:noFill/>
+          </a:ln>
+        </p:spPr>
+        <p:style>
+          <a:lnRef idx="2">
+            <a:schemeClr val="accent1">
+              <a:shade val="50000"/>
+            </a:schemeClr>
+          </a:lnRef>
+          <a:fillRef idx="1">
+            <a:schemeClr val="accent1"/>
+          </a:fillRef>
+          <a:effectRef idx="0">
+            <a:schemeClr val="accent1"/>
+          </a:effectRef>
+          <a:fontRef idx="minor">
+            <a:schemeClr val="lt1"/>
+          </a:fontRef>
+        </p:style>
+        <p:txBody>
+          <a:bodyPr rtlCol="0" anchor="ctr"/>
+          <a:lstStyle/>
+          <a:p>
+            <a:pPr algn="ctr">
+              <a:spcBef>
+                <a:spcPct val="50000"/>
+              </a:spcBef>
+            </a:pPr>
+            <a:endParaRPr lang="en-US" sz="2400">
+              <a:solidFill>
+                <a:srgbClr val="FFFFFF"/>
+              </a:solidFill>
+              <a:sym typeface="Wingdings" pitchFamily="2" charset="2"/>
+            </a:endParaRPr>
+          </a:p>
+        </p:txBody>
+      </p:sp>
+      <p:sp>
+        <p:nvSpPr>
+          <p:cNvPr id="4" name="Multiply 3"/>
+          <p:cNvSpPr/>
+          <p:nvPr/>
+        </p:nvSpPr>
+        <p:spPr bwMode="auto">
+          <a:xfrm>
+            <a:off x="2001346" y="3159910"/>
+            <a:ext cx="466725" cy="471488"/>
+          </a:xfrm>
+          <a:prstGeom prst="mathMultiply">
+            <a:avLst/>
+          </a:prstGeom>
+          <a:solidFill>
+            <a:srgbClr val="C00000"/>
+          </a:solidFill>
+          <a:ln w="12700" cap="flat" cmpd="sng" algn="ctr">
+            <a:solidFill>
+              <a:schemeClr val="tx1"/>
+            </a:solidFill>
+            <a:prstDash val="solid"/>
+            <a:round/>
+            <a:headEnd type="none" w="med" len="med"/>
+            <a:tailEnd type="none" w="med" len="med"/>
+          </a:ln>
+          <a:effectLst/>
+        </p:spPr>
+        <p:txBody>
+          <a:bodyPr vert="horz" wrap="square" lIns="91440" tIns="45720" rIns="91440" bIns="45720" numCol="1" rtlCol="0" anchor="t" anchorCtr="0" compatLnSpc="1">
+            <a:prstTxWarp prst="textNoShape">
+              <a:avLst/>
+            </a:prstTxWarp>
+          </a:bodyPr>
+          <a:lstStyle/>
+          <a:p>
+            <a:pPr algn="ctr" eaLnBrk="0" hangingPunct="0"/>
+            <a:endParaRPr lang="en-US" smtClean="0">
+              <a:solidFill>
+                <a:srgbClr val="000000"/>
+              </a:solidFill>
+              <a:latin typeface="Arial" pitchFamily="34" charset="0"/>
+              <a:sym typeface="Wingdings" pitchFamily="2" charset="2"/>
+            </a:endParaRPr>
+          </a:p>
+        </p:txBody>
+      </p:sp>
+      <p:sp>
+        <p:nvSpPr>
+          <p:cNvPr id="8" name="Rectangle 7"/>
+          <p:cNvSpPr/>
+          <p:nvPr/>
+        </p:nvSpPr>
+        <p:spPr>
+          <a:xfrm>
+            <a:off x="1097643" y="478970"/>
+            <a:ext cx="6957786" cy="425897"/>
+          </a:xfrm>
+          <a:prstGeom prst="rect">
+            <a:avLst/>
+          </a:prstGeom>
+          <a:solidFill>
+            <a:schemeClr val="bg2">
+              <a:lumMod val="75000"/>
+              <a:alpha val="70000"/>
+            </a:schemeClr>
+          </a:solidFill>
+          <a:ln>
+            <a:noFill/>
+          </a:ln>
+        </p:spPr>
+        <p:style>
+          <a:lnRef idx="2">
+            <a:schemeClr val="accent1">
+              <a:shade val="50000"/>
+            </a:schemeClr>
+          </a:lnRef>
+          <a:fillRef idx="1">
+            <a:schemeClr val="accent1"/>
+          </a:fillRef>
+          <a:effectRef idx="0">
+            <a:schemeClr val="accent1"/>
+          </a:effectRef>
+          <a:fontRef idx="minor">
+            <a:schemeClr val="lt1"/>
+          </a:fontRef>
+        </p:style>
+        <p:txBody>
+          <a:bodyPr rtlCol="0" anchor="ctr"/>
+          <a:lstStyle/>
+          <a:p>
+            <a:pPr algn="ctr">
+              <a:spcBef>
+                <a:spcPct val="50000"/>
+              </a:spcBef>
+            </a:pPr>
+            <a:endParaRPr lang="en-US" sz="2400">
+              <a:solidFill>
+                <a:srgbClr val="FFFFFF"/>
+              </a:solidFill>
+              <a:sym typeface="Wingdings" pitchFamily="2" charset="2"/>
+            </a:endParaRPr>
+          </a:p>
+        </p:txBody>
+      </p:sp>
+      <p:sp>
+        <p:nvSpPr>
+          <p:cNvPr id="9" name="Slide Number Placeholder 3"/>
+          <p:cNvSpPr>
+            <a:spLocks noGrp="1"/>
+          </p:cNvSpPr>
+          <p:nvPr>
+            <p:ph type="sldNum" sz="quarter" idx="10"/>
+          </p:nvPr>
+        </p:nvSpPr>
+        <p:spPr>
+          <a:xfrm>
+            <a:off x="6910388" y="6253163"/>
+            <a:ext cx="2133600" cy="476250"/>
+          </a:xfrm>
+        </p:spPr>
+        <p:txBody>
+          <a:bodyPr/>
+          <a:lstStyle/>
+          <a:p>
+            <a:pPr algn="r">
+              <a:defRPr/>
+            </a:pPr>
+            <a:endParaRPr lang="en-US" dirty="0" smtClean="0">
+              <a:solidFill>
+                <a:srgbClr val="000000"/>
+              </a:solidFill>
+            </a:endParaRPr>
+          </a:p>
+          <a:p>
+            <a:pPr algn="r">
+              <a:defRPr/>
+            </a:pPr>
+            <a:fld id="{62D6D4B2-7611-498F-8780-1EDC26277454}" type="slidenum">
+              <a:rPr lang="en-US" smtClean="0">
+                <a:solidFill>
+                  <a:srgbClr val="000000"/>
+                </a:solidFill>
+              </a:rPr>
+              <a:pPr algn="r">
+                <a:defRPr/>
+              </a:pPr>
+              <a:t>11</a:t>
+            </a:fld>
+            <a:endParaRPr lang="en-US" dirty="0">
+              <a:solidFill>
+                <a:srgbClr val="000000"/>
+              </a:solidFill>
+            </a:endParaRPr>
+          </a:p>
+        </p:txBody>
+      </p:sp>
+      <p:sp>
+        <p:nvSpPr>
+          <p:cNvPr id="7" name="Rectangle 6"/>
+          <p:cNvSpPr/>
+          <p:nvPr/>
+        </p:nvSpPr>
+        <p:spPr>
+          <a:xfrm>
+            <a:off x="4182378" y="1450903"/>
+            <a:ext cx="715260" cy="461665"/>
+          </a:xfrm>
+          <a:prstGeom prst="rect">
+            <a:avLst/>
+          </a:prstGeom>
+          <a:noFill/>
+        </p:spPr>
+        <p:txBody>
+          <a:bodyPr wrap="none" lIns="91440" tIns="45720" rIns="91440" bIns="45720">
+            <a:spAutoFit/>
+          </a:bodyPr>
+          <a:lstStyle/>
+          <a:p>
+            <a:pPr algn="ctr">
+              <a:spcBef>
+                <a:spcPct val="50000"/>
+              </a:spcBef>
+            </a:pPr>
+            <a:r>
+              <a:rPr lang="en-US" sz="2400" b="1" dirty="0" smtClean="0">
+                <a:ln w="18000">
+                  <a:solidFill>
+                    <a:srgbClr val="C00000"/>
+                  </a:solidFill>
+                  <a:prstDash val="solid"/>
+                  <a:miter lim="800000"/>
+                </a:ln>
+                <a:solidFill>
+                  <a:srgbClr val="FFFFFF"/>
+                </a:solidFill>
+                <a:effectLst>
+                  <a:outerShdw blurRad="25500" dist="23000" dir="7020000" algn="tl">
+                    <a:srgbClr val="000000">
+                      <a:alpha val="50000"/>
+                    </a:srgbClr>
+                  </a:outerShdw>
+                </a:effectLst>
+                <a:latin typeface="Times New Roman" pitchFamily="18" charset="0"/>
+                <a:sym typeface="Wingdings" pitchFamily="2" charset="2"/>
+              </a:rPr>
+              <a:t>Lab</a:t>
+            </a:r>
+            <a:endParaRPr lang="en-US" sz="2400" b="1" dirty="0">
+              <a:ln w="18000">
+                <a:solidFill>
+                  <a:srgbClr val="C00000"/>
+                </a:solidFill>
+                <a:prstDash val="solid"/>
+                <a:miter lim="800000"/>
+              </a:ln>
+              <a:solidFill>
+                <a:srgbClr val="FFFFFF"/>
+              </a:solidFill>
+              <a:effectLst>
+                <a:outerShdw blurRad="25500" dist="23000" dir="7020000" algn="tl">
+                  <a:srgbClr val="000000">
+                    <a:alpha val="50000"/>
+                  </a:srgbClr>
+                </a:outerShdw>
+              </a:effectLst>
+              <a:latin typeface="Times New Roman" pitchFamily="18" charset="0"/>
+              <a:sym typeface="Wingdings" pitchFamily="2" charset="2"/>
+            </a:endParaRPr>
+          </a:p>
+        </p:txBody>
+      </p:sp>
+      <p:sp>
+        <p:nvSpPr>
+          <p:cNvPr id="13" name="Rectangle 12"/>
+          <p:cNvSpPr/>
+          <p:nvPr/>
+        </p:nvSpPr>
+        <p:spPr>
+          <a:xfrm>
+            <a:off x="920341" y="3168533"/>
+            <a:ext cx="886782" cy="461665"/>
+          </a:xfrm>
+          <a:prstGeom prst="rect">
+            <a:avLst/>
+          </a:prstGeom>
+          <a:noFill/>
+        </p:spPr>
+        <p:txBody>
+          <a:bodyPr wrap="none" lIns="91440" tIns="45720" rIns="91440" bIns="45720">
+            <a:spAutoFit/>
+          </a:bodyPr>
+          <a:lstStyle/>
+          <a:p>
+            <a:pPr algn="ctr">
+              <a:spcBef>
+                <a:spcPct val="50000"/>
+              </a:spcBef>
+            </a:pPr>
+            <a:r>
+              <a:rPr lang="en-US" sz="2400" b="1" dirty="0" smtClean="0">
+                <a:ln w="18000">
+                  <a:solidFill>
+                    <a:srgbClr val="C00000"/>
+                  </a:solidFill>
+                  <a:prstDash val="solid"/>
+                  <a:miter lim="800000"/>
+                </a:ln>
+                <a:solidFill>
+                  <a:srgbClr val="FFFFFF"/>
+                </a:solidFill>
+                <a:effectLst>
+                  <a:outerShdw blurRad="25500" dist="23000" dir="7020000" algn="tl">
+                    <a:srgbClr val="000000">
+                      <a:alpha val="50000"/>
+                    </a:srgbClr>
+                  </a:outerShdw>
+                </a:effectLst>
+                <a:latin typeface="Times New Roman" pitchFamily="18" charset="0"/>
+                <a:sym typeface="Wingdings" pitchFamily="2" charset="2"/>
+              </a:rPr>
+              <a:t>Class</a:t>
+            </a:r>
+            <a:endParaRPr lang="en-US" sz="2400" b="1" dirty="0">
+              <a:ln w="18000">
+                <a:solidFill>
+                  <a:srgbClr val="C00000"/>
+                </a:solidFill>
+                <a:prstDash val="solid"/>
+                <a:miter lim="800000"/>
+              </a:ln>
+              <a:solidFill>
+                <a:srgbClr val="FFFFFF"/>
+              </a:solidFill>
+              <a:effectLst>
+                <a:outerShdw blurRad="25500" dist="23000" dir="7020000" algn="tl">
+                  <a:srgbClr val="000000">
+                    <a:alpha val="50000"/>
+                  </a:srgbClr>
+                </a:outerShdw>
+              </a:effectLst>
+              <a:latin typeface="Times New Roman" pitchFamily="18" charset="0"/>
+              <a:sym typeface="Wingdings" pitchFamily="2" charset="2"/>
+            </a:endParaRPr>
+          </a:p>
+        </p:txBody>
+      </p:sp>
+      <p:sp>
+        <p:nvSpPr>
+          <p:cNvPr id="15" name="Rectangular Callout 14"/>
+          <p:cNvSpPr/>
+          <p:nvPr/>
+        </p:nvSpPr>
+        <p:spPr bwMode="auto">
+          <a:xfrm>
+            <a:off x="4318000" y="2587783"/>
+            <a:ext cx="1497723" cy="270906"/>
+          </a:xfrm>
+          <a:prstGeom prst="wedgeRectCallout">
+            <a:avLst>
+              <a:gd name="adj1" fmla="val -39031"/>
+              <a:gd name="adj2" fmla="val -137266"/>
+            </a:avLst>
+          </a:prstGeom>
+          <a:solidFill>
+            <a:srgbClr val="FFFF00"/>
+          </a:solidFill>
+          <a:ln>
+            <a:headEnd type="none" w="med" len="med"/>
+            <a:tailEnd type="none" w="med" len="med"/>
+          </a:ln>
+        </p:spPr>
+        <p:style>
+          <a:lnRef idx="2">
+            <a:schemeClr val="dk1"/>
+          </a:lnRef>
+          <a:fillRef idx="1">
+            <a:schemeClr val="lt1"/>
+          </a:fillRef>
+          <a:effectRef idx="0">
+            <a:schemeClr val="dk1"/>
+          </a:effectRef>
+          <a:fontRef idx="minor">
+            <a:schemeClr val="dk1"/>
+          </a:fontRef>
+        </p:style>
+        <p:txBody>
+          <a:bodyPr vert="horz" wrap="square" lIns="91440" tIns="45720" rIns="91440" bIns="45720" numCol="1" rtlCol="0" anchor="t" anchorCtr="0" compatLnSpc="1">
+            <a:prstTxWarp prst="textNoShape">
+              <a:avLst/>
+            </a:prstTxWarp>
+          </a:bodyPr>
+          <a:lstStyle/>
+          <a:p>
+            <a:pPr algn="ctr" eaLnBrk="0" hangingPunct="0"/>
+            <a:r>
+              <a:rPr lang="en-US" b="1" dirty="0" smtClean="0">
+                <a:solidFill>
+                  <a:srgbClr val="000000"/>
+                </a:solidFill>
+                <a:latin typeface="Arial" pitchFamily="34" charset="0"/>
+                <a:sym typeface="Wingdings" pitchFamily="2" charset="2"/>
+              </a:rPr>
+              <a:t>Maj Walchko</a:t>
+            </a:r>
+          </a:p>
+        </p:txBody>
+      </p:sp>
+      <p:sp>
+        <p:nvSpPr>
+          <p:cNvPr id="14" name="Rectangular Callout 13"/>
+          <p:cNvSpPr/>
+          <p:nvPr/>
+        </p:nvSpPr>
+        <p:spPr bwMode="auto">
+          <a:xfrm>
+            <a:off x="2129517" y="2241029"/>
+            <a:ext cx="1490133" cy="270906"/>
+          </a:xfrm>
+          <a:prstGeom prst="wedgeRectCallout">
+            <a:avLst>
+              <a:gd name="adj1" fmla="val 33534"/>
+              <a:gd name="adj2" fmla="val 170562"/>
+            </a:avLst>
+          </a:prstGeom>
+          <a:solidFill>
+            <a:srgbClr val="FFFF00"/>
+          </a:solidFill>
+          <a:ln>
+            <a:headEnd type="none" w="med" len="med"/>
+            <a:tailEnd type="none" w="med" len="med"/>
+          </a:ln>
+        </p:spPr>
+        <p:style>
+          <a:lnRef idx="2">
+            <a:schemeClr val="dk1"/>
+          </a:lnRef>
+          <a:fillRef idx="1">
+            <a:schemeClr val="lt1"/>
+          </a:fillRef>
+          <a:effectRef idx="0">
+            <a:schemeClr val="dk1"/>
+          </a:effectRef>
+          <a:fontRef idx="minor">
+            <a:schemeClr val="dk1"/>
+          </a:fontRef>
+        </p:style>
+        <p:txBody>
+          <a:bodyPr vert="horz" wrap="square" lIns="91440" tIns="45720" rIns="91440" bIns="45720" numCol="1" rtlCol="0" anchor="t" anchorCtr="0" compatLnSpc="1">
+            <a:prstTxWarp prst="textNoShape">
+              <a:avLst/>
+            </a:prstTxWarp>
+          </a:bodyPr>
+          <a:lstStyle/>
+          <a:p>
+            <a:pPr algn="ctr" eaLnBrk="0" hangingPunct="0"/>
+            <a:r>
+              <a:rPr lang="en-US" b="1" dirty="0" smtClean="0">
+                <a:solidFill>
+                  <a:srgbClr val="000000"/>
+                </a:solidFill>
+                <a:latin typeface="Arial" pitchFamily="34" charset="0"/>
+                <a:sym typeface="Wingdings" pitchFamily="2" charset="2"/>
+              </a:rPr>
+              <a:t>Capt Johnson</a:t>
+            </a:r>
+          </a:p>
+        </p:txBody>
+      </p:sp>
+      <p:sp>
+        <p:nvSpPr>
+          <p:cNvPr id="16" name="Multiply 15"/>
+          <p:cNvSpPr/>
+          <p:nvPr/>
+        </p:nvSpPr>
+        <p:spPr bwMode="auto">
+          <a:xfrm>
+            <a:off x="4897638" y="1450903"/>
+            <a:ext cx="466725" cy="471488"/>
+          </a:xfrm>
+          <a:prstGeom prst="mathMultiply">
+            <a:avLst/>
+          </a:prstGeom>
+          <a:solidFill>
+            <a:srgbClr val="C00000"/>
+          </a:solidFill>
+          <a:ln w="12700" cap="flat" cmpd="sng" algn="ctr">
+            <a:solidFill>
+              <a:schemeClr val="tx1"/>
+            </a:solidFill>
+            <a:prstDash val="solid"/>
+            <a:round/>
+            <a:headEnd type="none" w="med" len="med"/>
+            <a:tailEnd type="none" w="med" len="med"/>
+          </a:ln>
+          <a:effectLst/>
+        </p:spPr>
+        <p:txBody>
+          <a:bodyPr vert="horz" wrap="square" lIns="91440" tIns="45720" rIns="91440" bIns="45720" numCol="1" rtlCol="0" anchor="t" anchorCtr="0" compatLnSpc="1">
+            <a:prstTxWarp prst="textNoShape">
+              <a:avLst/>
+            </a:prstTxWarp>
+          </a:bodyPr>
+          <a:lstStyle/>
+          <a:p>
+            <a:pPr algn="ctr" eaLnBrk="0" hangingPunct="0"/>
+            <a:endParaRPr lang="en-US" smtClean="0">
+              <a:solidFill>
+                <a:srgbClr val="000000"/>
+              </a:solidFill>
+              <a:latin typeface="Arial" pitchFamily="34" charset="0"/>
+              <a:sym typeface="Wingdings" pitchFamily="2" charset="2"/>
+            </a:endParaRPr>
+          </a:p>
+        </p:txBody>
+      </p:sp>
+    </p:spTree>
+    <p:extLst>
+      <p:ext uri="{BB962C8B-B14F-4D97-AF65-F5344CB8AC3E}">
+        <p14:creationId xmlns:p14="http://schemas.microsoft.com/office/powerpoint/2010/main" val="2033768301"/>
+      </p:ext>
+    </p:extLst>
+  </p:cSld>
+  <p:clrMapOvr>
+    <a:masterClrMapping/>
+  </p:clrMapOvr>
+  <p:timing>
+    <p:tnLst>
+      <p:par>
+        <p:cTn id="1" dur="indefinite" restart="never" nodeType="tmRoot">
+          <p:childTnLst>
+            <p:seq concurrent="1" nextAc="seek">
+              <p:cTn id="2" dur="indefinite" nodeType="mainSeq">
+                <p:childTnLst>
+                  <p:par>
+                    <p:cTn id="3" fill="hold">
+                      <p:stCondLst>
+                        <p:cond delay="indefinite"/>
+                      </p:stCondLst>
+                      <p:childTnLst>
+                        <p:par>
+                          <p:cTn id="4" fill="hold">
+                            <p:stCondLst>
+                              <p:cond delay="0"/>
+                            </p:stCondLst>
+                            <p:childTnLst>
+                              <p:par>
+                                <p:cTn id="5" presetID="1" presetClass="entr" presetSubtype="0" fill="hold" grpId="0" nodeType="clickEffect">
+                                  <p:stCondLst>
+                                    <p:cond delay="0"/>
+                                  </p:stCondLst>
+                                  <p:childTnLst>
+                                    <p:set>
+                                      <p:cBhvr>
+                                        <p:cTn id="6" dur="1" fill="hold">
+                                          <p:stCondLst>
+                                            <p:cond delay="0"/>
+                                          </p:stCondLst>
+                                        </p:cTn>
+                                        <p:tgtEl>
+                                          <p:spTgt spid="13"/>
+                                        </p:tgtEl>
+                                        <p:attrNameLst>
+                                          <p:attrName>style.visibility</p:attrName>
+                                        </p:attrNameLst>
+                                      </p:cBhvr>
+                                      <p:to>
+                                        <p:strVal val="visible"/>
+                                      </p:to>
+                                    </p:set>
+                                  </p:childTnLst>
+                                </p:cTn>
+                              </p:par>
+                              <p:par>
+                                <p:cTn id="7" presetID="1" presetClass="entr" presetSubtype="0" fill="hold" grpId="0" nodeType="withEffect">
+                                  <p:stCondLst>
+                                    <p:cond delay="0"/>
+                                  </p:stCondLst>
+                                  <p:childTnLst>
+                                    <p:set>
+                                      <p:cBhvr>
+                                        <p:cTn id="8" dur="1" fill="hold">
+                                          <p:stCondLst>
+                                            <p:cond delay="0"/>
+                                          </p:stCondLst>
+                                        </p:cTn>
+                                        <p:tgtEl>
+                                          <p:spTgt spid="4"/>
+                                        </p:tgtEl>
+                                        <p:attrNameLst>
+                                          <p:attrName>style.visibility</p:attrName>
+                                        </p:attrNameLst>
+                                      </p:cBhvr>
+                                      <p:to>
+                                        <p:strVal val="visible"/>
+                                      </p:to>
+                                    </p:set>
+                                  </p:childTnLst>
+                                </p:cTn>
+                              </p:par>
+                            </p:childTnLst>
+                          </p:cTn>
+                        </p:par>
+                      </p:childTnLst>
+                    </p:cTn>
+                  </p:par>
+                  <p:par>
+                    <p:cTn id="9" fill="hold">
+                      <p:stCondLst>
+                        <p:cond delay="indefinite"/>
+                      </p:stCondLst>
+                      <p:childTnLst>
+                        <p:par>
+                          <p:cTn id="10" fill="hold">
+                            <p:stCondLst>
+                              <p:cond delay="0"/>
+                            </p:stCondLst>
+                            <p:childTnLst>
+                              <p:par>
+                                <p:cTn id="11" presetID="1" presetClass="entr" presetSubtype="0" fill="hold" grpId="0" nodeType="clickEffect">
+                                  <p:stCondLst>
+                                    <p:cond delay="0"/>
+                                  </p:stCondLst>
+                                  <p:childTnLst>
+                                    <p:set>
+                                      <p:cBhvr>
+                                        <p:cTn id="12" dur="1" fill="hold">
+                                          <p:stCondLst>
+                                            <p:cond delay="0"/>
+                                          </p:stCondLst>
+                                        </p:cTn>
+                                        <p:tgtEl>
+                                          <p:spTgt spid="7"/>
+                                        </p:tgtEl>
+                                        <p:attrNameLst>
+                                          <p:attrName>style.visibility</p:attrName>
+                                        </p:attrNameLst>
+                                      </p:cBhvr>
+                                      <p:to>
+                                        <p:strVal val="visible"/>
+                                      </p:to>
+                                    </p:set>
+                                  </p:childTnLst>
+                                </p:cTn>
+                              </p:par>
+                              <p:par>
+                                <p:cTn id="13" presetID="1" presetClass="entr" presetSubtype="0" fill="hold" grpId="0" nodeType="withEffect">
+                                  <p:stCondLst>
+                                    <p:cond delay="0"/>
+                                  </p:stCondLst>
+                                  <p:childTnLst>
+                                    <p:set>
+                                      <p:cBhvr>
+                                        <p:cTn id="14" dur="1" fill="hold">
+                                          <p:stCondLst>
+                                            <p:cond delay="0"/>
+                                          </p:stCondLst>
+                                        </p:cTn>
+                                        <p:tgtEl>
+                                          <p:spTgt spid="16"/>
+                                        </p:tgtEl>
+                                        <p:attrNameLst>
+                                          <p:attrName>style.visibility</p:attrName>
+                                        </p:attrNameLst>
+                                      </p:cBhvr>
+                                      <p:to>
+                                        <p:strVal val="visible"/>
+                                      </p:to>
+                                    </p:set>
+                                  </p:childTnLst>
+                                </p:cTn>
+                              </p:par>
+                            </p:childTnLst>
+                          </p:cTn>
+                        </p:par>
+                      </p:childTnLst>
+                    </p:cTn>
+                  </p:par>
+                </p:childTnLst>
+              </p:cTn>
+              <p:prevCondLst>
+                <p:cond evt="onPrev" delay="0">
+                  <p:tgtEl>
+                    <p:sldTgt/>
+                  </p:tgtEl>
+                </p:cond>
+              </p:prevCondLst>
+              <p:nextCondLst>
+                <p:cond evt="onNext" delay="0">
+                  <p:tgtEl>
+                    <p:sldTgt/>
+                  </p:tgtEl>
+                </p:cond>
+              </p:nextCondLst>
+            </p:seq>
+          </p:childTnLst>
+        </p:cTn>
+      </p:par>
+    </p:tnLst>
+    <p:bldLst>
+      <p:bldP spid="4" grpId="0" animBg="1"/>
+      <p:bldP spid="7" grpId="0"/>
+      <p:bldP spid="13" grpId="0"/>
+      <p:bldP spid="16" grpId="0" animBg="1"/>
+    </p:bldLst>
+  </p:timing>
+</p:sld>
+</file>
+
+<file path=ppt/slides/slide12.xml><?xml version="1.0" encoding="utf-8"?>
+<p:sld xmlns:a="http://schemas.openxmlformats.org/drawingml/2006/main" xmlns:r="http://schemas.openxmlformats.org/officeDocument/2006/relationships" xmlns:p="http://schemas.openxmlformats.org/presentationml/2006/main">
+  <p:cSld>
+    <p:spTree>
+      <p:nvGrpSpPr>
+        <p:cNvPr id="1" name=""/>
+        <p:cNvGrpSpPr/>
+        <p:nvPr/>
+      </p:nvGrpSpPr>
+      <p:grpSpPr>
+        <a:xfrm>
+          <a:off x="0" y="0"/>
+          <a:ext cx="0" cy="0"/>
+          <a:chOff x="0" y="0"/>
+          <a:chExt cx="0" cy="0"/>
+        </a:xfrm>
+      </p:grpSpPr>
+      <p:sp>
+        <p:nvSpPr>
           <p:cNvPr id="4" name="Title 3"/>
           <p:cNvSpPr>
             <a:spLocks noGrp="1"/>
@@ -13060,7 +14435,9 @@
             <a:avLst/>
           </a:prstGeom>
           <a:solidFill>
-            <a:srgbClr val="002060"/>
+            <a:schemeClr val="bg1">
+              <a:lumMod val="50000"/>
+            </a:schemeClr>
           </a:solidFill>
           <a:ln>
             <a:solidFill>
@@ -13491,7 +14868,7 @@
               <a:pPr algn="r" rtl="0">
                 <a:defRPr/>
               </a:pPr>
-              <a:t>10</a:t>
+              <a:t>12</a:t>
             </a:fld>
             <a:endParaRPr lang="en-US" kern="1200" dirty="0">
               <a:solidFill>
@@ -13501,6 +14878,36 @@
               <a:ea typeface="+mn-ea"/>
               <a:cs typeface="+mn-cs"/>
             </a:endParaRPr>
+          </a:p>
+        </p:txBody>
+      </p:sp>
+      <p:sp>
+        <p:nvSpPr>
+          <p:cNvPr id="3" name="TextBox 2"/>
+          <p:cNvSpPr txBox="1"/>
+          <p:nvPr/>
+        </p:nvSpPr>
+        <p:spPr>
+          <a:xfrm>
+            <a:off x="1109133" y="6561667"/>
+            <a:ext cx="7148111" cy="307777"/>
+          </a:xfrm>
+          <a:prstGeom prst="rect">
+            <a:avLst/>
+          </a:prstGeom>
+          <a:noFill/>
+        </p:spPr>
+        <p:txBody>
+          <a:bodyPr wrap="none" rtlCol="0">
+            <a:spAutoFit/>
+          </a:bodyPr>
+          <a:lstStyle/>
+          <a:p>
+            <a:r>
+              <a:rPr lang="en-US" dirty="0" smtClean="0"/>
+              <a:t>For the first part of the course I will be covering for Capt Johnson (T3) while he is at SOS</a:t>
+            </a:r>
+            <a:endParaRPr lang="en-US" dirty="0"/>
           </a:p>
         </p:txBody>
       </p:sp>
@@ -13524,7 +14931,7 @@
 </p:sld>
 </file>
 
-<file path=ppt/slides/slide11.xml><?xml version="1.0" encoding="utf-8"?>
+<file path=ppt/slides/slide13.xml><?xml version="1.0" encoding="utf-8"?>
 <p:sld xmlns:a="http://schemas.openxmlformats.org/drawingml/2006/main" xmlns:r="http://schemas.openxmlformats.org/officeDocument/2006/relationships" xmlns:p="http://schemas.openxmlformats.org/presentationml/2006/main">
   <p:cSld>
     <p:spTree>
@@ -13599,7 +15006,7 @@
               <a:pPr>
                 <a:defRPr/>
               </a:pPr>
-              <a:t>11</a:t>
+              <a:t>13</a:t>
             </a:fld>
             <a:endParaRPr lang="en-US"/>
           </a:p>
@@ -13655,7 +15062,7 @@
 </p:sld>
 </file>
 
-<file path=ppt/slides/slide12.xml><?xml version="1.0" encoding="utf-8"?>
+<file path=ppt/slides/slide14.xml><?xml version="1.0" encoding="utf-8"?>
 <p:sld xmlns:a="http://schemas.openxmlformats.org/drawingml/2006/main" xmlns:r="http://schemas.openxmlformats.org/officeDocument/2006/relationships" xmlns:p="http://schemas.openxmlformats.org/presentationml/2006/main">
   <p:cSld>
     <p:spTree>
@@ -13825,7 +15232,7 @@
               <a:pPr algn="ctr">
                 <a:defRPr/>
               </a:pPr>
-              <a:t>12</a:t>
+              <a:t>14</a:t>
             </a:fld>
             <a:endParaRPr lang="en-US" dirty="0"/>
           </a:p>
@@ -13882,7 +15289,315 @@
 </p:sld>
 </file>
 
-<file path=ppt/slides/slide13.xml><?xml version="1.0" encoding="utf-8"?>
+<file path=ppt/slides/slide15.xml><?xml version="1.0" encoding="utf-8"?>
+<p:sld xmlns:a="http://schemas.openxmlformats.org/drawingml/2006/main" xmlns:r="http://schemas.openxmlformats.org/officeDocument/2006/relationships" xmlns:p="http://schemas.openxmlformats.org/presentationml/2006/main">
+  <p:cSld>
+    <p:spTree>
+      <p:nvGrpSpPr>
+        <p:cNvPr id="1" name=""/>
+        <p:cNvGrpSpPr/>
+        <p:nvPr/>
+      </p:nvGrpSpPr>
+      <p:grpSpPr>
+        <a:xfrm>
+          <a:off x="0" y="0"/>
+          <a:ext cx="0" cy="0"/>
+          <a:chOff x="0" y="0"/>
+          <a:chExt cx="0" cy="0"/>
+        </a:xfrm>
+      </p:grpSpPr>
+      <p:sp>
+        <p:nvSpPr>
+          <p:cNvPr id="2" name="Title 1"/>
+          <p:cNvSpPr>
+            <a:spLocks noGrp="1"/>
+          </p:cNvSpPr>
+          <p:nvPr>
+            <p:ph type="title"/>
+          </p:nvPr>
+        </p:nvSpPr>
+        <p:spPr/>
+        <p:txBody>
+          <a:bodyPr/>
+          <a:lstStyle/>
+          <a:p>
+            <a:r>
+              <a:rPr lang="en-US" dirty="0" smtClean="0"/>
+              <a:t>Embedded Systems</a:t>
+            </a:r>
+            <a:endParaRPr lang="en-US" dirty="0"/>
+          </a:p>
+        </p:txBody>
+      </p:sp>
+      <p:sp>
+        <p:nvSpPr>
+          <p:cNvPr id="3" name="Content Placeholder 2"/>
+          <p:cNvSpPr>
+            <a:spLocks noGrp="1"/>
+          </p:cNvSpPr>
+          <p:nvPr>
+            <p:ph idx="1"/>
+          </p:nvPr>
+        </p:nvSpPr>
+        <p:spPr/>
+        <p:txBody>
+          <a:bodyPr/>
+          <a:lstStyle/>
+          <a:p>
+            <a:r>
+              <a:rPr lang="en-US" dirty="0" smtClean="0"/>
+              <a:t>Embedded Systems  </a:t>
+            </a:r>
+          </a:p>
+          <a:p>
+            <a:pPr lvl="1"/>
+            <a:r>
+              <a:rPr lang="en-US" dirty="0" smtClean="0"/>
+              <a:t>they're </a:t>
+            </a:r>
+            <a:r>
+              <a:rPr lang="en-US" dirty="0"/>
+              <a:t>built to </a:t>
+            </a:r>
+            <a:r>
+              <a:rPr lang="en-US" b="1" dirty="0"/>
+              <a:t>interact</a:t>
+            </a:r>
+            <a:r>
+              <a:rPr lang="en-US" dirty="0"/>
+              <a:t> with the real-world and perform very specific functions, often with difficult constraints (timing, power, </a:t>
+            </a:r>
+            <a:r>
+              <a:rPr lang="en-US" dirty="0" err="1"/>
+              <a:t>etc</a:t>
+            </a:r>
+            <a:r>
+              <a:rPr lang="en-US" dirty="0" smtClean="0"/>
+              <a:t>)</a:t>
+            </a:r>
+            <a:endParaRPr lang="en-US" dirty="0"/>
+          </a:p>
+        </p:txBody>
+      </p:sp>
+      <p:sp>
+        <p:nvSpPr>
+          <p:cNvPr id="4" name="Slide Number Placeholder 3"/>
+          <p:cNvSpPr txBox="1">
+            <a:spLocks/>
+          </p:cNvSpPr>
+          <p:nvPr/>
+        </p:nvSpPr>
+        <p:spPr bwMode="auto">
+          <a:xfrm>
+            <a:off x="6910388" y="6253163"/>
+            <a:ext cx="2133600" cy="476250"/>
+          </a:xfrm>
+          <a:prstGeom prst="rect">
+            <a:avLst/>
+          </a:prstGeom>
+          <a:noFill/>
+          <a:ln w="9525">
+            <a:noFill/>
+            <a:miter lim="800000"/>
+            <a:headEnd/>
+            <a:tailEnd/>
+          </a:ln>
+          <a:effectLst/>
+        </p:spPr>
+        <p:txBody>
+          <a:bodyPr vert="horz" wrap="square" lIns="91440" tIns="45720" rIns="91440" bIns="45720" numCol="1" anchor="t" anchorCtr="0" compatLnSpc="1">
+            <a:prstTxWarp prst="textNoShape">
+              <a:avLst/>
+            </a:prstTxWarp>
+          </a:bodyPr>
+          <a:lstStyle>
+            <a:defPPr>
+              <a:defRPr lang="en-US"/>
+            </a:defPPr>
+            <a:lvl1pPr algn="ctr" rtl="0" fontAlgn="base">
+              <a:spcBef>
+                <a:spcPct val="0"/>
+              </a:spcBef>
+              <a:spcAft>
+                <a:spcPct val="0"/>
+              </a:spcAft>
+              <a:defRPr sz="1400" kern="1200">
+                <a:solidFill>
+                  <a:schemeClr val="tx1"/>
+                </a:solidFill>
+                <a:latin typeface="Times New Roman" pitchFamily="18" charset="0"/>
+                <a:ea typeface="+mn-ea"/>
+                <a:cs typeface="+mn-cs"/>
+                <a:sym typeface="Wingdings" pitchFamily="2" charset="2"/>
+              </a:defRPr>
+            </a:lvl1pPr>
+            <a:lvl2pPr marL="457200" algn="l" rtl="0" fontAlgn="base">
+              <a:spcBef>
+                <a:spcPct val="50000"/>
+              </a:spcBef>
+              <a:spcAft>
+                <a:spcPct val="0"/>
+              </a:spcAft>
+              <a:defRPr sz="2400" kern="1200">
+                <a:solidFill>
+                  <a:schemeClr val="tx1"/>
+                </a:solidFill>
+                <a:latin typeface="Times New Roman" pitchFamily="18" charset="0"/>
+                <a:ea typeface="+mn-ea"/>
+                <a:cs typeface="+mn-cs"/>
+                <a:sym typeface="Wingdings" pitchFamily="2" charset="2"/>
+              </a:defRPr>
+            </a:lvl2pPr>
+            <a:lvl3pPr marL="914400" algn="l" rtl="0" fontAlgn="base">
+              <a:spcBef>
+                <a:spcPct val="50000"/>
+              </a:spcBef>
+              <a:spcAft>
+                <a:spcPct val="0"/>
+              </a:spcAft>
+              <a:defRPr sz="2400" kern="1200">
+                <a:solidFill>
+                  <a:schemeClr val="tx1"/>
+                </a:solidFill>
+                <a:latin typeface="Times New Roman" pitchFamily="18" charset="0"/>
+                <a:ea typeface="+mn-ea"/>
+                <a:cs typeface="+mn-cs"/>
+                <a:sym typeface="Wingdings" pitchFamily="2" charset="2"/>
+              </a:defRPr>
+            </a:lvl3pPr>
+            <a:lvl4pPr marL="1371600" algn="l" rtl="0" fontAlgn="base">
+              <a:spcBef>
+                <a:spcPct val="50000"/>
+              </a:spcBef>
+              <a:spcAft>
+                <a:spcPct val="0"/>
+              </a:spcAft>
+              <a:defRPr sz="2400" kern="1200">
+                <a:solidFill>
+                  <a:schemeClr val="tx1"/>
+                </a:solidFill>
+                <a:latin typeface="Times New Roman" pitchFamily="18" charset="0"/>
+                <a:ea typeface="+mn-ea"/>
+                <a:cs typeface="+mn-cs"/>
+                <a:sym typeface="Wingdings" pitchFamily="2" charset="2"/>
+              </a:defRPr>
+            </a:lvl4pPr>
+            <a:lvl5pPr marL="1828800" algn="l" rtl="0" fontAlgn="base">
+              <a:spcBef>
+                <a:spcPct val="50000"/>
+              </a:spcBef>
+              <a:spcAft>
+                <a:spcPct val="0"/>
+              </a:spcAft>
+              <a:defRPr sz="2400" kern="1200">
+                <a:solidFill>
+                  <a:schemeClr val="tx1"/>
+                </a:solidFill>
+                <a:latin typeface="Times New Roman" pitchFamily="18" charset="0"/>
+                <a:ea typeface="+mn-ea"/>
+                <a:cs typeface="+mn-cs"/>
+                <a:sym typeface="Wingdings" pitchFamily="2" charset="2"/>
+              </a:defRPr>
+            </a:lvl5pPr>
+            <a:lvl6pPr marL="2286000" algn="l" defTabSz="914400" rtl="0" eaLnBrk="1" latinLnBrk="0" hangingPunct="1">
+              <a:defRPr sz="2400" kern="1200">
+                <a:solidFill>
+                  <a:schemeClr val="tx1"/>
+                </a:solidFill>
+                <a:latin typeface="Times New Roman" pitchFamily="18" charset="0"/>
+                <a:ea typeface="+mn-ea"/>
+                <a:cs typeface="+mn-cs"/>
+                <a:sym typeface="Wingdings" pitchFamily="2" charset="2"/>
+              </a:defRPr>
+            </a:lvl6pPr>
+            <a:lvl7pPr marL="2743200" algn="l" defTabSz="914400" rtl="0" eaLnBrk="1" latinLnBrk="0" hangingPunct="1">
+              <a:defRPr sz="2400" kern="1200">
+                <a:solidFill>
+                  <a:schemeClr val="tx1"/>
+                </a:solidFill>
+                <a:latin typeface="Times New Roman" pitchFamily="18" charset="0"/>
+                <a:ea typeface="+mn-ea"/>
+                <a:cs typeface="+mn-cs"/>
+                <a:sym typeface="Wingdings" pitchFamily="2" charset="2"/>
+              </a:defRPr>
+            </a:lvl7pPr>
+            <a:lvl8pPr marL="3200400" algn="l" defTabSz="914400" rtl="0" eaLnBrk="1" latinLnBrk="0" hangingPunct="1">
+              <a:defRPr sz="2400" kern="1200">
+                <a:solidFill>
+                  <a:schemeClr val="tx1"/>
+                </a:solidFill>
+                <a:latin typeface="Times New Roman" pitchFamily="18" charset="0"/>
+                <a:ea typeface="+mn-ea"/>
+                <a:cs typeface="+mn-cs"/>
+                <a:sym typeface="Wingdings" pitchFamily="2" charset="2"/>
+              </a:defRPr>
+            </a:lvl8pPr>
+            <a:lvl9pPr marL="3657600" algn="l" defTabSz="914400" rtl="0" eaLnBrk="1" latinLnBrk="0" hangingPunct="1">
+              <a:defRPr sz="2400" kern="1200">
+                <a:solidFill>
+                  <a:schemeClr val="tx1"/>
+                </a:solidFill>
+                <a:latin typeface="Times New Roman" pitchFamily="18" charset="0"/>
+                <a:ea typeface="+mn-ea"/>
+                <a:cs typeface="+mn-cs"/>
+                <a:sym typeface="Wingdings" pitchFamily="2" charset="2"/>
+              </a:defRPr>
+            </a:lvl9pPr>
+          </a:lstStyle>
+          <a:p>
+            <a:pPr algn="r">
+              <a:defRPr/>
+            </a:pPr>
+            <a:endParaRPr lang="en-US" smtClean="0">
+              <a:solidFill>
+                <a:srgbClr val="000000"/>
+              </a:solidFill>
+            </a:endParaRPr>
+          </a:p>
+          <a:p>
+            <a:pPr algn="r">
+              <a:defRPr/>
+            </a:pPr>
+            <a:fld id="{62D6D4B2-7611-498F-8780-1EDC26277454}" type="slidenum">
+              <a:rPr lang="en-US" smtClean="0">
+                <a:solidFill>
+                  <a:srgbClr val="000000"/>
+                </a:solidFill>
+              </a:rPr>
+              <a:pPr algn="r">
+                <a:defRPr/>
+              </a:pPr>
+              <a:t>15</a:t>
+            </a:fld>
+            <a:endParaRPr lang="en-US" dirty="0">
+              <a:solidFill>
+                <a:srgbClr val="000000"/>
+              </a:solidFill>
+            </a:endParaRPr>
+          </a:p>
+        </p:txBody>
+      </p:sp>
+    </p:spTree>
+    <p:extLst>
+      <p:ext uri="{BB962C8B-B14F-4D97-AF65-F5344CB8AC3E}">
+        <p14:creationId xmlns:p14="http://schemas.microsoft.com/office/powerpoint/2010/main" val="3690889210"/>
+      </p:ext>
+    </p:extLst>
+  </p:cSld>
+  <p:clrMapOvr>
+    <a:masterClrMapping/>
+  </p:clrMapOvr>
+  <p:timing>
+    <p:tnLst>
+      <p:par>
+        <p:cTn id="1" dur="indefinite" restart="never" nodeType="tmRoot"/>
+      </p:par>
+    </p:tnLst>
+  </p:timing>
+</p:sld>
+</file>
+
+<file path=ppt/slides/slide16.xml><?xml version="1.0" encoding="utf-8"?>
 <p:sld xmlns:a="http://schemas.openxmlformats.org/drawingml/2006/main" xmlns:r="http://schemas.openxmlformats.org/officeDocument/2006/relationships" xmlns:p="http://schemas.openxmlformats.org/presentationml/2006/main" show="0">
   <p:cSld>
     <p:spTree>
@@ -13959,7 +15674,7 @@
             <a:fld id="{D606CFC6-1681-4E9F-A954-C3E2AEEDAC56}" type="slidenum">
               <a:rPr lang="en-US" smtClean="0"/>
               <a:pPr/>
-              <a:t>13</a:t>
+              <a:t>16</a:t>
             </a:fld>
             <a:endParaRPr lang="en-US" dirty="0" smtClean="0"/>
           </a:p>
@@ -14400,7 +16115,7 @@
 </p:sld>
 </file>
 
-<file path=ppt/slides/slide14.xml><?xml version="1.0" encoding="utf-8"?>
+<file path=ppt/slides/slide17.xml><?xml version="1.0" encoding="utf-8"?>
 <p:sld xmlns:a="http://schemas.openxmlformats.org/drawingml/2006/main" xmlns:r="http://schemas.openxmlformats.org/officeDocument/2006/relationships" xmlns:p="http://schemas.openxmlformats.org/presentationml/2006/main" show="0">
   <p:cSld>
     <p:spTree>
@@ -14480,7 +16195,7 @@
             <a:fld id="{D606CFC6-1681-4E9F-A954-C3E2AEEDAC56}" type="slidenum">
               <a:rPr lang="en-US" smtClean="0"/>
               <a:pPr/>
-              <a:t>14</a:t>
+              <a:t>17</a:t>
             </a:fld>
             <a:endParaRPr lang="en-US" dirty="0" smtClean="0"/>
           </a:p>
@@ -14937,1334 +16652,6 @@
 </p:sld>
 </file>
 
-<file path=ppt/slides/slide15.xml><?xml version="1.0" encoding="utf-8"?>
-<p:sld xmlns:a="http://schemas.openxmlformats.org/drawingml/2006/main" xmlns:r="http://schemas.openxmlformats.org/officeDocument/2006/relationships" xmlns:p="http://schemas.openxmlformats.org/presentationml/2006/main">
-  <p:cSld>
-    <p:spTree>
-      <p:nvGrpSpPr>
-        <p:cNvPr id="1" name=""/>
-        <p:cNvGrpSpPr/>
-        <p:nvPr/>
-      </p:nvGrpSpPr>
-      <p:grpSpPr>
-        <a:xfrm>
-          <a:off x="0" y="0"/>
-          <a:ext cx="0" cy="0"/>
-          <a:chOff x="0" y="0"/>
-          <a:chExt cx="0" cy="0"/>
-        </a:xfrm>
-      </p:grpSpPr>
-      <p:sp>
-        <p:nvSpPr>
-          <p:cNvPr id="110594" name="Title 1"/>
-          <p:cNvSpPr>
-            <a:spLocks noGrp="1"/>
-          </p:cNvSpPr>
-          <p:nvPr>
-            <p:ph type="title"/>
-          </p:nvPr>
-        </p:nvSpPr>
-        <p:spPr/>
-        <p:txBody>
-          <a:bodyPr/>
-          <a:lstStyle/>
-          <a:p>
-            <a:r>
-              <a:rPr lang="en-US" dirty="0" smtClean="0"/>
-              <a:t>Other Course Policies </a:t>
-            </a:r>
-            <a:r>
-              <a:rPr lang="en-US" dirty="0"/>
-              <a:t>–Readings </a:t>
-            </a:r>
-            <a:r>
-              <a:rPr lang="en-US" dirty="0" smtClean="0"/>
-              <a:t>and Homework</a:t>
-            </a:r>
-          </a:p>
-        </p:txBody>
-      </p:sp>
-      <p:sp>
-        <p:nvSpPr>
-          <p:cNvPr id="110595" name="Content Placeholder 2"/>
-          <p:cNvSpPr>
-            <a:spLocks noGrp="1"/>
-          </p:cNvSpPr>
-          <p:nvPr>
-            <p:ph idx="1"/>
-          </p:nvPr>
-        </p:nvSpPr>
-        <p:spPr/>
-        <p:txBody>
-          <a:bodyPr/>
-          <a:lstStyle/>
-          <a:p>
-            <a:endParaRPr lang="en-US" sz="2000" dirty="0" smtClean="0"/>
-          </a:p>
-          <a:p>
-            <a:r>
-              <a:rPr lang="en-US" dirty="0" smtClean="0"/>
-              <a:t>Readings specified on each lesson page</a:t>
-            </a:r>
-          </a:p>
-          <a:p>
-            <a:pPr lvl="1"/>
-            <a:r>
-              <a:rPr lang="en-US" sz="2200" dirty="0" smtClean="0"/>
-              <a:t>Lesson notes</a:t>
-            </a:r>
-            <a:endParaRPr lang="en-US" dirty="0" smtClean="0"/>
-          </a:p>
-          <a:p>
-            <a:pPr lvl="1"/>
-            <a:r>
-              <a:rPr lang="en-US" sz="2200" dirty="0" smtClean="0"/>
-              <a:t>Datasheet pages</a:t>
-            </a:r>
-          </a:p>
-          <a:p>
-            <a:pPr lvl="1"/>
-            <a:r>
-              <a:rPr lang="en-US" dirty="0"/>
-              <a:t>Provided </a:t>
-            </a:r>
-            <a:r>
-              <a:rPr lang="en-US" dirty="0" smtClean="0"/>
-              <a:t>links</a:t>
-            </a:r>
-          </a:p>
-          <a:p>
-            <a:pPr lvl="1"/>
-            <a:r>
-              <a:rPr lang="en-US" sz="2200" dirty="0" smtClean="0"/>
-              <a:t>Barrett and Pack readings optional</a:t>
-            </a:r>
-          </a:p>
-          <a:p>
-            <a:pPr lvl="1"/>
-            <a:endParaRPr lang="en-US" dirty="0"/>
-          </a:p>
-          <a:p>
-            <a:r>
-              <a:rPr lang="en-US" sz="2400" dirty="0" smtClean="0"/>
-              <a:t>Homework due BOC next lesson unless otherwise stated</a:t>
-            </a:r>
-          </a:p>
-          <a:p>
-            <a:pPr lvl="1"/>
-            <a:r>
-              <a:rPr lang="en-US" sz="2800" dirty="0" smtClean="0">
-                <a:solidFill>
-                  <a:schemeClr val="accent2"/>
-                </a:solidFill>
-              </a:rPr>
-              <a:t>Skills Review Due Lesson 3</a:t>
-            </a:r>
-          </a:p>
-        </p:txBody>
-      </p:sp>
-      <p:sp>
-        <p:nvSpPr>
-          <p:cNvPr id="110596" name="Slide Number Placeholder 3"/>
-          <p:cNvSpPr>
-            <a:spLocks noGrp="1"/>
-          </p:cNvSpPr>
-          <p:nvPr>
-            <p:ph type="sldNum" sz="quarter" idx="10"/>
-          </p:nvPr>
-        </p:nvSpPr>
-        <p:spPr>
-          <a:noFill/>
-          <a:ln/>
-          <a:extLst>
-            <a:ext uri="{909E8E84-426E-40DD-AFC4-6F175D3DCCD1}">
-              <a14:hiddenFill xmlns:a14="http://schemas.microsoft.com/office/drawing/2010/main">
-                <a:solidFill>
-                  <a:srgbClr val="FFFFFF"/>
-                </a:solidFill>
-              </a14:hiddenFill>
-            </a:ext>
-            <a:ext uri="{91240B29-F687-4F45-9708-019B960494DF}">
-              <a14:hiddenLine xmlns:a14="http://schemas.microsoft.com/office/drawing/2010/main" w="9525">
-                <a:solidFill>
-                  <a:srgbClr val="000000"/>
-                </a:solidFill>
-                <a:miter lim="800000"/>
-                <a:headEnd/>
-                <a:tailEnd/>
-              </a14:hiddenLine>
-            </a:ext>
-          </a:extLst>
-        </p:spPr>
-        <p:txBody>
-          <a:bodyPr/>
-          <a:lstStyle>
-            <a:lvl1pPr>
-              <a:defRPr sz="1400">
-                <a:solidFill>
-                  <a:schemeClr val="tx1"/>
-                </a:solidFill>
-                <a:latin typeface="Arial" pitchFamily="34" charset="0"/>
-              </a:defRPr>
-            </a:lvl1pPr>
-            <a:lvl2pPr marL="742950" indent="-285750">
-              <a:defRPr sz="1400">
-                <a:solidFill>
-                  <a:schemeClr val="tx1"/>
-                </a:solidFill>
-                <a:latin typeface="Arial" pitchFamily="34" charset="0"/>
-              </a:defRPr>
-            </a:lvl2pPr>
-            <a:lvl3pPr marL="1143000" indent="-228600">
-              <a:defRPr sz="1400">
-                <a:solidFill>
-                  <a:schemeClr val="tx1"/>
-                </a:solidFill>
-                <a:latin typeface="Arial" pitchFamily="34" charset="0"/>
-              </a:defRPr>
-            </a:lvl3pPr>
-            <a:lvl4pPr marL="1600200" indent="-228600">
-              <a:defRPr sz="1400">
-                <a:solidFill>
-                  <a:schemeClr val="tx1"/>
-                </a:solidFill>
-                <a:latin typeface="Arial" pitchFamily="34" charset="0"/>
-              </a:defRPr>
-            </a:lvl4pPr>
-            <a:lvl5pPr marL="2057400" indent="-228600">
-              <a:defRPr sz="1400">
-                <a:solidFill>
-                  <a:schemeClr val="tx1"/>
-                </a:solidFill>
-                <a:latin typeface="Arial" pitchFamily="34" charset="0"/>
-              </a:defRPr>
-            </a:lvl5pPr>
-            <a:lvl6pPr marL="2514600" indent="-228600" algn="ctr" eaLnBrk="0" fontAlgn="base" hangingPunct="0">
-              <a:spcBef>
-                <a:spcPct val="0"/>
-              </a:spcBef>
-              <a:spcAft>
-                <a:spcPct val="0"/>
-              </a:spcAft>
-              <a:defRPr sz="1400">
-                <a:solidFill>
-                  <a:schemeClr val="tx1"/>
-                </a:solidFill>
-                <a:latin typeface="Arial" pitchFamily="34" charset="0"/>
-              </a:defRPr>
-            </a:lvl6pPr>
-            <a:lvl7pPr marL="2971800" indent="-228600" algn="ctr" eaLnBrk="0" fontAlgn="base" hangingPunct="0">
-              <a:spcBef>
-                <a:spcPct val="0"/>
-              </a:spcBef>
-              <a:spcAft>
-                <a:spcPct val="0"/>
-              </a:spcAft>
-              <a:defRPr sz="1400">
-                <a:solidFill>
-                  <a:schemeClr val="tx1"/>
-                </a:solidFill>
-                <a:latin typeface="Arial" pitchFamily="34" charset="0"/>
-              </a:defRPr>
-            </a:lvl7pPr>
-            <a:lvl8pPr marL="3429000" indent="-228600" algn="ctr" eaLnBrk="0" fontAlgn="base" hangingPunct="0">
-              <a:spcBef>
-                <a:spcPct val="0"/>
-              </a:spcBef>
-              <a:spcAft>
-                <a:spcPct val="0"/>
-              </a:spcAft>
-              <a:defRPr sz="1400">
-                <a:solidFill>
-                  <a:schemeClr val="tx1"/>
-                </a:solidFill>
-                <a:latin typeface="Arial" pitchFamily="34" charset="0"/>
-              </a:defRPr>
-            </a:lvl8pPr>
-            <a:lvl9pPr marL="3886200" indent="-228600" algn="ctr" eaLnBrk="0" fontAlgn="base" hangingPunct="0">
-              <a:spcBef>
-                <a:spcPct val="0"/>
-              </a:spcBef>
-              <a:spcAft>
-                <a:spcPct val="0"/>
-              </a:spcAft>
-              <a:defRPr sz="1400">
-                <a:solidFill>
-                  <a:schemeClr val="tx1"/>
-                </a:solidFill>
-                <a:latin typeface="Arial" pitchFamily="34" charset="0"/>
-              </a:defRPr>
-            </a:lvl9pPr>
-          </a:lstStyle>
-          <a:p>
-            <a:endParaRPr lang="en-US" smtClean="0">
-              <a:latin typeface="Times New Roman" pitchFamily="18" charset="0"/>
-            </a:endParaRPr>
-          </a:p>
-          <a:p>
-            <a:fld id="{FDDB82DF-CC60-4516-8B1E-05A59BD9AEB1}" type="slidenum">
-              <a:rPr lang="en-US" smtClean="0">
-                <a:latin typeface="Times New Roman" pitchFamily="18" charset="0"/>
-              </a:rPr>
-              <a:pPr/>
-              <a:t>15</a:t>
-            </a:fld>
-            <a:endParaRPr lang="en-US" smtClean="0">
-              <a:latin typeface="Times New Roman" pitchFamily="18" charset="0"/>
-            </a:endParaRPr>
-          </a:p>
-        </p:txBody>
-      </p:sp>
-      <p:sp>
-        <p:nvSpPr>
-          <p:cNvPr id="110597" name="Date Placeholder 4"/>
-          <p:cNvSpPr>
-            <a:spLocks noGrp="1"/>
-          </p:cNvSpPr>
-          <p:nvPr>
-            <p:ph type="dt" sz="quarter" idx="11"/>
-          </p:nvPr>
-        </p:nvSpPr>
-        <p:spPr>
-          <a:noFill/>
-          <a:ln/>
-          <a:extLst>
-            <a:ext uri="{909E8E84-426E-40DD-AFC4-6F175D3DCCD1}">
-              <a14:hiddenFill xmlns:a14="http://schemas.microsoft.com/office/drawing/2010/main">
-                <a:solidFill>
-                  <a:srgbClr val="FFFFFF"/>
-                </a:solidFill>
-              </a14:hiddenFill>
-            </a:ext>
-            <a:ext uri="{91240B29-F687-4F45-9708-019B960494DF}">
-              <a14:hiddenLine xmlns:a14="http://schemas.microsoft.com/office/drawing/2010/main" w="9525">
-                <a:solidFill>
-                  <a:srgbClr val="000000"/>
-                </a:solidFill>
-                <a:miter lim="800000"/>
-                <a:headEnd/>
-                <a:tailEnd/>
-              </a14:hiddenLine>
-            </a:ext>
-          </a:extLst>
-        </p:spPr>
-        <p:txBody>
-          <a:bodyPr/>
-          <a:lstStyle>
-            <a:lvl1pPr>
-              <a:defRPr sz="1400">
-                <a:solidFill>
-                  <a:schemeClr val="tx1"/>
-                </a:solidFill>
-                <a:latin typeface="Arial" pitchFamily="34" charset="0"/>
-              </a:defRPr>
-            </a:lvl1pPr>
-            <a:lvl2pPr marL="742950" indent="-285750">
-              <a:defRPr sz="1400">
-                <a:solidFill>
-                  <a:schemeClr val="tx1"/>
-                </a:solidFill>
-                <a:latin typeface="Arial" pitchFamily="34" charset="0"/>
-              </a:defRPr>
-            </a:lvl2pPr>
-            <a:lvl3pPr marL="1143000" indent="-228600">
-              <a:defRPr sz="1400">
-                <a:solidFill>
-                  <a:schemeClr val="tx1"/>
-                </a:solidFill>
-                <a:latin typeface="Arial" pitchFamily="34" charset="0"/>
-              </a:defRPr>
-            </a:lvl3pPr>
-            <a:lvl4pPr marL="1600200" indent="-228600">
-              <a:defRPr sz="1400">
-                <a:solidFill>
-                  <a:schemeClr val="tx1"/>
-                </a:solidFill>
-                <a:latin typeface="Arial" pitchFamily="34" charset="0"/>
-              </a:defRPr>
-            </a:lvl4pPr>
-            <a:lvl5pPr marL="2057400" indent="-228600">
-              <a:defRPr sz="1400">
-                <a:solidFill>
-                  <a:schemeClr val="tx1"/>
-                </a:solidFill>
-                <a:latin typeface="Arial" pitchFamily="34" charset="0"/>
-              </a:defRPr>
-            </a:lvl5pPr>
-            <a:lvl6pPr marL="2514600" indent="-228600" algn="ctr" eaLnBrk="0" fontAlgn="base" hangingPunct="0">
-              <a:spcBef>
-                <a:spcPct val="0"/>
-              </a:spcBef>
-              <a:spcAft>
-                <a:spcPct val="0"/>
-              </a:spcAft>
-              <a:defRPr sz="1400">
-                <a:solidFill>
-                  <a:schemeClr val="tx1"/>
-                </a:solidFill>
-                <a:latin typeface="Arial" pitchFamily="34" charset="0"/>
-              </a:defRPr>
-            </a:lvl6pPr>
-            <a:lvl7pPr marL="2971800" indent="-228600" algn="ctr" eaLnBrk="0" fontAlgn="base" hangingPunct="0">
-              <a:spcBef>
-                <a:spcPct val="0"/>
-              </a:spcBef>
-              <a:spcAft>
-                <a:spcPct val="0"/>
-              </a:spcAft>
-              <a:defRPr sz="1400">
-                <a:solidFill>
-                  <a:schemeClr val="tx1"/>
-                </a:solidFill>
-                <a:latin typeface="Arial" pitchFamily="34" charset="0"/>
-              </a:defRPr>
-            </a:lvl7pPr>
-            <a:lvl8pPr marL="3429000" indent="-228600" algn="ctr" eaLnBrk="0" fontAlgn="base" hangingPunct="0">
-              <a:spcBef>
-                <a:spcPct val="0"/>
-              </a:spcBef>
-              <a:spcAft>
-                <a:spcPct val="0"/>
-              </a:spcAft>
-              <a:defRPr sz="1400">
-                <a:solidFill>
-                  <a:schemeClr val="tx1"/>
-                </a:solidFill>
-                <a:latin typeface="Arial" pitchFamily="34" charset="0"/>
-              </a:defRPr>
-            </a:lvl8pPr>
-            <a:lvl9pPr marL="3886200" indent="-228600" algn="ctr" eaLnBrk="0" fontAlgn="base" hangingPunct="0">
-              <a:spcBef>
-                <a:spcPct val="0"/>
-              </a:spcBef>
-              <a:spcAft>
-                <a:spcPct val="0"/>
-              </a:spcAft>
-              <a:defRPr sz="1400">
-                <a:solidFill>
-                  <a:schemeClr val="tx1"/>
-                </a:solidFill>
-                <a:latin typeface="Arial" pitchFamily="34" charset="0"/>
-              </a:defRPr>
-            </a:lvl9pPr>
-          </a:lstStyle>
-          <a:p>
-            <a:endParaRPr lang="en-US" smtClean="0">
-              <a:latin typeface="Times New Roman" pitchFamily="18" charset="0"/>
-            </a:endParaRPr>
-          </a:p>
-          <a:p>
-            <a:fld id="{76FEBBFB-1EFA-4C5F-B8CF-CCDAD33DAA34}" type="datetime3">
-              <a:rPr lang="en-US" smtClean="0">
-                <a:latin typeface="Times New Roman" pitchFamily="18" charset="0"/>
-              </a:rPr>
-              <a:pPr/>
-              <a:t>16 July 2018</a:t>
-            </a:fld>
-            <a:endParaRPr lang="en-US" smtClean="0">
-              <a:latin typeface="Times New Roman" pitchFamily="18" charset="0"/>
-            </a:endParaRPr>
-          </a:p>
-        </p:txBody>
-      </p:sp>
-    </p:spTree>
-    <p:extLst>
-      <p:ext uri="{BB962C8B-B14F-4D97-AF65-F5344CB8AC3E}">
-        <p14:creationId xmlns:p14="http://schemas.microsoft.com/office/powerpoint/2010/main" val="2416234544"/>
-      </p:ext>
-    </p:extLst>
-  </p:cSld>
-  <p:clrMapOvr>
-    <a:masterClrMapping/>
-  </p:clrMapOvr>
-  <p:timing>
-    <p:tnLst>
-      <p:par>
-        <p:cTn id="1" dur="indefinite" restart="never" nodeType="tmRoot"/>
-      </p:par>
-    </p:tnLst>
-  </p:timing>
-</p:sld>
-</file>
-
-<file path=ppt/slides/slide16.xml><?xml version="1.0" encoding="utf-8"?>
-<p:sld xmlns:a="http://schemas.openxmlformats.org/drawingml/2006/main" xmlns:r="http://schemas.openxmlformats.org/officeDocument/2006/relationships" xmlns:p="http://schemas.openxmlformats.org/presentationml/2006/main">
-  <p:cSld>
-    <p:spTree>
-      <p:nvGrpSpPr>
-        <p:cNvPr id="1" name=""/>
-        <p:cNvGrpSpPr/>
-        <p:nvPr/>
-      </p:nvGrpSpPr>
-      <p:grpSpPr>
-        <a:xfrm>
-          <a:off x="0" y="0"/>
-          <a:ext cx="0" cy="0"/>
-          <a:chOff x="0" y="0"/>
-          <a:chExt cx="0" cy="0"/>
-        </a:xfrm>
-      </p:grpSpPr>
-      <p:sp>
-        <p:nvSpPr>
-          <p:cNvPr id="111618" name="Title 1"/>
-          <p:cNvSpPr>
-            <a:spLocks noGrp="1"/>
-          </p:cNvSpPr>
-          <p:nvPr>
-            <p:ph type="title"/>
-          </p:nvPr>
-        </p:nvSpPr>
-        <p:spPr/>
-        <p:txBody>
-          <a:bodyPr/>
-          <a:lstStyle/>
-          <a:p>
-            <a:r>
-              <a:rPr lang="en-US" dirty="0" smtClean="0"/>
-              <a:t>Other Course Policies - Labs</a:t>
-            </a:r>
-          </a:p>
-        </p:txBody>
-      </p:sp>
-      <p:sp>
-        <p:nvSpPr>
-          <p:cNvPr id="111619" name="Content Placeholder 2"/>
-          <p:cNvSpPr>
-            <a:spLocks noGrp="1"/>
-          </p:cNvSpPr>
-          <p:nvPr>
-            <p:ph idx="1"/>
-          </p:nvPr>
-        </p:nvSpPr>
-        <p:spPr/>
-        <p:txBody>
-          <a:bodyPr/>
-          <a:lstStyle/>
-          <a:p>
-            <a:r>
-              <a:rPr lang="en-US" dirty="0" err="1" smtClean="0"/>
-              <a:t>Bitbucket</a:t>
-            </a:r>
-            <a:r>
-              <a:rPr lang="en-US" dirty="0" smtClean="0"/>
-              <a:t> to turn in lab materials bitbucket.org</a:t>
-            </a:r>
-          </a:p>
-          <a:p>
-            <a:endParaRPr lang="en-US" dirty="0" smtClean="0"/>
-          </a:p>
-          <a:p>
-            <a:r>
-              <a:rPr lang="en-US" dirty="0" smtClean="0"/>
-              <a:t>Class time is provided, but come prepared!</a:t>
-            </a:r>
-          </a:p>
-          <a:p>
-            <a:pPr lvl="1"/>
-            <a:r>
-              <a:rPr lang="en-US" dirty="0" smtClean="0"/>
-              <a:t>The labs will require debugging—53 minutes goes by quickly</a:t>
-            </a:r>
-          </a:p>
-          <a:p>
-            <a:pPr lvl="1"/>
-            <a:endParaRPr lang="en-US" dirty="0"/>
-          </a:p>
-          <a:p>
-            <a:r>
-              <a:rPr lang="en-US" dirty="0" err="1" smtClean="0"/>
-              <a:t>Prelabs</a:t>
-            </a:r>
-            <a:r>
-              <a:rPr lang="en-US" dirty="0"/>
-              <a:t> </a:t>
-            </a:r>
-            <a:r>
-              <a:rPr lang="en-US" dirty="0" smtClean="0"/>
-              <a:t>due NLT one full duty day prior to lab lesson (unless otherwise stated)</a:t>
-            </a:r>
-          </a:p>
-          <a:p>
-            <a:pPr lvl="1"/>
-            <a:r>
-              <a:rPr lang="en-US" dirty="0" smtClean="0"/>
-              <a:t>Early feedback critical</a:t>
-            </a:r>
-          </a:p>
-          <a:p>
-            <a:pPr lvl="1"/>
-            <a:r>
-              <a:rPr lang="en-US" dirty="0" smtClean="0"/>
-              <a:t>Bad plan </a:t>
-            </a:r>
-            <a:r>
-              <a:rPr lang="en-US" dirty="0" smtClean="0">
-                <a:sym typeface="Wingdings" panose="05000000000000000000" pitchFamily="2" charset="2"/>
-              </a:rPr>
-              <a:t> bad implementation</a:t>
-            </a:r>
-            <a:endParaRPr lang="en-US" dirty="0" smtClean="0"/>
-          </a:p>
-        </p:txBody>
-      </p:sp>
-      <p:sp>
-        <p:nvSpPr>
-          <p:cNvPr id="111620" name="Slide Number Placeholder 3"/>
-          <p:cNvSpPr>
-            <a:spLocks noGrp="1"/>
-          </p:cNvSpPr>
-          <p:nvPr>
-            <p:ph type="sldNum" sz="quarter" idx="10"/>
-          </p:nvPr>
-        </p:nvSpPr>
-        <p:spPr>
-          <a:noFill/>
-          <a:ln/>
-          <a:extLst>
-            <a:ext uri="{909E8E84-426E-40DD-AFC4-6F175D3DCCD1}">
-              <a14:hiddenFill xmlns:a14="http://schemas.microsoft.com/office/drawing/2010/main">
-                <a:solidFill>
-                  <a:srgbClr val="FFFFFF"/>
-                </a:solidFill>
-              </a14:hiddenFill>
-            </a:ext>
-            <a:ext uri="{91240B29-F687-4F45-9708-019B960494DF}">
-              <a14:hiddenLine xmlns:a14="http://schemas.microsoft.com/office/drawing/2010/main" w="9525">
-                <a:solidFill>
-                  <a:srgbClr val="000000"/>
-                </a:solidFill>
-                <a:miter lim="800000"/>
-                <a:headEnd/>
-                <a:tailEnd/>
-              </a14:hiddenLine>
-            </a:ext>
-          </a:extLst>
-        </p:spPr>
-        <p:txBody>
-          <a:bodyPr/>
-          <a:lstStyle>
-            <a:lvl1pPr>
-              <a:defRPr sz="1400">
-                <a:solidFill>
-                  <a:schemeClr val="tx1"/>
-                </a:solidFill>
-                <a:latin typeface="Arial" pitchFamily="34" charset="0"/>
-              </a:defRPr>
-            </a:lvl1pPr>
-            <a:lvl2pPr marL="742950" indent="-285750">
-              <a:defRPr sz="1400">
-                <a:solidFill>
-                  <a:schemeClr val="tx1"/>
-                </a:solidFill>
-                <a:latin typeface="Arial" pitchFamily="34" charset="0"/>
-              </a:defRPr>
-            </a:lvl2pPr>
-            <a:lvl3pPr marL="1143000" indent="-228600">
-              <a:defRPr sz="1400">
-                <a:solidFill>
-                  <a:schemeClr val="tx1"/>
-                </a:solidFill>
-                <a:latin typeface="Arial" pitchFamily="34" charset="0"/>
-              </a:defRPr>
-            </a:lvl3pPr>
-            <a:lvl4pPr marL="1600200" indent="-228600">
-              <a:defRPr sz="1400">
-                <a:solidFill>
-                  <a:schemeClr val="tx1"/>
-                </a:solidFill>
-                <a:latin typeface="Arial" pitchFamily="34" charset="0"/>
-              </a:defRPr>
-            </a:lvl4pPr>
-            <a:lvl5pPr marL="2057400" indent="-228600">
-              <a:defRPr sz="1400">
-                <a:solidFill>
-                  <a:schemeClr val="tx1"/>
-                </a:solidFill>
-                <a:latin typeface="Arial" pitchFamily="34" charset="0"/>
-              </a:defRPr>
-            </a:lvl5pPr>
-            <a:lvl6pPr marL="2514600" indent="-228600" algn="ctr" eaLnBrk="0" fontAlgn="base" hangingPunct="0">
-              <a:spcBef>
-                <a:spcPct val="0"/>
-              </a:spcBef>
-              <a:spcAft>
-                <a:spcPct val="0"/>
-              </a:spcAft>
-              <a:defRPr sz="1400">
-                <a:solidFill>
-                  <a:schemeClr val="tx1"/>
-                </a:solidFill>
-                <a:latin typeface="Arial" pitchFamily="34" charset="0"/>
-              </a:defRPr>
-            </a:lvl6pPr>
-            <a:lvl7pPr marL="2971800" indent="-228600" algn="ctr" eaLnBrk="0" fontAlgn="base" hangingPunct="0">
-              <a:spcBef>
-                <a:spcPct val="0"/>
-              </a:spcBef>
-              <a:spcAft>
-                <a:spcPct val="0"/>
-              </a:spcAft>
-              <a:defRPr sz="1400">
-                <a:solidFill>
-                  <a:schemeClr val="tx1"/>
-                </a:solidFill>
-                <a:latin typeface="Arial" pitchFamily="34" charset="0"/>
-              </a:defRPr>
-            </a:lvl7pPr>
-            <a:lvl8pPr marL="3429000" indent="-228600" algn="ctr" eaLnBrk="0" fontAlgn="base" hangingPunct="0">
-              <a:spcBef>
-                <a:spcPct val="0"/>
-              </a:spcBef>
-              <a:spcAft>
-                <a:spcPct val="0"/>
-              </a:spcAft>
-              <a:defRPr sz="1400">
-                <a:solidFill>
-                  <a:schemeClr val="tx1"/>
-                </a:solidFill>
-                <a:latin typeface="Arial" pitchFamily="34" charset="0"/>
-              </a:defRPr>
-            </a:lvl8pPr>
-            <a:lvl9pPr marL="3886200" indent="-228600" algn="ctr" eaLnBrk="0" fontAlgn="base" hangingPunct="0">
-              <a:spcBef>
-                <a:spcPct val="0"/>
-              </a:spcBef>
-              <a:spcAft>
-                <a:spcPct val="0"/>
-              </a:spcAft>
-              <a:defRPr sz="1400">
-                <a:solidFill>
-                  <a:schemeClr val="tx1"/>
-                </a:solidFill>
-                <a:latin typeface="Arial" pitchFamily="34" charset="0"/>
-              </a:defRPr>
-            </a:lvl9pPr>
-          </a:lstStyle>
-          <a:p>
-            <a:endParaRPr lang="en-US" smtClean="0">
-              <a:latin typeface="Times New Roman" pitchFamily="18" charset="0"/>
-            </a:endParaRPr>
-          </a:p>
-          <a:p>
-            <a:fld id="{BD9A8295-ABF9-4F85-A210-0EEB5FA70FF0}" type="slidenum">
-              <a:rPr lang="en-US" smtClean="0">
-                <a:latin typeface="Times New Roman" pitchFamily="18" charset="0"/>
-              </a:rPr>
-              <a:pPr/>
-              <a:t>16</a:t>
-            </a:fld>
-            <a:endParaRPr lang="en-US" smtClean="0">
-              <a:latin typeface="Times New Roman" pitchFamily="18" charset="0"/>
-            </a:endParaRPr>
-          </a:p>
-        </p:txBody>
-      </p:sp>
-      <p:sp>
-        <p:nvSpPr>
-          <p:cNvPr id="111621" name="Date Placeholder 4"/>
-          <p:cNvSpPr>
-            <a:spLocks noGrp="1"/>
-          </p:cNvSpPr>
-          <p:nvPr>
-            <p:ph type="dt" sz="quarter" idx="11"/>
-          </p:nvPr>
-        </p:nvSpPr>
-        <p:spPr>
-          <a:noFill/>
-          <a:ln/>
-          <a:extLst>
-            <a:ext uri="{909E8E84-426E-40DD-AFC4-6F175D3DCCD1}">
-              <a14:hiddenFill xmlns:a14="http://schemas.microsoft.com/office/drawing/2010/main">
-                <a:solidFill>
-                  <a:srgbClr val="FFFFFF"/>
-                </a:solidFill>
-              </a14:hiddenFill>
-            </a:ext>
-            <a:ext uri="{91240B29-F687-4F45-9708-019B960494DF}">
-              <a14:hiddenLine xmlns:a14="http://schemas.microsoft.com/office/drawing/2010/main" w="9525">
-                <a:solidFill>
-                  <a:srgbClr val="000000"/>
-                </a:solidFill>
-                <a:miter lim="800000"/>
-                <a:headEnd/>
-                <a:tailEnd/>
-              </a14:hiddenLine>
-            </a:ext>
-          </a:extLst>
-        </p:spPr>
-        <p:txBody>
-          <a:bodyPr/>
-          <a:lstStyle>
-            <a:lvl1pPr>
-              <a:defRPr sz="1400">
-                <a:solidFill>
-                  <a:schemeClr val="tx1"/>
-                </a:solidFill>
-                <a:latin typeface="Arial" pitchFamily="34" charset="0"/>
-              </a:defRPr>
-            </a:lvl1pPr>
-            <a:lvl2pPr marL="742950" indent="-285750">
-              <a:defRPr sz="1400">
-                <a:solidFill>
-                  <a:schemeClr val="tx1"/>
-                </a:solidFill>
-                <a:latin typeface="Arial" pitchFamily="34" charset="0"/>
-              </a:defRPr>
-            </a:lvl2pPr>
-            <a:lvl3pPr marL="1143000" indent="-228600">
-              <a:defRPr sz="1400">
-                <a:solidFill>
-                  <a:schemeClr val="tx1"/>
-                </a:solidFill>
-                <a:latin typeface="Arial" pitchFamily="34" charset="0"/>
-              </a:defRPr>
-            </a:lvl3pPr>
-            <a:lvl4pPr marL="1600200" indent="-228600">
-              <a:defRPr sz="1400">
-                <a:solidFill>
-                  <a:schemeClr val="tx1"/>
-                </a:solidFill>
-                <a:latin typeface="Arial" pitchFamily="34" charset="0"/>
-              </a:defRPr>
-            </a:lvl4pPr>
-            <a:lvl5pPr marL="2057400" indent="-228600">
-              <a:defRPr sz="1400">
-                <a:solidFill>
-                  <a:schemeClr val="tx1"/>
-                </a:solidFill>
-                <a:latin typeface="Arial" pitchFamily="34" charset="0"/>
-              </a:defRPr>
-            </a:lvl5pPr>
-            <a:lvl6pPr marL="2514600" indent="-228600" algn="ctr" eaLnBrk="0" fontAlgn="base" hangingPunct="0">
-              <a:spcBef>
-                <a:spcPct val="0"/>
-              </a:spcBef>
-              <a:spcAft>
-                <a:spcPct val="0"/>
-              </a:spcAft>
-              <a:defRPr sz="1400">
-                <a:solidFill>
-                  <a:schemeClr val="tx1"/>
-                </a:solidFill>
-                <a:latin typeface="Arial" pitchFamily="34" charset="0"/>
-              </a:defRPr>
-            </a:lvl6pPr>
-            <a:lvl7pPr marL="2971800" indent="-228600" algn="ctr" eaLnBrk="0" fontAlgn="base" hangingPunct="0">
-              <a:spcBef>
-                <a:spcPct val="0"/>
-              </a:spcBef>
-              <a:spcAft>
-                <a:spcPct val="0"/>
-              </a:spcAft>
-              <a:defRPr sz="1400">
-                <a:solidFill>
-                  <a:schemeClr val="tx1"/>
-                </a:solidFill>
-                <a:latin typeface="Arial" pitchFamily="34" charset="0"/>
-              </a:defRPr>
-            </a:lvl7pPr>
-            <a:lvl8pPr marL="3429000" indent="-228600" algn="ctr" eaLnBrk="0" fontAlgn="base" hangingPunct="0">
-              <a:spcBef>
-                <a:spcPct val="0"/>
-              </a:spcBef>
-              <a:spcAft>
-                <a:spcPct val="0"/>
-              </a:spcAft>
-              <a:defRPr sz="1400">
-                <a:solidFill>
-                  <a:schemeClr val="tx1"/>
-                </a:solidFill>
-                <a:latin typeface="Arial" pitchFamily="34" charset="0"/>
-              </a:defRPr>
-            </a:lvl8pPr>
-            <a:lvl9pPr marL="3886200" indent="-228600" algn="ctr" eaLnBrk="0" fontAlgn="base" hangingPunct="0">
-              <a:spcBef>
-                <a:spcPct val="0"/>
-              </a:spcBef>
-              <a:spcAft>
-                <a:spcPct val="0"/>
-              </a:spcAft>
-              <a:defRPr sz="1400">
-                <a:solidFill>
-                  <a:schemeClr val="tx1"/>
-                </a:solidFill>
-                <a:latin typeface="Arial" pitchFamily="34" charset="0"/>
-              </a:defRPr>
-            </a:lvl9pPr>
-          </a:lstStyle>
-          <a:p>
-            <a:endParaRPr lang="en-US" smtClean="0">
-              <a:latin typeface="Times New Roman" pitchFamily="18" charset="0"/>
-            </a:endParaRPr>
-          </a:p>
-          <a:p>
-            <a:fld id="{2AF6D125-7F1F-415C-9C1F-4109F9BD73DA}" type="datetime3">
-              <a:rPr lang="en-US" smtClean="0">
-                <a:latin typeface="Times New Roman" pitchFamily="18" charset="0"/>
-              </a:rPr>
-              <a:pPr/>
-              <a:t>16 July 2018</a:t>
-            </a:fld>
-            <a:endParaRPr lang="en-US" smtClean="0">
-              <a:latin typeface="Times New Roman" pitchFamily="18" charset="0"/>
-            </a:endParaRPr>
-          </a:p>
-        </p:txBody>
-      </p:sp>
-    </p:spTree>
-    <p:extLst>
-      <p:ext uri="{BB962C8B-B14F-4D97-AF65-F5344CB8AC3E}">
-        <p14:creationId xmlns:p14="http://schemas.microsoft.com/office/powerpoint/2010/main" val="4090934619"/>
-      </p:ext>
-    </p:extLst>
-  </p:cSld>
-  <p:clrMapOvr>
-    <a:masterClrMapping/>
-  </p:clrMapOvr>
-  <p:timing>
-    <p:tnLst>
-      <p:par>
-        <p:cTn id="1" dur="indefinite" restart="never" nodeType="tmRoot"/>
-      </p:par>
-    </p:tnLst>
-  </p:timing>
-</p:sld>
-</file>
-
-<file path=ppt/slides/slide17.xml><?xml version="1.0" encoding="utf-8"?>
-<p:sld xmlns:a="http://schemas.openxmlformats.org/drawingml/2006/main" xmlns:r="http://schemas.openxmlformats.org/officeDocument/2006/relationships" xmlns:p="http://schemas.openxmlformats.org/presentationml/2006/main">
-  <p:cSld>
-    <p:spTree>
-      <p:nvGrpSpPr>
-        <p:cNvPr id="1" name=""/>
-        <p:cNvGrpSpPr/>
-        <p:nvPr/>
-      </p:nvGrpSpPr>
-      <p:grpSpPr>
-        <a:xfrm>
-          <a:off x="0" y="0"/>
-          <a:ext cx="0" cy="0"/>
-          <a:chOff x="0" y="0"/>
-          <a:chExt cx="0" cy="0"/>
-        </a:xfrm>
-      </p:grpSpPr>
-      <p:sp>
-        <p:nvSpPr>
-          <p:cNvPr id="110594" name="Title 1"/>
-          <p:cNvSpPr>
-            <a:spLocks noGrp="1"/>
-          </p:cNvSpPr>
-          <p:nvPr>
-            <p:ph type="title"/>
-          </p:nvPr>
-        </p:nvSpPr>
-        <p:spPr/>
-        <p:txBody>
-          <a:bodyPr/>
-          <a:lstStyle/>
-          <a:p>
-            <a:r>
-              <a:rPr lang="en-US" smtClean="0"/>
-              <a:t>Other Course Policies</a:t>
-            </a:r>
-          </a:p>
-        </p:txBody>
-      </p:sp>
-      <p:sp>
-        <p:nvSpPr>
-          <p:cNvPr id="110595" name="Content Placeholder 2"/>
-          <p:cNvSpPr>
-            <a:spLocks noGrp="1"/>
-          </p:cNvSpPr>
-          <p:nvPr>
-            <p:ph idx="1"/>
-          </p:nvPr>
-        </p:nvSpPr>
-        <p:spPr/>
-        <p:txBody>
-          <a:bodyPr/>
-          <a:lstStyle/>
-          <a:p>
-            <a:r>
-              <a:rPr lang="en-US" dirty="0" smtClean="0"/>
-              <a:t>Quizzes, GRs, and Final</a:t>
-            </a:r>
-          </a:p>
-          <a:p>
-            <a:pPr lvl="1"/>
-            <a:r>
-              <a:rPr lang="en-US" sz="2000" b="0" dirty="0" smtClean="0"/>
-              <a:t>Let me know at least one lesson ahead of time if you’re going to miss a graded evaluation</a:t>
-            </a:r>
-          </a:p>
-          <a:p>
-            <a:endParaRPr lang="en-US" sz="2000" dirty="0" smtClean="0"/>
-          </a:p>
-          <a:p>
-            <a:r>
-              <a:rPr lang="en-US" dirty="0" smtClean="0"/>
-              <a:t>Food / Drink</a:t>
-            </a:r>
-          </a:p>
-          <a:p>
-            <a:pPr lvl="1"/>
-            <a:r>
-              <a:rPr lang="en-US" sz="2000" b="0" dirty="0" smtClean="0"/>
-              <a:t>No Food in classroom (Hallway OK)</a:t>
-            </a:r>
-          </a:p>
-          <a:p>
-            <a:pPr lvl="1"/>
-            <a:r>
-              <a:rPr lang="en-US" sz="2000" b="0" dirty="0" smtClean="0"/>
-              <a:t>Water in approved containers OK</a:t>
-            </a:r>
-          </a:p>
-          <a:p>
-            <a:pPr lvl="1"/>
-            <a:endParaRPr lang="en-US" sz="2000" b="0" dirty="0"/>
-          </a:p>
-          <a:p>
-            <a:r>
-              <a:rPr lang="en-US" dirty="0" smtClean="0"/>
-              <a:t>Bring your laptop and board every lesson</a:t>
-            </a:r>
-          </a:p>
-          <a:p>
-            <a:endParaRPr lang="en-US" dirty="0"/>
-          </a:p>
-          <a:p>
-            <a:r>
-              <a:rPr lang="en-US" dirty="0" smtClean="0"/>
-              <a:t>Have fun!</a:t>
-            </a:r>
-          </a:p>
-        </p:txBody>
-      </p:sp>
-      <p:sp>
-        <p:nvSpPr>
-          <p:cNvPr id="110596" name="Slide Number Placeholder 3"/>
-          <p:cNvSpPr>
-            <a:spLocks noGrp="1"/>
-          </p:cNvSpPr>
-          <p:nvPr>
-            <p:ph type="sldNum" sz="quarter" idx="10"/>
-          </p:nvPr>
-        </p:nvSpPr>
-        <p:spPr>
-          <a:noFill/>
-          <a:ln/>
-          <a:extLst>
-            <a:ext uri="{909E8E84-426E-40DD-AFC4-6F175D3DCCD1}">
-              <a14:hiddenFill xmlns:a14="http://schemas.microsoft.com/office/drawing/2010/main">
-                <a:solidFill>
-                  <a:srgbClr val="FFFFFF"/>
-                </a:solidFill>
-              </a14:hiddenFill>
-            </a:ext>
-            <a:ext uri="{91240B29-F687-4F45-9708-019B960494DF}">
-              <a14:hiddenLine xmlns:a14="http://schemas.microsoft.com/office/drawing/2010/main" w="9525">
-                <a:solidFill>
-                  <a:srgbClr val="000000"/>
-                </a:solidFill>
-                <a:miter lim="800000"/>
-                <a:headEnd/>
-                <a:tailEnd/>
-              </a14:hiddenLine>
-            </a:ext>
-          </a:extLst>
-        </p:spPr>
-        <p:txBody>
-          <a:bodyPr/>
-          <a:lstStyle>
-            <a:lvl1pPr>
-              <a:defRPr sz="1400">
-                <a:solidFill>
-                  <a:schemeClr val="tx1"/>
-                </a:solidFill>
-                <a:latin typeface="Arial" pitchFamily="34" charset="0"/>
-              </a:defRPr>
-            </a:lvl1pPr>
-            <a:lvl2pPr marL="742950" indent="-285750">
-              <a:defRPr sz="1400">
-                <a:solidFill>
-                  <a:schemeClr val="tx1"/>
-                </a:solidFill>
-                <a:latin typeface="Arial" pitchFamily="34" charset="0"/>
-              </a:defRPr>
-            </a:lvl2pPr>
-            <a:lvl3pPr marL="1143000" indent="-228600">
-              <a:defRPr sz="1400">
-                <a:solidFill>
-                  <a:schemeClr val="tx1"/>
-                </a:solidFill>
-                <a:latin typeface="Arial" pitchFamily="34" charset="0"/>
-              </a:defRPr>
-            </a:lvl3pPr>
-            <a:lvl4pPr marL="1600200" indent="-228600">
-              <a:defRPr sz="1400">
-                <a:solidFill>
-                  <a:schemeClr val="tx1"/>
-                </a:solidFill>
-                <a:latin typeface="Arial" pitchFamily="34" charset="0"/>
-              </a:defRPr>
-            </a:lvl4pPr>
-            <a:lvl5pPr marL="2057400" indent="-228600">
-              <a:defRPr sz="1400">
-                <a:solidFill>
-                  <a:schemeClr val="tx1"/>
-                </a:solidFill>
-                <a:latin typeface="Arial" pitchFamily="34" charset="0"/>
-              </a:defRPr>
-            </a:lvl5pPr>
-            <a:lvl6pPr marL="2514600" indent="-228600" algn="ctr" eaLnBrk="0" fontAlgn="base" hangingPunct="0">
-              <a:spcBef>
-                <a:spcPct val="0"/>
-              </a:spcBef>
-              <a:spcAft>
-                <a:spcPct val="0"/>
-              </a:spcAft>
-              <a:defRPr sz="1400">
-                <a:solidFill>
-                  <a:schemeClr val="tx1"/>
-                </a:solidFill>
-                <a:latin typeface="Arial" pitchFamily="34" charset="0"/>
-              </a:defRPr>
-            </a:lvl6pPr>
-            <a:lvl7pPr marL="2971800" indent="-228600" algn="ctr" eaLnBrk="0" fontAlgn="base" hangingPunct="0">
-              <a:spcBef>
-                <a:spcPct val="0"/>
-              </a:spcBef>
-              <a:spcAft>
-                <a:spcPct val="0"/>
-              </a:spcAft>
-              <a:defRPr sz="1400">
-                <a:solidFill>
-                  <a:schemeClr val="tx1"/>
-                </a:solidFill>
-                <a:latin typeface="Arial" pitchFamily="34" charset="0"/>
-              </a:defRPr>
-            </a:lvl7pPr>
-            <a:lvl8pPr marL="3429000" indent="-228600" algn="ctr" eaLnBrk="0" fontAlgn="base" hangingPunct="0">
-              <a:spcBef>
-                <a:spcPct val="0"/>
-              </a:spcBef>
-              <a:spcAft>
-                <a:spcPct val="0"/>
-              </a:spcAft>
-              <a:defRPr sz="1400">
-                <a:solidFill>
-                  <a:schemeClr val="tx1"/>
-                </a:solidFill>
-                <a:latin typeface="Arial" pitchFamily="34" charset="0"/>
-              </a:defRPr>
-            </a:lvl8pPr>
-            <a:lvl9pPr marL="3886200" indent="-228600" algn="ctr" eaLnBrk="0" fontAlgn="base" hangingPunct="0">
-              <a:spcBef>
-                <a:spcPct val="0"/>
-              </a:spcBef>
-              <a:spcAft>
-                <a:spcPct val="0"/>
-              </a:spcAft>
-              <a:defRPr sz="1400">
-                <a:solidFill>
-                  <a:schemeClr val="tx1"/>
-                </a:solidFill>
-                <a:latin typeface="Arial" pitchFamily="34" charset="0"/>
-              </a:defRPr>
-            </a:lvl9pPr>
-          </a:lstStyle>
-          <a:p>
-            <a:endParaRPr lang="en-US" smtClean="0">
-              <a:latin typeface="Times New Roman" pitchFamily="18" charset="0"/>
-            </a:endParaRPr>
-          </a:p>
-          <a:p>
-            <a:fld id="{FDDB82DF-CC60-4516-8B1E-05A59BD9AEB1}" type="slidenum">
-              <a:rPr lang="en-US" smtClean="0">
-                <a:latin typeface="Times New Roman" pitchFamily="18" charset="0"/>
-              </a:rPr>
-              <a:pPr/>
-              <a:t>17</a:t>
-            </a:fld>
-            <a:endParaRPr lang="en-US" smtClean="0">
-              <a:latin typeface="Times New Roman" pitchFamily="18" charset="0"/>
-            </a:endParaRPr>
-          </a:p>
-        </p:txBody>
-      </p:sp>
-      <p:sp>
-        <p:nvSpPr>
-          <p:cNvPr id="110597" name="Date Placeholder 4"/>
-          <p:cNvSpPr>
-            <a:spLocks noGrp="1"/>
-          </p:cNvSpPr>
-          <p:nvPr>
-            <p:ph type="dt" sz="quarter" idx="11"/>
-          </p:nvPr>
-        </p:nvSpPr>
-        <p:spPr>
-          <a:noFill/>
-          <a:ln/>
-          <a:extLst>
-            <a:ext uri="{909E8E84-426E-40DD-AFC4-6F175D3DCCD1}">
-              <a14:hiddenFill xmlns:a14="http://schemas.microsoft.com/office/drawing/2010/main">
-                <a:solidFill>
-                  <a:srgbClr val="FFFFFF"/>
-                </a:solidFill>
-              </a14:hiddenFill>
-            </a:ext>
-            <a:ext uri="{91240B29-F687-4F45-9708-019B960494DF}">
-              <a14:hiddenLine xmlns:a14="http://schemas.microsoft.com/office/drawing/2010/main" w="9525">
-                <a:solidFill>
-                  <a:srgbClr val="000000"/>
-                </a:solidFill>
-                <a:miter lim="800000"/>
-                <a:headEnd/>
-                <a:tailEnd/>
-              </a14:hiddenLine>
-            </a:ext>
-          </a:extLst>
-        </p:spPr>
-        <p:txBody>
-          <a:bodyPr/>
-          <a:lstStyle>
-            <a:lvl1pPr>
-              <a:defRPr sz="1400">
-                <a:solidFill>
-                  <a:schemeClr val="tx1"/>
-                </a:solidFill>
-                <a:latin typeface="Arial" pitchFamily="34" charset="0"/>
-              </a:defRPr>
-            </a:lvl1pPr>
-            <a:lvl2pPr marL="742950" indent="-285750">
-              <a:defRPr sz="1400">
-                <a:solidFill>
-                  <a:schemeClr val="tx1"/>
-                </a:solidFill>
-                <a:latin typeface="Arial" pitchFamily="34" charset="0"/>
-              </a:defRPr>
-            </a:lvl2pPr>
-            <a:lvl3pPr marL="1143000" indent="-228600">
-              <a:defRPr sz="1400">
-                <a:solidFill>
-                  <a:schemeClr val="tx1"/>
-                </a:solidFill>
-                <a:latin typeface="Arial" pitchFamily="34" charset="0"/>
-              </a:defRPr>
-            </a:lvl3pPr>
-            <a:lvl4pPr marL="1600200" indent="-228600">
-              <a:defRPr sz="1400">
-                <a:solidFill>
-                  <a:schemeClr val="tx1"/>
-                </a:solidFill>
-                <a:latin typeface="Arial" pitchFamily="34" charset="0"/>
-              </a:defRPr>
-            </a:lvl4pPr>
-            <a:lvl5pPr marL="2057400" indent="-228600">
-              <a:defRPr sz="1400">
-                <a:solidFill>
-                  <a:schemeClr val="tx1"/>
-                </a:solidFill>
-                <a:latin typeface="Arial" pitchFamily="34" charset="0"/>
-              </a:defRPr>
-            </a:lvl5pPr>
-            <a:lvl6pPr marL="2514600" indent="-228600" algn="ctr" eaLnBrk="0" fontAlgn="base" hangingPunct="0">
-              <a:spcBef>
-                <a:spcPct val="0"/>
-              </a:spcBef>
-              <a:spcAft>
-                <a:spcPct val="0"/>
-              </a:spcAft>
-              <a:defRPr sz="1400">
-                <a:solidFill>
-                  <a:schemeClr val="tx1"/>
-                </a:solidFill>
-                <a:latin typeface="Arial" pitchFamily="34" charset="0"/>
-              </a:defRPr>
-            </a:lvl6pPr>
-            <a:lvl7pPr marL="2971800" indent="-228600" algn="ctr" eaLnBrk="0" fontAlgn="base" hangingPunct="0">
-              <a:spcBef>
-                <a:spcPct val="0"/>
-              </a:spcBef>
-              <a:spcAft>
-                <a:spcPct val="0"/>
-              </a:spcAft>
-              <a:defRPr sz="1400">
-                <a:solidFill>
-                  <a:schemeClr val="tx1"/>
-                </a:solidFill>
-                <a:latin typeface="Arial" pitchFamily="34" charset="0"/>
-              </a:defRPr>
-            </a:lvl7pPr>
-            <a:lvl8pPr marL="3429000" indent="-228600" algn="ctr" eaLnBrk="0" fontAlgn="base" hangingPunct="0">
-              <a:spcBef>
-                <a:spcPct val="0"/>
-              </a:spcBef>
-              <a:spcAft>
-                <a:spcPct val="0"/>
-              </a:spcAft>
-              <a:defRPr sz="1400">
-                <a:solidFill>
-                  <a:schemeClr val="tx1"/>
-                </a:solidFill>
-                <a:latin typeface="Arial" pitchFamily="34" charset="0"/>
-              </a:defRPr>
-            </a:lvl8pPr>
-            <a:lvl9pPr marL="3886200" indent="-228600" algn="ctr" eaLnBrk="0" fontAlgn="base" hangingPunct="0">
-              <a:spcBef>
-                <a:spcPct val="0"/>
-              </a:spcBef>
-              <a:spcAft>
-                <a:spcPct val="0"/>
-              </a:spcAft>
-              <a:defRPr sz="1400">
-                <a:solidFill>
-                  <a:schemeClr val="tx1"/>
-                </a:solidFill>
-                <a:latin typeface="Arial" pitchFamily="34" charset="0"/>
-              </a:defRPr>
-            </a:lvl9pPr>
-          </a:lstStyle>
-          <a:p>
-            <a:endParaRPr lang="en-US" smtClean="0">
-              <a:latin typeface="Times New Roman" pitchFamily="18" charset="0"/>
-            </a:endParaRPr>
-          </a:p>
-          <a:p>
-            <a:fld id="{76FEBBFB-1EFA-4C5F-B8CF-CCDAD33DAA34}" type="datetime3">
-              <a:rPr lang="en-US" smtClean="0">
-                <a:latin typeface="Times New Roman" pitchFamily="18" charset="0"/>
-              </a:rPr>
-              <a:pPr/>
-              <a:t>16 July 2018</a:t>
-            </a:fld>
-            <a:endParaRPr lang="en-US" smtClean="0">
-              <a:latin typeface="Times New Roman" pitchFamily="18" charset="0"/>
-            </a:endParaRPr>
-          </a:p>
-        </p:txBody>
-      </p:sp>
-    </p:spTree>
-    <p:extLst>
-      <p:ext uri="{BB962C8B-B14F-4D97-AF65-F5344CB8AC3E}">
-        <p14:creationId xmlns:p14="http://schemas.microsoft.com/office/powerpoint/2010/main" val="1204864963"/>
-      </p:ext>
-    </p:extLst>
-  </p:cSld>
-  <p:clrMapOvr>
-    <a:masterClrMapping/>
-  </p:clrMapOvr>
-  <p:timing>
-    <p:tnLst>
-      <p:par>
-        <p:cTn id="1" dur="indefinite" restart="never" nodeType="tmRoot"/>
-      </p:par>
-    </p:tnLst>
-  </p:timing>
-</p:sld>
-</file>
-
 <file path=ppt/slides/slide18.xml><?xml version="1.0" encoding="utf-8"?>
 <p:sld xmlns:a="http://schemas.openxmlformats.org/drawingml/2006/main" xmlns:r="http://schemas.openxmlformats.org/officeDocument/2006/relationships" xmlns:p="http://schemas.openxmlformats.org/presentationml/2006/main">
   <p:cSld>
@@ -16284,7 +16671,7 @@
       </p:grpSpPr>
       <p:sp>
         <p:nvSpPr>
-          <p:cNvPr id="2" name="Title 1"/>
+          <p:cNvPr id="111618" name="Title 1"/>
           <p:cNvSpPr>
             <a:spLocks noGrp="1"/>
           </p:cNvSpPr>
@@ -16298,16 +16685,96 @@
           <a:lstStyle/>
           <a:p>
             <a:r>
+              <a:rPr lang="en-US" dirty="0" smtClean="0"/>
+              <a:t>Other Course Policies - Labs</a:t>
+            </a:r>
+          </a:p>
+        </p:txBody>
+      </p:sp>
+      <p:sp>
+        <p:nvSpPr>
+          <p:cNvPr id="111619" name="Content Placeholder 2"/>
+          <p:cNvSpPr>
+            <a:spLocks noGrp="1"/>
+          </p:cNvSpPr>
+          <p:nvPr>
+            <p:ph idx="1"/>
+          </p:nvPr>
+        </p:nvSpPr>
+        <p:spPr/>
+        <p:txBody>
+          <a:bodyPr/>
+          <a:lstStyle/>
+          <a:p>
+            <a:r>
               <a:rPr lang="en-US" dirty="0" err="1" smtClean="0"/>
               <a:t>Bitbucket</a:t>
             </a:r>
+            <a:r>
+              <a:rPr lang="en-US" dirty="0" smtClean="0"/>
+              <a:t> to turn in lab materials bitbucket.org</a:t>
+            </a:r>
+          </a:p>
+          <a:p>
+            <a:endParaRPr lang="en-US" dirty="0" smtClean="0"/>
+          </a:p>
+          <a:p>
+            <a:r>
+              <a:rPr lang="en-US" dirty="0" smtClean="0"/>
+              <a:t>Class time is provided, but come prepared!</a:t>
+            </a:r>
+          </a:p>
+          <a:p>
+            <a:pPr lvl="1"/>
+            <a:r>
+              <a:rPr lang="en-US" dirty="0" smtClean="0"/>
+              <a:t>The labs will require debugging—53 minutes goes by quickly</a:t>
+            </a:r>
+          </a:p>
+          <a:p>
+            <a:pPr lvl="1"/>
             <a:endParaRPr lang="en-US" dirty="0"/>
           </a:p>
-        </p:txBody>
-      </p:sp>
-      <p:sp>
-        <p:nvSpPr>
-          <p:cNvPr id="4" name="Slide Number Placeholder 3"/>
+          <a:p>
+            <a:r>
+              <a:rPr lang="en-US" dirty="0" err="1" smtClean="0"/>
+              <a:t>Prelabs</a:t>
+            </a:r>
+            <a:r>
+              <a:rPr lang="en-US" dirty="0"/>
+              <a:t> </a:t>
+            </a:r>
+            <a:r>
+              <a:rPr lang="en-US" dirty="0" smtClean="0"/>
+              <a:t>due NLT one full duty day prior to lab lesson (unless otherwise stated)</a:t>
+            </a:r>
+          </a:p>
+          <a:p>
+            <a:pPr lvl="1"/>
+            <a:r>
+              <a:rPr lang="en-US" dirty="0" smtClean="0"/>
+              <a:t>Early feedback critical</a:t>
+            </a:r>
+          </a:p>
+          <a:p>
+            <a:pPr lvl="1"/>
+            <a:r>
+              <a:rPr lang="en-US" dirty="0" smtClean="0"/>
+              <a:t>Bad plan </a:t>
+            </a:r>
+            <a:r>
+              <a:rPr lang="en-US" dirty="0" smtClean="0">
+                <a:sym typeface="Wingdings" panose="05000000000000000000" pitchFamily="2" charset="2"/>
+              </a:rPr>
+              <a:t> bad implementation</a:t>
+            </a:r>
+            <a:endParaRPr lang="en-US" dirty="0" smtClean="0"/>
+          </a:p>
+        </p:txBody>
+      </p:sp>
+      <p:sp>
+        <p:nvSpPr>
+          <p:cNvPr id="111620" name="Slide Number Placeholder 3"/>
           <p:cNvSpPr>
             <a:spLocks noGrp="1"/>
           </p:cNvSpPr>
@@ -16315,221 +16782,304 @@
             <p:ph type="sldNum" sz="quarter" idx="10"/>
           </p:nvPr>
         </p:nvSpPr>
-        <p:spPr/>
+        <p:spPr>
+          <a:noFill/>
+          <a:ln/>
+          <a:extLst>
+            <a:ext uri="{909E8E84-426E-40DD-AFC4-6F175D3DCCD1}">
+              <a14:hiddenFill xmlns:a14="http://schemas.microsoft.com/office/drawing/2010/main">
+                <a:solidFill>
+                  <a:srgbClr val="FFFFFF"/>
+                </a:solidFill>
+              </a14:hiddenFill>
+            </a:ext>
+            <a:ext uri="{91240B29-F687-4F45-9708-019B960494DF}">
+              <a14:hiddenLine xmlns:a14="http://schemas.microsoft.com/office/drawing/2010/main" w="9525">
+                <a:solidFill>
+                  <a:srgbClr val="000000"/>
+                </a:solidFill>
+                <a:miter lim="800000"/>
+                <a:headEnd/>
+                <a:tailEnd/>
+              </a14:hiddenLine>
+            </a:ext>
+          </a:extLst>
+        </p:spPr>
         <p:txBody>
           <a:bodyPr/>
-          <a:lstStyle/>
-          <a:p>
-            <a:pPr>
-              <a:defRPr/>
-            </a:pPr>
+          <a:lstStyle>
+            <a:lvl1pPr>
+              <a:defRPr sz="1400">
+                <a:solidFill>
+                  <a:schemeClr val="tx1"/>
+                </a:solidFill>
+                <a:latin typeface="Arial" pitchFamily="34" charset="0"/>
+              </a:defRPr>
+            </a:lvl1pPr>
+            <a:lvl2pPr marL="742950" indent="-285750">
+              <a:defRPr sz="1400">
+                <a:solidFill>
+                  <a:schemeClr val="tx1"/>
+                </a:solidFill>
+                <a:latin typeface="Arial" pitchFamily="34" charset="0"/>
+              </a:defRPr>
+            </a:lvl2pPr>
+            <a:lvl3pPr marL="1143000" indent="-228600">
+              <a:defRPr sz="1400">
+                <a:solidFill>
+                  <a:schemeClr val="tx1"/>
+                </a:solidFill>
+                <a:latin typeface="Arial" pitchFamily="34" charset="0"/>
+              </a:defRPr>
+            </a:lvl3pPr>
+            <a:lvl4pPr marL="1600200" indent="-228600">
+              <a:defRPr sz="1400">
+                <a:solidFill>
+                  <a:schemeClr val="tx1"/>
+                </a:solidFill>
+                <a:latin typeface="Arial" pitchFamily="34" charset="0"/>
+              </a:defRPr>
+            </a:lvl4pPr>
+            <a:lvl5pPr marL="2057400" indent="-228600">
+              <a:defRPr sz="1400">
+                <a:solidFill>
+                  <a:schemeClr val="tx1"/>
+                </a:solidFill>
+                <a:latin typeface="Arial" pitchFamily="34" charset="0"/>
+              </a:defRPr>
+            </a:lvl5pPr>
+            <a:lvl6pPr marL="2514600" indent="-228600" algn="ctr" eaLnBrk="0" fontAlgn="base" hangingPunct="0">
+              <a:spcBef>
+                <a:spcPct val="0"/>
+              </a:spcBef>
+              <a:spcAft>
+                <a:spcPct val="0"/>
+              </a:spcAft>
+              <a:defRPr sz="1400">
+                <a:solidFill>
+                  <a:schemeClr val="tx1"/>
+                </a:solidFill>
+                <a:latin typeface="Arial" pitchFamily="34" charset="0"/>
+              </a:defRPr>
+            </a:lvl6pPr>
+            <a:lvl7pPr marL="2971800" indent="-228600" algn="ctr" eaLnBrk="0" fontAlgn="base" hangingPunct="0">
+              <a:spcBef>
+                <a:spcPct val="0"/>
+              </a:spcBef>
+              <a:spcAft>
+                <a:spcPct val="0"/>
+              </a:spcAft>
+              <a:defRPr sz="1400">
+                <a:solidFill>
+                  <a:schemeClr val="tx1"/>
+                </a:solidFill>
+                <a:latin typeface="Arial" pitchFamily="34" charset="0"/>
+              </a:defRPr>
+            </a:lvl7pPr>
+            <a:lvl8pPr marL="3429000" indent="-228600" algn="ctr" eaLnBrk="0" fontAlgn="base" hangingPunct="0">
+              <a:spcBef>
+                <a:spcPct val="0"/>
+              </a:spcBef>
+              <a:spcAft>
+                <a:spcPct val="0"/>
+              </a:spcAft>
+              <a:defRPr sz="1400">
+                <a:solidFill>
+                  <a:schemeClr val="tx1"/>
+                </a:solidFill>
+                <a:latin typeface="Arial" pitchFamily="34" charset="0"/>
+              </a:defRPr>
+            </a:lvl8pPr>
+            <a:lvl9pPr marL="3886200" indent="-228600" algn="ctr" eaLnBrk="0" fontAlgn="base" hangingPunct="0">
+              <a:spcBef>
+                <a:spcPct val="0"/>
+              </a:spcBef>
+              <a:spcAft>
+                <a:spcPct val="0"/>
+              </a:spcAft>
+              <a:defRPr sz="1400">
+                <a:solidFill>
+                  <a:schemeClr val="tx1"/>
+                </a:solidFill>
+                <a:latin typeface="Arial" pitchFamily="34" charset="0"/>
+              </a:defRPr>
+            </a:lvl9pPr>
+          </a:lstStyle>
+          <a:p>
             <a:endParaRPr lang="en-US" smtClean="0">
-              <a:solidFill>
-                <a:srgbClr val="000000"/>
-              </a:solidFill>
+              <a:latin typeface="Times New Roman" pitchFamily="18" charset="0"/>
             </a:endParaRPr>
           </a:p>
           <a:p>
-            <a:pPr>
-              <a:defRPr/>
-            </a:pPr>
-            <a:fld id="{C4D65584-0C7D-48B8-BEDE-21A2E8802255}" type="slidenum">
+            <a:fld id="{BD9A8295-ABF9-4F85-A210-0EEB5FA70FF0}" type="slidenum">
               <a:rPr lang="en-US" smtClean="0">
-                <a:solidFill>
-                  <a:srgbClr val="000000"/>
-                </a:solidFill>
+                <a:latin typeface="Times New Roman" pitchFamily="18" charset="0"/>
               </a:rPr>
-              <a:pPr>
-                <a:defRPr/>
-              </a:pPr>
+              <a:pPr/>
               <a:t>18</a:t>
             </a:fld>
-            <a:endParaRPr lang="en-US">
-              <a:solidFill>
-                <a:srgbClr val="000000"/>
-              </a:solidFill>
+            <a:endParaRPr lang="en-US" smtClean="0">
+              <a:latin typeface="Times New Roman" pitchFamily="18" charset="0"/>
             </a:endParaRPr>
           </a:p>
         </p:txBody>
       </p:sp>
       <p:sp>
         <p:nvSpPr>
-          <p:cNvPr id="5" name="Date Placeholder 4"/>
+          <p:cNvPr id="111621" name="Date Placeholder 4"/>
           <p:cNvSpPr>
             <a:spLocks noGrp="1"/>
           </p:cNvSpPr>
           <p:nvPr>
-            <p:ph type="dt" sz="half" idx="11"/>
+            <p:ph type="dt" sz="quarter" idx="11"/>
           </p:nvPr>
         </p:nvSpPr>
-        <p:spPr/>
+        <p:spPr>
+          <a:noFill/>
+          <a:ln/>
+          <a:extLst>
+            <a:ext uri="{909E8E84-426E-40DD-AFC4-6F175D3DCCD1}">
+              <a14:hiddenFill xmlns:a14="http://schemas.microsoft.com/office/drawing/2010/main">
+                <a:solidFill>
+                  <a:srgbClr val="FFFFFF"/>
+                </a:solidFill>
+              </a14:hiddenFill>
+            </a:ext>
+            <a:ext uri="{91240B29-F687-4F45-9708-019B960494DF}">
+              <a14:hiddenLine xmlns:a14="http://schemas.microsoft.com/office/drawing/2010/main" w="9525">
+                <a:solidFill>
+                  <a:srgbClr val="000000"/>
+                </a:solidFill>
+                <a:miter lim="800000"/>
+                <a:headEnd/>
+                <a:tailEnd/>
+              </a14:hiddenLine>
+            </a:ext>
+          </a:extLst>
+        </p:spPr>
         <p:txBody>
           <a:bodyPr/>
-          <a:lstStyle/>
-          <a:p>
-            <a:pPr>
-              <a:defRPr/>
-            </a:pPr>
+          <a:lstStyle>
+            <a:lvl1pPr>
+              <a:defRPr sz="1400">
+                <a:solidFill>
+                  <a:schemeClr val="tx1"/>
+                </a:solidFill>
+                <a:latin typeface="Arial" pitchFamily="34" charset="0"/>
+              </a:defRPr>
+            </a:lvl1pPr>
+            <a:lvl2pPr marL="742950" indent="-285750">
+              <a:defRPr sz="1400">
+                <a:solidFill>
+                  <a:schemeClr val="tx1"/>
+                </a:solidFill>
+                <a:latin typeface="Arial" pitchFamily="34" charset="0"/>
+              </a:defRPr>
+            </a:lvl2pPr>
+            <a:lvl3pPr marL="1143000" indent="-228600">
+              <a:defRPr sz="1400">
+                <a:solidFill>
+                  <a:schemeClr val="tx1"/>
+                </a:solidFill>
+                <a:latin typeface="Arial" pitchFamily="34" charset="0"/>
+              </a:defRPr>
+            </a:lvl3pPr>
+            <a:lvl4pPr marL="1600200" indent="-228600">
+              <a:defRPr sz="1400">
+                <a:solidFill>
+                  <a:schemeClr val="tx1"/>
+                </a:solidFill>
+                <a:latin typeface="Arial" pitchFamily="34" charset="0"/>
+              </a:defRPr>
+            </a:lvl4pPr>
+            <a:lvl5pPr marL="2057400" indent="-228600">
+              <a:defRPr sz="1400">
+                <a:solidFill>
+                  <a:schemeClr val="tx1"/>
+                </a:solidFill>
+                <a:latin typeface="Arial" pitchFamily="34" charset="0"/>
+              </a:defRPr>
+            </a:lvl5pPr>
+            <a:lvl6pPr marL="2514600" indent="-228600" algn="ctr" eaLnBrk="0" fontAlgn="base" hangingPunct="0">
+              <a:spcBef>
+                <a:spcPct val="0"/>
+              </a:spcBef>
+              <a:spcAft>
+                <a:spcPct val="0"/>
+              </a:spcAft>
+              <a:defRPr sz="1400">
+                <a:solidFill>
+                  <a:schemeClr val="tx1"/>
+                </a:solidFill>
+                <a:latin typeface="Arial" pitchFamily="34" charset="0"/>
+              </a:defRPr>
+            </a:lvl6pPr>
+            <a:lvl7pPr marL="2971800" indent="-228600" algn="ctr" eaLnBrk="0" fontAlgn="base" hangingPunct="0">
+              <a:spcBef>
+                <a:spcPct val="0"/>
+              </a:spcBef>
+              <a:spcAft>
+                <a:spcPct val="0"/>
+              </a:spcAft>
+              <a:defRPr sz="1400">
+                <a:solidFill>
+                  <a:schemeClr val="tx1"/>
+                </a:solidFill>
+                <a:latin typeface="Arial" pitchFamily="34" charset="0"/>
+              </a:defRPr>
+            </a:lvl7pPr>
+            <a:lvl8pPr marL="3429000" indent="-228600" algn="ctr" eaLnBrk="0" fontAlgn="base" hangingPunct="0">
+              <a:spcBef>
+                <a:spcPct val="0"/>
+              </a:spcBef>
+              <a:spcAft>
+                <a:spcPct val="0"/>
+              </a:spcAft>
+              <a:defRPr sz="1400">
+                <a:solidFill>
+                  <a:schemeClr val="tx1"/>
+                </a:solidFill>
+                <a:latin typeface="Arial" pitchFamily="34" charset="0"/>
+              </a:defRPr>
+            </a:lvl8pPr>
+            <a:lvl9pPr marL="3886200" indent="-228600" algn="ctr" eaLnBrk="0" fontAlgn="base" hangingPunct="0">
+              <a:spcBef>
+                <a:spcPct val="0"/>
+              </a:spcBef>
+              <a:spcAft>
+                <a:spcPct val="0"/>
+              </a:spcAft>
+              <a:defRPr sz="1400">
+                <a:solidFill>
+                  <a:schemeClr val="tx1"/>
+                </a:solidFill>
+                <a:latin typeface="Arial" pitchFamily="34" charset="0"/>
+              </a:defRPr>
+            </a:lvl9pPr>
+          </a:lstStyle>
+          <a:p>
             <a:endParaRPr lang="en-US" smtClean="0">
-              <a:solidFill>
-                <a:srgbClr val="000000"/>
-              </a:solidFill>
+              <a:latin typeface="Times New Roman" pitchFamily="18" charset="0"/>
             </a:endParaRPr>
           </a:p>
           <a:p>
-            <a:pPr>
-              <a:defRPr/>
-            </a:pPr>
-            <a:fld id="{CE428E89-579F-43C8-B441-BB390AD4A5E9}" type="datetime3">
+            <a:fld id="{2AF6D125-7F1F-415C-9C1F-4109F9BD73DA}" type="datetime3">
               <a:rPr lang="en-US" smtClean="0">
-                <a:solidFill>
-                  <a:srgbClr val="000000"/>
-                </a:solidFill>
+                <a:latin typeface="Times New Roman" pitchFamily="18" charset="0"/>
               </a:rPr>
-              <a:pPr>
-                <a:defRPr/>
-              </a:pPr>
-              <a:t>16 July 2018</a:t>
+              <a:pPr/>
+              <a:t>23 July 2018</a:t>
             </a:fld>
-            <a:endParaRPr lang="en-US">
-              <a:solidFill>
-                <a:srgbClr val="000000"/>
-              </a:solidFill>
+            <a:endParaRPr lang="en-US" smtClean="0">
+              <a:latin typeface="Times New Roman" pitchFamily="18" charset="0"/>
             </a:endParaRPr>
-          </a:p>
-        </p:txBody>
-      </p:sp>
-      <p:sp>
-        <p:nvSpPr>
-          <p:cNvPr id="3" name="Content Placeholder 2"/>
-          <p:cNvSpPr>
-            <a:spLocks noGrp="1"/>
-          </p:cNvSpPr>
-          <p:nvPr>
-            <p:ph idx="1"/>
-          </p:nvPr>
-        </p:nvSpPr>
-        <p:spPr/>
-        <p:txBody>
-          <a:bodyPr/>
-          <a:lstStyle/>
-          <a:p>
-            <a:r>
-              <a:rPr lang="en-US" dirty="0" smtClean="0"/>
-              <a:t>Create Private </a:t>
-            </a:r>
-            <a:r>
-              <a:rPr lang="en-US" dirty="0" err="1" smtClean="0"/>
-              <a:t>Bitbucket</a:t>
-            </a:r>
-            <a:r>
-              <a:rPr lang="en-US" dirty="0" smtClean="0"/>
-              <a:t> Repository</a:t>
-            </a:r>
-          </a:p>
-          <a:p>
-            <a:pPr lvl="1"/>
-            <a:r>
-              <a:rPr lang="en-US" dirty="0">
-                <a:hlinkClick r:id="rId2"/>
-              </a:rPr>
-              <a:t>https://bitbucket.org</a:t>
-            </a:r>
-            <a:r>
-              <a:rPr lang="en-US" dirty="0" smtClean="0">
-                <a:hlinkClick r:id="rId2"/>
-              </a:rPr>
-              <a:t>/</a:t>
-            </a:r>
-            <a:endParaRPr lang="en-US" dirty="0" smtClean="0"/>
-          </a:p>
-          <a:p>
-            <a:pPr lvl="1"/>
-            <a:r>
-              <a:rPr lang="en-US" dirty="0" smtClean="0"/>
-              <a:t>Name repo something like “ECE382_LastName_FirstName”</a:t>
-            </a:r>
-          </a:p>
-          <a:p>
-            <a:pPr lvl="1"/>
-            <a:r>
-              <a:rPr lang="en-US" dirty="0" smtClean="0">
-                <a:solidFill>
-                  <a:srgbClr val="FF0000"/>
-                </a:solidFill>
-              </a:rPr>
-              <a:t>Give your instructor access to the repo</a:t>
-            </a:r>
-            <a:endParaRPr lang="en-US" dirty="0" smtClean="0"/>
-          </a:p>
-          <a:p>
-            <a:pPr lvl="2"/>
-            <a:r>
-              <a:rPr lang="en-US" b="0" dirty="0" smtClean="0"/>
-              <a:t>Usernames:</a:t>
-            </a:r>
-          </a:p>
-          <a:p>
-            <a:pPr lvl="3"/>
-            <a:r>
-              <a:rPr lang="en-US" dirty="0" err="1" smtClean="0"/>
-              <a:t>pwarner</a:t>
-            </a:r>
-            <a:endParaRPr lang="en-US" dirty="0" smtClean="0"/>
-          </a:p>
-          <a:p>
-            <a:pPr lvl="3"/>
-            <a:r>
-              <a:rPr lang="en-US" dirty="0" smtClean="0"/>
-              <a:t>Walchko</a:t>
-            </a:r>
-          </a:p>
-          <a:p>
-            <a:pPr lvl="3"/>
-            <a:r>
-              <a:rPr lang="en-US" dirty="0" err="1" smtClean="0"/>
-              <a:t>georgeyork</a:t>
-            </a:r>
-            <a:endParaRPr lang="en-US" dirty="0" smtClean="0"/>
-          </a:p>
-          <a:p>
-            <a:r>
-              <a:rPr lang="en-US" dirty="0" smtClean="0"/>
-              <a:t>Example/Template Lab Notebook:</a:t>
-            </a:r>
-          </a:p>
-          <a:p>
-            <a:pPr lvl="1"/>
-            <a:r>
-              <a:rPr lang="en-US" dirty="0" smtClean="0">
-                <a:hlinkClick r:id="rId3"/>
-              </a:rPr>
-              <a:t>https</a:t>
-            </a:r>
-            <a:r>
-              <a:rPr lang="en-US" dirty="0">
-                <a:hlinkClick r:id="rId3"/>
-              </a:rPr>
-              <a:t>://</a:t>
-            </a:r>
-            <a:r>
-              <a:rPr lang="en-US" dirty="0" smtClean="0">
-                <a:hlinkClick r:id="rId3"/>
-              </a:rPr>
-              <a:t>github.com/pw4rn3r/ECE_382_Lab_Ex</a:t>
-            </a:r>
-            <a:endParaRPr lang="en-US" dirty="0" smtClean="0"/>
-          </a:p>
-          <a:p>
-            <a:pPr lvl="1"/>
-            <a:endParaRPr lang="en-US" dirty="0"/>
           </a:p>
         </p:txBody>
       </p:sp>
     </p:spTree>
     <p:extLst>
       <p:ext uri="{BB962C8B-B14F-4D97-AF65-F5344CB8AC3E}">
-        <p14:creationId xmlns:p14="http://schemas.microsoft.com/office/powerpoint/2010/main" val="330970434"/>
+        <p14:creationId xmlns:p14="http://schemas.microsoft.com/office/powerpoint/2010/main" val="4090934619"/>
       </p:ext>
     </p:extLst>
   </p:cSld>
@@ -16579,8 +17129,8 @@
           <a:lstStyle/>
           <a:p>
             <a:r>
-              <a:rPr lang="en-US" dirty="0" smtClean="0"/>
-              <a:t>Other Course Policies - Collaboration</a:t>
+              <a:rPr lang="en-US" smtClean="0"/>
+              <a:t>Other Course Policies</a:t>
             </a:r>
           </a:p>
         </p:txBody>
@@ -16600,52 +17150,58 @@
           <a:bodyPr/>
           <a:lstStyle/>
           <a:p>
+            <a:r>
+              <a:rPr lang="en-US" dirty="0" smtClean="0"/>
+              <a:t>Quizzes, GRs, and Final</a:t>
+            </a:r>
+          </a:p>
+          <a:p>
+            <a:pPr lvl="1"/>
+            <a:r>
+              <a:rPr lang="en-US" sz="2000" b="0" dirty="0" smtClean="0"/>
+              <a:t>Let me know at least one lesson ahead of time if you’re going to miss a graded evaluation</a:t>
+            </a:r>
+          </a:p>
+          <a:p>
             <a:endParaRPr lang="en-US" sz="2000" dirty="0" smtClean="0"/>
           </a:p>
           <a:p>
             <a:r>
               <a:rPr lang="en-US" dirty="0" smtClean="0"/>
-              <a:t>Collaboration</a:t>
+              <a:t>Food / Drink</a:t>
             </a:r>
           </a:p>
           <a:p>
             <a:pPr lvl="1"/>
             <a:r>
-              <a:rPr lang="en-US" sz="2400" dirty="0" smtClean="0"/>
-              <a:t>Only instructors and </a:t>
-            </a:r>
-            <a:r>
-              <a:rPr lang="en-US" sz="2400" u="sng" dirty="0" smtClean="0"/>
-              <a:t>current</a:t>
-            </a:r>
-            <a:r>
-              <a:rPr lang="en-US" sz="2400" dirty="0" smtClean="0"/>
-              <a:t> ECE 382 students</a:t>
-            </a:r>
-          </a:p>
-          <a:p>
-            <a:pPr lvl="2"/>
-            <a:r>
-              <a:rPr lang="en-US" sz="2600" b="0" dirty="0" smtClean="0"/>
-              <a:t>No using work from previous semesters</a:t>
+              <a:rPr lang="en-US" sz="2000" b="0" dirty="0" smtClean="0"/>
+              <a:t>No Food in classroom (Hallway OK)</a:t>
             </a:r>
           </a:p>
           <a:p>
             <a:pPr lvl="1"/>
             <a:r>
-              <a:rPr lang="en-US" sz="2400" b="0" dirty="0" smtClean="0"/>
-              <a:t>All graded work must be your own</a:t>
+              <a:rPr lang="en-US" sz="2000" b="0" dirty="0" smtClean="0"/>
+              <a:t>Water in approved containers OK</a:t>
             </a:r>
           </a:p>
           <a:p>
             <a:pPr lvl="1"/>
-            <a:r>
-              <a:rPr lang="en-US" sz="2400" dirty="0" smtClean="0">
-                <a:solidFill>
-                  <a:srgbClr val="FF0000"/>
-                </a:solidFill>
-              </a:rPr>
-              <a:t>Document any help/collaboration</a:t>
+            <a:endParaRPr lang="en-US" sz="2000" b="0" dirty="0"/>
+          </a:p>
+          <a:p>
+            <a:r>
+              <a:rPr lang="en-US" dirty="0" smtClean="0"/>
+              <a:t>Bring your laptop and board every lesson</a:t>
+            </a:r>
+          </a:p>
+          <a:p>
+            <a:endParaRPr lang="en-US" dirty="0"/>
+          </a:p>
+          <a:p>
+            <a:r>
+              <a:rPr lang="en-US" dirty="0" smtClean="0"/>
+              <a:t>Have fun!</a:t>
             </a:r>
           </a:p>
         </p:txBody>
@@ -16946,7 +17502,7 @@
                 <a:latin typeface="Times New Roman" pitchFamily="18" charset="0"/>
               </a:rPr>
               <a:pPr/>
-              <a:t>16 July 2018</a:t>
+              <a:t>23 July 2018</a:t>
             </a:fld>
             <a:endParaRPr lang="en-US" smtClean="0">
               <a:latin typeface="Times New Roman" pitchFamily="18" charset="0"/>
@@ -16957,7 +17513,7 @@
     </p:spTree>
     <p:extLst>
       <p:ext uri="{BB962C8B-B14F-4D97-AF65-F5344CB8AC3E}">
-        <p14:creationId xmlns:p14="http://schemas.microsoft.com/office/powerpoint/2010/main" val="195514944"/>
+        <p14:creationId xmlns:p14="http://schemas.microsoft.com/office/powerpoint/2010/main" val="1204864963"/>
       </p:ext>
     </p:extLst>
   </p:cSld>
@@ -17535,7 +18091,7 @@
       </p:grpSpPr>
       <p:sp>
         <p:nvSpPr>
-          <p:cNvPr id="105474" name="Title 1"/>
+          <p:cNvPr id="2" name="Title 1"/>
           <p:cNvSpPr>
             <a:spLocks noGrp="1"/>
           </p:cNvSpPr>
@@ -17549,15 +18105,110 @@
           <a:lstStyle/>
           <a:p>
             <a:r>
-              <a:rPr lang="en-US" dirty="0" smtClean="0"/>
-              <a:t>Course Labs Overview</a:t>
-            </a:r>
-          </a:p>
-        </p:txBody>
-      </p:sp>
-      <p:sp>
-        <p:nvSpPr>
-          <p:cNvPr id="105475" name="Content Placeholder 2"/>
+              <a:rPr lang="en-US" dirty="0" err="1" smtClean="0"/>
+              <a:t>Bitbucket</a:t>
+            </a:r>
+            <a:endParaRPr lang="en-US" dirty="0"/>
+          </a:p>
+        </p:txBody>
+      </p:sp>
+      <p:sp>
+        <p:nvSpPr>
+          <p:cNvPr id="4" name="Slide Number Placeholder 3"/>
+          <p:cNvSpPr>
+            <a:spLocks noGrp="1"/>
+          </p:cNvSpPr>
+          <p:nvPr>
+            <p:ph type="sldNum" sz="quarter" idx="10"/>
+          </p:nvPr>
+        </p:nvSpPr>
+        <p:spPr/>
+        <p:txBody>
+          <a:bodyPr/>
+          <a:lstStyle/>
+          <a:p>
+            <a:pPr>
+              <a:defRPr/>
+            </a:pPr>
+            <a:endParaRPr lang="en-US" smtClean="0">
+              <a:solidFill>
+                <a:srgbClr val="000000"/>
+              </a:solidFill>
+            </a:endParaRPr>
+          </a:p>
+          <a:p>
+            <a:pPr>
+              <a:defRPr/>
+            </a:pPr>
+            <a:fld id="{C4D65584-0C7D-48B8-BEDE-21A2E8802255}" type="slidenum">
+              <a:rPr lang="en-US" smtClean="0">
+                <a:solidFill>
+                  <a:srgbClr val="000000"/>
+                </a:solidFill>
+              </a:rPr>
+              <a:pPr>
+                <a:defRPr/>
+              </a:pPr>
+              <a:t>20</a:t>
+            </a:fld>
+            <a:endParaRPr lang="en-US">
+              <a:solidFill>
+                <a:srgbClr val="000000"/>
+              </a:solidFill>
+            </a:endParaRPr>
+          </a:p>
+        </p:txBody>
+      </p:sp>
+      <p:sp>
+        <p:nvSpPr>
+          <p:cNvPr id="5" name="Date Placeholder 4"/>
+          <p:cNvSpPr>
+            <a:spLocks noGrp="1"/>
+          </p:cNvSpPr>
+          <p:nvPr>
+            <p:ph type="dt" sz="half" idx="11"/>
+          </p:nvPr>
+        </p:nvSpPr>
+        <p:spPr/>
+        <p:txBody>
+          <a:bodyPr/>
+          <a:lstStyle/>
+          <a:p>
+            <a:pPr>
+              <a:defRPr/>
+            </a:pPr>
+            <a:endParaRPr lang="en-US" smtClean="0">
+              <a:solidFill>
+                <a:srgbClr val="000000"/>
+              </a:solidFill>
+            </a:endParaRPr>
+          </a:p>
+          <a:p>
+            <a:pPr>
+              <a:defRPr/>
+            </a:pPr>
+            <a:fld id="{CE428E89-579F-43C8-B441-BB390AD4A5E9}" type="datetime3">
+              <a:rPr lang="en-US" smtClean="0">
+                <a:solidFill>
+                  <a:srgbClr val="000000"/>
+                </a:solidFill>
+              </a:rPr>
+              <a:pPr>
+                <a:defRPr/>
+              </a:pPr>
+              <a:t>23 July 2018</a:t>
+            </a:fld>
+            <a:endParaRPr lang="en-US">
+              <a:solidFill>
+                <a:srgbClr val="000000"/>
+              </a:solidFill>
+            </a:endParaRPr>
+          </a:p>
+        </p:txBody>
+      </p:sp>
+      <p:sp>
+        <p:nvSpPr>
+          <p:cNvPr id="3" name="Content Placeholder 2"/>
           <p:cNvSpPr>
             <a:spLocks noGrp="1"/>
           </p:cNvSpPr>
@@ -17565,453 +18216,119 @@
             <p:ph idx="1"/>
           </p:nvPr>
         </p:nvSpPr>
-        <p:spPr>
-          <a:xfrm>
-            <a:off x="452674" y="1536700"/>
-            <a:ext cx="5866646" cy="4324350"/>
-          </a:xfrm>
-        </p:spPr>
+        <p:spPr/>
         <p:txBody>
           <a:bodyPr/>
           <a:lstStyle/>
           <a:p>
             <a:r>
               <a:rPr lang="en-US" dirty="0" smtClean="0"/>
-              <a:t>Assembly</a:t>
+              <a:t>Create Private </a:t>
+            </a:r>
+            <a:r>
+              <a:rPr lang="en-US" dirty="0" err="1" smtClean="0"/>
+              <a:t>Bitbucket</a:t>
+            </a:r>
+            <a:r>
+              <a:rPr lang="en-US" dirty="0" smtClean="0"/>
+              <a:t> Repository</a:t>
             </a:r>
           </a:p>
           <a:p>
             <a:pPr lvl="1"/>
             <a:r>
+              <a:rPr lang="en-US" dirty="0">
+                <a:hlinkClick r:id="rId2"/>
+              </a:rPr>
+              <a:t>https://bitbucket.org</a:t>
+            </a:r>
+            <a:r>
+              <a:rPr lang="en-US" dirty="0" smtClean="0">
+                <a:hlinkClick r:id="rId2"/>
+              </a:rPr>
+              <a:t>/</a:t>
+            </a:r>
+            <a:endParaRPr lang="en-US" dirty="0" smtClean="0"/>
+          </a:p>
+          <a:p>
+            <a:pPr lvl="1"/>
+            <a:r>
+              <a:rPr lang="en-US" dirty="0" smtClean="0"/>
+              <a:t>Name repo something like “ECE382_LastName_FirstName”</a:t>
+            </a:r>
+          </a:p>
+          <a:p>
+            <a:pPr lvl="1"/>
+            <a:r>
+              <a:rPr lang="en-US" dirty="0" smtClean="0">
+                <a:solidFill>
+                  <a:srgbClr val="FF0000"/>
+                </a:solidFill>
+              </a:rPr>
+              <a:t>Give your instructor access to the repo</a:t>
+            </a:r>
+            <a:endParaRPr lang="en-US" dirty="0" smtClean="0"/>
+          </a:p>
+          <a:p>
+            <a:pPr lvl="2"/>
+            <a:r>
               <a:rPr lang="en-US" b="0" dirty="0" smtClean="0"/>
-              <a:t>Simple calculator</a:t>
+              <a:t>Usernames:</a:t>
+            </a:r>
+          </a:p>
+          <a:p>
+            <a:pPr lvl="3"/>
+            <a:r>
+              <a:rPr lang="en-US" dirty="0" err="1" smtClean="0"/>
+              <a:t>pwarner</a:t>
+            </a:r>
+            <a:endParaRPr lang="en-US" dirty="0" smtClean="0"/>
+          </a:p>
+          <a:p>
+            <a:pPr lvl="3"/>
+            <a:r>
+              <a:rPr lang="en-US" dirty="0" smtClean="0"/>
+              <a:t>Walchko</a:t>
+            </a:r>
+          </a:p>
+          <a:p>
+            <a:pPr lvl="3"/>
+            <a:r>
+              <a:rPr lang="en-US" dirty="0" err="1" smtClean="0"/>
+              <a:t>georgeyork</a:t>
+            </a:r>
+            <a:endParaRPr lang="en-US" dirty="0" smtClean="0"/>
+          </a:p>
+          <a:p>
+            <a:r>
+              <a:rPr lang="en-US" dirty="0" smtClean="0"/>
+              <a:t>Example/Template Lab Notebook:</a:t>
             </a:r>
           </a:p>
           <a:p>
             <a:pPr lvl="1"/>
             <a:r>
-              <a:rPr lang="en-US" b="0" dirty="0" smtClean="0"/>
-              <a:t>Decrypt secret messages</a:t>
-            </a:r>
-          </a:p>
-          <a:p>
-            <a:pPr lvl="1"/>
-            <a:r>
-              <a:rPr lang="en-US" b="0" dirty="0" smtClean="0"/>
-              <a:t>Etch-a-sketch</a:t>
-            </a:r>
-          </a:p>
-          <a:p>
-            <a:endParaRPr lang="en-US" dirty="0" smtClean="0"/>
-          </a:p>
-          <a:p>
-            <a:r>
-              <a:rPr lang="en-US" dirty="0" smtClean="0"/>
-              <a:t>C</a:t>
-            </a:r>
-          </a:p>
-          <a:p>
-            <a:pPr lvl="1"/>
-            <a:r>
-              <a:rPr lang="en-US" b="0" dirty="0" smtClean="0"/>
-              <a:t>Create interactive handheld games</a:t>
-            </a:r>
-          </a:p>
-          <a:p>
-            <a:pPr lvl="1"/>
-            <a:r>
-              <a:rPr lang="en-US" b="0" dirty="0" smtClean="0"/>
-              <a:t>Reverse engineer TV remote for wireless control</a:t>
-            </a:r>
-          </a:p>
-          <a:p>
-            <a:pPr lvl="1"/>
-            <a:r>
-              <a:rPr lang="en-US" b="0" dirty="0" smtClean="0"/>
-              <a:t>Create a robot and be the fastest to navigate a maze with sensors!</a:t>
-            </a:r>
-          </a:p>
-        </p:txBody>
-      </p:sp>
-      <p:sp>
-        <p:nvSpPr>
-          <p:cNvPr id="105476" name="Slide Number Placeholder 3"/>
-          <p:cNvSpPr>
-            <a:spLocks noGrp="1"/>
-          </p:cNvSpPr>
-          <p:nvPr>
-            <p:ph type="sldNum" sz="quarter" idx="10"/>
-          </p:nvPr>
-        </p:nvSpPr>
-        <p:spPr>
-          <a:noFill/>
-          <a:ln/>
-          <a:extLst>
-            <a:ext uri="{909E8E84-426E-40DD-AFC4-6F175D3DCCD1}">
-              <a14:hiddenFill xmlns:a14="http://schemas.microsoft.com/office/drawing/2010/main">
-                <a:solidFill>
-                  <a:srgbClr val="FFFFFF"/>
-                </a:solidFill>
-              </a14:hiddenFill>
-            </a:ext>
-            <a:ext uri="{91240B29-F687-4F45-9708-019B960494DF}">
-              <a14:hiddenLine xmlns:a14="http://schemas.microsoft.com/office/drawing/2010/main" w="9525">
-                <a:solidFill>
-                  <a:srgbClr val="000000"/>
-                </a:solidFill>
-                <a:miter lim="800000"/>
-                <a:headEnd/>
-                <a:tailEnd/>
-              </a14:hiddenLine>
-            </a:ext>
-          </a:extLst>
-        </p:spPr>
-        <p:txBody>
-          <a:bodyPr/>
-          <a:lstStyle>
-            <a:lvl1pPr>
-              <a:defRPr sz="1400">
-                <a:solidFill>
-                  <a:schemeClr val="tx1"/>
-                </a:solidFill>
-                <a:latin typeface="Arial" pitchFamily="34" charset="0"/>
-              </a:defRPr>
-            </a:lvl1pPr>
-            <a:lvl2pPr marL="742950" indent="-285750">
-              <a:defRPr sz="1400">
-                <a:solidFill>
-                  <a:schemeClr val="tx1"/>
-                </a:solidFill>
-                <a:latin typeface="Arial" pitchFamily="34" charset="0"/>
-              </a:defRPr>
-            </a:lvl2pPr>
-            <a:lvl3pPr marL="1143000" indent="-228600">
-              <a:defRPr sz="1400">
-                <a:solidFill>
-                  <a:schemeClr val="tx1"/>
-                </a:solidFill>
-                <a:latin typeface="Arial" pitchFamily="34" charset="0"/>
-              </a:defRPr>
-            </a:lvl3pPr>
-            <a:lvl4pPr marL="1600200" indent="-228600">
-              <a:defRPr sz="1400">
-                <a:solidFill>
-                  <a:schemeClr val="tx1"/>
-                </a:solidFill>
-                <a:latin typeface="Arial" pitchFamily="34" charset="0"/>
-              </a:defRPr>
-            </a:lvl4pPr>
-            <a:lvl5pPr marL="2057400" indent="-228600">
-              <a:defRPr sz="1400">
-                <a:solidFill>
-                  <a:schemeClr val="tx1"/>
-                </a:solidFill>
-                <a:latin typeface="Arial" pitchFamily="34" charset="0"/>
-              </a:defRPr>
-            </a:lvl5pPr>
-            <a:lvl6pPr marL="2514600" indent="-228600" algn="ctr" eaLnBrk="0" fontAlgn="base" hangingPunct="0">
-              <a:spcBef>
-                <a:spcPct val="0"/>
-              </a:spcBef>
-              <a:spcAft>
-                <a:spcPct val="0"/>
-              </a:spcAft>
-              <a:defRPr sz="1400">
-                <a:solidFill>
-                  <a:schemeClr val="tx1"/>
-                </a:solidFill>
-                <a:latin typeface="Arial" pitchFamily="34" charset="0"/>
-              </a:defRPr>
-            </a:lvl6pPr>
-            <a:lvl7pPr marL="2971800" indent="-228600" algn="ctr" eaLnBrk="0" fontAlgn="base" hangingPunct="0">
-              <a:spcBef>
-                <a:spcPct val="0"/>
-              </a:spcBef>
-              <a:spcAft>
-                <a:spcPct val="0"/>
-              </a:spcAft>
-              <a:defRPr sz="1400">
-                <a:solidFill>
-                  <a:schemeClr val="tx1"/>
-                </a:solidFill>
-                <a:latin typeface="Arial" pitchFamily="34" charset="0"/>
-              </a:defRPr>
-            </a:lvl7pPr>
-            <a:lvl8pPr marL="3429000" indent="-228600" algn="ctr" eaLnBrk="0" fontAlgn="base" hangingPunct="0">
-              <a:spcBef>
-                <a:spcPct val="0"/>
-              </a:spcBef>
-              <a:spcAft>
-                <a:spcPct val="0"/>
-              </a:spcAft>
-              <a:defRPr sz="1400">
-                <a:solidFill>
-                  <a:schemeClr val="tx1"/>
-                </a:solidFill>
-                <a:latin typeface="Arial" pitchFamily="34" charset="0"/>
-              </a:defRPr>
-            </a:lvl8pPr>
-            <a:lvl9pPr marL="3886200" indent="-228600" algn="ctr" eaLnBrk="0" fontAlgn="base" hangingPunct="0">
-              <a:spcBef>
-                <a:spcPct val="0"/>
-              </a:spcBef>
-              <a:spcAft>
-                <a:spcPct val="0"/>
-              </a:spcAft>
-              <a:defRPr sz="1400">
-                <a:solidFill>
-                  <a:schemeClr val="tx1"/>
-                </a:solidFill>
-                <a:latin typeface="Arial" pitchFamily="34" charset="0"/>
-              </a:defRPr>
-            </a:lvl9pPr>
-          </a:lstStyle>
-          <a:p>
-            <a:endParaRPr lang="en-US" smtClean="0">
-              <a:latin typeface="Times New Roman" pitchFamily="18" charset="0"/>
-            </a:endParaRPr>
-          </a:p>
-          <a:p>
-            <a:fld id="{91D76733-642C-4EF9-8293-ACD68B4AC162}" type="slidenum">
-              <a:rPr lang="en-US" smtClean="0">
-                <a:latin typeface="Times New Roman" pitchFamily="18" charset="0"/>
+              <a:rPr lang="en-US" dirty="0" smtClean="0">
+                <a:hlinkClick r:id="rId3"/>
               </a:rPr>
-              <a:pPr/>
-              <a:t>20</a:t>
-            </a:fld>
-            <a:endParaRPr lang="en-US" smtClean="0">
-              <a:latin typeface="Times New Roman" pitchFamily="18" charset="0"/>
-            </a:endParaRPr>
-          </a:p>
-        </p:txBody>
-      </p:sp>
-      <p:sp>
-        <p:nvSpPr>
-          <p:cNvPr id="105477" name="Date Placeholder 4"/>
-          <p:cNvSpPr>
-            <a:spLocks noGrp="1"/>
-          </p:cNvSpPr>
-          <p:nvPr>
-            <p:ph type="dt" sz="quarter" idx="11"/>
-          </p:nvPr>
-        </p:nvSpPr>
-        <p:spPr>
-          <a:noFill/>
-          <a:ln/>
-          <a:extLst>
-            <a:ext uri="{909E8E84-426E-40DD-AFC4-6F175D3DCCD1}">
-              <a14:hiddenFill xmlns:a14="http://schemas.microsoft.com/office/drawing/2010/main">
-                <a:solidFill>
-                  <a:srgbClr val="FFFFFF"/>
-                </a:solidFill>
-              </a14:hiddenFill>
-            </a:ext>
-            <a:ext uri="{91240B29-F687-4F45-9708-019B960494DF}">
-              <a14:hiddenLine xmlns:a14="http://schemas.microsoft.com/office/drawing/2010/main" w="9525">
-                <a:solidFill>
-                  <a:srgbClr val="000000"/>
-                </a:solidFill>
-                <a:miter lim="800000"/>
-                <a:headEnd/>
-                <a:tailEnd/>
-              </a14:hiddenLine>
-            </a:ext>
-          </a:extLst>
-        </p:spPr>
-        <p:txBody>
-          <a:bodyPr/>
-          <a:lstStyle>
-            <a:lvl1pPr>
-              <a:defRPr sz="1400">
-                <a:solidFill>
-                  <a:schemeClr val="tx1"/>
-                </a:solidFill>
-                <a:latin typeface="Arial" pitchFamily="34" charset="0"/>
-              </a:defRPr>
-            </a:lvl1pPr>
-            <a:lvl2pPr marL="742950" indent="-285750">
-              <a:defRPr sz="1400">
-                <a:solidFill>
-                  <a:schemeClr val="tx1"/>
-                </a:solidFill>
-                <a:latin typeface="Arial" pitchFamily="34" charset="0"/>
-              </a:defRPr>
-            </a:lvl2pPr>
-            <a:lvl3pPr marL="1143000" indent="-228600">
-              <a:defRPr sz="1400">
-                <a:solidFill>
-                  <a:schemeClr val="tx1"/>
-                </a:solidFill>
-                <a:latin typeface="Arial" pitchFamily="34" charset="0"/>
-              </a:defRPr>
-            </a:lvl3pPr>
-            <a:lvl4pPr marL="1600200" indent="-228600">
-              <a:defRPr sz="1400">
-                <a:solidFill>
-                  <a:schemeClr val="tx1"/>
-                </a:solidFill>
-                <a:latin typeface="Arial" pitchFamily="34" charset="0"/>
-              </a:defRPr>
-            </a:lvl4pPr>
-            <a:lvl5pPr marL="2057400" indent="-228600">
-              <a:defRPr sz="1400">
-                <a:solidFill>
-                  <a:schemeClr val="tx1"/>
-                </a:solidFill>
-                <a:latin typeface="Arial" pitchFamily="34" charset="0"/>
-              </a:defRPr>
-            </a:lvl5pPr>
-            <a:lvl6pPr marL="2514600" indent="-228600" algn="ctr" eaLnBrk="0" fontAlgn="base" hangingPunct="0">
-              <a:spcBef>
-                <a:spcPct val="0"/>
-              </a:spcBef>
-              <a:spcAft>
-                <a:spcPct val="0"/>
-              </a:spcAft>
-              <a:defRPr sz="1400">
-                <a:solidFill>
-                  <a:schemeClr val="tx1"/>
-                </a:solidFill>
-                <a:latin typeface="Arial" pitchFamily="34" charset="0"/>
-              </a:defRPr>
-            </a:lvl6pPr>
-            <a:lvl7pPr marL="2971800" indent="-228600" algn="ctr" eaLnBrk="0" fontAlgn="base" hangingPunct="0">
-              <a:spcBef>
-                <a:spcPct val="0"/>
-              </a:spcBef>
-              <a:spcAft>
-                <a:spcPct val="0"/>
-              </a:spcAft>
-              <a:defRPr sz="1400">
-                <a:solidFill>
-                  <a:schemeClr val="tx1"/>
-                </a:solidFill>
-                <a:latin typeface="Arial" pitchFamily="34" charset="0"/>
-              </a:defRPr>
-            </a:lvl7pPr>
-            <a:lvl8pPr marL="3429000" indent="-228600" algn="ctr" eaLnBrk="0" fontAlgn="base" hangingPunct="0">
-              <a:spcBef>
-                <a:spcPct val="0"/>
-              </a:spcBef>
-              <a:spcAft>
-                <a:spcPct val="0"/>
-              </a:spcAft>
-              <a:defRPr sz="1400">
-                <a:solidFill>
-                  <a:schemeClr val="tx1"/>
-                </a:solidFill>
-                <a:latin typeface="Arial" pitchFamily="34" charset="0"/>
-              </a:defRPr>
-            </a:lvl8pPr>
-            <a:lvl9pPr marL="3886200" indent="-228600" algn="ctr" eaLnBrk="0" fontAlgn="base" hangingPunct="0">
-              <a:spcBef>
-                <a:spcPct val="0"/>
-              </a:spcBef>
-              <a:spcAft>
-                <a:spcPct val="0"/>
-              </a:spcAft>
-              <a:defRPr sz="1400">
-                <a:solidFill>
-                  <a:schemeClr val="tx1"/>
-                </a:solidFill>
-                <a:latin typeface="Arial" pitchFamily="34" charset="0"/>
-              </a:defRPr>
-            </a:lvl9pPr>
-          </a:lstStyle>
-          <a:p>
-            <a:endParaRPr lang="en-US" smtClean="0">
-              <a:latin typeface="Times New Roman" pitchFamily="18" charset="0"/>
-            </a:endParaRPr>
-          </a:p>
-          <a:p>
-            <a:fld id="{A48F3256-34BF-47D8-BD02-3776A024088A}" type="datetime3">
-              <a:rPr lang="en-US" smtClean="0">
-                <a:latin typeface="Times New Roman" pitchFamily="18" charset="0"/>
-              </a:rPr>
-              <a:pPr/>
-              <a:t>16 July 2018</a:t>
-            </a:fld>
-            <a:endParaRPr lang="en-US" smtClean="0">
-              <a:latin typeface="Times New Roman" pitchFamily="18" charset="0"/>
-            </a:endParaRPr>
-          </a:p>
-        </p:txBody>
-      </p:sp>
-      <p:pic>
-        <p:nvPicPr>
-          <p:cNvPr id="1026" name="Picture 2" descr="Image result for msp430 launchpad"/>
-          <p:cNvPicPr>
-            <a:picLocks noChangeAspect="1" noChangeArrowheads="1"/>
-          </p:cNvPicPr>
-          <p:nvPr/>
-        </p:nvPicPr>
-        <p:blipFill rotWithShape="1">
-          <a:blip r:embed="rId2" cstate="print">
-            <a:extLst>
-              <a:ext uri="{28A0092B-C50C-407E-A947-70E740481C1C}">
-                <a14:useLocalDpi xmlns:a14="http://schemas.microsoft.com/office/drawing/2010/main" val="0"/>
-              </a:ext>
-            </a:extLst>
-          </a:blip>
-          <a:srcRect l="16832" r="14521"/>
-          <a:stretch/>
-        </p:blipFill>
-        <p:spPr bwMode="auto">
-          <a:xfrm>
-            <a:off x="6292158" y="2190780"/>
-            <a:ext cx="2353901" cy="3429000"/>
-          </a:xfrm>
-          <a:prstGeom prst="rect">
-            <a:avLst/>
-          </a:prstGeom>
-          <a:noFill/>
-          <a:extLst>
-            <a:ext uri="{909E8E84-426E-40DD-AFC4-6F175D3DCCD1}">
-              <a14:hiddenFill xmlns:a14="http://schemas.microsoft.com/office/drawing/2010/main">
-                <a:solidFill>
-                  <a:srgbClr val="FFFFFF"/>
-                </a:solidFill>
-              </a14:hiddenFill>
-            </a:ext>
-          </a:extLst>
-        </p:spPr>
-      </p:pic>
-      <p:sp>
-        <p:nvSpPr>
-          <p:cNvPr id="2" name="Rectangle 1"/>
-          <p:cNvSpPr/>
-          <p:nvPr/>
-        </p:nvSpPr>
-        <p:spPr>
-          <a:xfrm>
-            <a:off x="1262958" y="5964911"/>
-            <a:ext cx="6966642" cy="523220"/>
-          </a:xfrm>
-          <a:prstGeom prst="rect">
-            <a:avLst/>
-          </a:prstGeom>
-        </p:spPr>
-        <p:txBody>
-          <a:bodyPr wrap="square">
-            <a:spAutoFit/>
-          </a:bodyPr>
-          <a:lstStyle/>
-          <a:p>
+              <a:t>https</a:t>
+            </a:r>
             <a:r>
               <a:rPr lang="en-US" dirty="0">
                 <a:hlinkClick r:id="rId3"/>
               </a:rPr>
-              <a:t>https://</a:t>
+              <a:t>://</a:t>
             </a:r>
             <a:r>
               <a:rPr lang="en-US" dirty="0" smtClean="0">
                 <a:hlinkClick r:id="rId3"/>
               </a:rPr>
-              <a:t>www.youtube.com/watch?v=58dCIdXB4lg&amp;feature=youtu.be</a:t>
+              <a:t>github.com/pw4rn3r/ECE_382_Lab_Ex</a:t>
             </a:r>
             <a:endParaRPr lang="en-US" dirty="0" smtClean="0"/>
           </a:p>
           <a:p>
+            <a:pPr lvl="1"/>
             <a:endParaRPr lang="en-US" dirty="0"/>
           </a:p>
         </p:txBody>
@@ -18019,7 +18336,7 @@
     </p:spTree>
     <p:extLst>
       <p:ext uri="{BB962C8B-B14F-4D97-AF65-F5344CB8AC3E}">
-        <p14:creationId xmlns:p14="http://schemas.microsoft.com/office/powerpoint/2010/main" val="3250507229"/>
+        <p14:creationId xmlns:p14="http://schemas.microsoft.com/office/powerpoint/2010/main" val="330970434"/>
       </p:ext>
     </p:extLst>
   </p:cSld>
@@ -18055,7 +18372,94 @@
       </p:grpSpPr>
       <p:sp>
         <p:nvSpPr>
-          <p:cNvPr id="103426" name="Slide Number Placeholder 3"/>
+          <p:cNvPr id="110594" name="Title 1"/>
+          <p:cNvSpPr>
+            <a:spLocks noGrp="1"/>
+          </p:cNvSpPr>
+          <p:nvPr>
+            <p:ph type="title"/>
+          </p:nvPr>
+        </p:nvSpPr>
+        <p:spPr/>
+        <p:txBody>
+          <a:bodyPr/>
+          <a:lstStyle/>
+          <a:p>
+            <a:r>
+              <a:rPr lang="en-US" dirty="0" smtClean="0"/>
+              <a:t>Other Course Policies - Collaboration</a:t>
+            </a:r>
+          </a:p>
+        </p:txBody>
+      </p:sp>
+      <p:sp>
+        <p:nvSpPr>
+          <p:cNvPr id="110595" name="Content Placeholder 2"/>
+          <p:cNvSpPr>
+            <a:spLocks noGrp="1"/>
+          </p:cNvSpPr>
+          <p:nvPr>
+            <p:ph idx="1"/>
+          </p:nvPr>
+        </p:nvSpPr>
+        <p:spPr/>
+        <p:txBody>
+          <a:bodyPr/>
+          <a:lstStyle/>
+          <a:p>
+            <a:endParaRPr lang="en-US" sz="2000" dirty="0" smtClean="0"/>
+          </a:p>
+          <a:p>
+            <a:r>
+              <a:rPr lang="en-US" dirty="0" smtClean="0"/>
+              <a:t>Collaboration</a:t>
+            </a:r>
+          </a:p>
+          <a:p>
+            <a:pPr lvl="1"/>
+            <a:r>
+              <a:rPr lang="en-US" sz="2400" dirty="0" smtClean="0"/>
+              <a:t>Only instructors and </a:t>
+            </a:r>
+            <a:r>
+              <a:rPr lang="en-US" sz="2400" u="sng" dirty="0" smtClean="0"/>
+              <a:t>current</a:t>
+            </a:r>
+            <a:r>
+              <a:rPr lang="en-US" sz="2400" dirty="0" smtClean="0"/>
+              <a:t> ECE 382 students</a:t>
+            </a:r>
+          </a:p>
+          <a:p>
+            <a:pPr lvl="2"/>
+            <a:r>
+              <a:rPr lang="en-US" sz="2600" b="0" dirty="0" smtClean="0"/>
+              <a:t>No using work from previous semesters</a:t>
+            </a:r>
+          </a:p>
+          <a:p>
+            <a:pPr lvl="1"/>
+            <a:r>
+              <a:rPr lang="en-US" sz="2400" b="0" dirty="0" smtClean="0"/>
+              <a:t>All graded work must be your own</a:t>
+            </a:r>
+          </a:p>
+          <a:p>
+            <a:pPr lvl="1"/>
+            <a:r>
+              <a:rPr lang="en-US" sz="2400" dirty="0" smtClean="0">
+                <a:solidFill>
+                  <a:srgbClr val="FF0000"/>
+                </a:solidFill>
+              </a:rPr>
+              <a:t>Document any help/collaboration</a:t>
+            </a:r>
+          </a:p>
+        </p:txBody>
+      </p:sp>
+      <p:sp>
+        <p:nvSpPr>
+          <p:cNvPr id="110596" name="Slide Number Placeholder 3"/>
           <p:cNvSpPr>
             <a:spLocks noGrp="1"/>
           </p:cNvSpPr>
@@ -18192,7 +18596,7 @@
             </a:endParaRPr>
           </a:p>
           <a:p>
-            <a:fld id="{8B531BE4-DB60-4836-A221-CAFE24BA278F}" type="slidenum">
+            <a:fld id="{FDDB82DF-CC60-4516-8B1E-05A59BD9AEB1}" type="slidenum">
               <a:rPr lang="en-US" smtClean="0">
                 <a:latin typeface="Times New Roman" pitchFamily="18" charset="0"/>
               </a:rPr>
@@ -18207,7 +18611,7 @@
       </p:sp>
       <p:sp>
         <p:nvSpPr>
-          <p:cNvPr id="103427" name="Date Placeholder 4"/>
+          <p:cNvPr id="110597" name="Date Placeholder 4"/>
           <p:cNvSpPr>
             <a:spLocks noGrp="1"/>
           </p:cNvSpPr>
@@ -18344,12 +18748,12 @@
             </a:endParaRPr>
           </a:p>
           <a:p>
-            <a:fld id="{89F7FD29-E665-463E-BFAA-3F5452225AF8}" type="datetime3">
+            <a:fld id="{76FEBBFB-1EFA-4C5F-B8CF-CCDAD33DAA34}" type="datetime3">
               <a:rPr lang="en-US" smtClean="0">
                 <a:latin typeface="Times New Roman" pitchFamily="18" charset="0"/>
               </a:rPr>
               <a:pPr/>
-              <a:t>16 July 2018</a:t>
+              <a:t>23 July 2018</a:t>
             </a:fld>
             <a:endParaRPr lang="en-US" smtClean="0">
               <a:latin typeface="Times New Roman" pitchFamily="18" charset="0"/>
@@ -18357,152 +18761,10 @@
           </a:p>
         </p:txBody>
       </p:sp>
-      <p:sp>
-        <p:nvSpPr>
-          <p:cNvPr id="103428" name="Rectangle 2"/>
-          <p:cNvSpPr>
-            <a:spLocks noGrp="1" noChangeArrowheads="1"/>
-          </p:cNvSpPr>
-          <p:nvPr>
-            <p:ph type="title"/>
-          </p:nvPr>
-        </p:nvSpPr>
-        <p:spPr/>
-        <p:txBody>
-          <a:bodyPr/>
-          <a:lstStyle/>
-          <a:p>
-            <a:r>
-              <a:rPr lang="en-US" smtClean="0"/>
-              <a:t>Course Goals</a:t>
-            </a:r>
-          </a:p>
-        </p:txBody>
-      </p:sp>
-      <p:sp>
-        <p:nvSpPr>
-          <p:cNvPr id="103429" name="Content Placeholder 5"/>
-          <p:cNvSpPr>
-            <a:spLocks noGrp="1"/>
-          </p:cNvSpPr>
-          <p:nvPr>
-            <p:ph idx="1"/>
-          </p:nvPr>
-        </p:nvSpPr>
-        <p:spPr/>
-        <p:txBody>
-          <a:bodyPr/>
-          <a:lstStyle/>
-          <a:p>
-            <a:pPr>
-              <a:buNone/>
-            </a:pPr>
-            <a:endParaRPr lang="en-US" b="0" dirty="0" smtClean="0"/>
-          </a:p>
-          <a:p>
-            <a:pPr>
-              <a:buNone/>
-            </a:pPr>
-            <a:r>
-              <a:rPr lang="en-US" b="0" dirty="0" smtClean="0"/>
-              <a:t>Cadets </a:t>
-            </a:r>
-            <a:r>
-              <a:rPr lang="en-US" b="0" dirty="0"/>
-              <a:t>shall develop the skills to </a:t>
-            </a:r>
-            <a:r>
-              <a:rPr lang="en-US" b="0" dirty="0">
-                <a:solidFill>
-                  <a:schemeClr val="accent2"/>
-                </a:solidFill>
-              </a:rPr>
-              <a:t>design</a:t>
-            </a:r>
-            <a:r>
-              <a:rPr lang="en-US" b="0" dirty="0"/>
-              <a:t>, </a:t>
-            </a:r>
-            <a:r>
-              <a:rPr lang="en-US" b="0" dirty="0">
-                <a:solidFill>
-                  <a:schemeClr val="accent2"/>
-                </a:solidFill>
-              </a:rPr>
-              <a:t>implement</a:t>
-            </a:r>
-            <a:r>
-              <a:rPr lang="en-US" b="0" dirty="0"/>
-              <a:t>, </a:t>
-            </a:r>
-            <a:r>
-              <a:rPr lang="en-US" b="0" dirty="0" smtClean="0">
-                <a:solidFill>
-                  <a:schemeClr val="accent2"/>
-                </a:solidFill>
-              </a:rPr>
-              <a:t>test</a:t>
-            </a:r>
-            <a:r>
-              <a:rPr lang="en-US" b="0" dirty="0" smtClean="0"/>
-              <a:t>, and </a:t>
-            </a:r>
-            <a:r>
-              <a:rPr lang="en-US" b="0" dirty="0">
-                <a:solidFill>
-                  <a:schemeClr val="accent2"/>
-                </a:solidFill>
-              </a:rPr>
-              <a:t>debug</a:t>
-            </a:r>
-            <a:r>
-              <a:rPr lang="en-US" b="0" dirty="0"/>
-              <a:t> microcontroller-based systems by developing operational </a:t>
-            </a:r>
-            <a:r>
-              <a:rPr lang="en-US" b="0" dirty="0">
-                <a:solidFill>
-                  <a:schemeClr val="accent2"/>
-                </a:solidFill>
-              </a:rPr>
-              <a:t>assembly</a:t>
-            </a:r>
-            <a:r>
-              <a:rPr lang="en-US" b="0" dirty="0"/>
-              <a:t> and </a:t>
-            </a:r>
-            <a:r>
-              <a:rPr lang="en-US" b="0" dirty="0">
-                <a:solidFill>
-                  <a:schemeClr val="accent2"/>
-                </a:solidFill>
-              </a:rPr>
-              <a:t>C language</a:t>
-            </a:r>
-            <a:r>
-              <a:rPr lang="en-US" b="0" dirty="0"/>
-              <a:t> programs that incorporate the built-in microcontroller functions, and by successfully </a:t>
-            </a:r>
-            <a:r>
-              <a:rPr lang="en-US" b="0" dirty="0">
-                <a:solidFill>
-                  <a:schemeClr val="accent2"/>
-                </a:solidFill>
-              </a:rPr>
-              <a:t>interfacing the microcontroller</a:t>
-            </a:r>
-            <a:r>
-              <a:rPr lang="en-US" b="0" dirty="0"/>
-              <a:t> to the external world.</a:t>
-            </a:r>
-            <a:endParaRPr lang="en-US" dirty="0" smtClean="0"/>
-          </a:p>
-        </p:txBody>
-      </p:sp>
     </p:spTree>
     <p:extLst>
       <p:ext uri="{BB962C8B-B14F-4D97-AF65-F5344CB8AC3E}">
-        <p14:creationId xmlns:p14="http://schemas.microsoft.com/office/powerpoint/2010/main" val="893745783"/>
+        <p14:creationId xmlns:p14="http://schemas.microsoft.com/office/powerpoint/2010/main" val="195514944"/>
       </p:ext>
     </p:extLst>
   </p:cSld>
@@ -18538,7 +18800,7 @@
       </p:grpSpPr>
       <p:sp>
         <p:nvSpPr>
-          <p:cNvPr id="104450" name="Title 1"/>
+          <p:cNvPr id="105474" name="Title 1"/>
           <p:cNvSpPr>
             <a:spLocks noGrp="1"/>
           </p:cNvSpPr>
@@ -18552,15 +18814,15 @@
           <a:lstStyle/>
           <a:p>
             <a:r>
-              <a:rPr lang="en-US" smtClean="0"/>
-              <a:t>Course Objectives</a:t>
-            </a:r>
-          </a:p>
-        </p:txBody>
-      </p:sp>
-      <p:sp>
-        <p:nvSpPr>
-          <p:cNvPr id="13315" name="Content Placeholder 2"/>
+              <a:rPr lang="en-US" dirty="0" smtClean="0"/>
+              <a:t>Course Labs Overview</a:t>
+            </a:r>
+          </a:p>
+        </p:txBody>
+      </p:sp>
+      <p:sp>
+        <p:nvSpPr>
+          <p:cNvPr id="105475" name="Content Placeholder 2"/>
           <p:cNvSpPr>
             <a:spLocks noGrp="1"/>
           </p:cNvSpPr>
@@ -18570,102 +18832,75 @@
         </p:nvSpPr>
         <p:spPr>
           <a:xfrm>
-            <a:off x="425514" y="1536700"/>
-            <a:ext cx="8505762" cy="4324350"/>
+            <a:off x="452674" y="1536700"/>
+            <a:ext cx="5866646" cy="4324350"/>
           </a:xfrm>
         </p:spPr>
         <p:txBody>
           <a:bodyPr/>
           <a:lstStyle/>
           <a:p>
-            <a:pPr marL="0" indent="0">
-              <a:buNone/>
-            </a:pPr>
-            <a:r>
-              <a:rPr lang="en-US" sz="2000" b="0" dirty="0"/>
-              <a:t>By the end of this course, cadets shall be able to:</a:t>
-            </a:r>
-          </a:p>
-          <a:p>
-            <a:pPr marL="342900" indent="-342900">
-              <a:buFont typeface="+mj-lt"/>
-              <a:buAutoNum type="arabicPeriod"/>
-            </a:pPr>
-            <a:r>
-              <a:rPr lang="en-US" sz="2000" b="0" dirty="0"/>
-              <a:t>Utilize the built-in functional units of a specified microcontroller.</a:t>
-            </a:r>
-          </a:p>
-          <a:p>
-            <a:pPr marL="342900" indent="-342900">
-              <a:buFont typeface="+mj-lt"/>
-              <a:buAutoNum type="arabicPeriod"/>
-            </a:pPr>
-            <a:r>
-              <a:rPr lang="en-US" sz="2000" b="0" dirty="0"/>
-              <a:t>Write, assemble, link, and run microcontroller code in assembly language.</a:t>
-            </a:r>
-          </a:p>
-          <a:p>
-            <a:pPr marL="342900" indent="-342900">
-              <a:buFont typeface="+mj-lt"/>
-              <a:buAutoNum type="arabicPeriod"/>
-            </a:pPr>
-            <a:r>
-              <a:rPr lang="en-US" sz="2000" b="0" dirty="0"/>
-              <a:t>Write, compile, assemble, link, and run microcontroller code in the C programming language.</a:t>
-            </a:r>
-          </a:p>
-          <a:p>
-            <a:pPr marL="342900" indent="-342900">
-              <a:buFont typeface="+mj-lt"/>
-              <a:buAutoNum type="arabicPeriod"/>
-            </a:pPr>
-            <a:r>
-              <a:rPr lang="en-US" sz="2000" b="0" dirty="0"/>
-              <a:t>Interpret and explain orally and in writing the functions of a given assembly language or C program as well as laboratory work</a:t>
-            </a:r>
-          </a:p>
-          <a:p>
-            <a:pPr marL="342900" indent="-342900">
-              <a:buFont typeface="+mj-lt"/>
-              <a:buAutoNum type="arabicPeriod"/>
-            </a:pPr>
-            <a:r>
-              <a:rPr lang="en-US" sz="2000" b="0" dirty="0"/>
-              <a:t>Evaluate, analyze, debug, and modify a given program to improve its execution of a specified task</a:t>
-            </a:r>
-          </a:p>
-          <a:p>
-            <a:pPr marL="342900" indent="-342900">
-              <a:buFont typeface="+mj-lt"/>
-              <a:buAutoNum type="arabicPeriod"/>
-            </a:pPr>
-            <a:r>
-              <a:rPr lang="en-US" sz="2000" b="0" dirty="0"/>
-              <a:t>Demonstrate a working knowledge of the on-board hardware components of a microcontroller and implement an interface between a specified microcontroller and other hardware.</a:t>
-            </a:r>
-          </a:p>
-          <a:p>
-            <a:pPr marL="342900" indent="-342900">
-              <a:buFont typeface="+mj-lt"/>
-              <a:buAutoNum type="arabicPeriod"/>
-            </a:pPr>
-            <a:r>
-              <a:rPr lang="en-US" sz="2000" b="0" dirty="0"/>
-              <a:t>Demonstrate the ability to solve well and ill-defined </a:t>
-            </a:r>
-            <a:r>
-              <a:rPr lang="en-US" sz="2000" b="0" dirty="0" smtClean="0"/>
-              <a:t>problems</a:t>
-            </a:r>
-            <a:endParaRPr lang="en-US" sz="2000" b="0" dirty="0"/>
-          </a:p>
-        </p:txBody>
-      </p:sp>
-      <p:sp>
-        <p:nvSpPr>
-          <p:cNvPr id="104452" name="Slide Number Placeholder 3"/>
+            <a:r>
+              <a:rPr lang="en-US" dirty="0" smtClean="0"/>
+              <a:t>Assembly</a:t>
+            </a:r>
+          </a:p>
+          <a:p>
+            <a:pPr lvl="1"/>
+            <a:r>
+              <a:rPr lang="en-US" b="0" dirty="0" smtClean="0"/>
+              <a:t>Simple calculator</a:t>
+            </a:r>
+          </a:p>
+          <a:p>
+            <a:pPr lvl="1"/>
+            <a:r>
+              <a:rPr lang="en-US" b="0" dirty="0" smtClean="0"/>
+              <a:t>Decrypt secret messages</a:t>
+            </a:r>
+          </a:p>
+          <a:p>
+            <a:pPr lvl="1"/>
+            <a:r>
+              <a:rPr lang="en-US" b="0" dirty="0" smtClean="0"/>
+              <a:t>Etch-a-sketch</a:t>
+            </a:r>
+          </a:p>
+          <a:p>
+            <a:endParaRPr lang="en-US" dirty="0" smtClean="0"/>
+          </a:p>
+          <a:p>
+            <a:r>
+              <a:rPr lang="en-US" dirty="0" smtClean="0"/>
+              <a:t>C</a:t>
+            </a:r>
+          </a:p>
+          <a:p>
+            <a:pPr lvl="1"/>
+            <a:r>
+              <a:rPr lang="en-US" b="0" dirty="0" smtClean="0"/>
+              <a:t>Create interactive handheld games</a:t>
+            </a:r>
+          </a:p>
+          <a:p>
+            <a:pPr lvl="1"/>
+            <a:r>
+              <a:rPr lang="en-US" b="0" dirty="0" smtClean="0"/>
+              <a:t>Reverse engineer TV remote for wireless control</a:t>
+            </a:r>
+          </a:p>
+          <a:p>
+            <a:pPr lvl="1"/>
+            <a:r>
+              <a:rPr lang="en-US" b="0" dirty="0" smtClean="0"/>
+              <a:t>Create a robot and be the fastest to navigate a maze with sensors!</a:t>
+            </a:r>
+          </a:p>
+        </p:txBody>
+      </p:sp>
+      <p:sp>
+        <p:nvSpPr>
+          <p:cNvPr id="105476" name="Slide Number Placeholder 3"/>
           <p:cNvSpPr>
             <a:spLocks noGrp="1"/>
           </p:cNvSpPr>
@@ -18802,7 +19037,7 @@
             </a:endParaRPr>
           </a:p>
           <a:p>
-            <a:fld id="{215AD355-B678-4234-977D-56DCE36CE4F3}" type="slidenum">
+            <a:fld id="{91D76733-642C-4EF9-8293-ACD68B4AC162}" type="slidenum">
               <a:rPr lang="en-US" smtClean="0">
                 <a:latin typeface="Times New Roman" pitchFamily="18" charset="0"/>
               </a:rPr>
@@ -18817,7 +19052,7 @@
       </p:sp>
       <p:sp>
         <p:nvSpPr>
-          <p:cNvPr id="104453" name="Date Placeholder 4"/>
+          <p:cNvPr id="105477" name="Date Placeholder 4"/>
           <p:cNvSpPr>
             <a:spLocks noGrp="1"/>
           </p:cNvSpPr>
@@ -18954,12 +19189,1042 @@
             </a:endParaRPr>
           </a:p>
           <a:p>
+            <a:fld id="{A48F3256-34BF-47D8-BD02-3776A024088A}" type="datetime3">
+              <a:rPr lang="en-US" smtClean="0">
+                <a:latin typeface="Times New Roman" pitchFamily="18" charset="0"/>
+              </a:rPr>
+              <a:pPr/>
+              <a:t>23 July 2018</a:t>
+            </a:fld>
+            <a:endParaRPr lang="en-US" smtClean="0">
+              <a:latin typeface="Times New Roman" pitchFamily="18" charset="0"/>
+            </a:endParaRPr>
+          </a:p>
+        </p:txBody>
+      </p:sp>
+      <p:pic>
+        <p:nvPicPr>
+          <p:cNvPr id="1026" name="Picture 2" descr="Image result for msp430 launchpad"/>
+          <p:cNvPicPr>
+            <a:picLocks noChangeAspect="1" noChangeArrowheads="1"/>
+          </p:cNvPicPr>
+          <p:nvPr/>
+        </p:nvPicPr>
+        <p:blipFill rotWithShape="1">
+          <a:blip r:embed="rId2" cstate="print">
+            <a:extLst>
+              <a:ext uri="{28A0092B-C50C-407E-A947-70E740481C1C}">
+                <a14:useLocalDpi xmlns:a14="http://schemas.microsoft.com/office/drawing/2010/main" val="0"/>
+              </a:ext>
+            </a:extLst>
+          </a:blip>
+          <a:srcRect l="16832" r="14521"/>
+          <a:stretch/>
+        </p:blipFill>
+        <p:spPr bwMode="auto">
+          <a:xfrm>
+            <a:off x="6292158" y="2190780"/>
+            <a:ext cx="2353901" cy="3429000"/>
+          </a:xfrm>
+          <a:prstGeom prst="rect">
+            <a:avLst/>
+          </a:prstGeom>
+          <a:noFill/>
+          <a:extLst>
+            <a:ext uri="{909E8E84-426E-40DD-AFC4-6F175D3DCCD1}">
+              <a14:hiddenFill xmlns:a14="http://schemas.microsoft.com/office/drawing/2010/main">
+                <a:solidFill>
+                  <a:srgbClr val="FFFFFF"/>
+                </a:solidFill>
+              </a14:hiddenFill>
+            </a:ext>
+          </a:extLst>
+        </p:spPr>
+      </p:pic>
+      <p:sp>
+        <p:nvSpPr>
+          <p:cNvPr id="2" name="Rectangle 1"/>
+          <p:cNvSpPr/>
+          <p:nvPr/>
+        </p:nvSpPr>
+        <p:spPr>
+          <a:xfrm>
+            <a:off x="1262958" y="5964911"/>
+            <a:ext cx="6966642" cy="523220"/>
+          </a:xfrm>
+          <a:prstGeom prst="rect">
+            <a:avLst/>
+          </a:prstGeom>
+        </p:spPr>
+        <p:txBody>
+          <a:bodyPr wrap="square">
+            <a:spAutoFit/>
+          </a:bodyPr>
+          <a:lstStyle/>
+          <a:p>
+            <a:r>
+              <a:rPr lang="en-US" dirty="0">
+                <a:hlinkClick r:id="rId3"/>
+              </a:rPr>
+              <a:t>https://</a:t>
+            </a:r>
+            <a:r>
+              <a:rPr lang="en-US" dirty="0" smtClean="0">
+                <a:hlinkClick r:id="rId3"/>
+              </a:rPr>
+              <a:t>www.youtube.com/watch?v=58dCIdXB4lg&amp;feature=youtu.be</a:t>
+            </a:r>
+            <a:endParaRPr lang="en-US" dirty="0" smtClean="0"/>
+          </a:p>
+          <a:p>
+            <a:endParaRPr lang="en-US" dirty="0"/>
+          </a:p>
+        </p:txBody>
+      </p:sp>
+    </p:spTree>
+    <p:extLst>
+      <p:ext uri="{BB962C8B-B14F-4D97-AF65-F5344CB8AC3E}">
+        <p14:creationId xmlns:p14="http://schemas.microsoft.com/office/powerpoint/2010/main" val="3250507229"/>
+      </p:ext>
+    </p:extLst>
+  </p:cSld>
+  <p:clrMapOvr>
+    <a:masterClrMapping/>
+  </p:clrMapOvr>
+  <p:timing>
+    <p:tnLst>
+      <p:par>
+        <p:cTn id="1" dur="indefinite" restart="never" nodeType="tmRoot"/>
+      </p:par>
+    </p:tnLst>
+  </p:timing>
+</p:sld>
+</file>
+
+<file path=ppt/slides/slide23.xml><?xml version="1.0" encoding="utf-8"?>
+<p:sld xmlns:a="http://schemas.openxmlformats.org/drawingml/2006/main" xmlns:r="http://schemas.openxmlformats.org/officeDocument/2006/relationships" xmlns:p="http://schemas.openxmlformats.org/presentationml/2006/main">
+  <p:cSld>
+    <p:spTree>
+      <p:nvGrpSpPr>
+        <p:cNvPr id="1" name=""/>
+        <p:cNvGrpSpPr/>
+        <p:nvPr/>
+      </p:nvGrpSpPr>
+      <p:grpSpPr>
+        <a:xfrm>
+          <a:off x="0" y="0"/>
+          <a:ext cx="0" cy="0"/>
+          <a:chOff x="0" y="0"/>
+          <a:chExt cx="0" cy="0"/>
+        </a:xfrm>
+      </p:grpSpPr>
+      <p:sp>
+        <p:nvSpPr>
+          <p:cNvPr id="103426" name="Slide Number Placeholder 3"/>
+          <p:cNvSpPr>
+            <a:spLocks noGrp="1"/>
+          </p:cNvSpPr>
+          <p:nvPr>
+            <p:ph type="sldNum" sz="quarter" idx="10"/>
+          </p:nvPr>
+        </p:nvSpPr>
+        <p:spPr>
+          <a:noFill/>
+          <a:ln/>
+          <a:extLst>
+            <a:ext uri="{909E8E84-426E-40DD-AFC4-6F175D3DCCD1}">
+              <a14:hiddenFill xmlns:a14="http://schemas.microsoft.com/office/drawing/2010/main">
+                <a:solidFill>
+                  <a:srgbClr val="FFFFFF"/>
+                </a:solidFill>
+              </a14:hiddenFill>
+            </a:ext>
+            <a:ext uri="{91240B29-F687-4F45-9708-019B960494DF}">
+              <a14:hiddenLine xmlns:a14="http://schemas.microsoft.com/office/drawing/2010/main" w="9525">
+                <a:solidFill>
+                  <a:srgbClr val="000000"/>
+                </a:solidFill>
+                <a:miter lim="800000"/>
+                <a:headEnd/>
+                <a:tailEnd/>
+              </a14:hiddenLine>
+            </a:ext>
+          </a:extLst>
+        </p:spPr>
+        <p:txBody>
+          <a:bodyPr/>
+          <a:lstStyle>
+            <a:lvl1pPr>
+              <a:defRPr sz="1400">
+                <a:solidFill>
+                  <a:schemeClr val="tx1"/>
+                </a:solidFill>
+                <a:latin typeface="Arial" pitchFamily="34" charset="0"/>
+              </a:defRPr>
+            </a:lvl1pPr>
+            <a:lvl2pPr marL="742950" indent="-285750">
+              <a:defRPr sz="1400">
+                <a:solidFill>
+                  <a:schemeClr val="tx1"/>
+                </a:solidFill>
+                <a:latin typeface="Arial" pitchFamily="34" charset="0"/>
+              </a:defRPr>
+            </a:lvl2pPr>
+            <a:lvl3pPr marL="1143000" indent="-228600">
+              <a:defRPr sz="1400">
+                <a:solidFill>
+                  <a:schemeClr val="tx1"/>
+                </a:solidFill>
+                <a:latin typeface="Arial" pitchFamily="34" charset="0"/>
+              </a:defRPr>
+            </a:lvl3pPr>
+            <a:lvl4pPr marL="1600200" indent="-228600">
+              <a:defRPr sz="1400">
+                <a:solidFill>
+                  <a:schemeClr val="tx1"/>
+                </a:solidFill>
+                <a:latin typeface="Arial" pitchFamily="34" charset="0"/>
+              </a:defRPr>
+            </a:lvl4pPr>
+            <a:lvl5pPr marL="2057400" indent="-228600">
+              <a:defRPr sz="1400">
+                <a:solidFill>
+                  <a:schemeClr val="tx1"/>
+                </a:solidFill>
+                <a:latin typeface="Arial" pitchFamily="34" charset="0"/>
+              </a:defRPr>
+            </a:lvl5pPr>
+            <a:lvl6pPr marL="2514600" indent="-228600" algn="ctr" eaLnBrk="0" fontAlgn="base" hangingPunct="0">
+              <a:spcBef>
+                <a:spcPct val="0"/>
+              </a:spcBef>
+              <a:spcAft>
+                <a:spcPct val="0"/>
+              </a:spcAft>
+              <a:defRPr sz="1400">
+                <a:solidFill>
+                  <a:schemeClr val="tx1"/>
+                </a:solidFill>
+                <a:latin typeface="Arial" pitchFamily="34" charset="0"/>
+              </a:defRPr>
+            </a:lvl6pPr>
+            <a:lvl7pPr marL="2971800" indent="-228600" algn="ctr" eaLnBrk="0" fontAlgn="base" hangingPunct="0">
+              <a:spcBef>
+                <a:spcPct val="0"/>
+              </a:spcBef>
+              <a:spcAft>
+                <a:spcPct val="0"/>
+              </a:spcAft>
+              <a:defRPr sz="1400">
+                <a:solidFill>
+                  <a:schemeClr val="tx1"/>
+                </a:solidFill>
+                <a:latin typeface="Arial" pitchFamily="34" charset="0"/>
+              </a:defRPr>
+            </a:lvl7pPr>
+            <a:lvl8pPr marL="3429000" indent="-228600" algn="ctr" eaLnBrk="0" fontAlgn="base" hangingPunct="0">
+              <a:spcBef>
+                <a:spcPct val="0"/>
+              </a:spcBef>
+              <a:spcAft>
+                <a:spcPct val="0"/>
+              </a:spcAft>
+              <a:defRPr sz="1400">
+                <a:solidFill>
+                  <a:schemeClr val="tx1"/>
+                </a:solidFill>
+                <a:latin typeface="Arial" pitchFamily="34" charset="0"/>
+              </a:defRPr>
+            </a:lvl8pPr>
+            <a:lvl9pPr marL="3886200" indent="-228600" algn="ctr" eaLnBrk="0" fontAlgn="base" hangingPunct="0">
+              <a:spcBef>
+                <a:spcPct val="0"/>
+              </a:spcBef>
+              <a:spcAft>
+                <a:spcPct val="0"/>
+              </a:spcAft>
+              <a:defRPr sz="1400">
+                <a:solidFill>
+                  <a:schemeClr val="tx1"/>
+                </a:solidFill>
+                <a:latin typeface="Arial" pitchFamily="34" charset="0"/>
+              </a:defRPr>
+            </a:lvl9pPr>
+          </a:lstStyle>
+          <a:p>
+            <a:endParaRPr lang="en-US" smtClean="0">
+              <a:latin typeface="Times New Roman" pitchFamily="18" charset="0"/>
+            </a:endParaRPr>
+          </a:p>
+          <a:p>
+            <a:fld id="{8B531BE4-DB60-4836-A221-CAFE24BA278F}" type="slidenum">
+              <a:rPr lang="en-US" smtClean="0">
+                <a:latin typeface="Times New Roman" pitchFamily="18" charset="0"/>
+              </a:rPr>
+              <a:pPr/>
+              <a:t>23</a:t>
+            </a:fld>
+            <a:endParaRPr lang="en-US" smtClean="0">
+              <a:latin typeface="Times New Roman" pitchFamily="18" charset="0"/>
+            </a:endParaRPr>
+          </a:p>
+        </p:txBody>
+      </p:sp>
+      <p:sp>
+        <p:nvSpPr>
+          <p:cNvPr id="103427" name="Date Placeholder 4"/>
+          <p:cNvSpPr>
+            <a:spLocks noGrp="1"/>
+          </p:cNvSpPr>
+          <p:nvPr>
+            <p:ph type="dt" sz="quarter" idx="11"/>
+          </p:nvPr>
+        </p:nvSpPr>
+        <p:spPr>
+          <a:noFill/>
+          <a:ln/>
+          <a:extLst>
+            <a:ext uri="{909E8E84-426E-40DD-AFC4-6F175D3DCCD1}">
+              <a14:hiddenFill xmlns:a14="http://schemas.microsoft.com/office/drawing/2010/main">
+                <a:solidFill>
+                  <a:srgbClr val="FFFFFF"/>
+                </a:solidFill>
+              </a14:hiddenFill>
+            </a:ext>
+            <a:ext uri="{91240B29-F687-4F45-9708-019B960494DF}">
+              <a14:hiddenLine xmlns:a14="http://schemas.microsoft.com/office/drawing/2010/main" w="9525">
+                <a:solidFill>
+                  <a:srgbClr val="000000"/>
+                </a:solidFill>
+                <a:miter lim="800000"/>
+                <a:headEnd/>
+                <a:tailEnd/>
+              </a14:hiddenLine>
+            </a:ext>
+          </a:extLst>
+        </p:spPr>
+        <p:txBody>
+          <a:bodyPr/>
+          <a:lstStyle>
+            <a:lvl1pPr>
+              <a:defRPr sz="1400">
+                <a:solidFill>
+                  <a:schemeClr val="tx1"/>
+                </a:solidFill>
+                <a:latin typeface="Arial" pitchFamily="34" charset="0"/>
+              </a:defRPr>
+            </a:lvl1pPr>
+            <a:lvl2pPr marL="742950" indent="-285750">
+              <a:defRPr sz="1400">
+                <a:solidFill>
+                  <a:schemeClr val="tx1"/>
+                </a:solidFill>
+                <a:latin typeface="Arial" pitchFamily="34" charset="0"/>
+              </a:defRPr>
+            </a:lvl2pPr>
+            <a:lvl3pPr marL="1143000" indent="-228600">
+              <a:defRPr sz="1400">
+                <a:solidFill>
+                  <a:schemeClr val="tx1"/>
+                </a:solidFill>
+                <a:latin typeface="Arial" pitchFamily="34" charset="0"/>
+              </a:defRPr>
+            </a:lvl3pPr>
+            <a:lvl4pPr marL="1600200" indent="-228600">
+              <a:defRPr sz="1400">
+                <a:solidFill>
+                  <a:schemeClr val="tx1"/>
+                </a:solidFill>
+                <a:latin typeface="Arial" pitchFamily="34" charset="0"/>
+              </a:defRPr>
+            </a:lvl4pPr>
+            <a:lvl5pPr marL="2057400" indent="-228600">
+              <a:defRPr sz="1400">
+                <a:solidFill>
+                  <a:schemeClr val="tx1"/>
+                </a:solidFill>
+                <a:latin typeface="Arial" pitchFamily="34" charset="0"/>
+              </a:defRPr>
+            </a:lvl5pPr>
+            <a:lvl6pPr marL="2514600" indent="-228600" algn="ctr" eaLnBrk="0" fontAlgn="base" hangingPunct="0">
+              <a:spcBef>
+                <a:spcPct val="0"/>
+              </a:spcBef>
+              <a:spcAft>
+                <a:spcPct val="0"/>
+              </a:spcAft>
+              <a:defRPr sz="1400">
+                <a:solidFill>
+                  <a:schemeClr val="tx1"/>
+                </a:solidFill>
+                <a:latin typeface="Arial" pitchFamily="34" charset="0"/>
+              </a:defRPr>
+            </a:lvl6pPr>
+            <a:lvl7pPr marL="2971800" indent="-228600" algn="ctr" eaLnBrk="0" fontAlgn="base" hangingPunct="0">
+              <a:spcBef>
+                <a:spcPct val="0"/>
+              </a:spcBef>
+              <a:spcAft>
+                <a:spcPct val="0"/>
+              </a:spcAft>
+              <a:defRPr sz="1400">
+                <a:solidFill>
+                  <a:schemeClr val="tx1"/>
+                </a:solidFill>
+                <a:latin typeface="Arial" pitchFamily="34" charset="0"/>
+              </a:defRPr>
+            </a:lvl7pPr>
+            <a:lvl8pPr marL="3429000" indent="-228600" algn="ctr" eaLnBrk="0" fontAlgn="base" hangingPunct="0">
+              <a:spcBef>
+                <a:spcPct val="0"/>
+              </a:spcBef>
+              <a:spcAft>
+                <a:spcPct val="0"/>
+              </a:spcAft>
+              <a:defRPr sz="1400">
+                <a:solidFill>
+                  <a:schemeClr val="tx1"/>
+                </a:solidFill>
+                <a:latin typeface="Arial" pitchFamily="34" charset="0"/>
+              </a:defRPr>
+            </a:lvl8pPr>
+            <a:lvl9pPr marL="3886200" indent="-228600" algn="ctr" eaLnBrk="0" fontAlgn="base" hangingPunct="0">
+              <a:spcBef>
+                <a:spcPct val="0"/>
+              </a:spcBef>
+              <a:spcAft>
+                <a:spcPct val="0"/>
+              </a:spcAft>
+              <a:defRPr sz="1400">
+                <a:solidFill>
+                  <a:schemeClr val="tx1"/>
+                </a:solidFill>
+                <a:latin typeface="Arial" pitchFamily="34" charset="0"/>
+              </a:defRPr>
+            </a:lvl9pPr>
+          </a:lstStyle>
+          <a:p>
+            <a:endParaRPr lang="en-US" smtClean="0">
+              <a:latin typeface="Times New Roman" pitchFamily="18" charset="0"/>
+            </a:endParaRPr>
+          </a:p>
+          <a:p>
+            <a:fld id="{89F7FD29-E665-463E-BFAA-3F5452225AF8}" type="datetime3">
+              <a:rPr lang="en-US" smtClean="0">
+                <a:latin typeface="Times New Roman" pitchFamily="18" charset="0"/>
+              </a:rPr>
+              <a:pPr/>
+              <a:t>23 July 2018</a:t>
+            </a:fld>
+            <a:endParaRPr lang="en-US" smtClean="0">
+              <a:latin typeface="Times New Roman" pitchFamily="18" charset="0"/>
+            </a:endParaRPr>
+          </a:p>
+        </p:txBody>
+      </p:sp>
+      <p:sp>
+        <p:nvSpPr>
+          <p:cNvPr id="103428" name="Rectangle 2"/>
+          <p:cNvSpPr>
+            <a:spLocks noGrp="1" noChangeArrowheads="1"/>
+          </p:cNvSpPr>
+          <p:nvPr>
+            <p:ph type="title"/>
+          </p:nvPr>
+        </p:nvSpPr>
+        <p:spPr/>
+        <p:txBody>
+          <a:bodyPr/>
+          <a:lstStyle/>
+          <a:p>
+            <a:r>
+              <a:rPr lang="en-US" smtClean="0"/>
+              <a:t>Course Goals</a:t>
+            </a:r>
+          </a:p>
+        </p:txBody>
+      </p:sp>
+      <p:sp>
+        <p:nvSpPr>
+          <p:cNvPr id="103429" name="Content Placeholder 5"/>
+          <p:cNvSpPr>
+            <a:spLocks noGrp="1"/>
+          </p:cNvSpPr>
+          <p:nvPr>
+            <p:ph idx="1"/>
+          </p:nvPr>
+        </p:nvSpPr>
+        <p:spPr/>
+        <p:txBody>
+          <a:bodyPr/>
+          <a:lstStyle/>
+          <a:p>
+            <a:pPr>
+              <a:buNone/>
+            </a:pPr>
+            <a:endParaRPr lang="en-US" b="0" dirty="0" smtClean="0"/>
+          </a:p>
+          <a:p>
+            <a:pPr>
+              <a:buNone/>
+            </a:pPr>
+            <a:r>
+              <a:rPr lang="en-US" b="0" dirty="0" smtClean="0"/>
+              <a:t>Cadets </a:t>
+            </a:r>
+            <a:r>
+              <a:rPr lang="en-US" b="0" dirty="0"/>
+              <a:t>shall develop the skills to </a:t>
+            </a:r>
+            <a:r>
+              <a:rPr lang="en-US" b="0" dirty="0">
+                <a:solidFill>
+                  <a:schemeClr val="accent2"/>
+                </a:solidFill>
+              </a:rPr>
+              <a:t>design</a:t>
+            </a:r>
+            <a:r>
+              <a:rPr lang="en-US" b="0" dirty="0"/>
+              <a:t>, </a:t>
+            </a:r>
+            <a:r>
+              <a:rPr lang="en-US" b="0" dirty="0">
+                <a:solidFill>
+                  <a:schemeClr val="accent2"/>
+                </a:solidFill>
+              </a:rPr>
+              <a:t>implement</a:t>
+            </a:r>
+            <a:r>
+              <a:rPr lang="en-US" b="0" dirty="0"/>
+              <a:t>, </a:t>
+            </a:r>
+            <a:r>
+              <a:rPr lang="en-US" b="0" dirty="0" smtClean="0">
+                <a:solidFill>
+                  <a:schemeClr val="accent2"/>
+                </a:solidFill>
+              </a:rPr>
+              <a:t>test</a:t>
+            </a:r>
+            <a:r>
+              <a:rPr lang="en-US" b="0" dirty="0" smtClean="0"/>
+              <a:t>, and </a:t>
+            </a:r>
+            <a:r>
+              <a:rPr lang="en-US" b="0" dirty="0">
+                <a:solidFill>
+                  <a:schemeClr val="accent2"/>
+                </a:solidFill>
+              </a:rPr>
+              <a:t>debug</a:t>
+            </a:r>
+            <a:r>
+              <a:rPr lang="en-US" b="0" dirty="0"/>
+              <a:t> microcontroller-based systems by developing operational </a:t>
+            </a:r>
+            <a:r>
+              <a:rPr lang="en-US" b="0" dirty="0">
+                <a:solidFill>
+                  <a:schemeClr val="accent2"/>
+                </a:solidFill>
+              </a:rPr>
+              <a:t>assembly</a:t>
+            </a:r>
+            <a:r>
+              <a:rPr lang="en-US" b="0" dirty="0"/>
+              <a:t> and </a:t>
+            </a:r>
+            <a:r>
+              <a:rPr lang="en-US" b="0" dirty="0">
+                <a:solidFill>
+                  <a:schemeClr val="accent2"/>
+                </a:solidFill>
+              </a:rPr>
+              <a:t>C language</a:t>
+            </a:r>
+            <a:r>
+              <a:rPr lang="en-US" b="0" dirty="0"/>
+              <a:t> programs that incorporate the built-in microcontroller functions, and by successfully </a:t>
+            </a:r>
+            <a:r>
+              <a:rPr lang="en-US" b="0" dirty="0">
+                <a:solidFill>
+                  <a:schemeClr val="accent2"/>
+                </a:solidFill>
+              </a:rPr>
+              <a:t>interfacing the microcontroller</a:t>
+            </a:r>
+            <a:r>
+              <a:rPr lang="en-US" b="0" dirty="0"/>
+              <a:t> to the external world.</a:t>
+            </a:r>
+            <a:endParaRPr lang="en-US" dirty="0" smtClean="0"/>
+          </a:p>
+        </p:txBody>
+      </p:sp>
+    </p:spTree>
+    <p:extLst>
+      <p:ext uri="{BB962C8B-B14F-4D97-AF65-F5344CB8AC3E}">
+        <p14:creationId xmlns:p14="http://schemas.microsoft.com/office/powerpoint/2010/main" val="893745783"/>
+      </p:ext>
+    </p:extLst>
+  </p:cSld>
+  <p:clrMapOvr>
+    <a:masterClrMapping/>
+  </p:clrMapOvr>
+  <p:timing>
+    <p:tnLst>
+      <p:par>
+        <p:cTn id="1" dur="indefinite" restart="never" nodeType="tmRoot"/>
+      </p:par>
+    </p:tnLst>
+  </p:timing>
+</p:sld>
+</file>
+
+<file path=ppt/slides/slide24.xml><?xml version="1.0" encoding="utf-8"?>
+<p:sld xmlns:a="http://schemas.openxmlformats.org/drawingml/2006/main" xmlns:r="http://schemas.openxmlformats.org/officeDocument/2006/relationships" xmlns:p="http://schemas.openxmlformats.org/presentationml/2006/main">
+  <p:cSld>
+    <p:spTree>
+      <p:nvGrpSpPr>
+        <p:cNvPr id="1" name=""/>
+        <p:cNvGrpSpPr/>
+        <p:nvPr/>
+      </p:nvGrpSpPr>
+      <p:grpSpPr>
+        <a:xfrm>
+          <a:off x="0" y="0"/>
+          <a:ext cx="0" cy="0"/>
+          <a:chOff x="0" y="0"/>
+          <a:chExt cx="0" cy="0"/>
+        </a:xfrm>
+      </p:grpSpPr>
+      <p:sp>
+        <p:nvSpPr>
+          <p:cNvPr id="104450" name="Title 1"/>
+          <p:cNvSpPr>
+            <a:spLocks noGrp="1"/>
+          </p:cNvSpPr>
+          <p:nvPr>
+            <p:ph type="title"/>
+          </p:nvPr>
+        </p:nvSpPr>
+        <p:spPr/>
+        <p:txBody>
+          <a:bodyPr/>
+          <a:lstStyle/>
+          <a:p>
+            <a:r>
+              <a:rPr lang="en-US" smtClean="0"/>
+              <a:t>Course Objectives</a:t>
+            </a:r>
+          </a:p>
+        </p:txBody>
+      </p:sp>
+      <p:sp>
+        <p:nvSpPr>
+          <p:cNvPr id="13315" name="Content Placeholder 2"/>
+          <p:cNvSpPr>
+            <a:spLocks noGrp="1"/>
+          </p:cNvSpPr>
+          <p:nvPr>
+            <p:ph idx="1"/>
+          </p:nvPr>
+        </p:nvSpPr>
+        <p:spPr>
+          <a:xfrm>
+            <a:off x="425514" y="1536700"/>
+            <a:ext cx="8505762" cy="4324350"/>
+          </a:xfrm>
+        </p:spPr>
+        <p:txBody>
+          <a:bodyPr/>
+          <a:lstStyle/>
+          <a:p>
+            <a:pPr marL="0" indent="0">
+              <a:buNone/>
+            </a:pPr>
+            <a:r>
+              <a:rPr lang="en-US" sz="2000" b="0" dirty="0"/>
+              <a:t>By the end of this course, cadets shall be able to:</a:t>
+            </a:r>
+          </a:p>
+          <a:p>
+            <a:pPr marL="342900" indent="-342900">
+              <a:buFont typeface="+mj-lt"/>
+              <a:buAutoNum type="arabicPeriod"/>
+            </a:pPr>
+            <a:r>
+              <a:rPr lang="en-US" sz="2000" b="0" dirty="0"/>
+              <a:t>Utilize the built-in functional units of a specified microcontroller.</a:t>
+            </a:r>
+          </a:p>
+          <a:p>
+            <a:pPr marL="342900" indent="-342900">
+              <a:buFont typeface="+mj-lt"/>
+              <a:buAutoNum type="arabicPeriod"/>
+            </a:pPr>
+            <a:r>
+              <a:rPr lang="en-US" sz="2000" b="0" dirty="0"/>
+              <a:t>Write, assemble, link, and run microcontroller code in assembly language.</a:t>
+            </a:r>
+          </a:p>
+          <a:p>
+            <a:pPr marL="342900" indent="-342900">
+              <a:buFont typeface="+mj-lt"/>
+              <a:buAutoNum type="arabicPeriod"/>
+            </a:pPr>
+            <a:r>
+              <a:rPr lang="en-US" sz="2000" b="0" dirty="0"/>
+              <a:t>Write, compile, assemble, link, and run microcontroller code in the C programming language.</a:t>
+            </a:r>
+          </a:p>
+          <a:p>
+            <a:pPr marL="342900" indent="-342900">
+              <a:buFont typeface="+mj-lt"/>
+              <a:buAutoNum type="arabicPeriod"/>
+            </a:pPr>
+            <a:r>
+              <a:rPr lang="en-US" sz="2000" b="0" dirty="0"/>
+              <a:t>Interpret and explain orally and in writing the functions of a given assembly language or C program as well as laboratory work</a:t>
+            </a:r>
+          </a:p>
+          <a:p>
+            <a:pPr marL="342900" indent="-342900">
+              <a:buFont typeface="+mj-lt"/>
+              <a:buAutoNum type="arabicPeriod"/>
+            </a:pPr>
+            <a:r>
+              <a:rPr lang="en-US" sz="2000" b="0" dirty="0"/>
+              <a:t>Evaluate, analyze, debug, and modify a given program to improve its execution of a specified task</a:t>
+            </a:r>
+          </a:p>
+          <a:p>
+            <a:pPr marL="342900" indent="-342900">
+              <a:buFont typeface="+mj-lt"/>
+              <a:buAutoNum type="arabicPeriod"/>
+            </a:pPr>
+            <a:r>
+              <a:rPr lang="en-US" sz="2000" b="0" dirty="0"/>
+              <a:t>Demonstrate a working knowledge of the on-board hardware components of a microcontroller and implement an interface between a specified microcontroller and other hardware.</a:t>
+            </a:r>
+          </a:p>
+          <a:p>
+            <a:pPr marL="342900" indent="-342900">
+              <a:buFont typeface="+mj-lt"/>
+              <a:buAutoNum type="arabicPeriod"/>
+            </a:pPr>
+            <a:r>
+              <a:rPr lang="en-US" sz="2000" b="0" dirty="0"/>
+              <a:t>Demonstrate the ability to solve well and ill-defined </a:t>
+            </a:r>
+            <a:r>
+              <a:rPr lang="en-US" sz="2000" b="0" dirty="0" smtClean="0"/>
+              <a:t>problems</a:t>
+            </a:r>
+            <a:endParaRPr lang="en-US" sz="2000" b="0" dirty="0"/>
+          </a:p>
+        </p:txBody>
+      </p:sp>
+      <p:sp>
+        <p:nvSpPr>
+          <p:cNvPr id="104452" name="Slide Number Placeholder 3"/>
+          <p:cNvSpPr>
+            <a:spLocks noGrp="1"/>
+          </p:cNvSpPr>
+          <p:nvPr>
+            <p:ph type="sldNum" sz="quarter" idx="10"/>
+          </p:nvPr>
+        </p:nvSpPr>
+        <p:spPr>
+          <a:noFill/>
+          <a:ln/>
+          <a:extLst>
+            <a:ext uri="{909E8E84-426E-40DD-AFC4-6F175D3DCCD1}">
+              <a14:hiddenFill xmlns:a14="http://schemas.microsoft.com/office/drawing/2010/main">
+                <a:solidFill>
+                  <a:srgbClr val="FFFFFF"/>
+                </a:solidFill>
+              </a14:hiddenFill>
+            </a:ext>
+            <a:ext uri="{91240B29-F687-4F45-9708-019B960494DF}">
+              <a14:hiddenLine xmlns:a14="http://schemas.microsoft.com/office/drawing/2010/main" w="9525">
+                <a:solidFill>
+                  <a:srgbClr val="000000"/>
+                </a:solidFill>
+                <a:miter lim="800000"/>
+                <a:headEnd/>
+                <a:tailEnd/>
+              </a14:hiddenLine>
+            </a:ext>
+          </a:extLst>
+        </p:spPr>
+        <p:txBody>
+          <a:bodyPr/>
+          <a:lstStyle>
+            <a:lvl1pPr>
+              <a:defRPr sz="1400">
+                <a:solidFill>
+                  <a:schemeClr val="tx1"/>
+                </a:solidFill>
+                <a:latin typeface="Arial" pitchFamily="34" charset="0"/>
+              </a:defRPr>
+            </a:lvl1pPr>
+            <a:lvl2pPr marL="742950" indent="-285750">
+              <a:defRPr sz="1400">
+                <a:solidFill>
+                  <a:schemeClr val="tx1"/>
+                </a:solidFill>
+                <a:latin typeface="Arial" pitchFamily="34" charset="0"/>
+              </a:defRPr>
+            </a:lvl2pPr>
+            <a:lvl3pPr marL="1143000" indent="-228600">
+              <a:defRPr sz="1400">
+                <a:solidFill>
+                  <a:schemeClr val="tx1"/>
+                </a:solidFill>
+                <a:latin typeface="Arial" pitchFamily="34" charset="0"/>
+              </a:defRPr>
+            </a:lvl3pPr>
+            <a:lvl4pPr marL="1600200" indent="-228600">
+              <a:defRPr sz="1400">
+                <a:solidFill>
+                  <a:schemeClr val="tx1"/>
+                </a:solidFill>
+                <a:latin typeface="Arial" pitchFamily="34" charset="0"/>
+              </a:defRPr>
+            </a:lvl4pPr>
+            <a:lvl5pPr marL="2057400" indent="-228600">
+              <a:defRPr sz="1400">
+                <a:solidFill>
+                  <a:schemeClr val="tx1"/>
+                </a:solidFill>
+                <a:latin typeface="Arial" pitchFamily="34" charset="0"/>
+              </a:defRPr>
+            </a:lvl5pPr>
+            <a:lvl6pPr marL="2514600" indent="-228600" algn="ctr" eaLnBrk="0" fontAlgn="base" hangingPunct="0">
+              <a:spcBef>
+                <a:spcPct val="0"/>
+              </a:spcBef>
+              <a:spcAft>
+                <a:spcPct val="0"/>
+              </a:spcAft>
+              <a:defRPr sz="1400">
+                <a:solidFill>
+                  <a:schemeClr val="tx1"/>
+                </a:solidFill>
+                <a:latin typeface="Arial" pitchFamily="34" charset="0"/>
+              </a:defRPr>
+            </a:lvl6pPr>
+            <a:lvl7pPr marL="2971800" indent="-228600" algn="ctr" eaLnBrk="0" fontAlgn="base" hangingPunct="0">
+              <a:spcBef>
+                <a:spcPct val="0"/>
+              </a:spcBef>
+              <a:spcAft>
+                <a:spcPct val="0"/>
+              </a:spcAft>
+              <a:defRPr sz="1400">
+                <a:solidFill>
+                  <a:schemeClr val="tx1"/>
+                </a:solidFill>
+                <a:latin typeface="Arial" pitchFamily="34" charset="0"/>
+              </a:defRPr>
+            </a:lvl7pPr>
+            <a:lvl8pPr marL="3429000" indent="-228600" algn="ctr" eaLnBrk="0" fontAlgn="base" hangingPunct="0">
+              <a:spcBef>
+                <a:spcPct val="0"/>
+              </a:spcBef>
+              <a:spcAft>
+                <a:spcPct val="0"/>
+              </a:spcAft>
+              <a:defRPr sz="1400">
+                <a:solidFill>
+                  <a:schemeClr val="tx1"/>
+                </a:solidFill>
+                <a:latin typeface="Arial" pitchFamily="34" charset="0"/>
+              </a:defRPr>
+            </a:lvl8pPr>
+            <a:lvl9pPr marL="3886200" indent="-228600" algn="ctr" eaLnBrk="0" fontAlgn="base" hangingPunct="0">
+              <a:spcBef>
+                <a:spcPct val="0"/>
+              </a:spcBef>
+              <a:spcAft>
+                <a:spcPct val="0"/>
+              </a:spcAft>
+              <a:defRPr sz="1400">
+                <a:solidFill>
+                  <a:schemeClr val="tx1"/>
+                </a:solidFill>
+                <a:latin typeface="Arial" pitchFamily="34" charset="0"/>
+              </a:defRPr>
+            </a:lvl9pPr>
+          </a:lstStyle>
+          <a:p>
+            <a:endParaRPr lang="en-US" smtClean="0">
+              <a:latin typeface="Times New Roman" pitchFamily="18" charset="0"/>
+            </a:endParaRPr>
+          </a:p>
+          <a:p>
+            <a:fld id="{215AD355-B678-4234-977D-56DCE36CE4F3}" type="slidenum">
+              <a:rPr lang="en-US" smtClean="0">
+                <a:latin typeface="Times New Roman" pitchFamily="18" charset="0"/>
+              </a:rPr>
+              <a:pPr/>
+              <a:t>24</a:t>
+            </a:fld>
+            <a:endParaRPr lang="en-US" smtClean="0">
+              <a:latin typeface="Times New Roman" pitchFamily="18" charset="0"/>
+            </a:endParaRPr>
+          </a:p>
+        </p:txBody>
+      </p:sp>
+      <p:sp>
+        <p:nvSpPr>
+          <p:cNvPr id="104453" name="Date Placeholder 4"/>
+          <p:cNvSpPr>
+            <a:spLocks noGrp="1"/>
+          </p:cNvSpPr>
+          <p:nvPr>
+            <p:ph type="dt" sz="quarter" idx="11"/>
+          </p:nvPr>
+        </p:nvSpPr>
+        <p:spPr>
+          <a:noFill/>
+          <a:ln/>
+          <a:extLst>
+            <a:ext uri="{909E8E84-426E-40DD-AFC4-6F175D3DCCD1}">
+              <a14:hiddenFill xmlns:a14="http://schemas.microsoft.com/office/drawing/2010/main">
+                <a:solidFill>
+                  <a:srgbClr val="FFFFFF"/>
+                </a:solidFill>
+              </a14:hiddenFill>
+            </a:ext>
+            <a:ext uri="{91240B29-F687-4F45-9708-019B960494DF}">
+              <a14:hiddenLine xmlns:a14="http://schemas.microsoft.com/office/drawing/2010/main" w="9525">
+                <a:solidFill>
+                  <a:srgbClr val="000000"/>
+                </a:solidFill>
+                <a:miter lim="800000"/>
+                <a:headEnd/>
+                <a:tailEnd/>
+              </a14:hiddenLine>
+            </a:ext>
+          </a:extLst>
+        </p:spPr>
+        <p:txBody>
+          <a:bodyPr/>
+          <a:lstStyle>
+            <a:lvl1pPr>
+              <a:defRPr sz="1400">
+                <a:solidFill>
+                  <a:schemeClr val="tx1"/>
+                </a:solidFill>
+                <a:latin typeface="Arial" pitchFamily="34" charset="0"/>
+              </a:defRPr>
+            </a:lvl1pPr>
+            <a:lvl2pPr marL="742950" indent="-285750">
+              <a:defRPr sz="1400">
+                <a:solidFill>
+                  <a:schemeClr val="tx1"/>
+                </a:solidFill>
+                <a:latin typeface="Arial" pitchFamily="34" charset="0"/>
+              </a:defRPr>
+            </a:lvl2pPr>
+            <a:lvl3pPr marL="1143000" indent="-228600">
+              <a:defRPr sz="1400">
+                <a:solidFill>
+                  <a:schemeClr val="tx1"/>
+                </a:solidFill>
+                <a:latin typeface="Arial" pitchFamily="34" charset="0"/>
+              </a:defRPr>
+            </a:lvl3pPr>
+            <a:lvl4pPr marL="1600200" indent="-228600">
+              <a:defRPr sz="1400">
+                <a:solidFill>
+                  <a:schemeClr val="tx1"/>
+                </a:solidFill>
+                <a:latin typeface="Arial" pitchFamily="34" charset="0"/>
+              </a:defRPr>
+            </a:lvl4pPr>
+            <a:lvl5pPr marL="2057400" indent="-228600">
+              <a:defRPr sz="1400">
+                <a:solidFill>
+                  <a:schemeClr val="tx1"/>
+                </a:solidFill>
+                <a:latin typeface="Arial" pitchFamily="34" charset="0"/>
+              </a:defRPr>
+            </a:lvl5pPr>
+            <a:lvl6pPr marL="2514600" indent="-228600" algn="ctr" eaLnBrk="0" fontAlgn="base" hangingPunct="0">
+              <a:spcBef>
+                <a:spcPct val="0"/>
+              </a:spcBef>
+              <a:spcAft>
+                <a:spcPct val="0"/>
+              </a:spcAft>
+              <a:defRPr sz="1400">
+                <a:solidFill>
+                  <a:schemeClr val="tx1"/>
+                </a:solidFill>
+                <a:latin typeface="Arial" pitchFamily="34" charset="0"/>
+              </a:defRPr>
+            </a:lvl6pPr>
+            <a:lvl7pPr marL="2971800" indent="-228600" algn="ctr" eaLnBrk="0" fontAlgn="base" hangingPunct="0">
+              <a:spcBef>
+                <a:spcPct val="0"/>
+              </a:spcBef>
+              <a:spcAft>
+                <a:spcPct val="0"/>
+              </a:spcAft>
+              <a:defRPr sz="1400">
+                <a:solidFill>
+                  <a:schemeClr val="tx1"/>
+                </a:solidFill>
+                <a:latin typeface="Arial" pitchFamily="34" charset="0"/>
+              </a:defRPr>
+            </a:lvl7pPr>
+            <a:lvl8pPr marL="3429000" indent="-228600" algn="ctr" eaLnBrk="0" fontAlgn="base" hangingPunct="0">
+              <a:spcBef>
+                <a:spcPct val="0"/>
+              </a:spcBef>
+              <a:spcAft>
+                <a:spcPct val="0"/>
+              </a:spcAft>
+              <a:defRPr sz="1400">
+                <a:solidFill>
+                  <a:schemeClr val="tx1"/>
+                </a:solidFill>
+                <a:latin typeface="Arial" pitchFamily="34" charset="0"/>
+              </a:defRPr>
+            </a:lvl8pPr>
+            <a:lvl9pPr marL="3886200" indent="-228600" algn="ctr" eaLnBrk="0" fontAlgn="base" hangingPunct="0">
+              <a:spcBef>
+                <a:spcPct val="0"/>
+              </a:spcBef>
+              <a:spcAft>
+                <a:spcPct val="0"/>
+              </a:spcAft>
+              <a:defRPr sz="1400">
+                <a:solidFill>
+                  <a:schemeClr val="tx1"/>
+                </a:solidFill>
+                <a:latin typeface="Arial" pitchFamily="34" charset="0"/>
+              </a:defRPr>
+            </a:lvl9pPr>
+          </a:lstStyle>
+          <a:p>
+            <a:endParaRPr lang="en-US" smtClean="0">
+              <a:latin typeface="Times New Roman" pitchFamily="18" charset="0"/>
+            </a:endParaRPr>
+          </a:p>
+          <a:p>
             <a:fld id="{8D8D6D40-E254-4C2C-855F-701558C132AE}" type="datetime3">
               <a:rPr lang="en-US" smtClean="0">
                 <a:latin typeface="Times New Roman" pitchFamily="18" charset="0"/>
               </a:rPr>
               <a:pPr/>
-              <a:t>16 July 2018</a:t>
+              <a:t>23 July 2018</a:t>
             </a:fld>
             <a:endParaRPr lang="en-US" smtClean="0">
               <a:latin typeface="Times New Roman" pitchFamily="18" charset="0"/>
@@ -21127,7 +22392,7 @@
           <a:p>
             <a:r>
               <a:rPr lang="en-US" dirty="0" smtClean="0"/>
-              <a:t>Embedded Systems</a:t>
+              <a:t>ECE 382</a:t>
             </a:r>
             <a:endParaRPr lang="en-US" dirty="0"/>
           </a:p>
@@ -21149,36 +22414,70 @@
           <a:lstStyle/>
           <a:p>
             <a:r>
+              <a:rPr lang="en-US" dirty="0"/>
+              <a:t>In this class, we'll be:</a:t>
+            </a:r>
+          </a:p>
+          <a:p>
+            <a:pPr lvl="1"/>
+            <a:r>
+              <a:rPr lang="en-US" sz="2400" dirty="0"/>
+              <a:t>Writing programs in Assembly Language, then C</a:t>
+            </a:r>
+          </a:p>
+          <a:p>
+            <a:pPr lvl="1"/>
+            <a:r>
+              <a:rPr lang="en-US" sz="2400" dirty="0"/>
+              <a:t>Learning about and using the functional units of a microcontroller</a:t>
+            </a:r>
+          </a:p>
+          <a:p>
+            <a:pPr lvl="1"/>
+            <a:r>
+              <a:rPr lang="en-US" sz="2400" dirty="0"/>
+              <a:t>Using the microcontroller to interface with peripheral </a:t>
+            </a:r>
+            <a:r>
+              <a:rPr lang="en-US" sz="2400" dirty="0" smtClean="0"/>
+              <a:t>devices</a:t>
+            </a:r>
+          </a:p>
+          <a:p>
+            <a:r>
               <a:rPr lang="en-US" dirty="0" smtClean="0"/>
-              <a:t>Embedded Systems  </a:t>
+              <a:t>In short – this is a </a:t>
+            </a:r>
+            <a:r>
+              <a:rPr lang="en-US" dirty="0" smtClean="0">
+                <a:solidFill>
+                  <a:srgbClr val="FF0000"/>
+                </a:solidFill>
+              </a:rPr>
+              <a:t>hardware</a:t>
+            </a:r>
+            <a:r>
+              <a:rPr lang="en-US" dirty="0" smtClean="0"/>
+              <a:t> class, NOT a software class</a:t>
             </a:r>
           </a:p>
           <a:p>
             <a:pPr lvl="1"/>
             <a:r>
               <a:rPr lang="en-US" dirty="0" smtClean="0"/>
-              <a:t>they're </a:t>
-            </a:r>
-            <a:r>
-              <a:rPr lang="en-US" dirty="0"/>
-              <a:t>built to </a:t>
-            </a:r>
-            <a:r>
-              <a:rPr lang="en-US" b="1" dirty="0"/>
-              <a:t>interact</a:t>
-            </a:r>
-            <a:r>
-              <a:rPr lang="en-US" dirty="0"/>
-              <a:t> with the real-world and perform very specific functions, often with difficult constraints (timing, power, </a:t>
-            </a:r>
-            <a:r>
-              <a:rPr lang="en-US" dirty="0" err="1"/>
-              <a:t>etc</a:t>
+              <a:t>Although we will learn assembly and </a:t>
             </a:r>
             <a:r>
               <a:rPr lang="en-US" dirty="0" smtClean="0"/>
-              <a:t>)</a:t>
-            </a:r>
+              <a:t>some C</a:t>
+            </a:r>
+            <a:r>
+              <a:rPr lang="en-US" dirty="0" smtClean="0"/>
+              <a:t>, those are just the means to use the HW</a:t>
+            </a:r>
+            <a:endParaRPr lang="en-US" dirty="0"/>
+          </a:p>
+          <a:p>
             <a:endParaRPr lang="en-US" dirty="0"/>
           </a:p>
         </p:txBody>
@@ -21381,10 +22680,104 @@
           </a:p>
         </p:txBody>
       </p:sp>
+      <p:sp>
+        <p:nvSpPr>
+          <p:cNvPr id="5" name="Rectangle 4"/>
+          <p:cNvSpPr/>
+          <p:nvPr/>
+        </p:nvSpPr>
+        <p:spPr bwMode="auto">
+          <a:xfrm>
+            <a:off x="571500" y="5643563"/>
+            <a:ext cx="8001000" cy="609600"/>
+          </a:xfrm>
+          <a:prstGeom prst="rect">
+            <a:avLst/>
+          </a:prstGeom>
+          <a:solidFill>
+            <a:srgbClr val="0C2D83"/>
+          </a:solidFill>
+          <a:ln w="12700" cap="flat" cmpd="sng" algn="ctr">
+            <a:solidFill>
+              <a:schemeClr val="accent6">
+                <a:lumMod val="60000"/>
+                <a:lumOff val="40000"/>
+              </a:schemeClr>
+            </a:solidFill>
+            <a:prstDash val="solid"/>
+            <a:round/>
+            <a:headEnd type="none" w="med" len="med"/>
+            <a:tailEnd type="none" w="med" len="med"/>
+          </a:ln>
+          <a:effectLst/>
+        </p:spPr>
+        <p:txBody>
+          <a:bodyPr vert="horz" wrap="square" lIns="91440" tIns="45720" rIns="91440" bIns="45720" numCol="1" rtlCol="0" anchor="ctr" anchorCtr="0" compatLnSpc="1">
+            <a:prstTxWarp prst="textNoShape">
+              <a:avLst/>
+            </a:prstTxWarp>
+          </a:bodyPr>
+          <a:lstStyle/>
+          <a:p>
+            <a:pPr marL="0" marR="0" indent="0" algn="ctr" defTabSz="914400" rtl="0" eaLnBrk="0" fontAlgn="base" latinLnBrk="0" hangingPunct="0">
+              <a:lnSpc>
+                <a:spcPct val="100000"/>
+              </a:lnSpc>
+              <a:spcBef>
+                <a:spcPct val="0"/>
+              </a:spcBef>
+              <a:spcAft>
+                <a:spcPct val="0"/>
+              </a:spcAft>
+              <a:buClrTx/>
+              <a:buSzTx/>
+              <a:buFontTx/>
+              <a:buNone/>
+              <a:tabLst/>
+            </a:pPr>
+            <a:r>
+              <a:rPr kumimoji="0" lang="en-US" sz="1800" b="1" i="0" u="none" strike="noStrike" cap="none" normalizeH="0" baseline="0" dirty="0" smtClean="0">
+                <a:ln>
+                  <a:noFill/>
+                </a:ln>
+                <a:solidFill>
+                  <a:schemeClr val="bg1"/>
+                </a:solidFill>
+                <a:effectLst/>
+                <a:latin typeface="Arial" charset="0"/>
+              </a:rPr>
+              <a:t>This class is</a:t>
+            </a:r>
+            <a:r>
+              <a:rPr kumimoji="0" lang="en-US" sz="1800" b="1" i="0" u="none" strike="noStrike" cap="none" normalizeH="0" dirty="0" smtClean="0">
+                <a:ln>
+                  <a:noFill/>
+                </a:ln>
+                <a:solidFill>
+                  <a:schemeClr val="bg1"/>
+                </a:solidFill>
+                <a:effectLst/>
+                <a:latin typeface="Arial" charset="0"/>
+              </a:rPr>
+              <a:t> very different from previous offerings</a:t>
+            </a:r>
+            <a:endParaRPr kumimoji="0" lang="en-US" sz="1800" b="1" i="0" u="none" strike="noStrike" cap="none" normalizeH="0" baseline="0" dirty="0" smtClean="0">
+              <a:ln>
+                <a:noFill/>
+              </a:ln>
+              <a:solidFill>
+                <a:schemeClr val="bg1"/>
+              </a:solidFill>
+              <a:effectLst/>
+              <a:latin typeface="Arial" charset="0"/>
+            </a:endParaRPr>
+          </a:p>
+        </p:txBody>
+      </p:sp>
     </p:spTree>
     <p:extLst>
       <p:ext uri="{BB962C8B-B14F-4D97-AF65-F5344CB8AC3E}">
-        <p14:creationId xmlns:p14="http://schemas.microsoft.com/office/powerpoint/2010/main" val="3690889210"/>
+        <p14:creationId xmlns:p14="http://schemas.microsoft.com/office/powerpoint/2010/main" val="957123926"/>
       </p:ext>
     </p:extLst>
   </p:cSld>
@@ -21435,7 +22828,7 @@
           <a:p>
             <a:r>
               <a:rPr lang="en-US" dirty="0" smtClean="0"/>
-              <a:t>ECE 382</a:t>
+              <a:t>Grades???</a:t>
             </a:r>
             <a:endParaRPr lang="en-US" dirty="0"/>
           </a:p>
@@ -21456,286 +22849,20 @@
           <a:bodyPr/>
           <a:lstStyle/>
           <a:p>
-            <a:r>
-              <a:rPr lang="en-US" dirty="0"/>
-              <a:t>In this class, we'll be:</a:t>
-            </a:r>
-          </a:p>
-          <a:p>
-            <a:pPr lvl="1"/>
-            <a:r>
-              <a:rPr lang="en-US" sz="2400" dirty="0"/>
-              <a:t>Writing programs in Assembly Language, then C</a:t>
-            </a:r>
-          </a:p>
-          <a:p>
-            <a:pPr lvl="1"/>
-            <a:r>
-              <a:rPr lang="en-US" sz="2400" dirty="0"/>
-              <a:t>Learning about and using the functional units of a microcontroller</a:t>
-            </a:r>
-          </a:p>
-          <a:p>
-            <a:pPr lvl="1"/>
-            <a:r>
-              <a:rPr lang="en-US" sz="2400" dirty="0"/>
-              <a:t>Using the microcontroller to interface with peripheral </a:t>
-            </a:r>
-            <a:r>
-              <a:rPr lang="en-US" sz="2400" dirty="0" smtClean="0"/>
-              <a:t>devices</a:t>
-            </a:r>
-          </a:p>
-          <a:p>
-            <a:r>
-              <a:rPr lang="en-US" dirty="0" smtClean="0"/>
-              <a:t>In short – this is a </a:t>
-            </a:r>
-            <a:r>
-              <a:rPr lang="en-US" dirty="0" smtClean="0">
-                <a:solidFill>
-                  <a:srgbClr val="FF0000"/>
-                </a:solidFill>
-              </a:rPr>
-              <a:t>hardware</a:t>
-            </a:r>
-            <a:r>
-              <a:rPr lang="en-US" dirty="0" smtClean="0"/>
-              <a:t> class, NOT a software </a:t>
-            </a:r>
-            <a:r>
-              <a:rPr lang="en-US" dirty="0" smtClean="0"/>
-              <a:t>class</a:t>
-            </a:r>
-          </a:p>
-          <a:p>
-            <a:pPr lvl="1"/>
-            <a:r>
-              <a:rPr lang="en-US" dirty="0" smtClean="0"/>
-              <a:t>Although we will learn assembly and C, those are just the means to use the HW</a:t>
-            </a:r>
-            <a:endParaRPr lang="en-US" dirty="0"/>
-          </a:p>
-          <a:p>
-            <a:endParaRPr lang="en-US" dirty="0"/>
-          </a:p>
-        </p:txBody>
-      </p:sp>
-      <p:sp>
-        <p:nvSpPr>
-          <p:cNvPr id="4" name="Slide Number Placeholder 3"/>
-          <p:cNvSpPr txBox="1">
-            <a:spLocks/>
-          </p:cNvSpPr>
-          <p:nvPr/>
-        </p:nvSpPr>
-        <p:spPr bwMode="auto">
-          <a:xfrm>
-            <a:off x="6910388" y="6253163"/>
-            <a:ext cx="2133600" cy="476250"/>
-          </a:xfrm>
-          <a:prstGeom prst="rect">
-            <a:avLst/>
-          </a:prstGeom>
-          <a:noFill/>
-          <a:ln w="9525">
-            <a:noFill/>
-            <a:miter lim="800000"/>
-            <a:headEnd/>
-            <a:tailEnd/>
-          </a:ln>
-          <a:effectLst/>
-        </p:spPr>
-        <p:txBody>
-          <a:bodyPr vert="horz" wrap="square" lIns="91440" tIns="45720" rIns="91440" bIns="45720" numCol="1" anchor="t" anchorCtr="0" compatLnSpc="1">
-            <a:prstTxWarp prst="textNoShape">
-              <a:avLst/>
-            </a:prstTxWarp>
-          </a:bodyPr>
-          <a:lstStyle>
-            <a:defPPr>
-              <a:defRPr lang="en-US"/>
-            </a:defPPr>
-            <a:lvl1pPr algn="ctr" rtl="0" fontAlgn="base">
-              <a:spcBef>
-                <a:spcPct val="0"/>
-              </a:spcBef>
-              <a:spcAft>
-                <a:spcPct val="0"/>
-              </a:spcAft>
-              <a:defRPr sz="1400" kern="1200">
-                <a:solidFill>
-                  <a:schemeClr val="tx1"/>
-                </a:solidFill>
-                <a:latin typeface="Times New Roman" pitchFamily="18" charset="0"/>
-                <a:ea typeface="+mn-ea"/>
-                <a:cs typeface="+mn-cs"/>
-                <a:sym typeface="Wingdings" pitchFamily="2" charset="2"/>
-              </a:defRPr>
-            </a:lvl1pPr>
-            <a:lvl2pPr marL="457200" algn="l" rtl="0" fontAlgn="base">
-              <a:spcBef>
-                <a:spcPct val="50000"/>
-              </a:spcBef>
-              <a:spcAft>
-                <a:spcPct val="0"/>
-              </a:spcAft>
-              <a:defRPr sz="2400" kern="1200">
-                <a:solidFill>
-                  <a:schemeClr val="tx1"/>
-                </a:solidFill>
-                <a:latin typeface="Times New Roman" pitchFamily="18" charset="0"/>
-                <a:ea typeface="+mn-ea"/>
-                <a:cs typeface="+mn-cs"/>
-                <a:sym typeface="Wingdings" pitchFamily="2" charset="2"/>
-              </a:defRPr>
-            </a:lvl2pPr>
-            <a:lvl3pPr marL="914400" algn="l" rtl="0" fontAlgn="base">
-              <a:spcBef>
-                <a:spcPct val="50000"/>
-              </a:spcBef>
-              <a:spcAft>
-                <a:spcPct val="0"/>
-              </a:spcAft>
-              <a:defRPr sz="2400" kern="1200">
-                <a:solidFill>
-                  <a:schemeClr val="tx1"/>
-                </a:solidFill>
-                <a:latin typeface="Times New Roman" pitchFamily="18" charset="0"/>
-                <a:ea typeface="+mn-ea"/>
-                <a:cs typeface="+mn-cs"/>
-                <a:sym typeface="Wingdings" pitchFamily="2" charset="2"/>
-              </a:defRPr>
-            </a:lvl3pPr>
-            <a:lvl4pPr marL="1371600" algn="l" rtl="0" fontAlgn="base">
-              <a:spcBef>
-                <a:spcPct val="50000"/>
-              </a:spcBef>
-              <a:spcAft>
-                <a:spcPct val="0"/>
-              </a:spcAft>
-              <a:defRPr sz="2400" kern="1200">
-                <a:solidFill>
-                  <a:schemeClr val="tx1"/>
-                </a:solidFill>
-                <a:latin typeface="Times New Roman" pitchFamily="18" charset="0"/>
-                <a:ea typeface="+mn-ea"/>
-                <a:cs typeface="+mn-cs"/>
-                <a:sym typeface="Wingdings" pitchFamily="2" charset="2"/>
-              </a:defRPr>
-            </a:lvl4pPr>
-            <a:lvl5pPr marL="1828800" algn="l" rtl="0" fontAlgn="base">
-              <a:spcBef>
-                <a:spcPct val="50000"/>
-              </a:spcBef>
-              <a:spcAft>
-                <a:spcPct val="0"/>
-              </a:spcAft>
-              <a:defRPr sz="2400" kern="1200">
-                <a:solidFill>
-                  <a:schemeClr val="tx1"/>
-                </a:solidFill>
-                <a:latin typeface="Times New Roman" pitchFamily="18" charset="0"/>
-                <a:ea typeface="+mn-ea"/>
-                <a:cs typeface="+mn-cs"/>
-                <a:sym typeface="Wingdings" pitchFamily="2" charset="2"/>
-              </a:defRPr>
-            </a:lvl5pPr>
-            <a:lvl6pPr marL="2286000" algn="l" defTabSz="914400" rtl="0" eaLnBrk="1" latinLnBrk="0" hangingPunct="1">
-              <a:defRPr sz="2400" kern="1200">
-                <a:solidFill>
-                  <a:schemeClr val="tx1"/>
-                </a:solidFill>
-                <a:latin typeface="Times New Roman" pitchFamily="18" charset="0"/>
-                <a:ea typeface="+mn-ea"/>
-                <a:cs typeface="+mn-cs"/>
-                <a:sym typeface="Wingdings" pitchFamily="2" charset="2"/>
-              </a:defRPr>
-            </a:lvl6pPr>
-            <a:lvl7pPr marL="2743200" algn="l" defTabSz="914400" rtl="0" eaLnBrk="1" latinLnBrk="0" hangingPunct="1">
-              <a:defRPr sz="2400" kern="1200">
-                <a:solidFill>
-                  <a:schemeClr val="tx1"/>
-                </a:solidFill>
-                <a:latin typeface="Times New Roman" pitchFamily="18" charset="0"/>
-                <a:ea typeface="+mn-ea"/>
-                <a:cs typeface="+mn-cs"/>
-                <a:sym typeface="Wingdings" pitchFamily="2" charset="2"/>
-              </a:defRPr>
-            </a:lvl7pPr>
-            <a:lvl8pPr marL="3200400" algn="l" defTabSz="914400" rtl="0" eaLnBrk="1" latinLnBrk="0" hangingPunct="1">
-              <a:defRPr sz="2400" kern="1200">
-                <a:solidFill>
-                  <a:schemeClr val="tx1"/>
-                </a:solidFill>
-                <a:latin typeface="Times New Roman" pitchFamily="18" charset="0"/>
-                <a:ea typeface="+mn-ea"/>
-                <a:cs typeface="+mn-cs"/>
-                <a:sym typeface="Wingdings" pitchFamily="2" charset="2"/>
-              </a:defRPr>
-            </a:lvl8pPr>
-            <a:lvl9pPr marL="3657600" algn="l" defTabSz="914400" rtl="0" eaLnBrk="1" latinLnBrk="0" hangingPunct="1">
-              <a:defRPr sz="2400" kern="1200">
-                <a:solidFill>
-                  <a:schemeClr val="tx1"/>
-                </a:solidFill>
-                <a:latin typeface="Times New Roman" pitchFamily="18" charset="0"/>
-                <a:ea typeface="+mn-ea"/>
-                <a:cs typeface="+mn-cs"/>
-                <a:sym typeface="Wingdings" pitchFamily="2" charset="2"/>
-              </a:defRPr>
-            </a:lvl9pPr>
-          </a:lstStyle>
-          <a:p>
-            <a:pPr algn="r">
-              <a:defRPr/>
-            </a:pPr>
-            <a:endParaRPr lang="en-US" smtClean="0">
-              <a:solidFill>
-                <a:srgbClr val="000000"/>
-              </a:solidFill>
-            </a:endParaRPr>
-          </a:p>
-          <a:p>
-            <a:pPr algn="r">
-              <a:defRPr/>
-            </a:pPr>
-            <a:fld id="{62D6D4B2-7611-498F-8780-1EDC26277454}" type="slidenum">
-              <a:rPr lang="en-US" smtClean="0">
-                <a:solidFill>
-                  <a:srgbClr val="000000"/>
-                </a:solidFill>
-              </a:rPr>
-              <a:pPr algn="r">
-                <a:defRPr/>
-              </a:pPr>
-              <a:t>7</a:t>
-            </a:fld>
-            <a:endParaRPr lang="en-US" dirty="0">
-              <a:solidFill>
-                <a:srgbClr val="000000"/>
-              </a:solidFill>
-            </a:endParaRPr>
+            <a:endParaRPr lang="en-US"/>
           </a:p>
         </p:txBody>
       </p:sp>
     </p:spTree>
     <p:extLst>
       <p:ext uri="{BB962C8B-B14F-4D97-AF65-F5344CB8AC3E}">
-        <p14:creationId xmlns:p14="http://schemas.microsoft.com/office/powerpoint/2010/main" val="957123926"/>
+        <p14:creationId xmlns:p14="http://schemas.microsoft.com/office/powerpoint/2010/main" val="891876143"/>
       </p:ext>
     </p:extLst>
   </p:cSld>
   <p:clrMapOvr>
     <a:masterClrMapping/>
   </p:clrMapOvr>
-  <p:timing>
-    <p:tnLst>
-      <p:par>
-        <p:cTn id="1" dur="indefinite" restart="never" nodeType="tmRoot"/>
-      </p:par>
-    </p:tnLst>
-  </p:timing>
 </p:sld>
 </file>
 
@@ -21758,7 +22885,7 @@
       </p:grpSpPr>
       <p:sp>
         <p:nvSpPr>
-          <p:cNvPr id="2" name="Title 1"/>
+          <p:cNvPr id="110594" name="Title 1"/>
           <p:cNvSpPr>
             <a:spLocks noGrp="1"/>
           </p:cNvSpPr>
@@ -21773,15 +22900,193 @@
           <a:p>
             <a:r>
               <a:rPr lang="en-US" dirty="0" smtClean="0"/>
-              <a:t>Course Text and Website</a:t>
+              <a:t>Course Policies</a:t>
+            </a:r>
+            <a:endParaRPr lang="en-US" dirty="0" smtClean="0"/>
+          </a:p>
+        </p:txBody>
+      </p:sp>
+      <p:sp>
+        <p:nvSpPr>
+          <p:cNvPr id="110595" name="Content Placeholder 2"/>
+          <p:cNvSpPr>
+            <a:spLocks noGrp="1"/>
+          </p:cNvSpPr>
+          <p:nvPr>
+            <p:ph idx="1"/>
+          </p:nvPr>
+        </p:nvSpPr>
+        <p:spPr>
+          <a:xfrm>
+            <a:off x="506942" y="1566862"/>
+            <a:ext cx="8186208" cy="4700587"/>
+          </a:xfrm>
+        </p:spPr>
+        <p:txBody>
+          <a:bodyPr>
+            <a:normAutofit fontScale="92500" lnSpcReduction="10000"/>
+          </a:bodyPr>
+          <a:lstStyle/>
+          <a:p>
+            <a:r>
+              <a:rPr lang="en-US" dirty="0"/>
+              <a:t>L</a:t>
+            </a:r>
+            <a:r>
+              <a:rPr lang="en-US" dirty="0" smtClean="0"/>
+              <a:t>esson pages (linked from syllabus on-line)</a:t>
+            </a:r>
+          </a:p>
+          <a:p>
+            <a:pPr lvl="1"/>
+            <a:r>
+              <a:rPr lang="en-US" dirty="0" smtClean="0"/>
+              <a:t>Readings</a:t>
+            </a:r>
+            <a:endParaRPr lang="en-US" dirty="0" smtClean="0"/>
+          </a:p>
+          <a:p>
+            <a:pPr lvl="1"/>
+            <a:r>
+              <a:rPr lang="en-US" sz="2200" dirty="0" smtClean="0"/>
+              <a:t>Lesson </a:t>
+            </a:r>
+            <a:r>
+              <a:rPr lang="en-US" dirty="0" err="1" smtClean="0"/>
+              <a:t>ppts</a:t>
+            </a:r>
+            <a:endParaRPr lang="en-US" dirty="0" smtClean="0"/>
+          </a:p>
+          <a:p>
+            <a:pPr lvl="1"/>
+            <a:r>
+              <a:rPr lang="en-US" sz="2200" dirty="0" smtClean="0"/>
+              <a:t>Datasheet </a:t>
+            </a:r>
+            <a:r>
+              <a:rPr lang="en-US" sz="2200" dirty="0" smtClean="0"/>
+              <a:t>pages</a:t>
             </a:r>
             <a:endParaRPr lang="en-US" dirty="0"/>
           </a:p>
-        </p:txBody>
-      </p:sp>
-      <p:sp>
-        <p:nvSpPr>
-          <p:cNvPr id="4" name="Slide Number Placeholder 3"/>
+          <a:p>
+            <a:r>
+              <a:rPr lang="en-US" sz="2400" dirty="0" smtClean="0"/>
+              <a:t>Homework</a:t>
+            </a:r>
+          </a:p>
+          <a:p>
+            <a:pPr lvl="1"/>
+            <a:r>
+              <a:rPr lang="en-US" dirty="0" smtClean="0">
+                <a:solidFill>
+                  <a:srgbClr val="FF0000"/>
+                </a:solidFill>
+              </a:rPr>
+              <a:t>Every lesson </a:t>
+            </a:r>
+            <a:r>
+              <a:rPr lang="en-US" dirty="0" smtClean="0"/>
+              <a:t>has homework (10-20 mins)</a:t>
+            </a:r>
+          </a:p>
+          <a:p>
+            <a:pPr lvl="1"/>
+            <a:r>
+              <a:rPr lang="en-US" dirty="0" smtClean="0"/>
+              <a:t>Questions come from </a:t>
+            </a:r>
+            <a:r>
+              <a:rPr lang="en-US" dirty="0" err="1" smtClean="0">
+                <a:solidFill>
+                  <a:srgbClr val="FF0000"/>
+                </a:solidFill>
+              </a:rPr>
+              <a:t>ppts</a:t>
+            </a:r>
+            <a:r>
+              <a:rPr lang="en-US" dirty="0" smtClean="0">
+                <a:solidFill>
+                  <a:srgbClr val="FF0000"/>
+                </a:solidFill>
+              </a:rPr>
+              <a:t> and readings</a:t>
+            </a:r>
+          </a:p>
+          <a:p>
+            <a:pPr lvl="1"/>
+            <a:r>
+              <a:rPr lang="en-US" sz="2200" dirty="0" smtClean="0">
+                <a:solidFill>
+                  <a:srgbClr val="FF0000"/>
+                </a:solidFill>
+              </a:rPr>
+              <a:t>Due </a:t>
+            </a:r>
+            <a:r>
+              <a:rPr lang="en-US" sz="2200" dirty="0" smtClean="0">
+                <a:solidFill>
+                  <a:srgbClr val="FF0000"/>
+                </a:solidFill>
+              </a:rPr>
+              <a:t>BOC next lesson </a:t>
+            </a:r>
+            <a:r>
+              <a:rPr lang="en-US" sz="2200" dirty="0" smtClean="0"/>
+              <a:t>unless otherwise </a:t>
+            </a:r>
+            <a:r>
+              <a:rPr lang="en-US" sz="2200" dirty="0" smtClean="0"/>
+              <a:t>stated</a:t>
+            </a:r>
+          </a:p>
+          <a:p>
+            <a:pPr lvl="1"/>
+            <a:r>
+              <a:rPr lang="en-US" dirty="0" smtClean="0"/>
+              <a:t>I will </a:t>
+            </a:r>
+            <a:r>
+              <a:rPr lang="en-US" dirty="0" smtClean="0">
+                <a:solidFill>
+                  <a:srgbClr val="FF0000"/>
+                </a:solidFill>
+              </a:rPr>
+              <a:t>not grade every homework</a:t>
+            </a:r>
+          </a:p>
+          <a:p>
+            <a:r>
+              <a:rPr lang="en-US" sz="2400" dirty="0" smtClean="0"/>
+              <a:t>Quizzes</a:t>
+            </a:r>
+          </a:p>
+          <a:p>
+            <a:pPr lvl="1"/>
+            <a:r>
+              <a:rPr lang="en-US" sz="2200" dirty="0" smtClean="0"/>
+              <a:t>Based off of homework and in-class exercises</a:t>
+            </a:r>
+          </a:p>
+          <a:p>
+            <a:r>
+              <a:rPr lang="en-US" sz="2400" dirty="0" smtClean="0"/>
+              <a:t>GRs</a:t>
+            </a:r>
+          </a:p>
+          <a:p>
+            <a:pPr lvl="1"/>
+            <a:r>
+              <a:rPr lang="en-US" sz="2200" dirty="0" smtClean="0"/>
+              <a:t>Based off quizzes and Labs</a:t>
+            </a:r>
+            <a:endParaRPr lang="en-US" sz="2200" dirty="0" smtClean="0"/>
+          </a:p>
+        </p:txBody>
+      </p:sp>
+      <p:sp>
+        <p:nvSpPr>
+          <p:cNvPr id="110596" name="Slide Number Placeholder 3"/>
           <p:cNvSpPr>
             <a:spLocks noGrp="1"/>
           </p:cNvSpPr>
@@ -21789,309 +23094,152 @@
             <p:ph type="sldNum" sz="quarter" idx="10"/>
           </p:nvPr>
         </p:nvSpPr>
-        <p:spPr/>
+        <p:spPr>
+          <a:noFill/>
+          <a:ln/>
+          <a:extLst>
+            <a:ext uri="{909E8E84-426E-40DD-AFC4-6F175D3DCCD1}">
+              <a14:hiddenFill xmlns:a14="http://schemas.microsoft.com/office/drawing/2010/main">
+                <a:solidFill>
+                  <a:srgbClr val="FFFFFF"/>
+                </a:solidFill>
+              </a14:hiddenFill>
+            </a:ext>
+            <a:ext uri="{91240B29-F687-4F45-9708-019B960494DF}">
+              <a14:hiddenLine xmlns:a14="http://schemas.microsoft.com/office/drawing/2010/main" w="9525">
+                <a:solidFill>
+                  <a:srgbClr val="000000"/>
+                </a:solidFill>
+                <a:miter lim="800000"/>
+                <a:headEnd/>
+                <a:tailEnd/>
+              </a14:hiddenLine>
+            </a:ext>
+          </a:extLst>
+        </p:spPr>
         <p:txBody>
           <a:bodyPr/>
-          <a:lstStyle/>
-          <a:p>
-            <a:pPr>
-              <a:defRPr/>
-            </a:pPr>
-            <a:endParaRPr lang="en-US" smtClean="0">
-              <a:solidFill>
-                <a:srgbClr val="000000"/>
-              </a:solidFill>
-            </a:endParaRPr>
-          </a:p>
-          <a:p>
-            <a:pPr>
-              <a:defRPr/>
-            </a:pPr>
-            <a:fld id="{7706F834-159A-4AE9-914A-1B0F0E8AD230}" type="slidenum">
-              <a:rPr lang="en-US" smtClean="0">
-                <a:solidFill>
-                  <a:srgbClr val="000000"/>
-                </a:solidFill>
-              </a:rPr>
-              <a:pPr>
-                <a:defRPr/>
-              </a:pPr>
-              <a:t>8</a:t>
-            </a:fld>
-            <a:endParaRPr lang="en-US">
-              <a:solidFill>
-                <a:srgbClr val="000000"/>
-              </a:solidFill>
-            </a:endParaRPr>
-          </a:p>
-        </p:txBody>
-      </p:sp>
-      <p:sp>
-        <p:nvSpPr>
-          <p:cNvPr id="5" name="Date Placeholder 4"/>
-          <p:cNvSpPr>
-            <a:spLocks noGrp="1"/>
-          </p:cNvSpPr>
-          <p:nvPr>
-            <p:ph type="dt" sz="half" idx="11"/>
-          </p:nvPr>
-        </p:nvSpPr>
-        <p:spPr/>
-        <p:txBody>
-          <a:bodyPr/>
-          <a:lstStyle/>
-          <a:p>
-            <a:pPr>
-              <a:defRPr/>
-            </a:pPr>
-            <a:endParaRPr lang="en-US" dirty="0" smtClean="0">
-              <a:solidFill>
-                <a:srgbClr val="000000"/>
-              </a:solidFill>
-            </a:endParaRPr>
-          </a:p>
-          <a:p>
-            <a:pPr>
-              <a:defRPr/>
-            </a:pPr>
-            <a:fld id="{50E6973E-609D-4352-9813-DC0294ABD1EE}" type="datetime3">
-              <a:rPr lang="en-US" smtClean="0">
-                <a:solidFill>
-                  <a:srgbClr val="000000"/>
-                </a:solidFill>
-              </a:rPr>
-              <a:pPr>
-                <a:defRPr/>
-              </a:pPr>
-              <a:t>16 July 2018</a:t>
-            </a:fld>
-            <a:endParaRPr lang="en-US" dirty="0">
-              <a:solidFill>
-                <a:srgbClr val="000000"/>
-              </a:solidFill>
-            </a:endParaRPr>
-          </a:p>
-        </p:txBody>
-      </p:sp>
-      <p:sp>
-        <p:nvSpPr>
-          <p:cNvPr id="6" name="Rectangle 5"/>
-          <p:cNvSpPr/>
-          <p:nvPr/>
-        </p:nvSpPr>
-        <p:spPr>
-          <a:xfrm>
-            <a:off x="430038" y="1584874"/>
-            <a:ext cx="8332961" cy="2739211"/>
-          </a:xfrm>
-          <a:prstGeom prst="rect">
-            <a:avLst/>
-          </a:prstGeom>
-        </p:spPr>
-        <p:txBody>
-          <a:bodyPr wrap="square">
-            <a:spAutoFit/>
-          </a:bodyPr>
-          <a:lstStyle/>
-          <a:p>
-            <a:pPr marL="285750" indent="-285750">
-              <a:buFont typeface="Arial" panose="020B0604020202020204" pitchFamily="34" charset="0"/>
-              <a:buChar char="•"/>
-            </a:pPr>
-            <a:r>
-              <a:rPr lang="en-US" sz="2400" b="1" dirty="0" smtClean="0">
-                <a:cs typeface="Times New Roman" pitchFamily="18" charset="0"/>
-              </a:rPr>
-              <a:t>Required Books (pdfs available </a:t>
-            </a:r>
-            <a:r>
-              <a:rPr lang="en-US" sz="2400" b="1" dirty="0" smtClean="0">
-                <a:cs typeface="Times New Roman" pitchFamily="18" charset="0"/>
-              </a:rPr>
-              <a:t>on class Webpage):</a:t>
-            </a:r>
-            <a:endParaRPr lang="en-US" sz="2400" b="1" dirty="0">
-              <a:cs typeface="Times New Roman" pitchFamily="18" charset="0"/>
-            </a:endParaRPr>
-          </a:p>
-          <a:p>
-            <a:pPr lvl="1"/>
-            <a:r>
-              <a:rPr lang="en-US" sz="2600" dirty="0">
-                <a:cs typeface="Times New Roman" pitchFamily="18" charset="0"/>
-              </a:rPr>
-              <a:t>MSP430x2xx Family Users Guide</a:t>
-            </a:r>
-          </a:p>
-          <a:p>
-            <a:pPr lvl="1"/>
-            <a:r>
-              <a:rPr lang="en-US" sz="2600" dirty="0">
-                <a:cs typeface="Times New Roman" pitchFamily="18" charset="0"/>
-              </a:rPr>
-              <a:t>MSP430G2x53 MSP430G2x13 Mixed Signal MCU</a:t>
-            </a:r>
-          </a:p>
-          <a:p>
-            <a:pPr marL="285750" indent="-285750">
-              <a:buFont typeface="Arial" panose="020B0604020202020204" pitchFamily="34" charset="0"/>
-              <a:buChar char="•"/>
-            </a:pPr>
-            <a:endParaRPr lang="en-US" sz="2400" b="1" dirty="0"/>
-          </a:p>
-          <a:p>
-            <a:pPr marL="285750" indent="-285750">
-              <a:buFont typeface="Arial" panose="020B0604020202020204" pitchFamily="34" charset="0"/>
-              <a:buChar char="•"/>
-            </a:pPr>
-            <a:r>
-              <a:rPr lang="en-US" sz="2400" b="1" dirty="0" smtClean="0"/>
-              <a:t>Course </a:t>
-            </a:r>
-            <a:r>
-              <a:rPr lang="en-US" sz="2400" b="1" dirty="0"/>
-              <a:t>URL</a:t>
-            </a:r>
-            <a:r>
-              <a:rPr lang="en-US" sz="2400" dirty="0"/>
-              <a:t> </a:t>
-            </a:r>
-            <a:r>
-              <a:rPr lang="en-US" sz="2400" dirty="0" smtClean="0"/>
-              <a:t>-</a:t>
-            </a:r>
-            <a:r>
-              <a:rPr lang="en-US" sz="2400" dirty="0"/>
-              <a:t> </a:t>
-            </a:r>
-            <a:r>
-              <a:rPr lang="en-US" sz="2400" dirty="0">
-                <a:solidFill>
-                  <a:schemeClr val="accent6"/>
-                </a:solidFill>
-                <a:hlinkClick r:id="rId2"/>
-              </a:rPr>
-              <a:t>https://marsuniversity.github.io/ece382</a:t>
-            </a:r>
-            <a:r>
-              <a:rPr lang="en-US" sz="2400" dirty="0" smtClean="0">
-                <a:solidFill>
-                  <a:schemeClr val="accent6"/>
-                </a:solidFill>
-                <a:hlinkClick r:id="rId2"/>
-              </a:rPr>
-              <a:t>/</a:t>
-            </a:r>
-            <a:endParaRPr lang="en-US" sz="2400" dirty="0" smtClean="0">
-              <a:solidFill>
-                <a:schemeClr val="accent6"/>
-              </a:solidFill>
-            </a:endParaRPr>
-          </a:p>
-          <a:p>
-            <a:pPr marL="742950" lvl="1" indent="-285750">
-              <a:buFont typeface="Arial" panose="020B0604020202020204" pitchFamily="34" charset="0"/>
-              <a:buChar char="•"/>
-            </a:pPr>
-            <a:r>
-              <a:rPr lang="en-US" sz="2400" dirty="0" smtClean="0"/>
-              <a:t>Can you guess which TV show my </a:t>
-            </a:r>
-            <a:r>
-              <a:rPr lang="en-US" sz="2400" dirty="0" err="1" smtClean="0"/>
-              <a:t>git</a:t>
-            </a:r>
-            <a:r>
-              <a:rPr lang="en-US" sz="2400" dirty="0" err="1" smtClean="0"/>
-              <a:t>hub</a:t>
-            </a:r>
-            <a:r>
-              <a:rPr lang="en-US" sz="2400" dirty="0" smtClean="0"/>
-              <a:t> Organizations </a:t>
-            </a:r>
-            <a:r>
-              <a:rPr lang="en-US" sz="2400" dirty="0" smtClean="0"/>
-              <a:t>are based off of?</a:t>
-            </a:r>
-            <a:endParaRPr lang="en-US" sz="2400" dirty="0"/>
-          </a:p>
-        </p:txBody>
-      </p:sp>
-      <p:sp>
-        <p:nvSpPr>
-          <p:cNvPr id="8" name="Rectangle 7"/>
-          <p:cNvSpPr/>
-          <p:nvPr/>
-        </p:nvSpPr>
-        <p:spPr bwMode="auto">
-          <a:xfrm>
-            <a:off x="360189" y="5427133"/>
-            <a:ext cx="8332961" cy="543983"/>
-          </a:xfrm>
-          <a:prstGeom prst="rect">
-            <a:avLst/>
-          </a:prstGeom>
-          <a:solidFill>
-            <a:srgbClr val="0C2D83"/>
-          </a:solidFill>
-          <a:ln w="12700" cap="flat" cmpd="sng" algn="ctr">
-            <a:solidFill>
-              <a:schemeClr val="accent6">
-                <a:lumMod val="40000"/>
-                <a:lumOff val="60000"/>
-              </a:schemeClr>
-            </a:solidFill>
-            <a:prstDash val="solid"/>
-            <a:round/>
-            <a:headEnd type="none" w="med" len="med"/>
-            <a:tailEnd type="none" w="med" len="med"/>
-          </a:ln>
-          <a:effectLst/>
-        </p:spPr>
-        <p:txBody>
-          <a:bodyPr vert="horz" wrap="square" lIns="91440" tIns="45720" rIns="91440" bIns="45720" numCol="1" rtlCol="0" anchor="ctr" anchorCtr="0" compatLnSpc="1">
-            <a:prstTxWarp prst="textNoShape">
-              <a:avLst/>
-            </a:prstTxWarp>
-          </a:bodyPr>
-          <a:lstStyle/>
-          <a:p>
-            <a:pPr marL="0" marR="0" indent="0" algn="ctr" defTabSz="914400" rtl="0" eaLnBrk="0" fontAlgn="base" latinLnBrk="0" hangingPunct="0">
-              <a:lnSpc>
-                <a:spcPct val="100000"/>
-              </a:lnSpc>
+          <a:lstStyle>
+            <a:lvl1pPr>
+              <a:defRPr sz="1400">
+                <a:solidFill>
+                  <a:schemeClr val="tx1"/>
+                </a:solidFill>
+                <a:latin typeface="Arial" pitchFamily="34" charset="0"/>
+              </a:defRPr>
+            </a:lvl1pPr>
+            <a:lvl2pPr marL="742950" indent="-285750">
+              <a:defRPr sz="1400">
+                <a:solidFill>
+                  <a:schemeClr val="tx1"/>
+                </a:solidFill>
+                <a:latin typeface="Arial" pitchFamily="34" charset="0"/>
+              </a:defRPr>
+            </a:lvl2pPr>
+            <a:lvl3pPr marL="1143000" indent="-228600">
+              <a:defRPr sz="1400">
+                <a:solidFill>
+                  <a:schemeClr val="tx1"/>
+                </a:solidFill>
+                <a:latin typeface="Arial" pitchFamily="34" charset="0"/>
+              </a:defRPr>
+            </a:lvl3pPr>
+            <a:lvl4pPr marL="1600200" indent="-228600">
+              <a:defRPr sz="1400">
+                <a:solidFill>
+                  <a:schemeClr val="tx1"/>
+                </a:solidFill>
+                <a:latin typeface="Arial" pitchFamily="34" charset="0"/>
+              </a:defRPr>
+            </a:lvl4pPr>
+            <a:lvl5pPr marL="2057400" indent="-228600">
+              <a:defRPr sz="1400">
+                <a:solidFill>
+                  <a:schemeClr val="tx1"/>
+                </a:solidFill>
+                <a:latin typeface="Arial" pitchFamily="34" charset="0"/>
+              </a:defRPr>
+            </a:lvl5pPr>
+            <a:lvl6pPr marL="2514600" indent="-228600" algn="ctr" eaLnBrk="0" fontAlgn="base" hangingPunct="0">
               <a:spcBef>
                 <a:spcPct val="0"/>
               </a:spcBef>
               <a:spcAft>
                 <a:spcPct val="0"/>
               </a:spcAft>
-              <a:buClrTx/>
-              <a:buSzTx/>
-              <a:buFontTx/>
-              <a:buNone/>
-              <a:tabLst/>
-            </a:pPr>
-            <a:r>
-              <a:rPr kumimoji="0" lang="en-US" sz="1400" b="1" i="0" u="none" strike="noStrike" cap="none" normalizeH="0" baseline="0" dirty="0" smtClean="0">
-                <a:ln>
-                  <a:noFill/>
-                </a:ln>
-                <a:solidFill>
-                  <a:schemeClr val="bg1"/>
-                </a:solidFill>
-                <a:effectLst/>
+              <a:defRPr sz="1400">
+                <a:solidFill>
+                  <a:schemeClr val="tx1"/>
+                </a:solidFill>
                 <a:latin typeface="Arial" pitchFamily="34" charset="0"/>
+              </a:defRPr>
+            </a:lvl6pPr>
+            <a:lvl7pPr marL="2971800" indent="-228600" algn="ctr" eaLnBrk="0" fontAlgn="base" hangingPunct="0">
+              <a:spcBef>
+                <a:spcPct val="0"/>
+              </a:spcBef>
+              <a:spcAft>
+                <a:spcPct val="0"/>
+              </a:spcAft>
+              <a:defRPr sz="1400">
+                <a:solidFill>
+                  <a:schemeClr val="tx1"/>
+                </a:solidFill>
+                <a:latin typeface="Arial" pitchFamily="34" charset="0"/>
+              </a:defRPr>
+            </a:lvl7pPr>
+            <a:lvl8pPr marL="3429000" indent="-228600" algn="ctr" eaLnBrk="0" fontAlgn="base" hangingPunct="0">
+              <a:spcBef>
+                <a:spcPct val="0"/>
+              </a:spcBef>
+              <a:spcAft>
+                <a:spcPct val="0"/>
+              </a:spcAft>
+              <a:defRPr sz="1400">
+                <a:solidFill>
+                  <a:schemeClr val="tx1"/>
+                </a:solidFill>
+                <a:latin typeface="Arial" pitchFamily="34" charset="0"/>
+              </a:defRPr>
+            </a:lvl8pPr>
+            <a:lvl9pPr marL="3886200" indent="-228600" algn="ctr" eaLnBrk="0" fontAlgn="base" hangingPunct="0">
+              <a:spcBef>
+                <a:spcPct val="0"/>
+              </a:spcBef>
+              <a:spcAft>
+                <a:spcPct val="0"/>
+              </a:spcAft>
+              <a:defRPr sz="1400">
+                <a:solidFill>
+                  <a:schemeClr val="tx1"/>
+                </a:solidFill>
+                <a:latin typeface="Arial" pitchFamily="34" charset="0"/>
+              </a:defRPr>
+            </a:lvl9pPr>
+          </a:lstStyle>
+          <a:p>
+            <a:endParaRPr lang="en-US" smtClean="0">
+              <a:latin typeface="Times New Roman" pitchFamily="18" charset="0"/>
+            </a:endParaRPr>
+          </a:p>
+          <a:p>
+            <a:fld id="{FDDB82DF-CC60-4516-8B1E-05A59BD9AEB1}" type="slidenum">
+              <a:rPr lang="en-US" smtClean="0">
+                <a:latin typeface="Times New Roman" pitchFamily="18" charset="0"/>
               </a:rPr>
-              <a:t>It is your responsibility to read/follow the syllabus and know when things are due</a:t>
-            </a:r>
+              <a:pPr/>
+              <a:t>8</a:t>
+            </a:fld>
+            <a:endParaRPr lang="en-US" smtClean="0">
+              <a:latin typeface="Times New Roman" pitchFamily="18" charset="0"/>
+            </a:endParaRPr>
           </a:p>
         </p:txBody>
       </p:sp>
     </p:spTree>
     <p:extLst>
       <p:ext uri="{BB962C8B-B14F-4D97-AF65-F5344CB8AC3E}">
-        <p14:creationId xmlns:p14="http://schemas.microsoft.com/office/powerpoint/2010/main" val="2211890648"/>
+        <p14:creationId xmlns:p14="http://schemas.microsoft.com/office/powerpoint/2010/main" val="2416234544"/>
       </p:ext>
     </p:extLst>
   </p:cSld>
@@ -22127,336 +23275,170 @@
       </p:grpSpPr>
       <p:sp>
         <p:nvSpPr>
-          <p:cNvPr id="3" name="Rectangle 2"/>
-          <p:cNvSpPr/>
-          <p:nvPr/>
-        </p:nvSpPr>
-        <p:spPr bwMode="auto">
-          <a:xfrm>
-            <a:off x="0" y="0"/>
-            <a:ext cx="9144000" cy="6858000"/>
-          </a:xfrm>
-          <a:prstGeom prst="rect">
-            <a:avLst/>
-          </a:prstGeom>
-          <a:ln>
-            <a:headEnd type="none" w="med" len="med"/>
-            <a:tailEnd type="none" w="med" len="med"/>
-          </a:ln>
-        </p:spPr>
-        <p:style>
-          <a:lnRef idx="2">
-            <a:schemeClr val="accent3"/>
-          </a:lnRef>
-          <a:fillRef idx="1">
-            <a:schemeClr val="lt1"/>
-          </a:fillRef>
-          <a:effectRef idx="0">
-            <a:schemeClr val="accent3"/>
-          </a:effectRef>
-          <a:fontRef idx="minor">
-            <a:schemeClr val="dk1"/>
-          </a:fontRef>
-        </p:style>
-        <p:txBody>
-          <a:bodyPr vert="horz" wrap="square" lIns="91440" tIns="45720" rIns="91440" bIns="45720" numCol="1" rtlCol="0" anchor="t" anchorCtr="0" compatLnSpc="1">
-            <a:prstTxWarp prst="textNoShape">
-              <a:avLst/>
-            </a:prstTxWarp>
-          </a:bodyPr>
+          <p:cNvPr id="2" name="Title 1"/>
+          <p:cNvSpPr>
+            <a:spLocks noGrp="1"/>
+          </p:cNvSpPr>
+          <p:nvPr>
+            <p:ph type="title"/>
+          </p:nvPr>
+        </p:nvSpPr>
+        <p:spPr/>
+        <p:txBody>
+          <a:bodyPr/>
           <a:lstStyle/>
           <a:p>
-            <a:pPr algn="ctr" eaLnBrk="0" hangingPunct="0"/>
-            <a:endParaRPr lang="en-US" sz="400" b="1" dirty="0" smtClean="0">
-              <a:solidFill>
-                <a:srgbClr val="000000"/>
-              </a:solidFill>
-              <a:latin typeface="Arial" pitchFamily="34" charset="0"/>
-              <a:sym typeface="Wingdings" pitchFamily="2" charset="2"/>
-            </a:endParaRPr>
-          </a:p>
-          <a:p>
-            <a:pPr algn="ctr" eaLnBrk="0" hangingPunct="0"/>
-            <a:r>
-              <a:rPr lang="en-US" sz="2400" b="1" dirty="0" smtClean="0">
-                <a:solidFill>
-                  <a:srgbClr val="000000"/>
-                </a:solidFill>
-                <a:latin typeface="Arial" pitchFamily="34" charset="0"/>
-                <a:sym typeface="Wingdings" pitchFamily="2" charset="2"/>
-              </a:rPr>
-              <a:t>West (Terrazzo) Side</a:t>
-            </a:r>
-          </a:p>
-        </p:txBody>
-      </p:sp>
-      <p:pic>
-        <p:nvPicPr>
-          <p:cNvPr id="1026" name="Picture 2"/>
-          <p:cNvPicPr>
-            <a:picLocks noGrp="1" noChangeAspect="1" noChangeArrowheads="1"/>
-          </p:cNvPicPr>
+            <a:r>
+              <a:rPr lang="en-US" dirty="0" smtClean="0"/>
+              <a:t>What Has Changed?</a:t>
+            </a:r>
+            <a:endParaRPr lang="en-US" dirty="0"/>
+          </a:p>
+        </p:txBody>
+      </p:sp>
+      <p:sp>
+        <p:nvSpPr>
+          <p:cNvPr id="3" name="Content Placeholder 2"/>
+          <p:cNvSpPr>
+            <a:spLocks noGrp="1"/>
+          </p:cNvSpPr>
           <p:nvPr>
             <p:ph idx="1"/>
           </p:nvPr>
-        </p:nvPicPr>
-        <p:blipFill>
-          <a:blip r:embed="rId3" cstate="print">
-            <a:clrChange>
-              <a:clrFrom>
-                <a:srgbClr val="FFFFFF"/>
-              </a:clrFrom>
-              <a:clrTo>
-                <a:srgbClr val="FFFFFF">
-                  <a:alpha val="0"/>
-                </a:srgbClr>
-              </a:clrTo>
-            </a:clrChange>
-          </a:blip>
-          <a:srcRect/>
-          <a:stretch>
-            <a:fillRect/>
-          </a:stretch>
-        </p:blipFill>
-        <p:spPr bwMode="auto">
-          <a:xfrm>
-            <a:off x="1072440" y="441928"/>
-            <a:ext cx="6999120" cy="5974145"/>
-          </a:xfrm>
-          <a:prstGeom prst="rect">
-            <a:avLst/>
-          </a:prstGeom>
-          <a:noFill/>
-          <a:ln w="9525">
-            <a:noFill/>
-            <a:miter lim="800000"/>
-            <a:headEnd/>
-            <a:tailEnd/>
-          </a:ln>
-        </p:spPr>
-      </p:pic>
-      <p:sp>
-        <p:nvSpPr>
-          <p:cNvPr id="2" name="Rectangle 1"/>
-          <p:cNvSpPr/>
-          <p:nvPr/>
         </p:nvSpPr>
         <p:spPr>
           <a:xfrm>
-            <a:off x="3695700" y="914399"/>
-            <a:ext cx="381000" cy="5453063"/>
+            <a:off x="561975" y="1566863"/>
+            <a:ext cx="8131175" cy="4774670"/>
           </a:xfrm>
-          <a:prstGeom prst="rect">
-            <a:avLst/>
-          </a:prstGeom>
-          <a:solidFill>
-            <a:schemeClr val="accent6">
-              <a:alpha val="70000"/>
-            </a:schemeClr>
-          </a:solidFill>
-          <a:ln>
-            <a:noFill/>
-          </a:ln>
         </p:spPr>
-        <p:style>
-          <a:lnRef idx="2">
-            <a:schemeClr val="accent1">
-              <a:shade val="50000"/>
-            </a:schemeClr>
-          </a:lnRef>
-          <a:fillRef idx="1">
-            <a:schemeClr val="accent1"/>
-          </a:fillRef>
-          <a:effectRef idx="0">
-            <a:schemeClr val="accent1"/>
-          </a:effectRef>
-          <a:fontRef idx="minor">
-            <a:schemeClr val="lt1"/>
-          </a:fontRef>
-        </p:style>
-        <p:txBody>
-          <a:bodyPr rtlCol="0" anchor="ctr"/>
-          <a:lstStyle/>
-          <a:p>
-            <a:pPr algn="ctr">
-              <a:spcBef>
-                <a:spcPct val="50000"/>
-              </a:spcBef>
-            </a:pPr>
-            <a:endParaRPr lang="en-US" sz="2400">
-              <a:solidFill>
-                <a:srgbClr val="FFFFFF"/>
-              </a:solidFill>
-              <a:sym typeface="Wingdings" pitchFamily="2" charset="2"/>
-            </a:endParaRPr>
-          </a:p>
-        </p:txBody>
-      </p:sp>
-      <p:sp>
-        <p:nvSpPr>
-          <p:cNvPr id="5" name="Rectangle 4"/>
-          <p:cNvSpPr/>
-          <p:nvPr/>
-        </p:nvSpPr>
-        <p:spPr>
-          <a:xfrm>
-            <a:off x="6477001" y="904867"/>
-            <a:ext cx="371474" cy="5453063"/>
-          </a:xfrm>
-          <a:prstGeom prst="rect">
-            <a:avLst/>
-          </a:prstGeom>
-          <a:solidFill>
-            <a:srgbClr val="FFFF00">
-              <a:alpha val="70000"/>
-            </a:srgbClr>
-          </a:solidFill>
-          <a:ln>
-            <a:noFill/>
-          </a:ln>
-        </p:spPr>
-        <p:style>
-          <a:lnRef idx="2">
-            <a:schemeClr val="accent1">
-              <a:shade val="50000"/>
-            </a:schemeClr>
-          </a:lnRef>
-          <a:fillRef idx="1">
-            <a:schemeClr val="accent1"/>
-          </a:fillRef>
-          <a:effectRef idx="0">
-            <a:schemeClr val="accent1"/>
-          </a:effectRef>
-          <a:fontRef idx="minor">
-            <a:schemeClr val="lt1"/>
-          </a:fontRef>
-        </p:style>
-        <p:txBody>
-          <a:bodyPr rtlCol="0" anchor="ctr"/>
-          <a:lstStyle/>
-          <a:p>
-            <a:pPr algn="ctr">
-              <a:spcBef>
-                <a:spcPct val="50000"/>
-              </a:spcBef>
-            </a:pPr>
-            <a:endParaRPr lang="en-US" sz="2400">
-              <a:solidFill>
-                <a:srgbClr val="FFFFFF"/>
-              </a:solidFill>
-              <a:sym typeface="Wingdings" pitchFamily="2" charset="2"/>
-            </a:endParaRPr>
-          </a:p>
-        </p:txBody>
-      </p:sp>
-      <p:sp>
-        <p:nvSpPr>
-          <p:cNvPr id="4" name="Multiply 3"/>
-          <p:cNvSpPr/>
-          <p:nvPr/>
-        </p:nvSpPr>
-        <p:spPr bwMode="auto">
-          <a:xfrm>
-            <a:off x="2001346" y="3159910"/>
-            <a:ext cx="466725" cy="471488"/>
-          </a:xfrm>
-          <a:prstGeom prst="mathMultiply">
-            <a:avLst/>
-          </a:prstGeom>
-          <a:solidFill>
-            <a:srgbClr val="C00000"/>
-          </a:solidFill>
-          <a:ln w="12700" cap="flat" cmpd="sng" algn="ctr">
-            <a:solidFill>
-              <a:schemeClr val="tx1"/>
-            </a:solidFill>
-            <a:prstDash val="solid"/>
-            <a:round/>
-            <a:headEnd type="none" w="med" len="med"/>
-            <a:tailEnd type="none" w="med" len="med"/>
-          </a:ln>
-          <a:effectLst/>
-        </p:spPr>
-        <p:txBody>
-          <a:bodyPr vert="horz" wrap="square" lIns="91440" tIns="45720" rIns="91440" bIns="45720" numCol="1" rtlCol="0" anchor="t" anchorCtr="0" compatLnSpc="1">
-            <a:prstTxWarp prst="textNoShape">
-              <a:avLst/>
-            </a:prstTxWarp>
+        <p:txBody>
+          <a:bodyPr>
+            <a:normAutofit fontScale="92500" lnSpcReduction="20000"/>
           </a:bodyPr>
           <a:lstStyle/>
           <a:p>
-            <a:pPr algn="ctr" eaLnBrk="0" hangingPunct="0"/>
-            <a:endParaRPr lang="en-US" smtClean="0">
-              <a:solidFill>
-                <a:srgbClr val="000000"/>
-              </a:solidFill>
-              <a:latin typeface="Arial" pitchFamily="34" charset="0"/>
-              <a:sym typeface="Wingdings" pitchFamily="2" charset="2"/>
-            </a:endParaRPr>
-          </a:p>
-        </p:txBody>
-      </p:sp>
-      <p:sp>
-        <p:nvSpPr>
-          <p:cNvPr id="8" name="Rectangle 7"/>
-          <p:cNvSpPr/>
-          <p:nvPr/>
-        </p:nvSpPr>
-        <p:spPr>
-          <a:xfrm>
-            <a:off x="1097643" y="478970"/>
-            <a:ext cx="6957786" cy="425897"/>
-          </a:xfrm>
-          <a:prstGeom prst="rect">
-            <a:avLst/>
-          </a:prstGeom>
-          <a:solidFill>
-            <a:schemeClr val="bg2">
-              <a:lumMod val="75000"/>
-              <a:alpha val="70000"/>
-            </a:schemeClr>
-          </a:solidFill>
-          <a:ln>
-            <a:noFill/>
-          </a:ln>
-        </p:spPr>
-        <p:style>
-          <a:lnRef idx="2">
-            <a:schemeClr val="accent1">
-              <a:shade val="50000"/>
-            </a:schemeClr>
-          </a:lnRef>
-          <a:fillRef idx="1">
-            <a:schemeClr val="accent1"/>
-          </a:fillRef>
-          <a:effectRef idx="0">
-            <a:schemeClr val="accent1"/>
-          </a:effectRef>
-          <a:fontRef idx="minor">
-            <a:schemeClr val="lt1"/>
-          </a:fontRef>
-        </p:style>
-        <p:txBody>
-          <a:bodyPr rtlCol="0" anchor="ctr"/>
-          <a:lstStyle/>
-          <a:p>
-            <a:pPr algn="ctr">
-              <a:spcBef>
-                <a:spcPct val="50000"/>
-              </a:spcBef>
-            </a:pPr>
-            <a:endParaRPr lang="en-US" sz="2400">
-              <a:solidFill>
-                <a:srgbClr val="FFFFFF"/>
-              </a:solidFill>
-              <a:sym typeface="Wingdings" pitchFamily="2" charset="2"/>
-            </a:endParaRPr>
-          </a:p>
-        </p:txBody>
-      </p:sp>
-      <p:sp>
-        <p:nvSpPr>
-          <p:cNvPr id="9" name="Slide Number Placeholder 3"/>
+            <a:r>
+              <a:rPr lang="en-US" dirty="0" smtClean="0"/>
+              <a:t>Hardware</a:t>
+            </a:r>
+          </a:p>
+          <a:p>
+            <a:pPr lvl="1"/>
+            <a:r>
+              <a:rPr lang="en-US" dirty="0" smtClean="0"/>
+              <a:t>We will actually cover more of the </a:t>
+            </a:r>
+            <a:r>
+              <a:rPr lang="en-US" dirty="0" err="1" smtClean="0"/>
+              <a:t>uC</a:t>
+            </a:r>
+            <a:endParaRPr lang="en-US" dirty="0" smtClean="0"/>
+          </a:p>
+          <a:p>
+            <a:r>
+              <a:rPr lang="en-US" dirty="0" smtClean="0"/>
+              <a:t>Labs </a:t>
+            </a:r>
+          </a:p>
+          <a:p>
+            <a:pPr lvl="1"/>
+            <a:r>
+              <a:rPr lang="en-US" dirty="0" smtClean="0"/>
+              <a:t>7 to 4</a:t>
+            </a:r>
+          </a:p>
+          <a:p>
+            <a:pPr lvl="1"/>
+            <a:r>
+              <a:rPr lang="en-US" dirty="0" smtClean="0"/>
+              <a:t>They are shorter/simpler</a:t>
+            </a:r>
+          </a:p>
+          <a:p>
+            <a:pPr lvl="1"/>
+            <a:r>
+              <a:rPr lang="en-US" dirty="0" smtClean="0"/>
+              <a:t>No lab write-ups, all demo</a:t>
+            </a:r>
+          </a:p>
+          <a:p>
+            <a:pPr lvl="1"/>
+            <a:r>
+              <a:rPr lang="en-US" dirty="0" smtClean="0"/>
+              <a:t>You still have to push code to </a:t>
+            </a:r>
+            <a:r>
+              <a:rPr lang="en-US" dirty="0" err="1" smtClean="0"/>
+              <a:t>bitbucket</a:t>
+            </a:r>
+            <a:endParaRPr lang="en-US" dirty="0" smtClean="0"/>
+          </a:p>
+          <a:p>
+            <a:pPr lvl="1"/>
+            <a:r>
+              <a:rPr lang="en-US" dirty="0" smtClean="0"/>
+              <a:t>They exercise what we learn in class</a:t>
+            </a:r>
+          </a:p>
+          <a:p>
+            <a:r>
+              <a:rPr lang="en-US" dirty="0" smtClean="0"/>
+              <a:t>Homework</a:t>
+            </a:r>
+          </a:p>
+          <a:p>
+            <a:pPr lvl="1"/>
+            <a:r>
+              <a:rPr lang="en-US" dirty="0" smtClean="0"/>
+              <a:t>Added them, we really never had but 3 homework before</a:t>
+            </a:r>
+          </a:p>
+          <a:p>
+            <a:pPr lvl="1"/>
+            <a:r>
+              <a:rPr lang="en-US" dirty="0" smtClean="0"/>
+              <a:t>Every lesson a homework is due</a:t>
+            </a:r>
+          </a:p>
+          <a:p>
+            <a:r>
+              <a:rPr lang="en-US" dirty="0" smtClean="0"/>
+              <a:t>Quizzes (6)</a:t>
+            </a:r>
+          </a:p>
+          <a:p>
+            <a:pPr lvl="1"/>
+            <a:r>
+              <a:rPr lang="en-US" dirty="0" smtClean="0"/>
+              <a:t>More quizzes and actually listed on the syllabus</a:t>
+            </a:r>
+          </a:p>
+          <a:p>
+            <a:r>
+              <a:rPr lang="en-US" dirty="0" smtClean="0"/>
+              <a:t>GRs (2 + Final)</a:t>
+            </a:r>
+          </a:p>
+          <a:p>
+            <a:pPr lvl="1"/>
+            <a:r>
+              <a:rPr lang="en-US" dirty="0" smtClean="0"/>
+              <a:t>You cannot keep GRs anymore</a:t>
+            </a:r>
+          </a:p>
+          <a:p>
+            <a:pPr lvl="1"/>
+            <a:endParaRPr lang="en-US" dirty="0" smtClean="0"/>
+          </a:p>
+          <a:p>
+            <a:endParaRPr lang="en-US" dirty="0"/>
+          </a:p>
+        </p:txBody>
+      </p:sp>
+      <p:sp>
+        <p:nvSpPr>
+          <p:cNvPr id="4" name="Slide Number Placeholder 3"/>
           <p:cNvSpPr>
             <a:spLocks noGrp="1"/>
           </p:cNvSpPr>
@@ -22464,41 +23446,36 @@
             <p:ph type="sldNum" sz="quarter" idx="10"/>
           </p:nvPr>
         </p:nvSpPr>
-        <p:spPr>
-          <a:xfrm>
-            <a:off x="6910388" y="6253163"/>
-            <a:ext cx="2133600" cy="476250"/>
-          </a:xfrm>
-        </p:spPr>
+        <p:spPr/>
         <p:txBody>
           <a:bodyPr/>
           <a:lstStyle/>
           <a:p>
-            <a:pPr algn="r">
+            <a:pPr>
               <a:defRPr/>
             </a:pPr>
-            <a:endParaRPr lang="en-US" dirty="0" smtClean="0">
+            <a:endParaRPr lang="en-US" smtClean="0">
               <a:solidFill>
                 <a:srgbClr val="000000"/>
               </a:solidFill>
             </a:endParaRPr>
           </a:p>
           <a:p>
-            <a:pPr algn="r">
+            <a:pPr>
               <a:defRPr/>
             </a:pPr>
-            <a:fld id="{62D6D4B2-7611-498F-8780-1EDC26277454}" type="slidenum">
+            <a:fld id="{C4D65584-0C7D-48B8-BEDE-21A2E8802255}" type="slidenum">
               <a:rPr lang="en-US" smtClean="0">
                 <a:solidFill>
                   <a:srgbClr val="000000"/>
                 </a:solidFill>
               </a:rPr>
-              <a:pPr algn="r">
+              <a:pPr>
                 <a:defRPr/>
               </a:pPr>
               <a:t>9</a:t>
             </a:fld>
-            <a:endParaRPr lang="en-US" dirty="0">
+            <a:endParaRPr lang="en-US">
               <a:solidFill>
                 <a:srgbClr val="000000"/>
               </a:solidFill>
@@ -22508,438 +23485,61 @@
       </p:sp>
       <p:sp>
         <p:nvSpPr>
-          <p:cNvPr id="7" name="Rectangle 6"/>
-          <p:cNvSpPr/>
-          <p:nvPr/>
-        </p:nvSpPr>
-        <p:spPr>
-          <a:xfrm>
-            <a:off x="4182378" y="1450903"/>
-            <a:ext cx="715260" cy="461665"/>
-          </a:xfrm>
-          <a:prstGeom prst="rect">
-            <a:avLst/>
-          </a:prstGeom>
-          <a:noFill/>
-        </p:spPr>
-        <p:txBody>
-          <a:bodyPr wrap="none" lIns="91440" tIns="45720" rIns="91440" bIns="45720">
-            <a:spAutoFit/>
-          </a:bodyPr>
+          <p:cNvPr id="5" name="Date Placeholder 4"/>
+          <p:cNvSpPr>
+            <a:spLocks noGrp="1"/>
+          </p:cNvSpPr>
+          <p:nvPr>
+            <p:ph type="dt" sz="half" idx="11"/>
+          </p:nvPr>
+        </p:nvSpPr>
+        <p:spPr/>
+        <p:txBody>
+          <a:bodyPr/>
           <a:lstStyle/>
           <a:p>
-            <a:pPr algn="ctr">
-              <a:spcBef>
-                <a:spcPct val="50000"/>
-              </a:spcBef>
+            <a:pPr>
+              <a:defRPr/>
             </a:pPr>
-            <a:r>
-              <a:rPr lang="en-US" sz="2400" b="1" dirty="0" smtClean="0">
-                <a:ln w="18000">
-                  <a:solidFill>
-                    <a:srgbClr val="C00000"/>
-                  </a:solidFill>
-                  <a:prstDash val="solid"/>
-                  <a:miter lim="800000"/>
-                </a:ln>
-                <a:solidFill>
-                  <a:srgbClr val="FFFFFF"/>
-                </a:solidFill>
-                <a:effectLst>
-                  <a:outerShdw blurRad="25500" dist="23000" dir="7020000" algn="tl">
-                    <a:srgbClr val="000000">
-                      <a:alpha val="50000"/>
-                    </a:srgbClr>
-                  </a:outerShdw>
-                </a:effectLst>
-                <a:latin typeface="Times New Roman" pitchFamily="18" charset="0"/>
-                <a:sym typeface="Wingdings" pitchFamily="2" charset="2"/>
+            <a:endParaRPr lang="en-US" smtClean="0">
+              <a:solidFill>
+                <a:srgbClr val="000000"/>
+              </a:solidFill>
+            </a:endParaRPr>
+          </a:p>
+          <a:p>
+            <a:pPr>
+              <a:defRPr/>
+            </a:pPr>
+            <a:fld id="{CE428E89-579F-43C8-B441-BB390AD4A5E9}" type="datetime3">
+              <a:rPr lang="en-US" smtClean="0">
+                <a:solidFill>
+                  <a:srgbClr val="000000"/>
+                </a:solidFill>
               </a:rPr>
-              <a:t>Lab</a:t>
-            </a:r>
-            <a:endParaRPr lang="en-US" sz="2400" b="1" dirty="0">
-              <a:ln w="18000">
-                <a:solidFill>
-                  <a:srgbClr val="C00000"/>
-                </a:solidFill>
-                <a:prstDash val="solid"/>
-                <a:miter lim="800000"/>
-              </a:ln>
+              <a:pPr>
+                <a:defRPr/>
+              </a:pPr>
+              <a:t>23 July 2018</a:t>
+            </a:fld>
+            <a:endParaRPr lang="en-US">
               <a:solidFill>
-                <a:srgbClr val="FFFFFF"/>
+                <a:srgbClr val="000000"/>
               </a:solidFill>
-              <a:effectLst>
-                <a:outerShdw blurRad="25500" dist="23000" dir="7020000" algn="tl">
-                  <a:srgbClr val="000000">
-                    <a:alpha val="50000"/>
-                  </a:srgbClr>
-                </a:outerShdw>
-              </a:effectLst>
-              <a:latin typeface="Times New Roman" pitchFamily="18" charset="0"/>
-              <a:sym typeface="Wingdings" pitchFamily="2" charset="2"/>
             </a:endParaRPr>
-          </a:p>
-        </p:txBody>
-      </p:sp>
-      <p:sp>
-        <p:nvSpPr>
-          <p:cNvPr id="13" name="Rectangle 12"/>
-          <p:cNvSpPr/>
-          <p:nvPr/>
-        </p:nvSpPr>
-        <p:spPr>
-          <a:xfrm>
-            <a:off x="920341" y="3168533"/>
-            <a:ext cx="886782" cy="461665"/>
-          </a:xfrm>
-          <a:prstGeom prst="rect">
-            <a:avLst/>
-          </a:prstGeom>
-          <a:noFill/>
-        </p:spPr>
-        <p:txBody>
-          <a:bodyPr wrap="none" lIns="91440" tIns="45720" rIns="91440" bIns="45720">
-            <a:spAutoFit/>
-          </a:bodyPr>
-          <a:lstStyle/>
-          <a:p>
-            <a:pPr algn="ctr">
-              <a:spcBef>
-                <a:spcPct val="50000"/>
-              </a:spcBef>
-            </a:pPr>
-            <a:r>
-              <a:rPr lang="en-US" sz="2400" b="1" dirty="0" smtClean="0">
-                <a:ln w="18000">
-                  <a:solidFill>
-                    <a:srgbClr val="C00000"/>
-                  </a:solidFill>
-                  <a:prstDash val="solid"/>
-                  <a:miter lim="800000"/>
-                </a:ln>
-                <a:solidFill>
-                  <a:srgbClr val="FFFFFF"/>
-                </a:solidFill>
-                <a:effectLst>
-                  <a:outerShdw blurRad="25500" dist="23000" dir="7020000" algn="tl">
-                    <a:srgbClr val="000000">
-                      <a:alpha val="50000"/>
-                    </a:srgbClr>
-                  </a:outerShdw>
-                </a:effectLst>
-                <a:latin typeface="Times New Roman" pitchFamily="18" charset="0"/>
-                <a:sym typeface="Wingdings" pitchFamily="2" charset="2"/>
-              </a:rPr>
-              <a:t>Class</a:t>
-            </a:r>
-            <a:endParaRPr lang="en-US" sz="2400" b="1" dirty="0">
-              <a:ln w="18000">
-                <a:solidFill>
-                  <a:srgbClr val="C00000"/>
-                </a:solidFill>
-                <a:prstDash val="solid"/>
-                <a:miter lim="800000"/>
-              </a:ln>
-              <a:solidFill>
-                <a:srgbClr val="FFFFFF"/>
-              </a:solidFill>
-              <a:effectLst>
-                <a:outerShdw blurRad="25500" dist="23000" dir="7020000" algn="tl">
-                  <a:srgbClr val="000000">
-                    <a:alpha val="50000"/>
-                  </a:srgbClr>
-                </a:outerShdw>
-              </a:effectLst>
-              <a:latin typeface="Times New Roman" pitchFamily="18" charset="0"/>
-              <a:sym typeface="Wingdings" pitchFamily="2" charset="2"/>
-            </a:endParaRPr>
-          </a:p>
-        </p:txBody>
-      </p:sp>
-      <p:sp>
-        <p:nvSpPr>
-          <p:cNvPr id="15" name="Rectangular Callout 14"/>
-          <p:cNvSpPr/>
-          <p:nvPr/>
-        </p:nvSpPr>
-        <p:spPr bwMode="auto">
-          <a:xfrm>
-            <a:off x="4318000" y="2587783"/>
-            <a:ext cx="1497723" cy="270906"/>
-          </a:xfrm>
-          <a:prstGeom prst="wedgeRectCallout">
-            <a:avLst>
-              <a:gd name="adj1" fmla="val -39031"/>
-              <a:gd name="adj2" fmla="val -137266"/>
-            </a:avLst>
-          </a:prstGeom>
-          <a:solidFill>
-            <a:srgbClr val="FFFF00"/>
-          </a:solidFill>
-          <a:ln>
-            <a:headEnd type="none" w="med" len="med"/>
-            <a:tailEnd type="none" w="med" len="med"/>
-          </a:ln>
-        </p:spPr>
-        <p:style>
-          <a:lnRef idx="2">
-            <a:schemeClr val="dk1"/>
-          </a:lnRef>
-          <a:fillRef idx="1">
-            <a:schemeClr val="lt1"/>
-          </a:fillRef>
-          <a:effectRef idx="0">
-            <a:schemeClr val="dk1"/>
-          </a:effectRef>
-          <a:fontRef idx="minor">
-            <a:schemeClr val="dk1"/>
-          </a:fontRef>
-        </p:style>
-        <p:txBody>
-          <a:bodyPr vert="horz" wrap="square" lIns="91440" tIns="45720" rIns="91440" bIns="45720" numCol="1" rtlCol="0" anchor="t" anchorCtr="0" compatLnSpc="1">
-            <a:prstTxWarp prst="textNoShape">
-              <a:avLst/>
-            </a:prstTxWarp>
-          </a:bodyPr>
-          <a:lstStyle/>
-          <a:p>
-            <a:pPr algn="ctr" eaLnBrk="0" hangingPunct="0"/>
-            <a:r>
-              <a:rPr lang="en-US" b="1" dirty="0" smtClean="0">
-                <a:solidFill>
-                  <a:srgbClr val="000000"/>
-                </a:solidFill>
-                <a:latin typeface="Arial" pitchFamily="34" charset="0"/>
-                <a:sym typeface="Wingdings" pitchFamily="2" charset="2"/>
-              </a:rPr>
-              <a:t>Maj Walchko</a:t>
-            </a:r>
-          </a:p>
-        </p:txBody>
-      </p:sp>
-      <p:sp>
-        <p:nvSpPr>
-          <p:cNvPr id="14" name="Rectangular Callout 13"/>
-          <p:cNvSpPr/>
-          <p:nvPr/>
-        </p:nvSpPr>
-        <p:spPr bwMode="auto">
-          <a:xfrm>
-            <a:off x="2129517" y="2241029"/>
-            <a:ext cx="1490133" cy="270906"/>
-          </a:xfrm>
-          <a:prstGeom prst="wedgeRectCallout">
-            <a:avLst>
-              <a:gd name="adj1" fmla="val 33534"/>
-              <a:gd name="adj2" fmla="val 170562"/>
-            </a:avLst>
-          </a:prstGeom>
-          <a:solidFill>
-            <a:srgbClr val="FFFF00"/>
-          </a:solidFill>
-          <a:ln>
-            <a:headEnd type="none" w="med" len="med"/>
-            <a:tailEnd type="none" w="med" len="med"/>
-          </a:ln>
-        </p:spPr>
-        <p:style>
-          <a:lnRef idx="2">
-            <a:schemeClr val="dk1"/>
-          </a:lnRef>
-          <a:fillRef idx="1">
-            <a:schemeClr val="lt1"/>
-          </a:fillRef>
-          <a:effectRef idx="0">
-            <a:schemeClr val="dk1"/>
-          </a:effectRef>
-          <a:fontRef idx="minor">
-            <a:schemeClr val="dk1"/>
-          </a:fontRef>
-        </p:style>
-        <p:txBody>
-          <a:bodyPr vert="horz" wrap="square" lIns="91440" tIns="45720" rIns="91440" bIns="45720" numCol="1" rtlCol="0" anchor="t" anchorCtr="0" compatLnSpc="1">
-            <a:prstTxWarp prst="textNoShape">
-              <a:avLst/>
-            </a:prstTxWarp>
-          </a:bodyPr>
-          <a:lstStyle/>
-          <a:p>
-            <a:pPr algn="ctr" eaLnBrk="0" hangingPunct="0"/>
-            <a:r>
-              <a:rPr lang="en-US" b="1" dirty="0" smtClean="0">
-                <a:solidFill>
-                  <a:srgbClr val="000000"/>
-                </a:solidFill>
-                <a:latin typeface="Arial" pitchFamily="34" charset="0"/>
-                <a:sym typeface="Wingdings" pitchFamily="2" charset="2"/>
-              </a:rPr>
-              <a:t>Capt Johnson</a:t>
-            </a:r>
           </a:p>
         </p:txBody>
       </p:sp>
     </p:spTree>
     <p:extLst>
       <p:ext uri="{BB962C8B-B14F-4D97-AF65-F5344CB8AC3E}">
-        <p14:creationId xmlns:p14="http://schemas.microsoft.com/office/powerpoint/2010/main" val="2033768301"/>
+        <p14:creationId xmlns:p14="http://schemas.microsoft.com/office/powerpoint/2010/main" val="752905434"/>
       </p:ext>
     </p:extLst>
   </p:cSld>
   <p:clrMapOvr>
     <a:masterClrMapping/>
   </p:clrMapOvr>
-  <p:timing>
-    <p:tnLst>
-      <p:par>
-        <p:cTn id="1" dur="indefinite" restart="never" nodeType="tmRoot">
-          <p:childTnLst>
-            <p:seq concurrent="1" nextAc="seek">
-              <p:cTn id="2" dur="indefinite" nodeType="mainSeq">
-                <p:childTnLst>
-                  <p:par>
-                    <p:cTn id="3" fill="hold">
-                      <p:stCondLst>
-                        <p:cond delay="indefinite"/>
-                      </p:stCondLst>
-                      <p:childTnLst>
-                        <p:par>
-                          <p:cTn id="4" fill="hold">
-                            <p:stCondLst>
-                              <p:cond delay="0"/>
-                            </p:stCondLst>
-                            <p:childTnLst>
-                              <p:par>
-                                <p:cTn id="5" presetID="1" presetClass="entr" presetSubtype="0" fill="hold" grpId="0" nodeType="clickEffect">
-                                  <p:stCondLst>
-                                    <p:cond delay="0"/>
-                                  </p:stCondLst>
-                                  <p:childTnLst>
-                                    <p:set>
-                                      <p:cBhvr>
-                                        <p:cTn id="6" dur="1" fill="hold">
-                                          <p:stCondLst>
-                                            <p:cond delay="0"/>
-                                          </p:stCondLst>
-                                        </p:cTn>
-                                        <p:tgtEl>
-                                          <p:spTgt spid="13"/>
-                                        </p:tgtEl>
-                                        <p:attrNameLst>
-                                          <p:attrName>style.visibility</p:attrName>
-                                        </p:attrNameLst>
-                                      </p:cBhvr>
-                                      <p:to>
-                                        <p:strVal val="visible"/>
-                                      </p:to>
-                                    </p:set>
-                                  </p:childTnLst>
-                                </p:cTn>
-                              </p:par>
-                              <p:par>
-                                <p:cTn id="7" presetID="1" presetClass="entr" presetSubtype="0" fill="hold" grpId="0" nodeType="withEffect">
-                                  <p:stCondLst>
-                                    <p:cond delay="0"/>
-                                  </p:stCondLst>
-                                  <p:childTnLst>
-                                    <p:set>
-                                      <p:cBhvr>
-                                        <p:cTn id="8" dur="1" fill="hold">
-                                          <p:stCondLst>
-                                            <p:cond delay="0"/>
-                                          </p:stCondLst>
-                                        </p:cTn>
-                                        <p:tgtEl>
-                                          <p:spTgt spid="4"/>
-                                        </p:tgtEl>
-                                        <p:attrNameLst>
-                                          <p:attrName>style.visibility</p:attrName>
-                                        </p:attrNameLst>
-                                      </p:cBhvr>
-                                      <p:to>
-                                        <p:strVal val="visible"/>
-                                      </p:to>
-                                    </p:set>
-                                  </p:childTnLst>
-                                </p:cTn>
-                              </p:par>
-                            </p:childTnLst>
-                          </p:cTn>
-                        </p:par>
-                      </p:childTnLst>
-                    </p:cTn>
-                  </p:par>
-                  <p:par>
-                    <p:cTn id="9" fill="hold">
-                      <p:stCondLst>
-                        <p:cond delay="indefinite"/>
-                      </p:stCondLst>
-                      <p:childTnLst>
-                        <p:par>
-                          <p:cTn id="10" fill="hold">
-                            <p:stCondLst>
-                              <p:cond delay="0"/>
-                            </p:stCondLst>
-                            <p:childTnLst>
-                              <p:par>
-                                <p:cTn id="11" presetID="1" presetClass="entr" presetSubtype="0" fill="hold" grpId="0" nodeType="clickEffect">
-                                  <p:stCondLst>
-                                    <p:cond delay="0"/>
-                                  </p:stCondLst>
-                                  <p:childTnLst>
-                                    <p:set>
-                                      <p:cBhvr>
-                                        <p:cTn id="12" dur="1" fill="hold">
-                                          <p:stCondLst>
-                                            <p:cond delay="0"/>
-                                          </p:stCondLst>
-                                        </p:cTn>
-                                        <p:tgtEl>
-                                          <p:spTgt spid="7"/>
-                                        </p:tgtEl>
-                                        <p:attrNameLst>
-                                          <p:attrName>style.visibility</p:attrName>
-                                        </p:attrNameLst>
-                                      </p:cBhvr>
-                                      <p:to>
-                                        <p:strVal val="visible"/>
-                                      </p:to>
-                                    </p:set>
-                                  </p:childTnLst>
-                                </p:cTn>
-                              </p:par>
-                            </p:childTnLst>
-                          </p:cTn>
-                        </p:par>
-                      </p:childTnLst>
-                    </p:cTn>
-                  </p:par>
-                </p:childTnLst>
-              </p:cTn>
-              <p:prevCondLst>
-                <p:cond evt="onPrev" delay="0">
-                  <p:tgtEl>
-                    <p:sldTgt/>
-                  </p:tgtEl>
-                </p:cond>
-              </p:prevCondLst>
-              <p:nextCondLst>
-                <p:cond evt="onNext" delay="0">
-                  <p:tgtEl>
-                    <p:sldTgt/>
-                  </p:tgtEl>
-                </p:cond>
-              </p:nextCondLst>
-            </p:seq>
-          </p:childTnLst>
-        </p:cTn>
-      </p:par>
-    </p:tnLst>
-    <p:bldLst>
-      <p:bldP spid="4" grpId="0" animBg="1"/>
-      <p:bldP spid="7" grpId="0"/>
-      <p:bldP spid="13" grpId="0"/>
-    </p:bldLst>
-  </p:timing>
 </p:sld>
 </file>
 
@@ -26131,15 +26731,6 @@
 </file>
 
 <file path=customXml/item1.xml><?xml version="1.0" encoding="utf-8"?>
-<p:properties xmlns:p="http://schemas.microsoft.com/office/2006/metadata/properties" xmlns:xsi="http://www.w3.org/2001/XMLSchema-instance" xmlns:pc="http://schemas.microsoft.com/office/infopath/2007/PartnerControls">
-  <documentManagement>
-    <PublishingExpirationDate xmlns="http://schemas.microsoft.com/sharepoint/v3" xsi:nil="true"/>
-    <PublishingStartDate xmlns="http://schemas.microsoft.com/sharepoint/v3" xsi:nil="true"/>
-  </documentManagement>
-</p:properties>
-</file>
-
-<file path=customXml/item2.xml><?xml version="1.0" encoding="utf-8"?>
 <ct:contentTypeSchema xmlns:ct="http://schemas.microsoft.com/office/2006/metadata/contentType" xmlns:ma="http://schemas.microsoft.com/office/2006/metadata/properties/metaAttributes" ct:_="" ma:_="" ma:contentTypeName="Document" ma:contentTypeID="0x01010026B44337BE5C7D4193621DF98D151EB6" ma:contentTypeVersion="1" ma:contentTypeDescription="Create a new document." ma:contentTypeScope="" ma:versionID="97e7a7c9ce595270c3eaeb148770bcf7">
   <xsd:schema xmlns:xsd="http://www.w3.org/2001/XMLSchema" xmlns:xs="http://www.w3.org/2001/XMLSchema" xmlns:p="http://schemas.microsoft.com/office/2006/metadata/properties" xmlns:ns1="http://schemas.microsoft.com/sharepoint/v3" targetNamespace="http://schemas.microsoft.com/office/2006/metadata/properties" ma:root="true" ma:fieldsID="4dcce58c87e9fcebab8021569449a8d0" ns1:_="">
     <xsd:import namespace="http://schemas.microsoft.com/sharepoint/v3"/>
@@ -26271,6 +26862,15 @@
 </ct:contentTypeSchema>
 </file>
 
+<file path=customXml/item2.xml><?xml version="1.0" encoding="utf-8"?>
+<p:properties xmlns:p="http://schemas.microsoft.com/office/2006/metadata/properties" xmlns:xsi="http://www.w3.org/2001/XMLSchema-instance" xmlns:pc="http://schemas.microsoft.com/office/infopath/2007/PartnerControls">
+  <documentManagement>
+    <PublishingExpirationDate xmlns="http://schemas.microsoft.com/sharepoint/v3" xsi:nil="true"/>
+    <PublishingStartDate xmlns="http://schemas.microsoft.com/sharepoint/v3" xsi:nil="true"/>
+  </documentManagement>
+</p:properties>
+</file>
+
 <file path=customXml/item3.xml><?xml version="1.0" encoding="utf-8"?>
 <?mso-contentType ?>
 <FormTemplates xmlns="http://schemas.microsoft.com/sharepoint/v3/contenttype/forms">
@@ -26281,22 +26881,6 @@
 </file>
 
 <file path=customXml/itemProps1.xml><?xml version="1.0" encoding="utf-8"?>
-<ds:datastoreItem xmlns:ds="http://schemas.openxmlformats.org/officeDocument/2006/customXml" ds:itemID="{0A6BADE1-4A4A-48A5-911B-5F6548B33A51}">
-  <ds:schemaRefs>
-    <ds:schemaRef ds:uri="http://schemas.microsoft.com/office/2006/documentManagement/types"/>
-    <ds:schemaRef ds:uri="http://purl.org/dc/dcmitype/"/>
-    <ds:schemaRef ds:uri="http://schemas.microsoft.com/office/infopath/2007/PartnerControls"/>
-    <ds:schemaRef ds:uri="http://purl.org/dc/elements/1.1/"/>
-    <ds:schemaRef ds:uri="http://schemas.microsoft.com/office/2006/metadata/properties"/>
-    <ds:schemaRef ds:uri="http://schemas.microsoft.com/sharepoint/v3"/>
-    <ds:schemaRef ds:uri="http://purl.org/dc/terms/"/>
-    <ds:schemaRef ds:uri="http://schemas.openxmlformats.org/package/2006/metadata/core-properties"/>
-    <ds:schemaRef ds:uri="http://www.w3.org/XML/1998/namespace"/>
-  </ds:schemaRefs>
-</ds:datastoreItem>
-</file>
-
-<file path=customXml/itemProps2.xml><?xml version="1.0" encoding="utf-8"?>
 <ds:datastoreItem xmlns:ds="http://schemas.openxmlformats.org/officeDocument/2006/customXml" ds:itemID="{9BDBC61A-8F22-4749-B0E2-3185185CFF04}">
   <ds:schemaRefs>
     <ds:schemaRef ds:uri="http://schemas.microsoft.com/office/2006/metadata/contentType"/>
@@ -26314,6 +26898,22 @@
 </ds:datastoreItem>
 </file>
 
+<file path=customXml/itemProps2.xml><?xml version="1.0" encoding="utf-8"?>
+<ds:datastoreItem xmlns:ds="http://schemas.openxmlformats.org/officeDocument/2006/customXml" ds:itemID="{0A6BADE1-4A4A-48A5-911B-5F6548B33A51}">
+  <ds:schemaRefs>
+    <ds:schemaRef ds:uri="http://schemas.microsoft.com/office/2006/documentManagement/types"/>
+    <ds:schemaRef ds:uri="http://purl.org/dc/dcmitype/"/>
+    <ds:schemaRef ds:uri="http://schemas.microsoft.com/office/infopath/2007/PartnerControls"/>
+    <ds:schemaRef ds:uri="http://purl.org/dc/elements/1.1/"/>
+    <ds:schemaRef ds:uri="http://schemas.microsoft.com/office/2006/metadata/properties"/>
+    <ds:schemaRef ds:uri="http://schemas.microsoft.com/sharepoint/v3"/>
+    <ds:schemaRef ds:uri="http://purl.org/dc/terms/"/>
+    <ds:schemaRef ds:uri="http://schemas.openxmlformats.org/package/2006/metadata/core-properties"/>
+    <ds:schemaRef ds:uri="http://www.w3.org/XML/1998/namespace"/>
+  </ds:schemaRefs>
+</ds:datastoreItem>
+</file>
+
 <file path=customXml/itemProps3.xml><?xml version="1.0" encoding="utf-8"?>
 <ds:datastoreItem xmlns:ds="http://schemas.openxmlformats.org/officeDocument/2006/customXml" ds:itemID="{7898C6F1-02C7-4807-8DB1-44412B5FAC7D}">
   <ds:schemaRefs>

--- a/source/lessons/lsn1/Lsn1.pptx
+++ b/source/lessons/lsn1/Lsn1.pptx
@@ -8,10 +8,10 @@
     <p:sldMasterId id="2147483805" r:id="rId7"/>
   </p:sldMasterIdLst>
   <p:notesMasterIdLst>
-    <p:notesMasterId r:id="rId32"/>
+    <p:notesMasterId r:id="rId23"/>
   </p:notesMasterIdLst>
   <p:handoutMasterIdLst>
-    <p:handoutMasterId r:id="rId33"/>
+    <p:handoutMasterId r:id="rId24"/>
   </p:handoutMasterIdLst>
   <p:sldIdLst>
     <p:sldId id="286" r:id="rId8"/>
@@ -28,16 +28,7 @@
     <p:sldId id="330" r:id="rId19"/>
     <p:sldId id="319" r:id="rId20"/>
     <p:sldId id="280" r:id="rId21"/>
-    <p:sldId id="292" r:id="rId22"/>
-    <p:sldId id="321" r:id="rId23"/>
-    <p:sldId id="322" r:id="rId24"/>
-    <p:sldId id="315" r:id="rId25"/>
-    <p:sldId id="318" r:id="rId26"/>
-    <p:sldId id="309" r:id="rId27"/>
-    <p:sldId id="317" r:id="rId28"/>
-    <p:sldId id="310" r:id="rId29"/>
-    <p:sldId id="311" r:id="rId30"/>
-    <p:sldId id="312" r:id="rId31"/>
+    <p:sldId id="333" r:id="rId22"/>
   </p:sldIdLst>
   <p:sldSz cx="9144000" cy="6858000" type="screen4x3"/>
   <p:notesSz cx="7010400" cy="9296400"/>
@@ -1249,366 +1240,6 @@
 </p:notes>
 </file>
 
-<file path=ppt/notesSlides/notesSlide5.xml><?xml version="1.0" encoding="utf-8"?>
-<p:notes xmlns:a="http://schemas.openxmlformats.org/drawingml/2006/main" xmlns:r="http://schemas.openxmlformats.org/officeDocument/2006/relationships" xmlns:p="http://schemas.openxmlformats.org/presentationml/2006/main">
-  <p:cSld>
-    <p:spTree>
-      <p:nvGrpSpPr>
-        <p:cNvPr id="1" name=""/>
-        <p:cNvGrpSpPr/>
-        <p:nvPr/>
-      </p:nvGrpSpPr>
-      <p:grpSpPr>
-        <a:xfrm>
-          <a:off x="0" y="0"/>
-          <a:ext cx="0" cy="0"/>
-          <a:chOff x="0" y="0"/>
-          <a:chExt cx="0" cy="0"/>
-        </a:xfrm>
-      </p:grpSpPr>
-      <p:sp>
-        <p:nvSpPr>
-          <p:cNvPr id="34818" name="Rectangle 2"/>
-          <p:cNvSpPr>
-            <a:spLocks noGrp="1" noRot="1" noChangeAspect="1" noChangeArrowheads="1" noTextEdit="1"/>
-          </p:cNvSpPr>
-          <p:nvPr>
-            <p:ph type="sldImg"/>
-          </p:nvPr>
-        </p:nvSpPr>
-        <p:spPr>
-          <a:ln/>
-        </p:spPr>
-      </p:sp>
-      <p:sp>
-        <p:nvSpPr>
-          <p:cNvPr id="34819" name="Rectangle 3"/>
-          <p:cNvSpPr>
-            <a:spLocks noGrp="1" noChangeArrowheads="1"/>
-          </p:cNvSpPr>
-          <p:nvPr>
-            <p:ph type="body" idx="1"/>
-          </p:nvPr>
-        </p:nvSpPr>
-        <p:spPr>
-          <a:noFill/>
-          <a:ln/>
-        </p:spPr>
-        <p:txBody>
-          <a:bodyPr/>
-          <a:lstStyle/>
-          <a:p>
-            <a:endParaRPr lang="en-US" dirty="0" smtClean="0"/>
-          </a:p>
-        </p:txBody>
-      </p:sp>
-    </p:spTree>
-    <p:extLst>
-      <p:ext uri="{BB962C8B-B14F-4D97-AF65-F5344CB8AC3E}">
-        <p14:creationId xmlns:p14="http://schemas.microsoft.com/office/powerpoint/2010/main" val="3244319058"/>
-      </p:ext>
-    </p:extLst>
-  </p:cSld>
-  <p:clrMapOvr>
-    <a:masterClrMapping/>
-  </p:clrMapOvr>
-</p:notes>
-</file>
-
-<file path=ppt/notesSlides/notesSlide6.xml><?xml version="1.0" encoding="utf-8"?>
-<p:notes xmlns:a="http://schemas.openxmlformats.org/drawingml/2006/main" xmlns:r="http://schemas.openxmlformats.org/officeDocument/2006/relationships" xmlns:p="http://schemas.openxmlformats.org/presentationml/2006/main">
-  <p:cSld>
-    <p:spTree>
-      <p:nvGrpSpPr>
-        <p:cNvPr id="1" name=""/>
-        <p:cNvGrpSpPr/>
-        <p:nvPr/>
-      </p:nvGrpSpPr>
-      <p:grpSpPr>
-        <a:xfrm>
-          <a:off x="0" y="0"/>
-          <a:ext cx="0" cy="0"/>
-          <a:chOff x="0" y="0"/>
-          <a:chExt cx="0" cy="0"/>
-        </a:xfrm>
-      </p:grpSpPr>
-      <p:sp>
-        <p:nvSpPr>
-          <p:cNvPr id="34818" name="Rectangle 2"/>
-          <p:cNvSpPr>
-            <a:spLocks noGrp="1" noRot="1" noChangeAspect="1" noChangeArrowheads="1" noTextEdit="1"/>
-          </p:cNvSpPr>
-          <p:nvPr>
-            <p:ph type="sldImg"/>
-          </p:nvPr>
-        </p:nvSpPr>
-        <p:spPr>
-          <a:ln/>
-        </p:spPr>
-      </p:sp>
-      <p:sp>
-        <p:nvSpPr>
-          <p:cNvPr id="34819" name="Rectangle 3"/>
-          <p:cNvSpPr>
-            <a:spLocks noGrp="1" noChangeArrowheads="1"/>
-          </p:cNvSpPr>
-          <p:nvPr>
-            <p:ph type="body" idx="1"/>
-          </p:nvPr>
-        </p:nvSpPr>
-        <p:spPr>
-          <a:noFill/>
-          <a:ln/>
-        </p:spPr>
-        <p:txBody>
-          <a:bodyPr/>
-          <a:lstStyle/>
-          <a:p>
-            <a:endParaRPr lang="en-US" dirty="0" smtClean="0"/>
-          </a:p>
-        </p:txBody>
-      </p:sp>
-    </p:spTree>
-    <p:extLst>
-      <p:ext uri="{BB962C8B-B14F-4D97-AF65-F5344CB8AC3E}">
-        <p14:creationId xmlns:p14="http://schemas.microsoft.com/office/powerpoint/2010/main" val="3067311305"/>
-      </p:ext>
-    </p:extLst>
-  </p:cSld>
-  <p:clrMapOvr>
-    <a:masterClrMapping/>
-  </p:clrMapOvr>
-</p:notes>
-</file>
-
-<file path=ppt/notesSlides/notesSlide7.xml><?xml version="1.0" encoding="utf-8"?>
-<p:notes xmlns:a="http://schemas.openxmlformats.org/drawingml/2006/main" xmlns:r="http://schemas.openxmlformats.org/officeDocument/2006/relationships" xmlns:p="http://schemas.openxmlformats.org/presentationml/2006/main">
-  <p:cSld>
-    <p:spTree>
-      <p:nvGrpSpPr>
-        <p:cNvPr id="1" name=""/>
-        <p:cNvGrpSpPr/>
-        <p:nvPr/>
-      </p:nvGrpSpPr>
-      <p:grpSpPr>
-        <a:xfrm>
-          <a:off x="0" y="0"/>
-          <a:ext cx="0" cy="0"/>
-          <a:chOff x="0" y="0"/>
-          <a:chExt cx="0" cy="0"/>
-        </a:xfrm>
-      </p:grpSpPr>
-      <p:sp>
-        <p:nvSpPr>
-          <p:cNvPr id="120834" name="Slide Image Placeholder 1"/>
-          <p:cNvSpPr>
-            <a:spLocks noGrp="1" noRot="1" noChangeAspect="1" noTextEdit="1"/>
-          </p:cNvSpPr>
-          <p:nvPr>
-            <p:ph type="sldImg"/>
-          </p:nvPr>
-        </p:nvSpPr>
-        <p:spPr>
-          <a:ln/>
-        </p:spPr>
-      </p:sp>
-      <p:sp>
-        <p:nvSpPr>
-          <p:cNvPr id="120835" name="Notes Placeholder 2"/>
-          <p:cNvSpPr>
-            <a:spLocks noGrp="1"/>
-          </p:cNvSpPr>
-          <p:nvPr>
-            <p:ph type="body" idx="1"/>
-          </p:nvPr>
-        </p:nvSpPr>
-        <p:spPr>
-          <a:noFill/>
-          <a:ln w="9525"/>
-          <a:extLst>
-            <a:ext uri="{909E8E84-426E-40DD-AFC4-6F175D3DCCD1}">
-              <a14:hiddenFill xmlns:a14="http://schemas.microsoft.com/office/drawing/2010/main">
-                <a:solidFill>
-                  <a:srgbClr val="FFFFFF"/>
-                </a:solidFill>
-              </a14:hiddenFill>
-            </a:ext>
-            <a:ext uri="{91240B29-F687-4F45-9708-019B960494DF}">
-              <a14:hiddenLine xmlns:a14="http://schemas.microsoft.com/office/drawing/2010/main" w="9525">
-                <a:solidFill>
-                  <a:srgbClr val="000000"/>
-                </a:solidFill>
-                <a:miter lim="800000"/>
-                <a:headEnd/>
-                <a:tailEnd/>
-              </a14:hiddenLine>
-            </a:ext>
-          </a:extLst>
-        </p:spPr>
-        <p:txBody>
-          <a:bodyPr/>
-          <a:lstStyle/>
-          <a:p>
-            <a:endParaRPr lang="en-US" smtClean="0"/>
-          </a:p>
-        </p:txBody>
-      </p:sp>
-      <p:sp>
-        <p:nvSpPr>
-          <p:cNvPr id="120836" name="Slide Number Placeholder 3"/>
-          <p:cNvSpPr>
-            <a:spLocks noGrp="1"/>
-          </p:cNvSpPr>
-          <p:nvPr>
-            <p:ph type="sldNum" sz="quarter" idx="5"/>
-          </p:nvPr>
-        </p:nvSpPr>
-        <p:spPr>
-          <a:noFill/>
-          <a:ln w="9525"/>
-          <a:extLst>
-            <a:ext uri="{909E8E84-426E-40DD-AFC4-6F175D3DCCD1}">
-              <a14:hiddenFill xmlns:a14="http://schemas.microsoft.com/office/drawing/2010/main">
-                <a:solidFill>
-                  <a:srgbClr val="FFFFFF"/>
-                </a:solidFill>
-              </a14:hiddenFill>
-            </a:ext>
-            <a:ext uri="{91240B29-F687-4F45-9708-019B960494DF}">
-              <a14:hiddenLine xmlns:a14="http://schemas.microsoft.com/office/drawing/2010/main" w="12700">
-                <a:solidFill>
-                  <a:srgbClr val="000000"/>
-                </a:solidFill>
-                <a:miter lim="800000"/>
-                <a:headEnd/>
-                <a:tailEnd/>
-              </a14:hiddenLine>
-            </a:ext>
-          </a:extLst>
-        </p:spPr>
-        <p:txBody>
-          <a:bodyPr/>
-          <a:lstStyle>
-            <a:lvl1pPr defTabSz="930275">
-              <a:defRPr sz="1400">
-                <a:solidFill>
-                  <a:schemeClr val="tx1"/>
-                </a:solidFill>
-                <a:latin typeface="Arial" pitchFamily="34" charset="0"/>
-              </a:defRPr>
-            </a:lvl1pPr>
-            <a:lvl2pPr marL="742950" indent="-285750" defTabSz="930275">
-              <a:defRPr sz="1400">
-                <a:solidFill>
-                  <a:schemeClr val="tx1"/>
-                </a:solidFill>
-                <a:latin typeface="Arial" pitchFamily="34" charset="0"/>
-              </a:defRPr>
-            </a:lvl2pPr>
-            <a:lvl3pPr marL="1143000" indent="-228600" defTabSz="930275">
-              <a:defRPr sz="1400">
-                <a:solidFill>
-                  <a:schemeClr val="tx1"/>
-                </a:solidFill>
-                <a:latin typeface="Arial" pitchFamily="34" charset="0"/>
-              </a:defRPr>
-            </a:lvl3pPr>
-            <a:lvl4pPr marL="1600200" indent="-228600" defTabSz="930275">
-              <a:defRPr sz="1400">
-                <a:solidFill>
-                  <a:schemeClr val="tx1"/>
-                </a:solidFill>
-                <a:latin typeface="Arial" pitchFamily="34" charset="0"/>
-              </a:defRPr>
-            </a:lvl4pPr>
-            <a:lvl5pPr marL="2057400" indent="-228600" defTabSz="930275">
-              <a:defRPr sz="1400">
-                <a:solidFill>
-                  <a:schemeClr val="tx1"/>
-                </a:solidFill>
-                <a:latin typeface="Arial" pitchFamily="34" charset="0"/>
-              </a:defRPr>
-            </a:lvl5pPr>
-            <a:lvl6pPr marL="2514600" indent="-228600" algn="ctr" defTabSz="930275" eaLnBrk="0" fontAlgn="base" hangingPunct="0">
-              <a:spcBef>
-                <a:spcPct val="0"/>
-              </a:spcBef>
-              <a:spcAft>
-                <a:spcPct val="0"/>
-              </a:spcAft>
-              <a:defRPr sz="1400">
-                <a:solidFill>
-                  <a:schemeClr val="tx1"/>
-                </a:solidFill>
-                <a:latin typeface="Arial" pitchFamily="34" charset="0"/>
-              </a:defRPr>
-            </a:lvl6pPr>
-            <a:lvl7pPr marL="2971800" indent="-228600" algn="ctr" defTabSz="930275" eaLnBrk="0" fontAlgn="base" hangingPunct="0">
-              <a:spcBef>
-                <a:spcPct val="0"/>
-              </a:spcBef>
-              <a:spcAft>
-                <a:spcPct val="0"/>
-              </a:spcAft>
-              <a:defRPr sz="1400">
-                <a:solidFill>
-                  <a:schemeClr val="tx1"/>
-                </a:solidFill>
-                <a:latin typeface="Arial" pitchFamily="34" charset="0"/>
-              </a:defRPr>
-            </a:lvl7pPr>
-            <a:lvl8pPr marL="3429000" indent="-228600" algn="ctr" defTabSz="930275" eaLnBrk="0" fontAlgn="base" hangingPunct="0">
-              <a:spcBef>
-                <a:spcPct val="0"/>
-              </a:spcBef>
-              <a:spcAft>
-                <a:spcPct val="0"/>
-              </a:spcAft>
-              <a:defRPr sz="1400">
-                <a:solidFill>
-                  <a:schemeClr val="tx1"/>
-                </a:solidFill>
-                <a:latin typeface="Arial" pitchFamily="34" charset="0"/>
-              </a:defRPr>
-            </a:lvl8pPr>
-            <a:lvl9pPr marL="3886200" indent="-228600" algn="ctr" defTabSz="930275" eaLnBrk="0" fontAlgn="base" hangingPunct="0">
-              <a:spcBef>
-                <a:spcPct val="0"/>
-              </a:spcBef>
-              <a:spcAft>
-                <a:spcPct val="0"/>
-              </a:spcAft>
-              <a:defRPr sz="1400">
-                <a:solidFill>
-                  <a:schemeClr val="tx1"/>
-                </a:solidFill>
-                <a:latin typeface="Arial" pitchFamily="34" charset="0"/>
-              </a:defRPr>
-            </a:lvl9pPr>
-          </a:lstStyle>
-          <a:p>
-            <a:fld id="{03BBD8DF-5A19-4603-9831-1078DBE4EAF8}" type="slidenum">
-              <a:rPr lang="en-US" sz="1200" smtClean="0"/>
-              <a:pPr/>
-              <a:t>23</a:t>
-            </a:fld>
-            <a:endParaRPr lang="en-US" sz="1200" smtClean="0"/>
-          </a:p>
-        </p:txBody>
-      </p:sp>
-    </p:spTree>
-    <p:extLst>
-      <p:ext uri="{BB962C8B-B14F-4D97-AF65-F5344CB8AC3E}">
-        <p14:creationId xmlns:p14="http://schemas.microsoft.com/office/powerpoint/2010/main" val="2937358235"/>
-      </p:ext>
-    </p:extLst>
-  </p:cSld>
-  <p:clrMapOvr>
-    <a:masterClrMapping/>
-  </p:clrMapOvr>
-</p:notes>
-</file>
-
 <file path=ppt/slideLayouts/slideLayout1.xml><?xml version="1.0" encoding="utf-8"?>
 <p:sldLayout xmlns:a="http://schemas.openxmlformats.org/drawingml/2006/main" xmlns:r="http://schemas.openxmlformats.org/officeDocument/2006/relationships" xmlns:p="http://schemas.openxmlformats.org/presentationml/2006/main" preserve="1" userDrawn="1">
   <p:cSld name="Title Slide">
@@ -3794,7 +3425,7 @@
               <a:pPr>
                 <a:defRPr/>
               </a:pPr>
-              <a:t>23 July 2018</a:t>
+              <a:t>8 August 2018</a:t>
             </a:fld>
             <a:endParaRPr lang="en-US">
               <a:solidFill>
@@ -4019,7 +3650,7 @@
               <a:pPr>
                 <a:defRPr/>
               </a:pPr>
-              <a:t>23 July 2018</a:t>
+              <a:t>8 August 2018</a:t>
             </a:fld>
             <a:endParaRPr lang="en-US">
               <a:solidFill>
@@ -4252,7 +3883,7 @@
               <a:pPr>
                 <a:defRPr/>
               </a:pPr>
-              <a:t>23 July 2018</a:t>
+              <a:t>8 August 2018</a:t>
             </a:fld>
             <a:endParaRPr lang="en-US">
               <a:solidFill>
@@ -4588,7 +4219,7 @@
               <a:pPr>
                 <a:defRPr/>
               </a:pPr>
-              <a:t>23 July 2018</a:t>
+              <a:t>8 August 2018</a:t>
             </a:fld>
             <a:endParaRPr lang="en-US">
               <a:solidFill>
@@ -5063,7 +4694,7 @@
               <a:pPr>
                 <a:defRPr/>
               </a:pPr>
-              <a:t>23 July 2018</a:t>
+              <a:t>8 August 2018</a:t>
             </a:fld>
             <a:endParaRPr lang="en-US">
               <a:solidFill>
@@ -5229,7 +4860,7 @@
               <a:pPr>
                 <a:defRPr/>
               </a:pPr>
-              <a:t>23 July 2018</a:t>
+              <a:t>8 August 2018</a:t>
             </a:fld>
             <a:endParaRPr lang="en-US">
               <a:solidFill>
@@ -5372,7 +5003,7 @@
               <a:pPr>
                 <a:defRPr/>
               </a:pPr>
-              <a:t>23 July 2018</a:t>
+              <a:t>8 August 2018</a:t>
             </a:fld>
             <a:endParaRPr lang="en-US">
               <a:solidFill>
@@ -5697,7 +5328,7 @@
               <a:pPr>
                 <a:defRPr/>
               </a:pPr>
-              <a:t>23 July 2018</a:t>
+              <a:t>8 August 2018</a:t>
             </a:fld>
             <a:endParaRPr lang="en-US">
               <a:solidFill>
@@ -5999,7 +5630,7 @@
               <a:pPr>
                 <a:defRPr/>
               </a:pPr>
-              <a:t>23 July 2018</a:t>
+              <a:t>8 August 2018</a:t>
             </a:fld>
             <a:endParaRPr lang="en-US">
               <a:solidFill>
@@ -6217,7 +5848,7 @@
               <a:pPr>
                 <a:defRPr/>
               </a:pPr>
-              <a:t>23 July 2018</a:t>
+              <a:t>8 August 2018</a:t>
             </a:fld>
             <a:endParaRPr lang="en-US">
               <a:solidFill>
@@ -6445,7 +6076,7 @@
               <a:pPr>
                 <a:defRPr/>
               </a:pPr>
-              <a:t>23 July 2018</a:t>
+              <a:t>8 August 2018</a:t>
             </a:fld>
             <a:endParaRPr lang="en-US">
               <a:solidFill>
@@ -6641,7 +6272,7 @@
               <a:pPr>
                 <a:defRPr/>
               </a:pPr>
-              <a:t>23 July 2018</a:t>
+              <a:t>8 August 2018</a:t>
             </a:fld>
             <a:endParaRPr lang="en-US">
               <a:solidFill>
@@ -6794,7 +6425,7 @@
               <a:pPr>
                 <a:defRPr/>
               </a:pPr>
-              <a:t>23 July 2018</a:t>
+              <a:t>8 August 2018</a:t>
             </a:fld>
             <a:endParaRPr lang="en-US"/>
           </a:p>
@@ -11355,7 +10986,7 @@
               <a:pPr eaLnBrk="0" hangingPunct="0">
                 <a:defRPr/>
               </a:pPr>
-              <a:t>23 July 2018</a:t>
+              <a:t>8 August 2018</a:t>
             </a:fld>
             <a:endParaRPr lang="en-US">
               <a:solidFill>
@@ -12517,7 +12148,7 @@
               <a:pPr>
                 <a:defRPr/>
               </a:pPr>
-              <a:t>23 July 2018</a:t>
+              <a:t>8 August 2018</a:t>
             </a:fld>
             <a:endParaRPr lang="en-US" dirty="0">
               <a:solidFill>
@@ -13586,182 +13217,9 @@
   <p:timing>
     <p:tnLst>
       <p:par>
-        <p:cTn id="1" dur="indefinite" restart="never" nodeType="tmRoot">
-          <p:childTnLst>
-            <p:seq concurrent="1" nextAc="seek">
-              <p:cTn id="2" dur="indefinite" nodeType="mainSeq">
-                <p:childTnLst>
-                  <p:par>
-                    <p:cTn id="3" fill="hold">
-                      <p:stCondLst>
-                        <p:cond delay="indefinite"/>
-                      </p:stCondLst>
-                      <p:childTnLst>
-                        <p:par>
-                          <p:cTn id="4" fill="hold">
-                            <p:stCondLst>
-                              <p:cond delay="0"/>
-                            </p:stCondLst>
-                            <p:childTnLst>
-                              <p:par>
-                                <p:cTn id="5" presetID="1" presetClass="entr" presetSubtype="0" fill="hold" grpId="0" nodeType="clickEffect">
-                                  <p:stCondLst>
-                                    <p:cond delay="0"/>
-                                  </p:stCondLst>
-                                  <p:childTnLst>
-                                    <p:set>
-                                      <p:cBhvr>
-                                        <p:cTn id="6" dur="1" fill="hold">
-                                          <p:stCondLst>
-                                            <p:cond delay="0"/>
-                                          </p:stCondLst>
-                                        </p:cTn>
-                                        <p:tgtEl>
-                                          <p:spTgt spid="13"/>
-                                        </p:tgtEl>
-                                        <p:attrNameLst>
-                                          <p:attrName>style.visibility</p:attrName>
-                                        </p:attrNameLst>
-                                      </p:cBhvr>
-                                      <p:to>
-                                        <p:strVal val="visible"/>
-                                      </p:to>
-                                    </p:set>
-                                  </p:childTnLst>
-                                </p:cTn>
-                              </p:par>
-                              <p:par>
-                                <p:cTn id="7" presetID="1" presetClass="entr" presetSubtype="0" fill="hold" grpId="0" nodeType="withEffect">
-                                  <p:stCondLst>
-                                    <p:cond delay="0"/>
-                                  </p:stCondLst>
-                                  <p:childTnLst>
-                                    <p:set>
-                                      <p:cBhvr>
-                                        <p:cTn id="8" dur="1" fill="hold">
-                                          <p:stCondLst>
-                                            <p:cond delay="0"/>
-                                          </p:stCondLst>
-                                        </p:cTn>
-                                        <p:tgtEl>
-                                          <p:spTgt spid="4"/>
-                                        </p:tgtEl>
-                                        <p:attrNameLst>
-                                          <p:attrName>style.visibility</p:attrName>
-                                        </p:attrNameLst>
-                                      </p:cBhvr>
-                                      <p:to>
-                                        <p:strVal val="visible"/>
-                                      </p:to>
-                                    </p:set>
-                                  </p:childTnLst>
-                                </p:cTn>
-                              </p:par>
-                            </p:childTnLst>
-                          </p:cTn>
-                        </p:par>
-                      </p:childTnLst>
-                    </p:cTn>
-                  </p:par>
-                  <p:par>
-                    <p:cTn id="9" fill="hold">
-                      <p:stCondLst>
-                        <p:cond delay="indefinite"/>
-                      </p:stCondLst>
-                      <p:childTnLst>
-                        <p:par>
-                          <p:cTn id="10" fill="hold">
-                            <p:stCondLst>
-                              <p:cond delay="0"/>
-                            </p:stCondLst>
-                            <p:childTnLst>
-                              <p:par>
-                                <p:cTn id="11" presetID="1" presetClass="entr" presetSubtype="0" fill="hold" grpId="0" nodeType="clickEffect">
-                                  <p:stCondLst>
-                                    <p:cond delay="0"/>
-                                  </p:stCondLst>
-                                  <p:childTnLst>
-                                    <p:set>
-                                      <p:cBhvr>
-                                        <p:cTn id="12" dur="1" fill="hold">
-                                          <p:stCondLst>
-                                            <p:cond delay="0"/>
-                                          </p:stCondLst>
-                                        </p:cTn>
-                                        <p:tgtEl>
-                                          <p:spTgt spid="7"/>
-                                        </p:tgtEl>
-                                        <p:attrNameLst>
-                                          <p:attrName>style.visibility</p:attrName>
-                                        </p:attrNameLst>
-                                      </p:cBhvr>
-                                      <p:to>
-                                        <p:strVal val="visible"/>
-                                      </p:to>
-                                    </p:set>
-                                  </p:childTnLst>
-                                </p:cTn>
-                              </p:par>
-                              <p:par>
-                                <p:cTn id="13" presetID="1" presetClass="entr" presetSubtype="0" fill="hold" grpId="0" nodeType="withEffect">
-                                  <p:stCondLst>
-                                    <p:cond delay="0"/>
-                                  </p:stCondLst>
-                                  <p:childTnLst>
-                                    <p:set>
-                                      <p:cBhvr>
-                                        <p:cTn id="14" dur="1" fill="hold">
-                                          <p:stCondLst>
-                                            <p:cond delay="0"/>
-                                          </p:stCondLst>
-                                        </p:cTn>
-                                        <p:tgtEl>
-                                          <p:spTgt spid="16"/>
-                                        </p:tgtEl>
-                                        <p:attrNameLst>
-                                          <p:attrName>style.visibility</p:attrName>
-                                        </p:attrNameLst>
-                                      </p:cBhvr>
-                                      <p:to>
-                                        <p:strVal val="visible"/>
-                                      </p:to>
-                                    </p:set>
-                                  </p:childTnLst>
-                                </p:cTn>
-                              </p:par>
-                            </p:childTnLst>
-                          </p:cTn>
-                        </p:par>
-                      </p:childTnLst>
-                    </p:cTn>
-                  </p:par>
-                </p:childTnLst>
-              </p:cTn>
-              <p:prevCondLst>
-                <p:cond evt="onPrev" delay="0">
-                  <p:tgtEl>
-                    <p:sldTgt/>
-                  </p:tgtEl>
-                </p:cond>
-              </p:prevCondLst>
-              <p:nextCondLst>
-                <p:cond evt="onNext" delay="0">
-                  <p:tgtEl>
-                    <p:sldTgt/>
-                  </p:tgtEl>
-                </p:cond>
-              </p:nextCondLst>
-            </p:seq>
-          </p:childTnLst>
-        </p:cTn>
+        <p:cTn id="1" dur="indefinite" restart="never" nodeType="tmRoot"/>
       </p:par>
     </p:tnLst>
-    <p:bldLst>
-      <p:bldP spid="4" grpId="0" animBg="1"/>
-      <p:bldP spid="7" grpId="0"/>
-      <p:bldP spid="13" grpId="0"/>
-      <p:bldP spid="16" grpId="0" animBg="1"/>
-    </p:bldLst>
   </p:timing>
 </p:sld>
 </file>
@@ -15323,7 +14781,7 @@
           <a:p>
             <a:r>
               <a:rPr lang="en-US" dirty="0" smtClean="0"/>
-              <a:t>Embedded Systems</a:t>
+              <a:t>Green on Blue</a:t>
             </a:r>
             <a:endParaRPr lang="en-US" dirty="0"/>
           </a:p>
@@ -15331,2202 +14789,72 @@
       </p:sp>
       <p:sp>
         <p:nvSpPr>
-          <p:cNvPr id="3" name="Content Placeholder 2"/>
-          <p:cNvSpPr>
-            <a:spLocks noGrp="1"/>
-          </p:cNvSpPr>
-          <p:nvPr>
-            <p:ph idx="1"/>
-          </p:nvPr>
-        </p:nvSpPr>
-        <p:spPr/>
-        <p:txBody>
-          <a:bodyPr/>
-          <a:lstStyle/>
-          <a:p>
-            <a:r>
-              <a:rPr lang="en-US" dirty="0" smtClean="0"/>
-              <a:t>Embedded Systems  </a:t>
-            </a:r>
-          </a:p>
-          <a:p>
-            <a:pPr lvl="1"/>
-            <a:r>
-              <a:rPr lang="en-US" dirty="0" smtClean="0"/>
-              <a:t>they're </a:t>
-            </a:r>
-            <a:r>
-              <a:rPr lang="en-US" dirty="0"/>
-              <a:t>built to </a:t>
-            </a:r>
-            <a:r>
-              <a:rPr lang="en-US" b="1" dirty="0"/>
-              <a:t>interact</a:t>
-            </a:r>
-            <a:r>
-              <a:rPr lang="en-US" dirty="0"/>
-              <a:t> with the real-world and perform very specific functions, often with difficult constraints (timing, power, </a:t>
-            </a:r>
-            <a:r>
-              <a:rPr lang="en-US" dirty="0" err="1"/>
-              <a:t>etc</a:t>
-            </a:r>
-            <a:r>
-              <a:rPr lang="en-US" dirty="0" smtClean="0"/>
-              <a:t>)</a:t>
-            </a:r>
-            <a:endParaRPr lang="en-US" dirty="0"/>
-          </a:p>
-        </p:txBody>
-      </p:sp>
-      <p:sp>
-        <p:nvSpPr>
-          <p:cNvPr id="4" name="Slide Number Placeholder 3"/>
-          <p:cNvSpPr txBox="1">
-            <a:spLocks/>
-          </p:cNvSpPr>
+          <p:cNvPr id="3" name="Rectangle 2"/>
+          <p:cNvSpPr/>
           <p:nvPr/>
         </p:nvSpPr>
-        <p:spPr bwMode="auto">
+        <p:spPr>
           <a:xfrm>
-            <a:off x="6910388" y="6253163"/>
-            <a:ext cx="2133600" cy="476250"/>
+            <a:off x="948267" y="5978323"/>
+            <a:ext cx="7594600" cy="369332"/>
           </a:xfrm>
           <a:prstGeom prst="rect">
             <a:avLst/>
           </a:prstGeom>
-          <a:noFill/>
-          <a:ln w="9525">
-            <a:noFill/>
-            <a:miter lim="800000"/>
-            <a:headEnd/>
-            <a:tailEnd/>
-          </a:ln>
-          <a:effectLst/>
-        </p:spPr>
-        <p:txBody>
-          <a:bodyPr vert="horz" wrap="square" lIns="91440" tIns="45720" rIns="91440" bIns="45720" numCol="1" anchor="t" anchorCtr="0" compatLnSpc="1">
-            <a:prstTxWarp prst="textNoShape">
-              <a:avLst/>
-            </a:prstTxWarp>
+        </p:spPr>
+        <p:txBody>
+          <a:bodyPr wrap="square">
+            <a:spAutoFit/>
           </a:bodyPr>
-          <a:lstStyle>
-            <a:defPPr>
-              <a:defRPr lang="en-US"/>
-            </a:defPPr>
-            <a:lvl1pPr algn="ctr" rtl="0" fontAlgn="base">
-              <a:spcBef>
-                <a:spcPct val="0"/>
-              </a:spcBef>
-              <a:spcAft>
-                <a:spcPct val="0"/>
-              </a:spcAft>
-              <a:defRPr sz="1400" kern="1200">
+          <a:lstStyle/>
+          <a:p>
+            <a:r>
+              <a:rPr lang="en-US" sz="1800" dirty="0">
                 <a:solidFill>
-                  <a:schemeClr val="tx1"/>
+                  <a:srgbClr val="222222"/>
                 </a:solidFill>
-                <a:latin typeface="Times New Roman" pitchFamily="18" charset="0"/>
-                <a:ea typeface="+mn-ea"/>
-                <a:cs typeface="+mn-cs"/>
-                <a:sym typeface="Wingdings" pitchFamily="2" charset="2"/>
-              </a:defRPr>
-            </a:lvl1pPr>
-            <a:lvl2pPr marL="457200" algn="l" rtl="0" fontAlgn="base">
-              <a:spcBef>
-                <a:spcPct val="50000"/>
-              </a:spcBef>
-              <a:spcAft>
-                <a:spcPct val="0"/>
-              </a:spcAft>
-              <a:defRPr sz="2400" kern="1200">
-                <a:solidFill>
-                  <a:schemeClr val="tx1"/>
-                </a:solidFill>
-                <a:latin typeface="Times New Roman" pitchFamily="18" charset="0"/>
-                <a:ea typeface="+mn-ea"/>
-                <a:cs typeface="+mn-cs"/>
-                <a:sym typeface="Wingdings" pitchFamily="2" charset="2"/>
-              </a:defRPr>
-            </a:lvl2pPr>
-            <a:lvl3pPr marL="914400" algn="l" rtl="0" fontAlgn="base">
-              <a:spcBef>
-                <a:spcPct val="50000"/>
-              </a:spcBef>
-              <a:spcAft>
-                <a:spcPct val="0"/>
-              </a:spcAft>
-              <a:defRPr sz="2400" kern="1200">
-                <a:solidFill>
-                  <a:schemeClr val="tx1"/>
-                </a:solidFill>
-                <a:latin typeface="Times New Roman" pitchFamily="18" charset="0"/>
-                <a:ea typeface="+mn-ea"/>
-                <a:cs typeface="+mn-cs"/>
-                <a:sym typeface="Wingdings" pitchFamily="2" charset="2"/>
-              </a:defRPr>
-            </a:lvl3pPr>
-            <a:lvl4pPr marL="1371600" algn="l" rtl="0" fontAlgn="base">
-              <a:spcBef>
-                <a:spcPct val="50000"/>
-              </a:spcBef>
-              <a:spcAft>
-                <a:spcPct val="0"/>
-              </a:spcAft>
-              <a:defRPr sz="2400" kern="1200">
-                <a:solidFill>
-                  <a:schemeClr val="tx1"/>
-                </a:solidFill>
-                <a:latin typeface="Times New Roman" pitchFamily="18" charset="0"/>
-                <a:ea typeface="+mn-ea"/>
-                <a:cs typeface="+mn-cs"/>
-                <a:sym typeface="Wingdings" pitchFamily="2" charset="2"/>
-              </a:defRPr>
-            </a:lvl4pPr>
-            <a:lvl5pPr marL="1828800" algn="l" rtl="0" fontAlgn="base">
-              <a:spcBef>
-                <a:spcPct val="50000"/>
-              </a:spcBef>
-              <a:spcAft>
-                <a:spcPct val="0"/>
-              </a:spcAft>
-              <a:defRPr sz="2400" kern="1200">
-                <a:solidFill>
-                  <a:schemeClr val="tx1"/>
-                </a:solidFill>
-                <a:latin typeface="Times New Roman" pitchFamily="18" charset="0"/>
-                <a:ea typeface="+mn-ea"/>
-                <a:cs typeface="+mn-cs"/>
-                <a:sym typeface="Wingdings" pitchFamily="2" charset="2"/>
-              </a:defRPr>
-            </a:lvl5pPr>
-            <a:lvl6pPr marL="2286000" algn="l" defTabSz="914400" rtl="0" eaLnBrk="1" latinLnBrk="0" hangingPunct="1">
-              <a:defRPr sz="2400" kern="1200">
-                <a:solidFill>
-                  <a:schemeClr val="tx1"/>
-                </a:solidFill>
-                <a:latin typeface="Times New Roman" pitchFamily="18" charset="0"/>
-                <a:ea typeface="+mn-ea"/>
-                <a:cs typeface="+mn-cs"/>
-                <a:sym typeface="Wingdings" pitchFamily="2" charset="2"/>
-              </a:defRPr>
-            </a:lvl6pPr>
-            <a:lvl7pPr marL="2743200" algn="l" defTabSz="914400" rtl="0" eaLnBrk="1" latinLnBrk="0" hangingPunct="1">
-              <a:defRPr sz="2400" kern="1200">
-                <a:solidFill>
-                  <a:schemeClr val="tx1"/>
-                </a:solidFill>
-                <a:latin typeface="Times New Roman" pitchFamily="18" charset="0"/>
-                <a:ea typeface="+mn-ea"/>
-                <a:cs typeface="+mn-cs"/>
-                <a:sym typeface="Wingdings" pitchFamily="2" charset="2"/>
-              </a:defRPr>
-            </a:lvl7pPr>
-            <a:lvl8pPr marL="3200400" algn="l" defTabSz="914400" rtl="0" eaLnBrk="1" latinLnBrk="0" hangingPunct="1">
-              <a:defRPr sz="2400" kern="1200">
-                <a:solidFill>
-                  <a:schemeClr val="tx1"/>
-                </a:solidFill>
-                <a:latin typeface="Times New Roman" pitchFamily="18" charset="0"/>
-                <a:ea typeface="+mn-ea"/>
-                <a:cs typeface="+mn-cs"/>
-                <a:sym typeface="Wingdings" pitchFamily="2" charset="2"/>
-              </a:defRPr>
-            </a:lvl8pPr>
-            <a:lvl9pPr marL="3657600" algn="l" defTabSz="914400" rtl="0" eaLnBrk="1" latinLnBrk="0" hangingPunct="1">
-              <a:defRPr sz="2400" kern="1200">
-                <a:solidFill>
-                  <a:schemeClr val="tx1"/>
-                </a:solidFill>
-                <a:latin typeface="Times New Roman" pitchFamily="18" charset="0"/>
-                <a:ea typeface="+mn-ea"/>
-                <a:cs typeface="+mn-cs"/>
-                <a:sym typeface="Wingdings" pitchFamily="2" charset="2"/>
-              </a:defRPr>
-            </a:lvl9pPr>
-          </a:lstStyle>
-          <a:p>
-            <a:pPr algn="r">
-              <a:defRPr/>
-            </a:pPr>
-            <a:endParaRPr lang="en-US" smtClean="0">
-              <a:solidFill>
-                <a:srgbClr val="000000"/>
-              </a:solidFill>
-            </a:endParaRPr>
-          </a:p>
-          <a:p>
-            <a:pPr algn="r">
-              <a:defRPr/>
-            </a:pPr>
-            <a:fld id="{62D6D4B2-7611-498F-8780-1EDC26277454}" type="slidenum">
-              <a:rPr lang="en-US" smtClean="0">
-                <a:solidFill>
-                  <a:srgbClr val="000000"/>
-                </a:solidFill>
+                <a:latin typeface="Arial" panose="020B0604020202020204" pitchFamily="34" charset="0"/>
               </a:rPr>
-              <a:pPr algn="r">
-                <a:defRPr/>
-              </a:pPr>
-              <a:t>15</a:t>
-            </a:fld>
-            <a:endParaRPr lang="en-US" dirty="0">
-              <a:solidFill>
-                <a:srgbClr val="000000"/>
-              </a:solidFill>
-            </a:endParaRPr>
-          </a:p>
-        </p:txBody>
-      </p:sp>
+              <a:t>Be polite, be professional, but have a plan to kill everybody you meet.</a:t>
+            </a:r>
+            <a:endParaRPr lang="en-US" sz="1800" dirty="0"/>
+          </a:p>
+        </p:txBody>
+      </p:sp>
+      <p:pic>
+        <p:nvPicPr>
+          <p:cNvPr id="4" name="Picture 3"/>
+          <p:cNvPicPr>
+            <a:picLocks noChangeAspect="1"/>
+          </p:cNvPicPr>
+          <p:nvPr/>
+        </p:nvPicPr>
+        <p:blipFill>
+          <a:blip r:embed="rId2"/>
+          <a:stretch>
+            <a:fillRect/>
+          </a:stretch>
+        </p:blipFill>
+        <p:spPr>
+          <a:xfrm>
+            <a:off x="622300" y="1716616"/>
+            <a:ext cx="8001000" cy="4000500"/>
+          </a:xfrm>
+          <a:prstGeom prst="rect">
+            <a:avLst/>
+          </a:prstGeom>
+        </p:spPr>
+      </p:pic>
     </p:spTree>
     <p:extLst>
       <p:ext uri="{BB962C8B-B14F-4D97-AF65-F5344CB8AC3E}">
-        <p14:creationId xmlns:p14="http://schemas.microsoft.com/office/powerpoint/2010/main" val="3690889210"/>
+        <p14:creationId xmlns:p14="http://schemas.microsoft.com/office/powerpoint/2010/main" val="546150787"/>
       </p:ext>
     </p:extLst>
   </p:cSld>
   <p:clrMapOvr>
     <a:masterClrMapping/>
   </p:clrMapOvr>
-  <p:timing>
-    <p:tnLst>
-      <p:par>
-        <p:cTn id="1" dur="indefinite" restart="never" nodeType="tmRoot"/>
-      </p:par>
-    </p:tnLst>
-  </p:timing>
-</p:sld>
-</file>
-
-<file path=ppt/slides/slide16.xml><?xml version="1.0" encoding="utf-8"?>
-<p:sld xmlns:a="http://schemas.openxmlformats.org/drawingml/2006/main" xmlns:r="http://schemas.openxmlformats.org/officeDocument/2006/relationships" xmlns:p="http://schemas.openxmlformats.org/presentationml/2006/main" show="0">
-  <p:cSld>
-    <p:spTree>
-      <p:nvGrpSpPr>
-        <p:cNvPr id="1" name=""/>
-        <p:cNvGrpSpPr/>
-        <p:nvPr/>
-      </p:nvGrpSpPr>
-      <p:grpSpPr>
-        <a:xfrm>
-          <a:off x="0" y="0"/>
-          <a:ext cx="0" cy="0"/>
-          <a:chOff x="0" y="0"/>
-          <a:chExt cx="0" cy="0"/>
-        </a:xfrm>
-      </p:grpSpPr>
-      <p:sp>
-        <p:nvSpPr>
-          <p:cNvPr id="14338" name="Rectangle 2"/>
-          <p:cNvSpPr>
-            <a:spLocks noGrp="1" noChangeArrowheads="1"/>
-          </p:cNvSpPr>
-          <p:nvPr>
-            <p:ph type="title"/>
-          </p:nvPr>
-        </p:nvSpPr>
-        <p:spPr/>
-        <p:txBody>
-          <a:bodyPr/>
-          <a:lstStyle/>
-          <a:p>
-            <a:r>
-              <a:rPr lang="en-US" sz="3200" i="1" dirty="0"/>
-              <a:t>ECE </a:t>
-            </a:r>
-            <a:r>
-              <a:rPr lang="en-US" sz="3200" i="1" dirty="0" smtClean="0"/>
-              <a:t>382 </a:t>
-            </a:r>
-            <a:r>
-              <a:rPr lang="en-US" sz="3200" i="1" dirty="0"/>
-              <a:t>– </a:t>
-            </a:r>
-            <a:r>
-              <a:rPr lang="en-US" sz="3200" b="1" i="1" dirty="0" smtClean="0">
-                <a:cs typeface="Times New Roman" pitchFamily="18" charset="0"/>
-              </a:rPr>
-              <a:t>Labs</a:t>
-            </a:r>
-          </a:p>
-        </p:txBody>
-      </p:sp>
-      <p:sp>
-        <p:nvSpPr>
-          <p:cNvPr id="4" name="Slide Number Placeholder 5"/>
-          <p:cNvSpPr>
-            <a:spLocks noGrp="1"/>
-          </p:cNvSpPr>
-          <p:nvPr>
-            <p:ph type="sldNum" sz="quarter" idx="10"/>
-          </p:nvPr>
-        </p:nvSpPr>
-        <p:spPr>
-          <a:xfrm>
-            <a:off x="7334250" y="6524625"/>
-            <a:ext cx="1452563" cy="333375"/>
-          </a:xfrm>
-          <a:noFill/>
-        </p:spPr>
-        <p:txBody>
-          <a:bodyPr/>
-          <a:lstStyle/>
-          <a:p>
-            <a:fld id="{D606CFC6-1681-4E9F-A954-C3E2AEEDAC56}" type="slidenum">
-              <a:rPr lang="en-US" smtClean="0"/>
-              <a:pPr/>
-              <a:t>16</a:t>
-            </a:fld>
-            <a:endParaRPr lang="en-US" dirty="0" smtClean="0"/>
-          </a:p>
-        </p:txBody>
-      </p:sp>
-      <p:sp>
-        <p:nvSpPr>
-          <p:cNvPr id="2" name="Content Placeholder 1"/>
-          <p:cNvSpPr>
-            <a:spLocks noGrp="1"/>
-          </p:cNvSpPr>
-          <p:nvPr>
-            <p:ph idx="1"/>
-          </p:nvPr>
-        </p:nvSpPr>
-        <p:spPr/>
-        <p:txBody>
-          <a:bodyPr/>
-          <a:lstStyle/>
-          <a:p>
-            <a:endParaRPr lang="en-US" dirty="0"/>
-          </a:p>
-        </p:txBody>
-      </p:sp>
-      <p:graphicFrame>
-        <p:nvGraphicFramePr>
-          <p:cNvPr id="5" name="Content Placeholder 2"/>
-          <p:cNvGraphicFramePr>
-            <a:graphicFrameLocks/>
-          </p:cNvGraphicFramePr>
-          <p:nvPr>
-            <p:extLst>
-              <p:ext uri="{D42A27DB-BD31-4B8C-83A1-F6EECF244321}">
-                <p14:modId xmlns:p14="http://schemas.microsoft.com/office/powerpoint/2010/main" val="1245843669"/>
-              </p:ext>
-            </p:extLst>
-          </p:nvPr>
-        </p:nvGraphicFramePr>
-        <p:xfrm>
-          <a:off x="418358" y="1456801"/>
-          <a:ext cx="8388289" cy="3235960"/>
-        </p:xfrm>
-        <a:graphic>
-          <a:graphicData uri="http://schemas.openxmlformats.org/drawingml/2006/table">
-            <a:tbl>
-              <a:tblPr firstRow="1" bandRow="1">
-                <a:tableStyleId>{21E4AEA4-8DFA-4A89-87EB-49C32662AFE0}</a:tableStyleId>
-              </a:tblPr>
-              <a:tblGrid>
-                <a:gridCol w="2671071"/>
-                <a:gridCol w="1313895"/>
-                <a:gridCol w="4403323"/>
-              </a:tblGrid>
-              <a:tr h="370840">
-                <a:tc>
-                  <a:txBody>
-                    <a:bodyPr/>
-                    <a:lstStyle/>
-                    <a:p>
-                      <a:pPr algn="ctr"/>
-                      <a:r>
-                        <a:rPr lang="en-US" dirty="0" smtClean="0"/>
-                        <a:t>Lab</a:t>
-                      </a:r>
-                      <a:r>
-                        <a:rPr lang="en-US" baseline="0" dirty="0" smtClean="0"/>
-                        <a:t> </a:t>
-                      </a:r>
-                      <a:endParaRPr lang="en-US" dirty="0"/>
-                    </a:p>
-                  </a:txBody>
-                  <a:tcPr/>
-                </a:tc>
-                <a:tc>
-                  <a:txBody>
-                    <a:bodyPr/>
-                    <a:lstStyle/>
-                    <a:p>
-                      <a:pPr algn="ctr"/>
-                      <a:r>
-                        <a:rPr lang="en-US" dirty="0" smtClean="0"/>
-                        <a:t>Language</a:t>
-                      </a:r>
-                      <a:endParaRPr lang="en-US" dirty="0"/>
-                    </a:p>
-                  </a:txBody>
-                  <a:tcPr/>
-                </a:tc>
-                <a:tc>
-                  <a:txBody>
-                    <a:bodyPr/>
-                    <a:lstStyle/>
-                    <a:p>
-                      <a:pPr algn="ctr"/>
-                      <a:r>
-                        <a:rPr lang="en-US" dirty="0" smtClean="0"/>
-                        <a:t>Description/Goal</a:t>
-                      </a:r>
-                      <a:endParaRPr lang="en-US" dirty="0"/>
-                    </a:p>
-                  </a:txBody>
-                  <a:tcPr/>
-                </a:tc>
-              </a:tr>
-              <a:tr h="370840">
-                <a:tc>
-                  <a:txBody>
-                    <a:bodyPr/>
-                    <a:lstStyle/>
-                    <a:p>
-                      <a:r>
-                        <a:rPr lang="en-US" dirty="0" smtClean="0"/>
-                        <a:t>Lab 1 –</a:t>
-                      </a:r>
-                      <a:r>
-                        <a:rPr lang="en-US" baseline="0" dirty="0" smtClean="0"/>
-                        <a:t> "A Simple Calculator"</a:t>
-                      </a:r>
-                      <a:endParaRPr lang="en-US" dirty="0"/>
-                    </a:p>
-                  </a:txBody>
-                  <a:tcPr/>
-                </a:tc>
-                <a:tc>
-                  <a:txBody>
-                    <a:bodyPr/>
-                    <a:lstStyle/>
-                    <a:p>
-                      <a:pPr algn="ctr"/>
-                      <a:r>
-                        <a:rPr lang="en-US" baseline="0" dirty="0" smtClean="0"/>
-                        <a:t>Assembly </a:t>
-                      </a:r>
-                      <a:endParaRPr lang="en-US" dirty="0"/>
-                    </a:p>
-                  </a:txBody>
-                  <a:tcPr/>
-                </a:tc>
-                <a:tc>
-                  <a:txBody>
-                    <a:bodyPr/>
-                    <a:lstStyle/>
-                    <a:p>
-                      <a:r>
-                        <a:rPr lang="en-US" sz="1600" b="0" i="0" kern="1200" dirty="0" smtClean="0">
-                          <a:solidFill>
-                            <a:schemeClr val="dk1"/>
-                          </a:solidFill>
-                          <a:effectLst/>
-                          <a:latin typeface="+mn-lt"/>
-                          <a:ea typeface="+mn-ea"/>
-                          <a:cs typeface="+mn-cs"/>
-                        </a:rPr>
-                        <a:t>Goal:</a:t>
-                      </a:r>
-                      <a:r>
-                        <a:rPr lang="en-US" sz="1600" b="0" i="0" kern="1200" baseline="0" dirty="0" smtClean="0">
-                          <a:solidFill>
-                            <a:schemeClr val="dk1"/>
-                          </a:solidFill>
-                          <a:effectLst/>
-                          <a:latin typeface="+mn-lt"/>
-                          <a:ea typeface="+mn-ea"/>
-                          <a:cs typeface="+mn-cs"/>
-                        </a:rPr>
-                        <a:t>  W</a:t>
-                      </a:r>
-                      <a:r>
-                        <a:rPr lang="en-US" sz="1600" b="0" i="0" kern="1200" dirty="0" smtClean="0">
-                          <a:solidFill>
-                            <a:schemeClr val="dk1"/>
-                          </a:solidFill>
-                          <a:effectLst/>
-                          <a:latin typeface="+mn-lt"/>
-                          <a:ea typeface="+mn-ea"/>
-                          <a:cs typeface="+mn-cs"/>
-                        </a:rPr>
-                        <a:t>rite a program that interprets a series of operands and operations and stores the results - an assembly language calculator!</a:t>
-                      </a:r>
-                      <a:endParaRPr lang="en-US" sz="1600" dirty="0"/>
-                    </a:p>
-                  </a:txBody>
-                  <a:tcPr/>
-                </a:tc>
-              </a:tr>
-              <a:tr h="370840">
-                <a:tc>
-                  <a:txBody>
-                    <a:bodyPr/>
-                    <a:lstStyle/>
-                    <a:p>
-                      <a:r>
-                        <a:rPr lang="en-US" dirty="0" smtClean="0"/>
-                        <a:t>Lab 2</a:t>
-                      </a:r>
-                      <a:r>
-                        <a:rPr lang="en-US" baseline="0" dirty="0" smtClean="0"/>
-                        <a:t> </a:t>
-                      </a:r>
-                      <a:r>
-                        <a:rPr lang="en-US" dirty="0" smtClean="0"/>
-                        <a:t>–</a:t>
-                      </a:r>
-                      <a:r>
-                        <a:rPr lang="en-US" baseline="0" dirty="0" smtClean="0"/>
-                        <a:t> Subroutines - "Cryptography"</a:t>
-                      </a:r>
-                      <a:endParaRPr lang="en-US" dirty="0"/>
-                    </a:p>
-                  </a:txBody>
-                  <a:tcPr/>
-                </a:tc>
-                <a:tc>
-                  <a:txBody>
-                    <a:bodyPr/>
-                    <a:lstStyle/>
-                    <a:p>
-                      <a:pPr algn="ctr"/>
-                      <a:r>
-                        <a:rPr lang="en-US" baseline="0" dirty="0" smtClean="0"/>
-                        <a:t>Assembly </a:t>
-                      </a:r>
-                      <a:endParaRPr lang="en-US" dirty="0"/>
-                    </a:p>
-                  </a:txBody>
-                  <a:tcPr/>
-                </a:tc>
-                <a:tc>
-                  <a:txBody>
-                    <a:bodyPr/>
-                    <a:lstStyle/>
-                    <a:p>
-                      <a:r>
-                        <a:rPr lang="en-US" sz="1600" b="0" i="0" kern="1200" dirty="0" smtClean="0">
-                          <a:solidFill>
-                            <a:schemeClr val="dk1"/>
-                          </a:solidFill>
-                          <a:effectLst/>
-                          <a:latin typeface="+mn-lt"/>
-                          <a:ea typeface="+mn-ea"/>
-                          <a:cs typeface="+mn-cs"/>
-                        </a:rPr>
-                        <a:t>Goal</a:t>
-                      </a:r>
-                      <a:r>
-                        <a:rPr lang="en-US" sz="1600" b="0" i="0" kern="1200" baseline="0" dirty="0" smtClean="0">
-                          <a:solidFill>
-                            <a:schemeClr val="dk1"/>
-                          </a:solidFill>
-                          <a:effectLst/>
-                          <a:latin typeface="+mn-lt"/>
-                          <a:ea typeface="+mn-ea"/>
-                          <a:cs typeface="+mn-cs"/>
-                        </a:rPr>
-                        <a:t>:  W</a:t>
-                      </a:r>
-                      <a:r>
-                        <a:rPr lang="en-US" sz="1600" b="0" i="0" kern="1200" dirty="0" smtClean="0">
-                          <a:solidFill>
-                            <a:schemeClr val="dk1"/>
-                          </a:solidFill>
-                          <a:effectLst/>
-                          <a:latin typeface="+mn-lt"/>
-                          <a:ea typeface="+mn-ea"/>
-                          <a:cs typeface="+mn-cs"/>
-                        </a:rPr>
-                        <a:t>rite a program that decrypts an encrypted message using a simple encryption technique (with and without</a:t>
-                      </a:r>
-                      <a:r>
-                        <a:rPr lang="en-US" sz="1600" b="0" i="0" kern="1200" baseline="0" dirty="0" smtClean="0">
-                          <a:solidFill>
-                            <a:schemeClr val="dk1"/>
-                          </a:solidFill>
-                          <a:effectLst/>
-                          <a:latin typeface="+mn-lt"/>
-                          <a:ea typeface="+mn-ea"/>
-                          <a:cs typeface="+mn-cs"/>
-                        </a:rPr>
-                        <a:t> key)</a:t>
-                      </a:r>
-                      <a:r>
-                        <a:rPr lang="en-US" sz="1600" b="0" i="0" kern="1200" dirty="0" smtClean="0">
-                          <a:solidFill>
-                            <a:schemeClr val="dk1"/>
-                          </a:solidFill>
-                          <a:effectLst/>
-                          <a:latin typeface="+mn-lt"/>
-                          <a:ea typeface="+mn-ea"/>
-                          <a:cs typeface="+mn-cs"/>
-                        </a:rPr>
-                        <a:t>.</a:t>
-                      </a:r>
-                      <a:endParaRPr lang="en-US" sz="1600" dirty="0"/>
-                    </a:p>
-                  </a:txBody>
-                  <a:tcPr/>
-                </a:tc>
-              </a:tr>
-              <a:tr h="370840">
-                <a:tc>
-                  <a:txBody>
-                    <a:bodyPr/>
-                    <a:lstStyle/>
-                    <a:p>
-                      <a:r>
-                        <a:rPr lang="en-US" dirty="0" smtClean="0"/>
-                        <a:t>Lab 3 –</a:t>
-                      </a:r>
-                      <a:r>
-                        <a:rPr lang="en-US" baseline="0" dirty="0" smtClean="0"/>
-                        <a:t> SPI - "I/O"</a:t>
-                      </a:r>
-                      <a:endParaRPr lang="en-US" dirty="0"/>
-                    </a:p>
-                  </a:txBody>
-                  <a:tcPr/>
-                </a:tc>
-                <a:tc>
-                  <a:txBody>
-                    <a:bodyPr/>
-                    <a:lstStyle/>
-                    <a:p>
-                      <a:pPr algn="ctr"/>
-                      <a:r>
-                        <a:rPr lang="en-US" b="0" baseline="0" dirty="0" smtClean="0"/>
-                        <a:t>Assembly </a:t>
-                      </a:r>
-                      <a:endParaRPr lang="en-US" b="0" dirty="0"/>
-                    </a:p>
-                  </a:txBody>
-                  <a:tcPr/>
-                </a:tc>
-                <a:tc>
-                  <a:txBody>
-                    <a:bodyPr/>
-                    <a:lstStyle/>
-                    <a:p>
-                      <a:r>
-                        <a:rPr lang="en-US" sz="1600" dirty="0" smtClean="0"/>
-                        <a:t>Goal:  Write subroutines to interface with an LCD </a:t>
-                      </a:r>
-                      <a:r>
-                        <a:rPr lang="en-US" sz="1600" dirty="0" err="1" smtClean="0"/>
-                        <a:t>BoosterPack</a:t>
-                      </a:r>
-                      <a:r>
-                        <a:rPr lang="en-US" sz="1600" baseline="0" dirty="0" smtClean="0"/>
-                        <a:t> using the SPI subsystem. </a:t>
-                      </a:r>
-                      <a:endParaRPr lang="en-US" sz="1600" dirty="0"/>
-                    </a:p>
-                  </a:txBody>
-                  <a:tcPr/>
-                </a:tc>
-              </a:tr>
-              <a:tr h="370840">
-                <a:tc>
-                  <a:txBody>
-                    <a:bodyPr/>
-                    <a:lstStyle/>
-                    <a:p>
-                      <a:r>
-                        <a:rPr lang="en-US" dirty="0" smtClean="0"/>
-                        <a:t>Lab 4 – "An LCD Device Driver"</a:t>
-                      </a:r>
-                      <a:endParaRPr lang="en-US" dirty="0"/>
-                    </a:p>
-                  </a:txBody>
-                  <a:tcPr/>
-                </a:tc>
-                <a:tc>
-                  <a:txBody>
-                    <a:bodyPr/>
-                    <a:lstStyle/>
-                    <a:p>
-                      <a:pPr algn="ctr"/>
-                      <a:r>
-                        <a:rPr lang="en-US" b="0" dirty="0" smtClean="0"/>
-                        <a:t>C</a:t>
-                      </a:r>
-                      <a:r>
-                        <a:rPr lang="en-US" b="0" baseline="0" dirty="0" smtClean="0"/>
-                        <a:t> Code / ASM mix</a:t>
-                      </a:r>
-                      <a:endParaRPr lang="en-US" b="0" dirty="0"/>
-                    </a:p>
-                  </a:txBody>
-                  <a:tcPr/>
-                </a:tc>
-                <a:tc>
-                  <a:txBody>
-                    <a:bodyPr/>
-                    <a:lstStyle/>
-                    <a:p>
-                      <a:r>
-                        <a:rPr lang="en-US" sz="1600" dirty="0" smtClean="0"/>
-                        <a:t>Goal:  Write</a:t>
-                      </a:r>
-                      <a:r>
-                        <a:rPr lang="en-US" sz="1600" baseline="0" dirty="0" smtClean="0"/>
-                        <a:t> a program that creates an etch-a-sketch program that utilizes Lab 3 subroutines.</a:t>
-                      </a:r>
-                      <a:endParaRPr lang="en-US" sz="1600" b="1" dirty="0"/>
-                    </a:p>
-                  </a:txBody>
-                  <a:tcPr/>
-                </a:tc>
-              </a:tr>
-            </a:tbl>
-          </a:graphicData>
-        </a:graphic>
-      </p:graphicFrame>
-    </p:spTree>
-    <p:extLst>
-      <p:ext uri="{BB962C8B-B14F-4D97-AF65-F5344CB8AC3E}">
-        <p14:creationId xmlns:p14="http://schemas.microsoft.com/office/powerpoint/2010/main" val="776762491"/>
-      </p:ext>
-    </p:extLst>
-  </p:cSld>
-  <p:clrMapOvr>
-    <a:masterClrMapping/>
-  </p:clrMapOvr>
-  <mc:AlternateContent xmlns:mc="http://schemas.openxmlformats.org/markup-compatibility/2006" xmlns:p14="http://schemas.microsoft.com/office/powerpoint/2010/main">
-    <mc:Choice Requires="p14">
-      <p:transition spd="slow" p14:dur="2000"/>
-    </mc:Choice>
-    <mc:Fallback xmlns="">
-      <p:transition spd="slow"/>
-    </mc:Fallback>
-  </mc:AlternateContent>
-  <p:timing>
-    <p:tnLst>
-      <p:par>
-        <p:cTn id="1" dur="indefinite" restart="never" nodeType="tmRoot"/>
-      </p:par>
-    </p:tnLst>
-  </p:timing>
-</p:sld>
-</file>
-
-<file path=ppt/slides/slide17.xml><?xml version="1.0" encoding="utf-8"?>
-<p:sld xmlns:a="http://schemas.openxmlformats.org/drawingml/2006/main" xmlns:r="http://schemas.openxmlformats.org/officeDocument/2006/relationships" xmlns:p="http://schemas.openxmlformats.org/presentationml/2006/main" show="0">
-  <p:cSld>
-    <p:spTree>
-      <p:nvGrpSpPr>
-        <p:cNvPr id="1" name=""/>
-        <p:cNvGrpSpPr/>
-        <p:nvPr/>
-      </p:nvGrpSpPr>
-      <p:grpSpPr>
-        <a:xfrm>
-          <a:off x="0" y="0"/>
-          <a:ext cx="0" cy="0"/>
-          <a:chOff x="0" y="0"/>
-          <a:chExt cx="0" cy="0"/>
-        </a:xfrm>
-      </p:grpSpPr>
-      <p:sp>
-        <p:nvSpPr>
-          <p:cNvPr id="14338" name="Rectangle 2"/>
-          <p:cNvSpPr>
-            <a:spLocks noGrp="1" noChangeArrowheads="1"/>
-          </p:cNvSpPr>
-          <p:nvPr>
-            <p:ph type="title"/>
-          </p:nvPr>
-        </p:nvSpPr>
-        <p:spPr/>
-        <p:txBody>
-          <a:bodyPr/>
-          <a:lstStyle/>
-          <a:p>
-            <a:r>
-              <a:rPr lang="en-US" sz="3200" i="1" dirty="0"/>
-              <a:t>ECE </a:t>
-            </a:r>
-            <a:r>
-              <a:rPr lang="en-US" sz="3200" i="1" dirty="0" smtClean="0"/>
-              <a:t>382 </a:t>
-            </a:r>
-            <a:r>
-              <a:rPr lang="en-US" sz="3200" i="1" dirty="0"/>
-              <a:t>– </a:t>
-            </a:r>
-            <a:r>
-              <a:rPr lang="en-US" sz="3200" i="1" dirty="0">
-                <a:cs typeface="Times New Roman" pitchFamily="18" charset="0"/>
-              </a:rPr>
-              <a:t>Labs Continued</a:t>
-            </a:r>
-            <a:endParaRPr lang="en-US" sz="3200" b="1" i="1" dirty="0" smtClean="0">
-              <a:cs typeface="Times New Roman" pitchFamily="18" charset="0"/>
-            </a:endParaRPr>
-          </a:p>
-        </p:txBody>
-      </p:sp>
-      <p:sp>
-        <p:nvSpPr>
-          <p:cNvPr id="4" name="Slide Number Placeholder 5"/>
-          <p:cNvSpPr>
-            <a:spLocks noGrp="1"/>
-          </p:cNvSpPr>
-          <p:nvPr>
-            <p:ph type="sldNum" sz="quarter" idx="10"/>
-          </p:nvPr>
-        </p:nvSpPr>
-        <p:spPr>
-          <a:xfrm>
-            <a:off x="7334250" y="6524625"/>
-            <a:ext cx="1452563" cy="333375"/>
-          </a:xfrm>
-          <a:noFill/>
-        </p:spPr>
-        <p:txBody>
-          <a:bodyPr/>
-          <a:lstStyle/>
-          <a:p>
-            <a:fld id="{D606CFC6-1681-4E9F-A954-C3E2AEEDAC56}" type="slidenum">
-              <a:rPr lang="en-US" smtClean="0"/>
-              <a:pPr/>
-              <a:t>17</a:t>
-            </a:fld>
-            <a:endParaRPr lang="en-US" dirty="0" smtClean="0"/>
-          </a:p>
-        </p:txBody>
-      </p:sp>
-      <p:sp>
-        <p:nvSpPr>
-          <p:cNvPr id="2" name="Content Placeholder 1"/>
-          <p:cNvSpPr>
-            <a:spLocks noGrp="1"/>
-          </p:cNvSpPr>
-          <p:nvPr>
-            <p:ph idx="1"/>
-          </p:nvPr>
-        </p:nvSpPr>
-        <p:spPr/>
-        <p:txBody>
-          <a:bodyPr/>
-          <a:lstStyle/>
-          <a:p>
-            <a:endParaRPr lang="en-US" dirty="0"/>
-          </a:p>
-        </p:txBody>
-      </p:sp>
-      <p:graphicFrame>
-        <p:nvGraphicFramePr>
-          <p:cNvPr id="5" name="Content Placeholder 2"/>
-          <p:cNvGraphicFramePr>
-            <a:graphicFrameLocks/>
-          </p:cNvGraphicFramePr>
-          <p:nvPr>
-            <p:extLst>
-              <p:ext uri="{D42A27DB-BD31-4B8C-83A1-F6EECF244321}">
-                <p14:modId xmlns:p14="http://schemas.microsoft.com/office/powerpoint/2010/main" val="634868224"/>
-              </p:ext>
-            </p:extLst>
-          </p:nvPr>
-        </p:nvGraphicFramePr>
-        <p:xfrm>
-          <a:off x="418358" y="1456801"/>
-          <a:ext cx="8388289" cy="3662680"/>
-        </p:xfrm>
-        <a:graphic>
-          <a:graphicData uri="http://schemas.openxmlformats.org/drawingml/2006/table">
-            <a:tbl>
-              <a:tblPr firstRow="1" bandRow="1">
-                <a:tableStyleId>{21E4AEA4-8DFA-4A89-87EB-49C32662AFE0}</a:tableStyleId>
-              </a:tblPr>
-              <a:tblGrid>
-                <a:gridCol w="2671071"/>
-                <a:gridCol w="1313895"/>
-                <a:gridCol w="4403323"/>
-              </a:tblGrid>
-              <a:tr h="370840">
-                <a:tc>
-                  <a:txBody>
-                    <a:bodyPr/>
-                    <a:lstStyle/>
-                    <a:p>
-                      <a:pPr algn="ctr"/>
-                      <a:r>
-                        <a:rPr lang="en-US" dirty="0" smtClean="0"/>
-                        <a:t>Lab</a:t>
-                      </a:r>
-                      <a:r>
-                        <a:rPr lang="en-US" baseline="0" dirty="0" smtClean="0"/>
-                        <a:t> </a:t>
-                      </a:r>
-                      <a:endParaRPr lang="en-US" dirty="0"/>
-                    </a:p>
-                  </a:txBody>
-                  <a:tcPr/>
-                </a:tc>
-                <a:tc>
-                  <a:txBody>
-                    <a:bodyPr/>
-                    <a:lstStyle/>
-                    <a:p>
-                      <a:pPr algn="ctr"/>
-                      <a:r>
-                        <a:rPr lang="en-US" dirty="0" smtClean="0"/>
-                        <a:t>Language</a:t>
-                      </a:r>
-                      <a:endParaRPr lang="en-US" dirty="0"/>
-                    </a:p>
-                  </a:txBody>
-                  <a:tcPr/>
-                </a:tc>
-                <a:tc>
-                  <a:txBody>
-                    <a:bodyPr/>
-                    <a:lstStyle/>
-                    <a:p>
-                      <a:pPr algn="ctr"/>
-                      <a:r>
-                        <a:rPr lang="en-US" dirty="0" smtClean="0"/>
-                        <a:t>Description/Goal</a:t>
-                      </a:r>
-                      <a:endParaRPr lang="en-US" dirty="0"/>
-                    </a:p>
-                  </a:txBody>
-                  <a:tcPr/>
-                </a:tc>
-              </a:tr>
-              <a:tr h="370840">
-                <a:tc>
-                  <a:txBody>
-                    <a:bodyPr/>
-                    <a:lstStyle/>
-                    <a:p>
-                      <a:r>
-                        <a:rPr lang="en-US" dirty="0" smtClean="0"/>
-                        <a:t>Lab 5 – Interrupts - "A Simple Game“</a:t>
-                      </a:r>
-                      <a:endParaRPr lang="en-US" dirty="0"/>
-                    </a:p>
-                  </a:txBody>
-                  <a:tcPr/>
-                </a:tc>
-                <a:tc>
-                  <a:txBody>
-                    <a:bodyPr/>
-                    <a:lstStyle/>
-                    <a:p>
-                      <a:pPr marL="0" marR="0" indent="0" algn="ctr" defTabSz="914400" rtl="0" eaLnBrk="1" fontAlgn="auto" latinLnBrk="0" hangingPunct="1">
-                        <a:lnSpc>
-                          <a:spcPct val="100000"/>
-                        </a:lnSpc>
-                        <a:spcBef>
-                          <a:spcPts val="0"/>
-                        </a:spcBef>
-                        <a:spcAft>
-                          <a:spcPts val="0"/>
-                        </a:spcAft>
-                        <a:buClrTx/>
-                        <a:buSzTx/>
-                        <a:buFontTx/>
-                        <a:buNone/>
-                        <a:tabLst/>
-                        <a:defRPr/>
-                      </a:pPr>
-                      <a:r>
-                        <a:rPr lang="en-US" b="0" dirty="0" smtClean="0"/>
-                        <a:t>C</a:t>
-                      </a:r>
-                      <a:r>
-                        <a:rPr lang="en-US" b="0" baseline="0" dirty="0" smtClean="0"/>
-                        <a:t> Code</a:t>
-                      </a:r>
-                      <a:endParaRPr lang="en-US" b="0" dirty="0" smtClean="0"/>
-                    </a:p>
-                  </a:txBody>
-                  <a:tcPr/>
-                </a:tc>
-                <a:tc>
-                  <a:txBody>
-                    <a:bodyPr/>
-                    <a:lstStyle/>
-                    <a:p>
-                      <a:r>
-                        <a:rPr lang="en-US" sz="1600" dirty="0" smtClean="0"/>
-                        <a:t>Goal:  Write</a:t>
-                      </a:r>
-                      <a:r>
-                        <a:rPr lang="en-US" sz="1600" baseline="0" dirty="0" smtClean="0"/>
-                        <a:t> a program that uses interrupts and the </a:t>
-                      </a:r>
-                      <a:r>
-                        <a:rPr lang="en-US" sz="1600" baseline="0" dirty="0" err="1" smtClean="0"/>
-                        <a:t>Timer_A</a:t>
-                      </a:r>
-                      <a:r>
-                        <a:rPr lang="en-US" sz="1600" baseline="0" dirty="0" smtClean="0"/>
-                        <a:t> </a:t>
-                      </a:r>
-                      <a:r>
-                        <a:rPr lang="en-US" sz="1600" baseline="0" dirty="0" err="1" smtClean="0"/>
-                        <a:t>subsytem</a:t>
-                      </a:r>
-                      <a:r>
-                        <a:rPr lang="en-US" sz="1600" baseline="0" dirty="0" smtClean="0"/>
-                        <a:t> to reverse engineer a remote control as a game controller. </a:t>
-                      </a:r>
-                      <a:endParaRPr lang="en-US" sz="1600" dirty="0"/>
-                    </a:p>
-                  </a:txBody>
-                  <a:tcPr/>
-                </a:tc>
-              </a:tr>
-              <a:tr h="370840">
-                <a:tc>
-                  <a:txBody>
-                    <a:bodyPr/>
-                    <a:lstStyle/>
-                    <a:p>
-                      <a:r>
-                        <a:rPr lang="en-US" dirty="0" smtClean="0"/>
-                        <a:t>Lab 6 </a:t>
-                      </a:r>
-                      <a:r>
-                        <a:rPr lang="en-US" baseline="0" dirty="0" smtClean="0"/>
-                        <a:t>– PWM - "Robot Motion"</a:t>
-                      </a:r>
-                      <a:endParaRPr lang="en-US" dirty="0"/>
-                    </a:p>
-                  </a:txBody>
-                  <a:tcPr/>
-                </a:tc>
-                <a:tc>
-                  <a:txBody>
-                    <a:bodyPr/>
-                    <a:lstStyle/>
-                    <a:p>
-                      <a:pPr marL="0" marR="0" indent="0" algn="ctr" defTabSz="914400" rtl="0" eaLnBrk="1" fontAlgn="auto" latinLnBrk="0" hangingPunct="1">
-                        <a:lnSpc>
-                          <a:spcPct val="100000"/>
-                        </a:lnSpc>
-                        <a:spcBef>
-                          <a:spcPts val="0"/>
-                        </a:spcBef>
-                        <a:spcAft>
-                          <a:spcPts val="0"/>
-                        </a:spcAft>
-                        <a:buClrTx/>
-                        <a:buSzTx/>
-                        <a:buFontTx/>
-                        <a:buNone/>
-                        <a:tabLst/>
-                        <a:defRPr/>
-                      </a:pPr>
-                      <a:r>
-                        <a:rPr lang="en-US" b="0" dirty="0" smtClean="0"/>
-                        <a:t>C</a:t>
-                      </a:r>
-                      <a:r>
-                        <a:rPr lang="en-US" b="0" baseline="0" dirty="0" smtClean="0"/>
-                        <a:t> Code</a:t>
-                      </a:r>
-                      <a:endParaRPr lang="en-US" b="0" dirty="0" smtClean="0"/>
-                    </a:p>
-                    <a:p>
-                      <a:pPr algn="ctr"/>
-                      <a:endParaRPr lang="en-US" b="0" dirty="0"/>
-                    </a:p>
-                  </a:txBody>
-                  <a:tcPr/>
-                </a:tc>
-                <a:tc>
-                  <a:txBody>
-                    <a:bodyPr/>
-                    <a:lstStyle/>
-                    <a:p>
-                      <a:r>
-                        <a:rPr lang="en-US" sz="1600" dirty="0" smtClean="0"/>
-                        <a:t>Goal: Write</a:t>
-                      </a:r>
-                      <a:r>
-                        <a:rPr lang="en-US" sz="1600" baseline="0" dirty="0" smtClean="0"/>
-                        <a:t> program </a:t>
-                      </a:r>
-                      <a:r>
-                        <a:rPr lang="en-US" sz="1600" dirty="0" smtClean="0"/>
-                        <a:t>using the pulse-width </a:t>
-                      </a:r>
-                      <a:r>
-                        <a:rPr lang="en-US" sz="1600" dirty="0" err="1" smtClean="0"/>
-                        <a:t>modulationed</a:t>
-                      </a:r>
-                      <a:r>
-                        <a:rPr lang="en-US" sz="1600" dirty="0" smtClean="0"/>
-                        <a:t> waveforms to control the speed / direction of your robot's motors.</a:t>
-                      </a:r>
-                      <a:endParaRPr lang="en-US" sz="1600" dirty="0"/>
-                    </a:p>
-                  </a:txBody>
-                  <a:tcPr/>
-                </a:tc>
-              </a:tr>
-              <a:tr h="370840">
-                <a:tc>
-                  <a:txBody>
-                    <a:bodyPr/>
-                    <a:lstStyle/>
-                    <a:p>
-                      <a:r>
-                        <a:rPr lang="en-US" dirty="0" smtClean="0"/>
-                        <a:t>Lab 7 – A/D Conversion - "Robot Sensing"</a:t>
-                      </a:r>
-                      <a:endParaRPr lang="en-US" dirty="0"/>
-                    </a:p>
-                  </a:txBody>
-                  <a:tcPr/>
-                </a:tc>
-                <a:tc>
-                  <a:txBody>
-                    <a:bodyPr/>
-                    <a:lstStyle/>
-                    <a:p>
-                      <a:pPr marL="0" marR="0" indent="0" algn="ctr" defTabSz="914400" rtl="0" eaLnBrk="1" fontAlgn="auto" latinLnBrk="0" hangingPunct="1">
-                        <a:lnSpc>
-                          <a:spcPct val="100000"/>
-                        </a:lnSpc>
-                        <a:spcBef>
-                          <a:spcPts val="0"/>
-                        </a:spcBef>
-                        <a:spcAft>
-                          <a:spcPts val="0"/>
-                        </a:spcAft>
-                        <a:buClrTx/>
-                        <a:buSzTx/>
-                        <a:buFontTx/>
-                        <a:buNone/>
-                        <a:tabLst/>
-                        <a:defRPr/>
-                      </a:pPr>
-                      <a:r>
-                        <a:rPr lang="en-US" b="0" dirty="0" smtClean="0"/>
-                        <a:t>C</a:t>
-                      </a:r>
-                      <a:r>
-                        <a:rPr lang="en-US" b="0" baseline="0" dirty="0" smtClean="0"/>
-                        <a:t> Code</a:t>
-                      </a:r>
-                      <a:endParaRPr lang="en-US" b="0" dirty="0" smtClean="0"/>
-                    </a:p>
-                    <a:p>
-                      <a:pPr algn="ctr"/>
-                      <a:endParaRPr lang="en-US" b="0" dirty="0"/>
-                    </a:p>
-                  </a:txBody>
-                  <a:tcPr/>
-                </a:tc>
-                <a:tc>
-                  <a:txBody>
-                    <a:bodyPr/>
-                    <a:lstStyle/>
-                    <a:p>
-                      <a:r>
-                        <a:rPr lang="en-US" sz="1600" dirty="0" smtClean="0"/>
-                        <a:t>Goal:  Write a program to interface</a:t>
-                      </a:r>
-                      <a:r>
-                        <a:rPr lang="en-US" sz="1600" baseline="0" dirty="0" smtClean="0"/>
-                        <a:t> with an ultrasonic rangefinder on a servo to determine if the robot is approaching a wall on 3 sides.</a:t>
-                      </a:r>
-                      <a:endParaRPr lang="en-US" sz="1600" dirty="0"/>
-                    </a:p>
-                  </a:txBody>
-                  <a:tcPr/>
-                </a:tc>
-              </a:tr>
-              <a:tr h="370840">
-                <a:tc>
-                  <a:txBody>
-                    <a:bodyPr/>
-                    <a:lstStyle/>
-                    <a:p>
-                      <a:r>
-                        <a:rPr lang="en-US" dirty="0" smtClean="0"/>
-                        <a:t>Lab 8 – Robot Maze Competition</a:t>
-                      </a:r>
-                      <a:endParaRPr lang="en-US" dirty="0"/>
-                    </a:p>
-                  </a:txBody>
-                  <a:tcPr/>
-                </a:tc>
-                <a:tc>
-                  <a:txBody>
-                    <a:bodyPr/>
-                    <a:lstStyle/>
-                    <a:p>
-                      <a:pPr marL="0" marR="0" indent="0" algn="ctr" defTabSz="914400" rtl="0" eaLnBrk="1" fontAlgn="auto" latinLnBrk="0" hangingPunct="1">
-                        <a:lnSpc>
-                          <a:spcPct val="100000"/>
-                        </a:lnSpc>
-                        <a:spcBef>
-                          <a:spcPts val="0"/>
-                        </a:spcBef>
-                        <a:spcAft>
-                          <a:spcPts val="0"/>
-                        </a:spcAft>
-                        <a:buClrTx/>
-                        <a:buSzTx/>
-                        <a:buFontTx/>
-                        <a:buNone/>
-                        <a:tabLst/>
-                        <a:defRPr/>
-                      </a:pPr>
-                      <a:r>
-                        <a:rPr lang="en-US" b="0" dirty="0" smtClean="0"/>
-                        <a:t>C</a:t>
-                      </a:r>
-                      <a:r>
-                        <a:rPr lang="en-US" b="0" baseline="0" dirty="0" smtClean="0"/>
-                        <a:t> Code</a:t>
-                      </a:r>
-                      <a:endParaRPr lang="en-US" b="0" dirty="0" smtClean="0"/>
-                    </a:p>
-                    <a:p>
-                      <a:pPr algn="ctr"/>
-                      <a:endParaRPr lang="en-US" b="0" dirty="0"/>
-                    </a:p>
-                  </a:txBody>
-                  <a:tcPr/>
-                </a:tc>
-                <a:tc>
-                  <a:txBody>
-                    <a:bodyPr/>
-                    <a:lstStyle/>
-                    <a:p>
-                      <a:r>
-                        <a:rPr lang="en-US" sz="1600" dirty="0" smtClean="0"/>
-                        <a:t>Goal:  Combine</a:t>
-                      </a:r>
-                      <a:r>
-                        <a:rPr lang="en-US" sz="1600" baseline="0" dirty="0" smtClean="0"/>
-                        <a:t> what was learned in previous labs to program the robot to autonomously navigate through a maze.</a:t>
-                      </a:r>
-                      <a:endParaRPr lang="en-US" sz="1600" dirty="0"/>
-                    </a:p>
-                  </a:txBody>
-                  <a:tcPr/>
-                </a:tc>
-              </a:tr>
-            </a:tbl>
-          </a:graphicData>
-        </a:graphic>
-      </p:graphicFrame>
-    </p:spTree>
-    <p:extLst>
-      <p:ext uri="{BB962C8B-B14F-4D97-AF65-F5344CB8AC3E}">
-        <p14:creationId xmlns:p14="http://schemas.microsoft.com/office/powerpoint/2010/main" val="1092428639"/>
-      </p:ext>
-    </p:extLst>
-  </p:cSld>
-  <p:clrMapOvr>
-    <a:masterClrMapping/>
-  </p:clrMapOvr>
-  <mc:AlternateContent xmlns:mc="http://schemas.openxmlformats.org/markup-compatibility/2006" xmlns:p14="http://schemas.microsoft.com/office/powerpoint/2010/main">
-    <mc:Choice Requires="p14">
-      <p:transition spd="slow" p14:dur="2000"/>
-    </mc:Choice>
-    <mc:Fallback xmlns="">
-      <p:transition spd="slow"/>
-    </mc:Fallback>
-  </mc:AlternateContent>
-  <p:timing>
-    <p:tnLst>
-      <p:par>
-        <p:cTn id="1" dur="indefinite" restart="never" nodeType="tmRoot"/>
-      </p:par>
-    </p:tnLst>
-  </p:timing>
-</p:sld>
-</file>
-
-<file path=ppt/slides/slide18.xml><?xml version="1.0" encoding="utf-8"?>
-<p:sld xmlns:a="http://schemas.openxmlformats.org/drawingml/2006/main" xmlns:r="http://schemas.openxmlformats.org/officeDocument/2006/relationships" xmlns:p="http://schemas.openxmlformats.org/presentationml/2006/main">
-  <p:cSld>
-    <p:spTree>
-      <p:nvGrpSpPr>
-        <p:cNvPr id="1" name=""/>
-        <p:cNvGrpSpPr/>
-        <p:nvPr/>
-      </p:nvGrpSpPr>
-      <p:grpSpPr>
-        <a:xfrm>
-          <a:off x="0" y="0"/>
-          <a:ext cx="0" cy="0"/>
-          <a:chOff x="0" y="0"/>
-          <a:chExt cx="0" cy="0"/>
-        </a:xfrm>
-      </p:grpSpPr>
-      <p:sp>
-        <p:nvSpPr>
-          <p:cNvPr id="111618" name="Title 1"/>
-          <p:cNvSpPr>
-            <a:spLocks noGrp="1"/>
-          </p:cNvSpPr>
-          <p:nvPr>
-            <p:ph type="title"/>
-          </p:nvPr>
-        </p:nvSpPr>
-        <p:spPr/>
-        <p:txBody>
-          <a:bodyPr/>
-          <a:lstStyle/>
-          <a:p>
-            <a:r>
-              <a:rPr lang="en-US" dirty="0" smtClean="0"/>
-              <a:t>Other Course Policies - Labs</a:t>
-            </a:r>
-          </a:p>
-        </p:txBody>
-      </p:sp>
-      <p:sp>
-        <p:nvSpPr>
-          <p:cNvPr id="111619" name="Content Placeholder 2"/>
-          <p:cNvSpPr>
-            <a:spLocks noGrp="1"/>
-          </p:cNvSpPr>
-          <p:nvPr>
-            <p:ph idx="1"/>
-          </p:nvPr>
-        </p:nvSpPr>
-        <p:spPr/>
-        <p:txBody>
-          <a:bodyPr/>
-          <a:lstStyle/>
-          <a:p>
-            <a:r>
-              <a:rPr lang="en-US" dirty="0" err="1" smtClean="0"/>
-              <a:t>Bitbucket</a:t>
-            </a:r>
-            <a:r>
-              <a:rPr lang="en-US" dirty="0" smtClean="0"/>
-              <a:t> to turn in lab materials bitbucket.org</a:t>
-            </a:r>
-          </a:p>
-          <a:p>
-            <a:endParaRPr lang="en-US" dirty="0" smtClean="0"/>
-          </a:p>
-          <a:p>
-            <a:r>
-              <a:rPr lang="en-US" dirty="0" smtClean="0"/>
-              <a:t>Class time is provided, but come prepared!</a:t>
-            </a:r>
-          </a:p>
-          <a:p>
-            <a:pPr lvl="1"/>
-            <a:r>
-              <a:rPr lang="en-US" dirty="0" smtClean="0"/>
-              <a:t>The labs will require debugging—53 minutes goes by quickly</a:t>
-            </a:r>
-          </a:p>
-          <a:p>
-            <a:pPr lvl="1"/>
-            <a:endParaRPr lang="en-US" dirty="0"/>
-          </a:p>
-          <a:p>
-            <a:r>
-              <a:rPr lang="en-US" dirty="0" err="1" smtClean="0"/>
-              <a:t>Prelabs</a:t>
-            </a:r>
-            <a:r>
-              <a:rPr lang="en-US" dirty="0"/>
-              <a:t> </a:t>
-            </a:r>
-            <a:r>
-              <a:rPr lang="en-US" dirty="0" smtClean="0"/>
-              <a:t>due NLT one full duty day prior to lab lesson (unless otherwise stated)</a:t>
-            </a:r>
-          </a:p>
-          <a:p>
-            <a:pPr lvl="1"/>
-            <a:r>
-              <a:rPr lang="en-US" dirty="0" smtClean="0"/>
-              <a:t>Early feedback critical</a:t>
-            </a:r>
-          </a:p>
-          <a:p>
-            <a:pPr lvl="1"/>
-            <a:r>
-              <a:rPr lang="en-US" dirty="0" smtClean="0"/>
-              <a:t>Bad plan </a:t>
-            </a:r>
-            <a:r>
-              <a:rPr lang="en-US" dirty="0" smtClean="0">
-                <a:sym typeface="Wingdings" panose="05000000000000000000" pitchFamily="2" charset="2"/>
-              </a:rPr>
-              <a:t> bad implementation</a:t>
-            </a:r>
-            <a:endParaRPr lang="en-US" dirty="0" smtClean="0"/>
-          </a:p>
-        </p:txBody>
-      </p:sp>
-      <p:sp>
-        <p:nvSpPr>
-          <p:cNvPr id="111620" name="Slide Number Placeholder 3"/>
-          <p:cNvSpPr>
-            <a:spLocks noGrp="1"/>
-          </p:cNvSpPr>
-          <p:nvPr>
-            <p:ph type="sldNum" sz="quarter" idx="10"/>
-          </p:nvPr>
-        </p:nvSpPr>
-        <p:spPr>
-          <a:noFill/>
-          <a:ln/>
-          <a:extLst>
-            <a:ext uri="{909E8E84-426E-40DD-AFC4-6F175D3DCCD1}">
-              <a14:hiddenFill xmlns:a14="http://schemas.microsoft.com/office/drawing/2010/main">
-                <a:solidFill>
-                  <a:srgbClr val="FFFFFF"/>
-                </a:solidFill>
-              </a14:hiddenFill>
-            </a:ext>
-            <a:ext uri="{91240B29-F687-4F45-9708-019B960494DF}">
-              <a14:hiddenLine xmlns:a14="http://schemas.microsoft.com/office/drawing/2010/main" w="9525">
-                <a:solidFill>
-                  <a:srgbClr val="000000"/>
-                </a:solidFill>
-                <a:miter lim="800000"/>
-                <a:headEnd/>
-                <a:tailEnd/>
-              </a14:hiddenLine>
-            </a:ext>
-          </a:extLst>
-        </p:spPr>
-        <p:txBody>
-          <a:bodyPr/>
-          <a:lstStyle>
-            <a:lvl1pPr>
-              <a:defRPr sz="1400">
-                <a:solidFill>
-                  <a:schemeClr val="tx1"/>
-                </a:solidFill>
-                <a:latin typeface="Arial" pitchFamily="34" charset="0"/>
-              </a:defRPr>
-            </a:lvl1pPr>
-            <a:lvl2pPr marL="742950" indent="-285750">
-              <a:defRPr sz="1400">
-                <a:solidFill>
-                  <a:schemeClr val="tx1"/>
-                </a:solidFill>
-                <a:latin typeface="Arial" pitchFamily="34" charset="0"/>
-              </a:defRPr>
-            </a:lvl2pPr>
-            <a:lvl3pPr marL="1143000" indent="-228600">
-              <a:defRPr sz="1400">
-                <a:solidFill>
-                  <a:schemeClr val="tx1"/>
-                </a:solidFill>
-                <a:latin typeface="Arial" pitchFamily="34" charset="0"/>
-              </a:defRPr>
-            </a:lvl3pPr>
-            <a:lvl4pPr marL="1600200" indent="-228600">
-              <a:defRPr sz="1400">
-                <a:solidFill>
-                  <a:schemeClr val="tx1"/>
-                </a:solidFill>
-                <a:latin typeface="Arial" pitchFamily="34" charset="0"/>
-              </a:defRPr>
-            </a:lvl4pPr>
-            <a:lvl5pPr marL="2057400" indent="-228600">
-              <a:defRPr sz="1400">
-                <a:solidFill>
-                  <a:schemeClr val="tx1"/>
-                </a:solidFill>
-                <a:latin typeface="Arial" pitchFamily="34" charset="0"/>
-              </a:defRPr>
-            </a:lvl5pPr>
-            <a:lvl6pPr marL="2514600" indent="-228600" algn="ctr" eaLnBrk="0" fontAlgn="base" hangingPunct="0">
-              <a:spcBef>
-                <a:spcPct val="0"/>
-              </a:spcBef>
-              <a:spcAft>
-                <a:spcPct val="0"/>
-              </a:spcAft>
-              <a:defRPr sz="1400">
-                <a:solidFill>
-                  <a:schemeClr val="tx1"/>
-                </a:solidFill>
-                <a:latin typeface="Arial" pitchFamily="34" charset="0"/>
-              </a:defRPr>
-            </a:lvl6pPr>
-            <a:lvl7pPr marL="2971800" indent="-228600" algn="ctr" eaLnBrk="0" fontAlgn="base" hangingPunct="0">
-              <a:spcBef>
-                <a:spcPct val="0"/>
-              </a:spcBef>
-              <a:spcAft>
-                <a:spcPct val="0"/>
-              </a:spcAft>
-              <a:defRPr sz="1400">
-                <a:solidFill>
-                  <a:schemeClr val="tx1"/>
-                </a:solidFill>
-                <a:latin typeface="Arial" pitchFamily="34" charset="0"/>
-              </a:defRPr>
-            </a:lvl7pPr>
-            <a:lvl8pPr marL="3429000" indent="-228600" algn="ctr" eaLnBrk="0" fontAlgn="base" hangingPunct="0">
-              <a:spcBef>
-                <a:spcPct val="0"/>
-              </a:spcBef>
-              <a:spcAft>
-                <a:spcPct val="0"/>
-              </a:spcAft>
-              <a:defRPr sz="1400">
-                <a:solidFill>
-                  <a:schemeClr val="tx1"/>
-                </a:solidFill>
-                <a:latin typeface="Arial" pitchFamily="34" charset="0"/>
-              </a:defRPr>
-            </a:lvl8pPr>
-            <a:lvl9pPr marL="3886200" indent="-228600" algn="ctr" eaLnBrk="0" fontAlgn="base" hangingPunct="0">
-              <a:spcBef>
-                <a:spcPct val="0"/>
-              </a:spcBef>
-              <a:spcAft>
-                <a:spcPct val="0"/>
-              </a:spcAft>
-              <a:defRPr sz="1400">
-                <a:solidFill>
-                  <a:schemeClr val="tx1"/>
-                </a:solidFill>
-                <a:latin typeface="Arial" pitchFamily="34" charset="0"/>
-              </a:defRPr>
-            </a:lvl9pPr>
-          </a:lstStyle>
-          <a:p>
-            <a:endParaRPr lang="en-US" smtClean="0">
-              <a:latin typeface="Times New Roman" pitchFamily="18" charset="0"/>
-            </a:endParaRPr>
-          </a:p>
-          <a:p>
-            <a:fld id="{BD9A8295-ABF9-4F85-A210-0EEB5FA70FF0}" type="slidenum">
-              <a:rPr lang="en-US" smtClean="0">
-                <a:latin typeface="Times New Roman" pitchFamily="18" charset="0"/>
-              </a:rPr>
-              <a:pPr/>
-              <a:t>18</a:t>
-            </a:fld>
-            <a:endParaRPr lang="en-US" smtClean="0">
-              <a:latin typeface="Times New Roman" pitchFamily="18" charset="0"/>
-            </a:endParaRPr>
-          </a:p>
-        </p:txBody>
-      </p:sp>
-      <p:sp>
-        <p:nvSpPr>
-          <p:cNvPr id="111621" name="Date Placeholder 4"/>
-          <p:cNvSpPr>
-            <a:spLocks noGrp="1"/>
-          </p:cNvSpPr>
-          <p:nvPr>
-            <p:ph type="dt" sz="quarter" idx="11"/>
-          </p:nvPr>
-        </p:nvSpPr>
-        <p:spPr>
-          <a:noFill/>
-          <a:ln/>
-          <a:extLst>
-            <a:ext uri="{909E8E84-426E-40DD-AFC4-6F175D3DCCD1}">
-              <a14:hiddenFill xmlns:a14="http://schemas.microsoft.com/office/drawing/2010/main">
-                <a:solidFill>
-                  <a:srgbClr val="FFFFFF"/>
-                </a:solidFill>
-              </a14:hiddenFill>
-            </a:ext>
-            <a:ext uri="{91240B29-F687-4F45-9708-019B960494DF}">
-              <a14:hiddenLine xmlns:a14="http://schemas.microsoft.com/office/drawing/2010/main" w="9525">
-                <a:solidFill>
-                  <a:srgbClr val="000000"/>
-                </a:solidFill>
-                <a:miter lim="800000"/>
-                <a:headEnd/>
-                <a:tailEnd/>
-              </a14:hiddenLine>
-            </a:ext>
-          </a:extLst>
-        </p:spPr>
-        <p:txBody>
-          <a:bodyPr/>
-          <a:lstStyle>
-            <a:lvl1pPr>
-              <a:defRPr sz="1400">
-                <a:solidFill>
-                  <a:schemeClr val="tx1"/>
-                </a:solidFill>
-                <a:latin typeface="Arial" pitchFamily="34" charset="0"/>
-              </a:defRPr>
-            </a:lvl1pPr>
-            <a:lvl2pPr marL="742950" indent="-285750">
-              <a:defRPr sz="1400">
-                <a:solidFill>
-                  <a:schemeClr val="tx1"/>
-                </a:solidFill>
-                <a:latin typeface="Arial" pitchFamily="34" charset="0"/>
-              </a:defRPr>
-            </a:lvl2pPr>
-            <a:lvl3pPr marL="1143000" indent="-228600">
-              <a:defRPr sz="1400">
-                <a:solidFill>
-                  <a:schemeClr val="tx1"/>
-                </a:solidFill>
-                <a:latin typeface="Arial" pitchFamily="34" charset="0"/>
-              </a:defRPr>
-            </a:lvl3pPr>
-            <a:lvl4pPr marL="1600200" indent="-228600">
-              <a:defRPr sz="1400">
-                <a:solidFill>
-                  <a:schemeClr val="tx1"/>
-                </a:solidFill>
-                <a:latin typeface="Arial" pitchFamily="34" charset="0"/>
-              </a:defRPr>
-            </a:lvl4pPr>
-            <a:lvl5pPr marL="2057400" indent="-228600">
-              <a:defRPr sz="1400">
-                <a:solidFill>
-                  <a:schemeClr val="tx1"/>
-                </a:solidFill>
-                <a:latin typeface="Arial" pitchFamily="34" charset="0"/>
-              </a:defRPr>
-            </a:lvl5pPr>
-            <a:lvl6pPr marL="2514600" indent="-228600" algn="ctr" eaLnBrk="0" fontAlgn="base" hangingPunct="0">
-              <a:spcBef>
-                <a:spcPct val="0"/>
-              </a:spcBef>
-              <a:spcAft>
-                <a:spcPct val="0"/>
-              </a:spcAft>
-              <a:defRPr sz="1400">
-                <a:solidFill>
-                  <a:schemeClr val="tx1"/>
-                </a:solidFill>
-                <a:latin typeface="Arial" pitchFamily="34" charset="0"/>
-              </a:defRPr>
-            </a:lvl6pPr>
-            <a:lvl7pPr marL="2971800" indent="-228600" algn="ctr" eaLnBrk="0" fontAlgn="base" hangingPunct="0">
-              <a:spcBef>
-                <a:spcPct val="0"/>
-              </a:spcBef>
-              <a:spcAft>
-                <a:spcPct val="0"/>
-              </a:spcAft>
-              <a:defRPr sz="1400">
-                <a:solidFill>
-                  <a:schemeClr val="tx1"/>
-                </a:solidFill>
-                <a:latin typeface="Arial" pitchFamily="34" charset="0"/>
-              </a:defRPr>
-            </a:lvl7pPr>
-            <a:lvl8pPr marL="3429000" indent="-228600" algn="ctr" eaLnBrk="0" fontAlgn="base" hangingPunct="0">
-              <a:spcBef>
-                <a:spcPct val="0"/>
-              </a:spcBef>
-              <a:spcAft>
-                <a:spcPct val="0"/>
-              </a:spcAft>
-              <a:defRPr sz="1400">
-                <a:solidFill>
-                  <a:schemeClr val="tx1"/>
-                </a:solidFill>
-                <a:latin typeface="Arial" pitchFamily="34" charset="0"/>
-              </a:defRPr>
-            </a:lvl8pPr>
-            <a:lvl9pPr marL="3886200" indent="-228600" algn="ctr" eaLnBrk="0" fontAlgn="base" hangingPunct="0">
-              <a:spcBef>
-                <a:spcPct val="0"/>
-              </a:spcBef>
-              <a:spcAft>
-                <a:spcPct val="0"/>
-              </a:spcAft>
-              <a:defRPr sz="1400">
-                <a:solidFill>
-                  <a:schemeClr val="tx1"/>
-                </a:solidFill>
-                <a:latin typeface="Arial" pitchFamily="34" charset="0"/>
-              </a:defRPr>
-            </a:lvl9pPr>
-          </a:lstStyle>
-          <a:p>
-            <a:endParaRPr lang="en-US" smtClean="0">
-              <a:latin typeface="Times New Roman" pitchFamily="18" charset="0"/>
-            </a:endParaRPr>
-          </a:p>
-          <a:p>
-            <a:fld id="{2AF6D125-7F1F-415C-9C1F-4109F9BD73DA}" type="datetime3">
-              <a:rPr lang="en-US" smtClean="0">
-                <a:latin typeface="Times New Roman" pitchFamily="18" charset="0"/>
-              </a:rPr>
-              <a:pPr/>
-              <a:t>23 July 2018</a:t>
-            </a:fld>
-            <a:endParaRPr lang="en-US" smtClean="0">
-              <a:latin typeface="Times New Roman" pitchFamily="18" charset="0"/>
-            </a:endParaRPr>
-          </a:p>
-        </p:txBody>
-      </p:sp>
-    </p:spTree>
-    <p:extLst>
-      <p:ext uri="{BB962C8B-B14F-4D97-AF65-F5344CB8AC3E}">
-        <p14:creationId xmlns:p14="http://schemas.microsoft.com/office/powerpoint/2010/main" val="4090934619"/>
-      </p:ext>
-    </p:extLst>
-  </p:cSld>
-  <p:clrMapOvr>
-    <a:masterClrMapping/>
-  </p:clrMapOvr>
-  <p:timing>
-    <p:tnLst>
-      <p:par>
-        <p:cTn id="1" dur="indefinite" restart="never" nodeType="tmRoot"/>
-      </p:par>
-    </p:tnLst>
-  </p:timing>
-</p:sld>
-</file>
-
-<file path=ppt/slides/slide19.xml><?xml version="1.0" encoding="utf-8"?>
-<p:sld xmlns:a="http://schemas.openxmlformats.org/drawingml/2006/main" xmlns:r="http://schemas.openxmlformats.org/officeDocument/2006/relationships" xmlns:p="http://schemas.openxmlformats.org/presentationml/2006/main">
-  <p:cSld>
-    <p:spTree>
-      <p:nvGrpSpPr>
-        <p:cNvPr id="1" name=""/>
-        <p:cNvGrpSpPr/>
-        <p:nvPr/>
-      </p:nvGrpSpPr>
-      <p:grpSpPr>
-        <a:xfrm>
-          <a:off x="0" y="0"/>
-          <a:ext cx="0" cy="0"/>
-          <a:chOff x="0" y="0"/>
-          <a:chExt cx="0" cy="0"/>
-        </a:xfrm>
-      </p:grpSpPr>
-      <p:sp>
-        <p:nvSpPr>
-          <p:cNvPr id="110594" name="Title 1"/>
-          <p:cNvSpPr>
-            <a:spLocks noGrp="1"/>
-          </p:cNvSpPr>
-          <p:nvPr>
-            <p:ph type="title"/>
-          </p:nvPr>
-        </p:nvSpPr>
-        <p:spPr/>
-        <p:txBody>
-          <a:bodyPr/>
-          <a:lstStyle/>
-          <a:p>
-            <a:r>
-              <a:rPr lang="en-US" smtClean="0"/>
-              <a:t>Other Course Policies</a:t>
-            </a:r>
-          </a:p>
-        </p:txBody>
-      </p:sp>
-      <p:sp>
-        <p:nvSpPr>
-          <p:cNvPr id="110595" name="Content Placeholder 2"/>
-          <p:cNvSpPr>
-            <a:spLocks noGrp="1"/>
-          </p:cNvSpPr>
-          <p:nvPr>
-            <p:ph idx="1"/>
-          </p:nvPr>
-        </p:nvSpPr>
-        <p:spPr/>
-        <p:txBody>
-          <a:bodyPr/>
-          <a:lstStyle/>
-          <a:p>
-            <a:r>
-              <a:rPr lang="en-US" dirty="0" smtClean="0"/>
-              <a:t>Quizzes, GRs, and Final</a:t>
-            </a:r>
-          </a:p>
-          <a:p>
-            <a:pPr lvl="1"/>
-            <a:r>
-              <a:rPr lang="en-US" sz="2000" b="0" dirty="0" smtClean="0"/>
-              <a:t>Let me know at least one lesson ahead of time if you’re going to miss a graded evaluation</a:t>
-            </a:r>
-          </a:p>
-          <a:p>
-            <a:endParaRPr lang="en-US" sz="2000" dirty="0" smtClean="0"/>
-          </a:p>
-          <a:p>
-            <a:r>
-              <a:rPr lang="en-US" dirty="0" smtClean="0"/>
-              <a:t>Food / Drink</a:t>
-            </a:r>
-          </a:p>
-          <a:p>
-            <a:pPr lvl="1"/>
-            <a:r>
-              <a:rPr lang="en-US" sz="2000" b="0" dirty="0" smtClean="0"/>
-              <a:t>No Food in classroom (Hallway OK)</a:t>
-            </a:r>
-          </a:p>
-          <a:p>
-            <a:pPr lvl="1"/>
-            <a:r>
-              <a:rPr lang="en-US" sz="2000" b="0" dirty="0" smtClean="0"/>
-              <a:t>Water in approved containers OK</a:t>
-            </a:r>
-          </a:p>
-          <a:p>
-            <a:pPr lvl="1"/>
-            <a:endParaRPr lang="en-US" sz="2000" b="0" dirty="0"/>
-          </a:p>
-          <a:p>
-            <a:r>
-              <a:rPr lang="en-US" dirty="0" smtClean="0"/>
-              <a:t>Bring your laptop and board every lesson</a:t>
-            </a:r>
-          </a:p>
-          <a:p>
-            <a:endParaRPr lang="en-US" dirty="0"/>
-          </a:p>
-          <a:p>
-            <a:r>
-              <a:rPr lang="en-US" dirty="0" smtClean="0"/>
-              <a:t>Have fun!</a:t>
-            </a:r>
-          </a:p>
-        </p:txBody>
-      </p:sp>
-      <p:sp>
-        <p:nvSpPr>
-          <p:cNvPr id="110596" name="Slide Number Placeholder 3"/>
-          <p:cNvSpPr>
-            <a:spLocks noGrp="1"/>
-          </p:cNvSpPr>
-          <p:nvPr>
-            <p:ph type="sldNum" sz="quarter" idx="10"/>
-          </p:nvPr>
-        </p:nvSpPr>
-        <p:spPr>
-          <a:noFill/>
-          <a:ln/>
-          <a:extLst>
-            <a:ext uri="{909E8E84-426E-40DD-AFC4-6F175D3DCCD1}">
-              <a14:hiddenFill xmlns:a14="http://schemas.microsoft.com/office/drawing/2010/main">
-                <a:solidFill>
-                  <a:srgbClr val="FFFFFF"/>
-                </a:solidFill>
-              </a14:hiddenFill>
-            </a:ext>
-            <a:ext uri="{91240B29-F687-4F45-9708-019B960494DF}">
-              <a14:hiddenLine xmlns:a14="http://schemas.microsoft.com/office/drawing/2010/main" w="9525">
-                <a:solidFill>
-                  <a:srgbClr val="000000"/>
-                </a:solidFill>
-                <a:miter lim="800000"/>
-                <a:headEnd/>
-                <a:tailEnd/>
-              </a14:hiddenLine>
-            </a:ext>
-          </a:extLst>
-        </p:spPr>
-        <p:txBody>
-          <a:bodyPr/>
-          <a:lstStyle>
-            <a:lvl1pPr>
-              <a:defRPr sz="1400">
-                <a:solidFill>
-                  <a:schemeClr val="tx1"/>
-                </a:solidFill>
-                <a:latin typeface="Arial" pitchFamily="34" charset="0"/>
-              </a:defRPr>
-            </a:lvl1pPr>
-            <a:lvl2pPr marL="742950" indent="-285750">
-              <a:defRPr sz="1400">
-                <a:solidFill>
-                  <a:schemeClr val="tx1"/>
-                </a:solidFill>
-                <a:latin typeface="Arial" pitchFamily="34" charset="0"/>
-              </a:defRPr>
-            </a:lvl2pPr>
-            <a:lvl3pPr marL="1143000" indent="-228600">
-              <a:defRPr sz="1400">
-                <a:solidFill>
-                  <a:schemeClr val="tx1"/>
-                </a:solidFill>
-                <a:latin typeface="Arial" pitchFamily="34" charset="0"/>
-              </a:defRPr>
-            </a:lvl3pPr>
-            <a:lvl4pPr marL="1600200" indent="-228600">
-              <a:defRPr sz="1400">
-                <a:solidFill>
-                  <a:schemeClr val="tx1"/>
-                </a:solidFill>
-                <a:latin typeface="Arial" pitchFamily="34" charset="0"/>
-              </a:defRPr>
-            </a:lvl4pPr>
-            <a:lvl5pPr marL="2057400" indent="-228600">
-              <a:defRPr sz="1400">
-                <a:solidFill>
-                  <a:schemeClr val="tx1"/>
-                </a:solidFill>
-                <a:latin typeface="Arial" pitchFamily="34" charset="0"/>
-              </a:defRPr>
-            </a:lvl5pPr>
-            <a:lvl6pPr marL="2514600" indent="-228600" algn="ctr" eaLnBrk="0" fontAlgn="base" hangingPunct="0">
-              <a:spcBef>
-                <a:spcPct val="0"/>
-              </a:spcBef>
-              <a:spcAft>
-                <a:spcPct val="0"/>
-              </a:spcAft>
-              <a:defRPr sz="1400">
-                <a:solidFill>
-                  <a:schemeClr val="tx1"/>
-                </a:solidFill>
-                <a:latin typeface="Arial" pitchFamily="34" charset="0"/>
-              </a:defRPr>
-            </a:lvl6pPr>
-            <a:lvl7pPr marL="2971800" indent="-228600" algn="ctr" eaLnBrk="0" fontAlgn="base" hangingPunct="0">
-              <a:spcBef>
-                <a:spcPct val="0"/>
-              </a:spcBef>
-              <a:spcAft>
-                <a:spcPct val="0"/>
-              </a:spcAft>
-              <a:defRPr sz="1400">
-                <a:solidFill>
-                  <a:schemeClr val="tx1"/>
-                </a:solidFill>
-                <a:latin typeface="Arial" pitchFamily="34" charset="0"/>
-              </a:defRPr>
-            </a:lvl7pPr>
-            <a:lvl8pPr marL="3429000" indent="-228600" algn="ctr" eaLnBrk="0" fontAlgn="base" hangingPunct="0">
-              <a:spcBef>
-                <a:spcPct val="0"/>
-              </a:spcBef>
-              <a:spcAft>
-                <a:spcPct val="0"/>
-              </a:spcAft>
-              <a:defRPr sz="1400">
-                <a:solidFill>
-                  <a:schemeClr val="tx1"/>
-                </a:solidFill>
-                <a:latin typeface="Arial" pitchFamily="34" charset="0"/>
-              </a:defRPr>
-            </a:lvl8pPr>
-            <a:lvl9pPr marL="3886200" indent="-228600" algn="ctr" eaLnBrk="0" fontAlgn="base" hangingPunct="0">
-              <a:spcBef>
-                <a:spcPct val="0"/>
-              </a:spcBef>
-              <a:spcAft>
-                <a:spcPct val="0"/>
-              </a:spcAft>
-              <a:defRPr sz="1400">
-                <a:solidFill>
-                  <a:schemeClr val="tx1"/>
-                </a:solidFill>
-                <a:latin typeface="Arial" pitchFamily="34" charset="0"/>
-              </a:defRPr>
-            </a:lvl9pPr>
-          </a:lstStyle>
-          <a:p>
-            <a:endParaRPr lang="en-US" smtClean="0">
-              <a:latin typeface="Times New Roman" pitchFamily="18" charset="0"/>
-            </a:endParaRPr>
-          </a:p>
-          <a:p>
-            <a:fld id="{FDDB82DF-CC60-4516-8B1E-05A59BD9AEB1}" type="slidenum">
-              <a:rPr lang="en-US" smtClean="0">
-                <a:latin typeface="Times New Roman" pitchFamily="18" charset="0"/>
-              </a:rPr>
-              <a:pPr/>
-              <a:t>19</a:t>
-            </a:fld>
-            <a:endParaRPr lang="en-US" smtClean="0">
-              <a:latin typeface="Times New Roman" pitchFamily="18" charset="0"/>
-            </a:endParaRPr>
-          </a:p>
-        </p:txBody>
-      </p:sp>
-      <p:sp>
-        <p:nvSpPr>
-          <p:cNvPr id="110597" name="Date Placeholder 4"/>
-          <p:cNvSpPr>
-            <a:spLocks noGrp="1"/>
-          </p:cNvSpPr>
-          <p:nvPr>
-            <p:ph type="dt" sz="quarter" idx="11"/>
-          </p:nvPr>
-        </p:nvSpPr>
-        <p:spPr>
-          <a:noFill/>
-          <a:ln/>
-          <a:extLst>
-            <a:ext uri="{909E8E84-426E-40DD-AFC4-6F175D3DCCD1}">
-              <a14:hiddenFill xmlns:a14="http://schemas.microsoft.com/office/drawing/2010/main">
-                <a:solidFill>
-                  <a:srgbClr val="FFFFFF"/>
-                </a:solidFill>
-              </a14:hiddenFill>
-            </a:ext>
-            <a:ext uri="{91240B29-F687-4F45-9708-019B960494DF}">
-              <a14:hiddenLine xmlns:a14="http://schemas.microsoft.com/office/drawing/2010/main" w="9525">
-                <a:solidFill>
-                  <a:srgbClr val="000000"/>
-                </a:solidFill>
-                <a:miter lim="800000"/>
-                <a:headEnd/>
-                <a:tailEnd/>
-              </a14:hiddenLine>
-            </a:ext>
-          </a:extLst>
-        </p:spPr>
-        <p:txBody>
-          <a:bodyPr/>
-          <a:lstStyle>
-            <a:lvl1pPr>
-              <a:defRPr sz="1400">
-                <a:solidFill>
-                  <a:schemeClr val="tx1"/>
-                </a:solidFill>
-                <a:latin typeface="Arial" pitchFamily="34" charset="0"/>
-              </a:defRPr>
-            </a:lvl1pPr>
-            <a:lvl2pPr marL="742950" indent="-285750">
-              <a:defRPr sz="1400">
-                <a:solidFill>
-                  <a:schemeClr val="tx1"/>
-                </a:solidFill>
-                <a:latin typeface="Arial" pitchFamily="34" charset="0"/>
-              </a:defRPr>
-            </a:lvl2pPr>
-            <a:lvl3pPr marL="1143000" indent="-228600">
-              <a:defRPr sz="1400">
-                <a:solidFill>
-                  <a:schemeClr val="tx1"/>
-                </a:solidFill>
-                <a:latin typeface="Arial" pitchFamily="34" charset="0"/>
-              </a:defRPr>
-            </a:lvl3pPr>
-            <a:lvl4pPr marL="1600200" indent="-228600">
-              <a:defRPr sz="1400">
-                <a:solidFill>
-                  <a:schemeClr val="tx1"/>
-                </a:solidFill>
-                <a:latin typeface="Arial" pitchFamily="34" charset="0"/>
-              </a:defRPr>
-            </a:lvl4pPr>
-            <a:lvl5pPr marL="2057400" indent="-228600">
-              <a:defRPr sz="1400">
-                <a:solidFill>
-                  <a:schemeClr val="tx1"/>
-                </a:solidFill>
-                <a:latin typeface="Arial" pitchFamily="34" charset="0"/>
-              </a:defRPr>
-            </a:lvl5pPr>
-            <a:lvl6pPr marL="2514600" indent="-228600" algn="ctr" eaLnBrk="0" fontAlgn="base" hangingPunct="0">
-              <a:spcBef>
-                <a:spcPct val="0"/>
-              </a:spcBef>
-              <a:spcAft>
-                <a:spcPct val="0"/>
-              </a:spcAft>
-              <a:defRPr sz="1400">
-                <a:solidFill>
-                  <a:schemeClr val="tx1"/>
-                </a:solidFill>
-                <a:latin typeface="Arial" pitchFamily="34" charset="0"/>
-              </a:defRPr>
-            </a:lvl6pPr>
-            <a:lvl7pPr marL="2971800" indent="-228600" algn="ctr" eaLnBrk="0" fontAlgn="base" hangingPunct="0">
-              <a:spcBef>
-                <a:spcPct val="0"/>
-              </a:spcBef>
-              <a:spcAft>
-                <a:spcPct val="0"/>
-              </a:spcAft>
-              <a:defRPr sz="1400">
-                <a:solidFill>
-                  <a:schemeClr val="tx1"/>
-                </a:solidFill>
-                <a:latin typeface="Arial" pitchFamily="34" charset="0"/>
-              </a:defRPr>
-            </a:lvl7pPr>
-            <a:lvl8pPr marL="3429000" indent="-228600" algn="ctr" eaLnBrk="0" fontAlgn="base" hangingPunct="0">
-              <a:spcBef>
-                <a:spcPct val="0"/>
-              </a:spcBef>
-              <a:spcAft>
-                <a:spcPct val="0"/>
-              </a:spcAft>
-              <a:defRPr sz="1400">
-                <a:solidFill>
-                  <a:schemeClr val="tx1"/>
-                </a:solidFill>
-                <a:latin typeface="Arial" pitchFamily="34" charset="0"/>
-              </a:defRPr>
-            </a:lvl8pPr>
-            <a:lvl9pPr marL="3886200" indent="-228600" algn="ctr" eaLnBrk="0" fontAlgn="base" hangingPunct="0">
-              <a:spcBef>
-                <a:spcPct val="0"/>
-              </a:spcBef>
-              <a:spcAft>
-                <a:spcPct val="0"/>
-              </a:spcAft>
-              <a:defRPr sz="1400">
-                <a:solidFill>
-                  <a:schemeClr val="tx1"/>
-                </a:solidFill>
-                <a:latin typeface="Arial" pitchFamily="34" charset="0"/>
-              </a:defRPr>
-            </a:lvl9pPr>
-          </a:lstStyle>
-          <a:p>
-            <a:endParaRPr lang="en-US" smtClean="0">
-              <a:latin typeface="Times New Roman" pitchFamily="18" charset="0"/>
-            </a:endParaRPr>
-          </a:p>
-          <a:p>
-            <a:fld id="{76FEBBFB-1EFA-4C5F-B8CF-CCDAD33DAA34}" type="datetime3">
-              <a:rPr lang="en-US" smtClean="0">
-                <a:latin typeface="Times New Roman" pitchFamily="18" charset="0"/>
-              </a:rPr>
-              <a:pPr/>
-              <a:t>23 July 2018</a:t>
-            </a:fld>
-            <a:endParaRPr lang="en-US" smtClean="0">
-              <a:latin typeface="Times New Roman" pitchFamily="18" charset="0"/>
-            </a:endParaRPr>
-          </a:p>
-        </p:txBody>
-      </p:sp>
-    </p:spTree>
-    <p:extLst>
-      <p:ext uri="{BB962C8B-B14F-4D97-AF65-F5344CB8AC3E}">
-        <p14:creationId xmlns:p14="http://schemas.microsoft.com/office/powerpoint/2010/main" val="1204864963"/>
-      </p:ext>
-    </p:extLst>
-  </p:cSld>
-  <p:clrMapOvr>
-    <a:masterClrMapping/>
-  </p:clrMapOvr>
-  <p:timing>
-    <p:tnLst>
-      <p:par>
-        <p:cTn id="1" dur="indefinite" restart="never" nodeType="tmRoot"/>
-      </p:par>
-    </p:tnLst>
-  </p:timing>
 </p:sld>
 </file>
 
@@ -17570,7 +14898,7 @@
         </p:blipFill>
         <p:spPr bwMode="auto">
           <a:xfrm>
-            <a:off x="2514600" y="1618660"/>
+            <a:off x="2265538" y="1524000"/>
             <a:ext cx="3790950" cy="3124200"/>
           </a:xfrm>
           <a:prstGeom prst="rect">
@@ -17970,7 +15298,7 @@
         </p:blipFill>
         <p:spPr bwMode="auto">
           <a:xfrm>
-            <a:off x="2743200" y="4742860"/>
+            <a:off x="2732807" y="4644369"/>
             <a:ext cx="2667000" cy="1730712"/>
           </a:xfrm>
           <a:prstGeom prst="rect">
@@ -18011,7 +15339,7 @@
         </p:blipFill>
         <p:spPr bwMode="auto">
           <a:xfrm>
-            <a:off x="6305550" y="1810088"/>
+            <a:off x="6336030" y="1810608"/>
             <a:ext cx="2533650" cy="2106734"/>
           </a:xfrm>
           <a:prstGeom prst="rect">
@@ -18056,2186 +15384,6 @@
     <p:extLst>
       <p:ext uri="{BB962C8B-B14F-4D97-AF65-F5344CB8AC3E}">
         <p14:creationId xmlns:p14="http://schemas.microsoft.com/office/powerpoint/2010/main" val="1046166556"/>
-      </p:ext>
-    </p:extLst>
-  </p:cSld>
-  <p:clrMapOvr>
-    <a:masterClrMapping/>
-  </p:clrMapOvr>
-  <p:timing>
-    <p:tnLst>
-      <p:par>
-        <p:cTn id="1" dur="indefinite" restart="never" nodeType="tmRoot"/>
-      </p:par>
-    </p:tnLst>
-  </p:timing>
-</p:sld>
-</file>
-
-<file path=ppt/slides/slide20.xml><?xml version="1.0" encoding="utf-8"?>
-<p:sld xmlns:a="http://schemas.openxmlformats.org/drawingml/2006/main" xmlns:r="http://schemas.openxmlformats.org/officeDocument/2006/relationships" xmlns:p="http://schemas.openxmlformats.org/presentationml/2006/main">
-  <p:cSld>
-    <p:spTree>
-      <p:nvGrpSpPr>
-        <p:cNvPr id="1" name=""/>
-        <p:cNvGrpSpPr/>
-        <p:nvPr/>
-      </p:nvGrpSpPr>
-      <p:grpSpPr>
-        <a:xfrm>
-          <a:off x="0" y="0"/>
-          <a:ext cx="0" cy="0"/>
-          <a:chOff x="0" y="0"/>
-          <a:chExt cx="0" cy="0"/>
-        </a:xfrm>
-      </p:grpSpPr>
-      <p:sp>
-        <p:nvSpPr>
-          <p:cNvPr id="2" name="Title 1"/>
-          <p:cNvSpPr>
-            <a:spLocks noGrp="1"/>
-          </p:cNvSpPr>
-          <p:nvPr>
-            <p:ph type="title"/>
-          </p:nvPr>
-        </p:nvSpPr>
-        <p:spPr/>
-        <p:txBody>
-          <a:bodyPr/>
-          <a:lstStyle/>
-          <a:p>
-            <a:r>
-              <a:rPr lang="en-US" dirty="0" err="1" smtClean="0"/>
-              <a:t>Bitbucket</a:t>
-            </a:r>
-            <a:endParaRPr lang="en-US" dirty="0"/>
-          </a:p>
-        </p:txBody>
-      </p:sp>
-      <p:sp>
-        <p:nvSpPr>
-          <p:cNvPr id="4" name="Slide Number Placeholder 3"/>
-          <p:cNvSpPr>
-            <a:spLocks noGrp="1"/>
-          </p:cNvSpPr>
-          <p:nvPr>
-            <p:ph type="sldNum" sz="quarter" idx="10"/>
-          </p:nvPr>
-        </p:nvSpPr>
-        <p:spPr/>
-        <p:txBody>
-          <a:bodyPr/>
-          <a:lstStyle/>
-          <a:p>
-            <a:pPr>
-              <a:defRPr/>
-            </a:pPr>
-            <a:endParaRPr lang="en-US" smtClean="0">
-              <a:solidFill>
-                <a:srgbClr val="000000"/>
-              </a:solidFill>
-            </a:endParaRPr>
-          </a:p>
-          <a:p>
-            <a:pPr>
-              <a:defRPr/>
-            </a:pPr>
-            <a:fld id="{C4D65584-0C7D-48B8-BEDE-21A2E8802255}" type="slidenum">
-              <a:rPr lang="en-US" smtClean="0">
-                <a:solidFill>
-                  <a:srgbClr val="000000"/>
-                </a:solidFill>
-              </a:rPr>
-              <a:pPr>
-                <a:defRPr/>
-              </a:pPr>
-              <a:t>20</a:t>
-            </a:fld>
-            <a:endParaRPr lang="en-US">
-              <a:solidFill>
-                <a:srgbClr val="000000"/>
-              </a:solidFill>
-            </a:endParaRPr>
-          </a:p>
-        </p:txBody>
-      </p:sp>
-      <p:sp>
-        <p:nvSpPr>
-          <p:cNvPr id="5" name="Date Placeholder 4"/>
-          <p:cNvSpPr>
-            <a:spLocks noGrp="1"/>
-          </p:cNvSpPr>
-          <p:nvPr>
-            <p:ph type="dt" sz="half" idx="11"/>
-          </p:nvPr>
-        </p:nvSpPr>
-        <p:spPr/>
-        <p:txBody>
-          <a:bodyPr/>
-          <a:lstStyle/>
-          <a:p>
-            <a:pPr>
-              <a:defRPr/>
-            </a:pPr>
-            <a:endParaRPr lang="en-US" smtClean="0">
-              <a:solidFill>
-                <a:srgbClr val="000000"/>
-              </a:solidFill>
-            </a:endParaRPr>
-          </a:p>
-          <a:p>
-            <a:pPr>
-              <a:defRPr/>
-            </a:pPr>
-            <a:fld id="{CE428E89-579F-43C8-B441-BB390AD4A5E9}" type="datetime3">
-              <a:rPr lang="en-US" smtClean="0">
-                <a:solidFill>
-                  <a:srgbClr val="000000"/>
-                </a:solidFill>
-              </a:rPr>
-              <a:pPr>
-                <a:defRPr/>
-              </a:pPr>
-              <a:t>23 July 2018</a:t>
-            </a:fld>
-            <a:endParaRPr lang="en-US">
-              <a:solidFill>
-                <a:srgbClr val="000000"/>
-              </a:solidFill>
-            </a:endParaRPr>
-          </a:p>
-        </p:txBody>
-      </p:sp>
-      <p:sp>
-        <p:nvSpPr>
-          <p:cNvPr id="3" name="Content Placeholder 2"/>
-          <p:cNvSpPr>
-            <a:spLocks noGrp="1"/>
-          </p:cNvSpPr>
-          <p:nvPr>
-            <p:ph idx="1"/>
-          </p:nvPr>
-        </p:nvSpPr>
-        <p:spPr/>
-        <p:txBody>
-          <a:bodyPr/>
-          <a:lstStyle/>
-          <a:p>
-            <a:r>
-              <a:rPr lang="en-US" dirty="0" smtClean="0"/>
-              <a:t>Create Private </a:t>
-            </a:r>
-            <a:r>
-              <a:rPr lang="en-US" dirty="0" err="1" smtClean="0"/>
-              <a:t>Bitbucket</a:t>
-            </a:r>
-            <a:r>
-              <a:rPr lang="en-US" dirty="0" smtClean="0"/>
-              <a:t> Repository</a:t>
-            </a:r>
-          </a:p>
-          <a:p>
-            <a:pPr lvl="1"/>
-            <a:r>
-              <a:rPr lang="en-US" dirty="0">
-                <a:hlinkClick r:id="rId2"/>
-              </a:rPr>
-              <a:t>https://bitbucket.org</a:t>
-            </a:r>
-            <a:r>
-              <a:rPr lang="en-US" dirty="0" smtClean="0">
-                <a:hlinkClick r:id="rId2"/>
-              </a:rPr>
-              <a:t>/</a:t>
-            </a:r>
-            <a:endParaRPr lang="en-US" dirty="0" smtClean="0"/>
-          </a:p>
-          <a:p>
-            <a:pPr lvl="1"/>
-            <a:r>
-              <a:rPr lang="en-US" dirty="0" smtClean="0"/>
-              <a:t>Name repo something like “ECE382_LastName_FirstName”</a:t>
-            </a:r>
-          </a:p>
-          <a:p>
-            <a:pPr lvl="1"/>
-            <a:r>
-              <a:rPr lang="en-US" dirty="0" smtClean="0">
-                <a:solidFill>
-                  <a:srgbClr val="FF0000"/>
-                </a:solidFill>
-              </a:rPr>
-              <a:t>Give your instructor access to the repo</a:t>
-            </a:r>
-            <a:endParaRPr lang="en-US" dirty="0" smtClean="0"/>
-          </a:p>
-          <a:p>
-            <a:pPr lvl="2"/>
-            <a:r>
-              <a:rPr lang="en-US" b="0" dirty="0" smtClean="0"/>
-              <a:t>Usernames:</a:t>
-            </a:r>
-          </a:p>
-          <a:p>
-            <a:pPr lvl="3"/>
-            <a:r>
-              <a:rPr lang="en-US" dirty="0" err="1" smtClean="0"/>
-              <a:t>pwarner</a:t>
-            </a:r>
-            <a:endParaRPr lang="en-US" dirty="0" smtClean="0"/>
-          </a:p>
-          <a:p>
-            <a:pPr lvl="3"/>
-            <a:r>
-              <a:rPr lang="en-US" dirty="0" smtClean="0"/>
-              <a:t>Walchko</a:t>
-            </a:r>
-          </a:p>
-          <a:p>
-            <a:pPr lvl="3"/>
-            <a:r>
-              <a:rPr lang="en-US" dirty="0" err="1" smtClean="0"/>
-              <a:t>georgeyork</a:t>
-            </a:r>
-            <a:endParaRPr lang="en-US" dirty="0" smtClean="0"/>
-          </a:p>
-          <a:p>
-            <a:r>
-              <a:rPr lang="en-US" dirty="0" smtClean="0"/>
-              <a:t>Example/Template Lab Notebook:</a:t>
-            </a:r>
-          </a:p>
-          <a:p>
-            <a:pPr lvl="1"/>
-            <a:r>
-              <a:rPr lang="en-US" dirty="0" smtClean="0">
-                <a:hlinkClick r:id="rId3"/>
-              </a:rPr>
-              <a:t>https</a:t>
-            </a:r>
-            <a:r>
-              <a:rPr lang="en-US" dirty="0">
-                <a:hlinkClick r:id="rId3"/>
-              </a:rPr>
-              <a:t>://</a:t>
-            </a:r>
-            <a:r>
-              <a:rPr lang="en-US" dirty="0" smtClean="0">
-                <a:hlinkClick r:id="rId3"/>
-              </a:rPr>
-              <a:t>github.com/pw4rn3r/ECE_382_Lab_Ex</a:t>
-            </a:r>
-            <a:endParaRPr lang="en-US" dirty="0" smtClean="0"/>
-          </a:p>
-          <a:p>
-            <a:pPr lvl="1"/>
-            <a:endParaRPr lang="en-US" dirty="0"/>
-          </a:p>
-        </p:txBody>
-      </p:sp>
-    </p:spTree>
-    <p:extLst>
-      <p:ext uri="{BB962C8B-B14F-4D97-AF65-F5344CB8AC3E}">
-        <p14:creationId xmlns:p14="http://schemas.microsoft.com/office/powerpoint/2010/main" val="330970434"/>
-      </p:ext>
-    </p:extLst>
-  </p:cSld>
-  <p:clrMapOvr>
-    <a:masterClrMapping/>
-  </p:clrMapOvr>
-  <p:timing>
-    <p:tnLst>
-      <p:par>
-        <p:cTn id="1" dur="indefinite" restart="never" nodeType="tmRoot"/>
-      </p:par>
-    </p:tnLst>
-  </p:timing>
-</p:sld>
-</file>
-
-<file path=ppt/slides/slide21.xml><?xml version="1.0" encoding="utf-8"?>
-<p:sld xmlns:a="http://schemas.openxmlformats.org/drawingml/2006/main" xmlns:r="http://schemas.openxmlformats.org/officeDocument/2006/relationships" xmlns:p="http://schemas.openxmlformats.org/presentationml/2006/main">
-  <p:cSld>
-    <p:spTree>
-      <p:nvGrpSpPr>
-        <p:cNvPr id="1" name=""/>
-        <p:cNvGrpSpPr/>
-        <p:nvPr/>
-      </p:nvGrpSpPr>
-      <p:grpSpPr>
-        <a:xfrm>
-          <a:off x="0" y="0"/>
-          <a:ext cx="0" cy="0"/>
-          <a:chOff x="0" y="0"/>
-          <a:chExt cx="0" cy="0"/>
-        </a:xfrm>
-      </p:grpSpPr>
-      <p:sp>
-        <p:nvSpPr>
-          <p:cNvPr id="110594" name="Title 1"/>
-          <p:cNvSpPr>
-            <a:spLocks noGrp="1"/>
-          </p:cNvSpPr>
-          <p:nvPr>
-            <p:ph type="title"/>
-          </p:nvPr>
-        </p:nvSpPr>
-        <p:spPr/>
-        <p:txBody>
-          <a:bodyPr/>
-          <a:lstStyle/>
-          <a:p>
-            <a:r>
-              <a:rPr lang="en-US" dirty="0" smtClean="0"/>
-              <a:t>Other Course Policies - Collaboration</a:t>
-            </a:r>
-          </a:p>
-        </p:txBody>
-      </p:sp>
-      <p:sp>
-        <p:nvSpPr>
-          <p:cNvPr id="110595" name="Content Placeholder 2"/>
-          <p:cNvSpPr>
-            <a:spLocks noGrp="1"/>
-          </p:cNvSpPr>
-          <p:nvPr>
-            <p:ph idx="1"/>
-          </p:nvPr>
-        </p:nvSpPr>
-        <p:spPr/>
-        <p:txBody>
-          <a:bodyPr/>
-          <a:lstStyle/>
-          <a:p>
-            <a:endParaRPr lang="en-US" sz="2000" dirty="0" smtClean="0"/>
-          </a:p>
-          <a:p>
-            <a:r>
-              <a:rPr lang="en-US" dirty="0" smtClean="0"/>
-              <a:t>Collaboration</a:t>
-            </a:r>
-          </a:p>
-          <a:p>
-            <a:pPr lvl="1"/>
-            <a:r>
-              <a:rPr lang="en-US" sz="2400" dirty="0" smtClean="0"/>
-              <a:t>Only instructors and </a:t>
-            </a:r>
-            <a:r>
-              <a:rPr lang="en-US" sz="2400" u="sng" dirty="0" smtClean="0"/>
-              <a:t>current</a:t>
-            </a:r>
-            <a:r>
-              <a:rPr lang="en-US" sz="2400" dirty="0" smtClean="0"/>
-              <a:t> ECE 382 students</a:t>
-            </a:r>
-          </a:p>
-          <a:p>
-            <a:pPr lvl="2"/>
-            <a:r>
-              <a:rPr lang="en-US" sz="2600" b="0" dirty="0" smtClean="0"/>
-              <a:t>No using work from previous semesters</a:t>
-            </a:r>
-          </a:p>
-          <a:p>
-            <a:pPr lvl="1"/>
-            <a:r>
-              <a:rPr lang="en-US" sz="2400" b="0" dirty="0" smtClean="0"/>
-              <a:t>All graded work must be your own</a:t>
-            </a:r>
-          </a:p>
-          <a:p>
-            <a:pPr lvl="1"/>
-            <a:r>
-              <a:rPr lang="en-US" sz="2400" dirty="0" smtClean="0">
-                <a:solidFill>
-                  <a:srgbClr val="FF0000"/>
-                </a:solidFill>
-              </a:rPr>
-              <a:t>Document any help/collaboration</a:t>
-            </a:r>
-          </a:p>
-        </p:txBody>
-      </p:sp>
-      <p:sp>
-        <p:nvSpPr>
-          <p:cNvPr id="110596" name="Slide Number Placeholder 3"/>
-          <p:cNvSpPr>
-            <a:spLocks noGrp="1"/>
-          </p:cNvSpPr>
-          <p:nvPr>
-            <p:ph type="sldNum" sz="quarter" idx="10"/>
-          </p:nvPr>
-        </p:nvSpPr>
-        <p:spPr>
-          <a:noFill/>
-          <a:ln/>
-          <a:extLst>
-            <a:ext uri="{909E8E84-426E-40DD-AFC4-6F175D3DCCD1}">
-              <a14:hiddenFill xmlns:a14="http://schemas.microsoft.com/office/drawing/2010/main">
-                <a:solidFill>
-                  <a:srgbClr val="FFFFFF"/>
-                </a:solidFill>
-              </a14:hiddenFill>
-            </a:ext>
-            <a:ext uri="{91240B29-F687-4F45-9708-019B960494DF}">
-              <a14:hiddenLine xmlns:a14="http://schemas.microsoft.com/office/drawing/2010/main" w="9525">
-                <a:solidFill>
-                  <a:srgbClr val="000000"/>
-                </a:solidFill>
-                <a:miter lim="800000"/>
-                <a:headEnd/>
-                <a:tailEnd/>
-              </a14:hiddenLine>
-            </a:ext>
-          </a:extLst>
-        </p:spPr>
-        <p:txBody>
-          <a:bodyPr/>
-          <a:lstStyle>
-            <a:lvl1pPr>
-              <a:defRPr sz="1400">
-                <a:solidFill>
-                  <a:schemeClr val="tx1"/>
-                </a:solidFill>
-                <a:latin typeface="Arial" pitchFamily="34" charset="0"/>
-              </a:defRPr>
-            </a:lvl1pPr>
-            <a:lvl2pPr marL="742950" indent="-285750">
-              <a:defRPr sz="1400">
-                <a:solidFill>
-                  <a:schemeClr val="tx1"/>
-                </a:solidFill>
-                <a:latin typeface="Arial" pitchFamily="34" charset="0"/>
-              </a:defRPr>
-            </a:lvl2pPr>
-            <a:lvl3pPr marL="1143000" indent="-228600">
-              <a:defRPr sz="1400">
-                <a:solidFill>
-                  <a:schemeClr val="tx1"/>
-                </a:solidFill>
-                <a:latin typeface="Arial" pitchFamily="34" charset="0"/>
-              </a:defRPr>
-            </a:lvl3pPr>
-            <a:lvl4pPr marL="1600200" indent="-228600">
-              <a:defRPr sz="1400">
-                <a:solidFill>
-                  <a:schemeClr val="tx1"/>
-                </a:solidFill>
-                <a:latin typeface="Arial" pitchFamily="34" charset="0"/>
-              </a:defRPr>
-            </a:lvl4pPr>
-            <a:lvl5pPr marL="2057400" indent="-228600">
-              <a:defRPr sz="1400">
-                <a:solidFill>
-                  <a:schemeClr val="tx1"/>
-                </a:solidFill>
-                <a:latin typeface="Arial" pitchFamily="34" charset="0"/>
-              </a:defRPr>
-            </a:lvl5pPr>
-            <a:lvl6pPr marL="2514600" indent="-228600" algn="ctr" eaLnBrk="0" fontAlgn="base" hangingPunct="0">
-              <a:spcBef>
-                <a:spcPct val="0"/>
-              </a:spcBef>
-              <a:spcAft>
-                <a:spcPct val="0"/>
-              </a:spcAft>
-              <a:defRPr sz="1400">
-                <a:solidFill>
-                  <a:schemeClr val="tx1"/>
-                </a:solidFill>
-                <a:latin typeface="Arial" pitchFamily="34" charset="0"/>
-              </a:defRPr>
-            </a:lvl6pPr>
-            <a:lvl7pPr marL="2971800" indent="-228600" algn="ctr" eaLnBrk="0" fontAlgn="base" hangingPunct="0">
-              <a:spcBef>
-                <a:spcPct val="0"/>
-              </a:spcBef>
-              <a:spcAft>
-                <a:spcPct val="0"/>
-              </a:spcAft>
-              <a:defRPr sz="1400">
-                <a:solidFill>
-                  <a:schemeClr val="tx1"/>
-                </a:solidFill>
-                <a:latin typeface="Arial" pitchFamily="34" charset="0"/>
-              </a:defRPr>
-            </a:lvl7pPr>
-            <a:lvl8pPr marL="3429000" indent="-228600" algn="ctr" eaLnBrk="0" fontAlgn="base" hangingPunct="0">
-              <a:spcBef>
-                <a:spcPct val="0"/>
-              </a:spcBef>
-              <a:spcAft>
-                <a:spcPct val="0"/>
-              </a:spcAft>
-              <a:defRPr sz="1400">
-                <a:solidFill>
-                  <a:schemeClr val="tx1"/>
-                </a:solidFill>
-                <a:latin typeface="Arial" pitchFamily="34" charset="0"/>
-              </a:defRPr>
-            </a:lvl8pPr>
-            <a:lvl9pPr marL="3886200" indent="-228600" algn="ctr" eaLnBrk="0" fontAlgn="base" hangingPunct="0">
-              <a:spcBef>
-                <a:spcPct val="0"/>
-              </a:spcBef>
-              <a:spcAft>
-                <a:spcPct val="0"/>
-              </a:spcAft>
-              <a:defRPr sz="1400">
-                <a:solidFill>
-                  <a:schemeClr val="tx1"/>
-                </a:solidFill>
-                <a:latin typeface="Arial" pitchFamily="34" charset="0"/>
-              </a:defRPr>
-            </a:lvl9pPr>
-          </a:lstStyle>
-          <a:p>
-            <a:endParaRPr lang="en-US" smtClean="0">
-              <a:latin typeface="Times New Roman" pitchFamily="18" charset="0"/>
-            </a:endParaRPr>
-          </a:p>
-          <a:p>
-            <a:fld id="{FDDB82DF-CC60-4516-8B1E-05A59BD9AEB1}" type="slidenum">
-              <a:rPr lang="en-US" smtClean="0">
-                <a:latin typeface="Times New Roman" pitchFamily="18" charset="0"/>
-              </a:rPr>
-              <a:pPr/>
-              <a:t>21</a:t>
-            </a:fld>
-            <a:endParaRPr lang="en-US" smtClean="0">
-              <a:latin typeface="Times New Roman" pitchFamily="18" charset="0"/>
-            </a:endParaRPr>
-          </a:p>
-        </p:txBody>
-      </p:sp>
-      <p:sp>
-        <p:nvSpPr>
-          <p:cNvPr id="110597" name="Date Placeholder 4"/>
-          <p:cNvSpPr>
-            <a:spLocks noGrp="1"/>
-          </p:cNvSpPr>
-          <p:nvPr>
-            <p:ph type="dt" sz="quarter" idx="11"/>
-          </p:nvPr>
-        </p:nvSpPr>
-        <p:spPr>
-          <a:noFill/>
-          <a:ln/>
-          <a:extLst>
-            <a:ext uri="{909E8E84-426E-40DD-AFC4-6F175D3DCCD1}">
-              <a14:hiddenFill xmlns:a14="http://schemas.microsoft.com/office/drawing/2010/main">
-                <a:solidFill>
-                  <a:srgbClr val="FFFFFF"/>
-                </a:solidFill>
-              </a14:hiddenFill>
-            </a:ext>
-            <a:ext uri="{91240B29-F687-4F45-9708-019B960494DF}">
-              <a14:hiddenLine xmlns:a14="http://schemas.microsoft.com/office/drawing/2010/main" w="9525">
-                <a:solidFill>
-                  <a:srgbClr val="000000"/>
-                </a:solidFill>
-                <a:miter lim="800000"/>
-                <a:headEnd/>
-                <a:tailEnd/>
-              </a14:hiddenLine>
-            </a:ext>
-          </a:extLst>
-        </p:spPr>
-        <p:txBody>
-          <a:bodyPr/>
-          <a:lstStyle>
-            <a:lvl1pPr>
-              <a:defRPr sz="1400">
-                <a:solidFill>
-                  <a:schemeClr val="tx1"/>
-                </a:solidFill>
-                <a:latin typeface="Arial" pitchFamily="34" charset="0"/>
-              </a:defRPr>
-            </a:lvl1pPr>
-            <a:lvl2pPr marL="742950" indent="-285750">
-              <a:defRPr sz="1400">
-                <a:solidFill>
-                  <a:schemeClr val="tx1"/>
-                </a:solidFill>
-                <a:latin typeface="Arial" pitchFamily="34" charset="0"/>
-              </a:defRPr>
-            </a:lvl2pPr>
-            <a:lvl3pPr marL="1143000" indent="-228600">
-              <a:defRPr sz="1400">
-                <a:solidFill>
-                  <a:schemeClr val="tx1"/>
-                </a:solidFill>
-                <a:latin typeface="Arial" pitchFamily="34" charset="0"/>
-              </a:defRPr>
-            </a:lvl3pPr>
-            <a:lvl4pPr marL="1600200" indent="-228600">
-              <a:defRPr sz="1400">
-                <a:solidFill>
-                  <a:schemeClr val="tx1"/>
-                </a:solidFill>
-                <a:latin typeface="Arial" pitchFamily="34" charset="0"/>
-              </a:defRPr>
-            </a:lvl4pPr>
-            <a:lvl5pPr marL="2057400" indent="-228600">
-              <a:defRPr sz="1400">
-                <a:solidFill>
-                  <a:schemeClr val="tx1"/>
-                </a:solidFill>
-                <a:latin typeface="Arial" pitchFamily="34" charset="0"/>
-              </a:defRPr>
-            </a:lvl5pPr>
-            <a:lvl6pPr marL="2514600" indent="-228600" algn="ctr" eaLnBrk="0" fontAlgn="base" hangingPunct="0">
-              <a:spcBef>
-                <a:spcPct val="0"/>
-              </a:spcBef>
-              <a:spcAft>
-                <a:spcPct val="0"/>
-              </a:spcAft>
-              <a:defRPr sz="1400">
-                <a:solidFill>
-                  <a:schemeClr val="tx1"/>
-                </a:solidFill>
-                <a:latin typeface="Arial" pitchFamily="34" charset="0"/>
-              </a:defRPr>
-            </a:lvl6pPr>
-            <a:lvl7pPr marL="2971800" indent="-228600" algn="ctr" eaLnBrk="0" fontAlgn="base" hangingPunct="0">
-              <a:spcBef>
-                <a:spcPct val="0"/>
-              </a:spcBef>
-              <a:spcAft>
-                <a:spcPct val="0"/>
-              </a:spcAft>
-              <a:defRPr sz="1400">
-                <a:solidFill>
-                  <a:schemeClr val="tx1"/>
-                </a:solidFill>
-                <a:latin typeface="Arial" pitchFamily="34" charset="0"/>
-              </a:defRPr>
-            </a:lvl7pPr>
-            <a:lvl8pPr marL="3429000" indent="-228600" algn="ctr" eaLnBrk="0" fontAlgn="base" hangingPunct="0">
-              <a:spcBef>
-                <a:spcPct val="0"/>
-              </a:spcBef>
-              <a:spcAft>
-                <a:spcPct val="0"/>
-              </a:spcAft>
-              <a:defRPr sz="1400">
-                <a:solidFill>
-                  <a:schemeClr val="tx1"/>
-                </a:solidFill>
-                <a:latin typeface="Arial" pitchFamily="34" charset="0"/>
-              </a:defRPr>
-            </a:lvl8pPr>
-            <a:lvl9pPr marL="3886200" indent="-228600" algn="ctr" eaLnBrk="0" fontAlgn="base" hangingPunct="0">
-              <a:spcBef>
-                <a:spcPct val="0"/>
-              </a:spcBef>
-              <a:spcAft>
-                <a:spcPct val="0"/>
-              </a:spcAft>
-              <a:defRPr sz="1400">
-                <a:solidFill>
-                  <a:schemeClr val="tx1"/>
-                </a:solidFill>
-                <a:latin typeface="Arial" pitchFamily="34" charset="0"/>
-              </a:defRPr>
-            </a:lvl9pPr>
-          </a:lstStyle>
-          <a:p>
-            <a:endParaRPr lang="en-US" smtClean="0">
-              <a:latin typeface="Times New Roman" pitchFamily="18" charset="0"/>
-            </a:endParaRPr>
-          </a:p>
-          <a:p>
-            <a:fld id="{76FEBBFB-1EFA-4C5F-B8CF-CCDAD33DAA34}" type="datetime3">
-              <a:rPr lang="en-US" smtClean="0">
-                <a:latin typeface="Times New Roman" pitchFamily="18" charset="0"/>
-              </a:rPr>
-              <a:pPr/>
-              <a:t>23 July 2018</a:t>
-            </a:fld>
-            <a:endParaRPr lang="en-US" smtClean="0">
-              <a:latin typeface="Times New Roman" pitchFamily="18" charset="0"/>
-            </a:endParaRPr>
-          </a:p>
-        </p:txBody>
-      </p:sp>
-    </p:spTree>
-    <p:extLst>
-      <p:ext uri="{BB962C8B-B14F-4D97-AF65-F5344CB8AC3E}">
-        <p14:creationId xmlns:p14="http://schemas.microsoft.com/office/powerpoint/2010/main" val="195514944"/>
-      </p:ext>
-    </p:extLst>
-  </p:cSld>
-  <p:clrMapOvr>
-    <a:masterClrMapping/>
-  </p:clrMapOvr>
-  <p:timing>
-    <p:tnLst>
-      <p:par>
-        <p:cTn id="1" dur="indefinite" restart="never" nodeType="tmRoot"/>
-      </p:par>
-    </p:tnLst>
-  </p:timing>
-</p:sld>
-</file>
-
-<file path=ppt/slides/slide22.xml><?xml version="1.0" encoding="utf-8"?>
-<p:sld xmlns:a="http://schemas.openxmlformats.org/drawingml/2006/main" xmlns:r="http://schemas.openxmlformats.org/officeDocument/2006/relationships" xmlns:p="http://schemas.openxmlformats.org/presentationml/2006/main">
-  <p:cSld>
-    <p:spTree>
-      <p:nvGrpSpPr>
-        <p:cNvPr id="1" name=""/>
-        <p:cNvGrpSpPr/>
-        <p:nvPr/>
-      </p:nvGrpSpPr>
-      <p:grpSpPr>
-        <a:xfrm>
-          <a:off x="0" y="0"/>
-          <a:ext cx="0" cy="0"/>
-          <a:chOff x="0" y="0"/>
-          <a:chExt cx="0" cy="0"/>
-        </a:xfrm>
-      </p:grpSpPr>
-      <p:sp>
-        <p:nvSpPr>
-          <p:cNvPr id="105474" name="Title 1"/>
-          <p:cNvSpPr>
-            <a:spLocks noGrp="1"/>
-          </p:cNvSpPr>
-          <p:nvPr>
-            <p:ph type="title"/>
-          </p:nvPr>
-        </p:nvSpPr>
-        <p:spPr/>
-        <p:txBody>
-          <a:bodyPr/>
-          <a:lstStyle/>
-          <a:p>
-            <a:r>
-              <a:rPr lang="en-US" dirty="0" smtClean="0"/>
-              <a:t>Course Labs Overview</a:t>
-            </a:r>
-          </a:p>
-        </p:txBody>
-      </p:sp>
-      <p:sp>
-        <p:nvSpPr>
-          <p:cNvPr id="105475" name="Content Placeholder 2"/>
-          <p:cNvSpPr>
-            <a:spLocks noGrp="1"/>
-          </p:cNvSpPr>
-          <p:nvPr>
-            <p:ph idx="1"/>
-          </p:nvPr>
-        </p:nvSpPr>
-        <p:spPr>
-          <a:xfrm>
-            <a:off x="452674" y="1536700"/>
-            <a:ext cx="5866646" cy="4324350"/>
-          </a:xfrm>
-        </p:spPr>
-        <p:txBody>
-          <a:bodyPr/>
-          <a:lstStyle/>
-          <a:p>
-            <a:r>
-              <a:rPr lang="en-US" dirty="0" smtClean="0"/>
-              <a:t>Assembly</a:t>
-            </a:r>
-          </a:p>
-          <a:p>
-            <a:pPr lvl="1"/>
-            <a:r>
-              <a:rPr lang="en-US" b="0" dirty="0" smtClean="0"/>
-              <a:t>Simple calculator</a:t>
-            </a:r>
-          </a:p>
-          <a:p>
-            <a:pPr lvl="1"/>
-            <a:r>
-              <a:rPr lang="en-US" b="0" dirty="0" smtClean="0"/>
-              <a:t>Decrypt secret messages</a:t>
-            </a:r>
-          </a:p>
-          <a:p>
-            <a:pPr lvl="1"/>
-            <a:r>
-              <a:rPr lang="en-US" b="0" dirty="0" smtClean="0"/>
-              <a:t>Etch-a-sketch</a:t>
-            </a:r>
-          </a:p>
-          <a:p>
-            <a:endParaRPr lang="en-US" dirty="0" smtClean="0"/>
-          </a:p>
-          <a:p>
-            <a:r>
-              <a:rPr lang="en-US" dirty="0" smtClean="0"/>
-              <a:t>C</a:t>
-            </a:r>
-          </a:p>
-          <a:p>
-            <a:pPr lvl="1"/>
-            <a:r>
-              <a:rPr lang="en-US" b="0" dirty="0" smtClean="0"/>
-              <a:t>Create interactive handheld games</a:t>
-            </a:r>
-          </a:p>
-          <a:p>
-            <a:pPr lvl="1"/>
-            <a:r>
-              <a:rPr lang="en-US" b="0" dirty="0" smtClean="0"/>
-              <a:t>Reverse engineer TV remote for wireless control</a:t>
-            </a:r>
-          </a:p>
-          <a:p>
-            <a:pPr lvl="1"/>
-            <a:r>
-              <a:rPr lang="en-US" b="0" dirty="0" smtClean="0"/>
-              <a:t>Create a robot and be the fastest to navigate a maze with sensors!</a:t>
-            </a:r>
-          </a:p>
-        </p:txBody>
-      </p:sp>
-      <p:sp>
-        <p:nvSpPr>
-          <p:cNvPr id="105476" name="Slide Number Placeholder 3"/>
-          <p:cNvSpPr>
-            <a:spLocks noGrp="1"/>
-          </p:cNvSpPr>
-          <p:nvPr>
-            <p:ph type="sldNum" sz="quarter" idx="10"/>
-          </p:nvPr>
-        </p:nvSpPr>
-        <p:spPr>
-          <a:noFill/>
-          <a:ln/>
-          <a:extLst>
-            <a:ext uri="{909E8E84-426E-40DD-AFC4-6F175D3DCCD1}">
-              <a14:hiddenFill xmlns:a14="http://schemas.microsoft.com/office/drawing/2010/main">
-                <a:solidFill>
-                  <a:srgbClr val="FFFFFF"/>
-                </a:solidFill>
-              </a14:hiddenFill>
-            </a:ext>
-            <a:ext uri="{91240B29-F687-4F45-9708-019B960494DF}">
-              <a14:hiddenLine xmlns:a14="http://schemas.microsoft.com/office/drawing/2010/main" w="9525">
-                <a:solidFill>
-                  <a:srgbClr val="000000"/>
-                </a:solidFill>
-                <a:miter lim="800000"/>
-                <a:headEnd/>
-                <a:tailEnd/>
-              </a14:hiddenLine>
-            </a:ext>
-          </a:extLst>
-        </p:spPr>
-        <p:txBody>
-          <a:bodyPr/>
-          <a:lstStyle>
-            <a:lvl1pPr>
-              <a:defRPr sz="1400">
-                <a:solidFill>
-                  <a:schemeClr val="tx1"/>
-                </a:solidFill>
-                <a:latin typeface="Arial" pitchFamily="34" charset="0"/>
-              </a:defRPr>
-            </a:lvl1pPr>
-            <a:lvl2pPr marL="742950" indent="-285750">
-              <a:defRPr sz="1400">
-                <a:solidFill>
-                  <a:schemeClr val="tx1"/>
-                </a:solidFill>
-                <a:latin typeface="Arial" pitchFamily="34" charset="0"/>
-              </a:defRPr>
-            </a:lvl2pPr>
-            <a:lvl3pPr marL="1143000" indent="-228600">
-              <a:defRPr sz="1400">
-                <a:solidFill>
-                  <a:schemeClr val="tx1"/>
-                </a:solidFill>
-                <a:latin typeface="Arial" pitchFamily="34" charset="0"/>
-              </a:defRPr>
-            </a:lvl3pPr>
-            <a:lvl4pPr marL="1600200" indent="-228600">
-              <a:defRPr sz="1400">
-                <a:solidFill>
-                  <a:schemeClr val="tx1"/>
-                </a:solidFill>
-                <a:latin typeface="Arial" pitchFamily="34" charset="0"/>
-              </a:defRPr>
-            </a:lvl4pPr>
-            <a:lvl5pPr marL="2057400" indent="-228600">
-              <a:defRPr sz="1400">
-                <a:solidFill>
-                  <a:schemeClr val="tx1"/>
-                </a:solidFill>
-                <a:latin typeface="Arial" pitchFamily="34" charset="0"/>
-              </a:defRPr>
-            </a:lvl5pPr>
-            <a:lvl6pPr marL="2514600" indent="-228600" algn="ctr" eaLnBrk="0" fontAlgn="base" hangingPunct="0">
-              <a:spcBef>
-                <a:spcPct val="0"/>
-              </a:spcBef>
-              <a:spcAft>
-                <a:spcPct val="0"/>
-              </a:spcAft>
-              <a:defRPr sz="1400">
-                <a:solidFill>
-                  <a:schemeClr val="tx1"/>
-                </a:solidFill>
-                <a:latin typeface="Arial" pitchFamily="34" charset="0"/>
-              </a:defRPr>
-            </a:lvl6pPr>
-            <a:lvl7pPr marL="2971800" indent="-228600" algn="ctr" eaLnBrk="0" fontAlgn="base" hangingPunct="0">
-              <a:spcBef>
-                <a:spcPct val="0"/>
-              </a:spcBef>
-              <a:spcAft>
-                <a:spcPct val="0"/>
-              </a:spcAft>
-              <a:defRPr sz="1400">
-                <a:solidFill>
-                  <a:schemeClr val="tx1"/>
-                </a:solidFill>
-                <a:latin typeface="Arial" pitchFamily="34" charset="0"/>
-              </a:defRPr>
-            </a:lvl7pPr>
-            <a:lvl8pPr marL="3429000" indent="-228600" algn="ctr" eaLnBrk="0" fontAlgn="base" hangingPunct="0">
-              <a:spcBef>
-                <a:spcPct val="0"/>
-              </a:spcBef>
-              <a:spcAft>
-                <a:spcPct val="0"/>
-              </a:spcAft>
-              <a:defRPr sz="1400">
-                <a:solidFill>
-                  <a:schemeClr val="tx1"/>
-                </a:solidFill>
-                <a:latin typeface="Arial" pitchFamily="34" charset="0"/>
-              </a:defRPr>
-            </a:lvl8pPr>
-            <a:lvl9pPr marL="3886200" indent="-228600" algn="ctr" eaLnBrk="0" fontAlgn="base" hangingPunct="0">
-              <a:spcBef>
-                <a:spcPct val="0"/>
-              </a:spcBef>
-              <a:spcAft>
-                <a:spcPct val="0"/>
-              </a:spcAft>
-              <a:defRPr sz="1400">
-                <a:solidFill>
-                  <a:schemeClr val="tx1"/>
-                </a:solidFill>
-                <a:latin typeface="Arial" pitchFamily="34" charset="0"/>
-              </a:defRPr>
-            </a:lvl9pPr>
-          </a:lstStyle>
-          <a:p>
-            <a:endParaRPr lang="en-US" smtClean="0">
-              <a:latin typeface="Times New Roman" pitchFamily="18" charset="0"/>
-            </a:endParaRPr>
-          </a:p>
-          <a:p>
-            <a:fld id="{91D76733-642C-4EF9-8293-ACD68B4AC162}" type="slidenum">
-              <a:rPr lang="en-US" smtClean="0">
-                <a:latin typeface="Times New Roman" pitchFamily="18" charset="0"/>
-              </a:rPr>
-              <a:pPr/>
-              <a:t>22</a:t>
-            </a:fld>
-            <a:endParaRPr lang="en-US" smtClean="0">
-              <a:latin typeface="Times New Roman" pitchFamily="18" charset="0"/>
-            </a:endParaRPr>
-          </a:p>
-        </p:txBody>
-      </p:sp>
-      <p:sp>
-        <p:nvSpPr>
-          <p:cNvPr id="105477" name="Date Placeholder 4"/>
-          <p:cNvSpPr>
-            <a:spLocks noGrp="1"/>
-          </p:cNvSpPr>
-          <p:nvPr>
-            <p:ph type="dt" sz="quarter" idx="11"/>
-          </p:nvPr>
-        </p:nvSpPr>
-        <p:spPr>
-          <a:noFill/>
-          <a:ln/>
-          <a:extLst>
-            <a:ext uri="{909E8E84-426E-40DD-AFC4-6F175D3DCCD1}">
-              <a14:hiddenFill xmlns:a14="http://schemas.microsoft.com/office/drawing/2010/main">
-                <a:solidFill>
-                  <a:srgbClr val="FFFFFF"/>
-                </a:solidFill>
-              </a14:hiddenFill>
-            </a:ext>
-            <a:ext uri="{91240B29-F687-4F45-9708-019B960494DF}">
-              <a14:hiddenLine xmlns:a14="http://schemas.microsoft.com/office/drawing/2010/main" w="9525">
-                <a:solidFill>
-                  <a:srgbClr val="000000"/>
-                </a:solidFill>
-                <a:miter lim="800000"/>
-                <a:headEnd/>
-                <a:tailEnd/>
-              </a14:hiddenLine>
-            </a:ext>
-          </a:extLst>
-        </p:spPr>
-        <p:txBody>
-          <a:bodyPr/>
-          <a:lstStyle>
-            <a:lvl1pPr>
-              <a:defRPr sz="1400">
-                <a:solidFill>
-                  <a:schemeClr val="tx1"/>
-                </a:solidFill>
-                <a:latin typeface="Arial" pitchFamily="34" charset="0"/>
-              </a:defRPr>
-            </a:lvl1pPr>
-            <a:lvl2pPr marL="742950" indent="-285750">
-              <a:defRPr sz="1400">
-                <a:solidFill>
-                  <a:schemeClr val="tx1"/>
-                </a:solidFill>
-                <a:latin typeface="Arial" pitchFamily="34" charset="0"/>
-              </a:defRPr>
-            </a:lvl2pPr>
-            <a:lvl3pPr marL="1143000" indent="-228600">
-              <a:defRPr sz="1400">
-                <a:solidFill>
-                  <a:schemeClr val="tx1"/>
-                </a:solidFill>
-                <a:latin typeface="Arial" pitchFamily="34" charset="0"/>
-              </a:defRPr>
-            </a:lvl3pPr>
-            <a:lvl4pPr marL="1600200" indent="-228600">
-              <a:defRPr sz="1400">
-                <a:solidFill>
-                  <a:schemeClr val="tx1"/>
-                </a:solidFill>
-                <a:latin typeface="Arial" pitchFamily="34" charset="0"/>
-              </a:defRPr>
-            </a:lvl4pPr>
-            <a:lvl5pPr marL="2057400" indent="-228600">
-              <a:defRPr sz="1400">
-                <a:solidFill>
-                  <a:schemeClr val="tx1"/>
-                </a:solidFill>
-                <a:latin typeface="Arial" pitchFamily="34" charset="0"/>
-              </a:defRPr>
-            </a:lvl5pPr>
-            <a:lvl6pPr marL="2514600" indent="-228600" algn="ctr" eaLnBrk="0" fontAlgn="base" hangingPunct="0">
-              <a:spcBef>
-                <a:spcPct val="0"/>
-              </a:spcBef>
-              <a:spcAft>
-                <a:spcPct val="0"/>
-              </a:spcAft>
-              <a:defRPr sz="1400">
-                <a:solidFill>
-                  <a:schemeClr val="tx1"/>
-                </a:solidFill>
-                <a:latin typeface="Arial" pitchFamily="34" charset="0"/>
-              </a:defRPr>
-            </a:lvl6pPr>
-            <a:lvl7pPr marL="2971800" indent="-228600" algn="ctr" eaLnBrk="0" fontAlgn="base" hangingPunct="0">
-              <a:spcBef>
-                <a:spcPct val="0"/>
-              </a:spcBef>
-              <a:spcAft>
-                <a:spcPct val="0"/>
-              </a:spcAft>
-              <a:defRPr sz="1400">
-                <a:solidFill>
-                  <a:schemeClr val="tx1"/>
-                </a:solidFill>
-                <a:latin typeface="Arial" pitchFamily="34" charset="0"/>
-              </a:defRPr>
-            </a:lvl7pPr>
-            <a:lvl8pPr marL="3429000" indent="-228600" algn="ctr" eaLnBrk="0" fontAlgn="base" hangingPunct="0">
-              <a:spcBef>
-                <a:spcPct val="0"/>
-              </a:spcBef>
-              <a:spcAft>
-                <a:spcPct val="0"/>
-              </a:spcAft>
-              <a:defRPr sz="1400">
-                <a:solidFill>
-                  <a:schemeClr val="tx1"/>
-                </a:solidFill>
-                <a:latin typeface="Arial" pitchFamily="34" charset="0"/>
-              </a:defRPr>
-            </a:lvl8pPr>
-            <a:lvl9pPr marL="3886200" indent="-228600" algn="ctr" eaLnBrk="0" fontAlgn="base" hangingPunct="0">
-              <a:spcBef>
-                <a:spcPct val="0"/>
-              </a:spcBef>
-              <a:spcAft>
-                <a:spcPct val="0"/>
-              </a:spcAft>
-              <a:defRPr sz="1400">
-                <a:solidFill>
-                  <a:schemeClr val="tx1"/>
-                </a:solidFill>
-                <a:latin typeface="Arial" pitchFamily="34" charset="0"/>
-              </a:defRPr>
-            </a:lvl9pPr>
-          </a:lstStyle>
-          <a:p>
-            <a:endParaRPr lang="en-US" smtClean="0">
-              <a:latin typeface="Times New Roman" pitchFamily="18" charset="0"/>
-            </a:endParaRPr>
-          </a:p>
-          <a:p>
-            <a:fld id="{A48F3256-34BF-47D8-BD02-3776A024088A}" type="datetime3">
-              <a:rPr lang="en-US" smtClean="0">
-                <a:latin typeface="Times New Roman" pitchFamily="18" charset="0"/>
-              </a:rPr>
-              <a:pPr/>
-              <a:t>23 July 2018</a:t>
-            </a:fld>
-            <a:endParaRPr lang="en-US" smtClean="0">
-              <a:latin typeface="Times New Roman" pitchFamily="18" charset="0"/>
-            </a:endParaRPr>
-          </a:p>
-        </p:txBody>
-      </p:sp>
-      <p:pic>
-        <p:nvPicPr>
-          <p:cNvPr id="1026" name="Picture 2" descr="Image result for msp430 launchpad"/>
-          <p:cNvPicPr>
-            <a:picLocks noChangeAspect="1" noChangeArrowheads="1"/>
-          </p:cNvPicPr>
-          <p:nvPr/>
-        </p:nvPicPr>
-        <p:blipFill rotWithShape="1">
-          <a:blip r:embed="rId2" cstate="print">
-            <a:extLst>
-              <a:ext uri="{28A0092B-C50C-407E-A947-70E740481C1C}">
-                <a14:useLocalDpi xmlns:a14="http://schemas.microsoft.com/office/drawing/2010/main" val="0"/>
-              </a:ext>
-            </a:extLst>
-          </a:blip>
-          <a:srcRect l="16832" r="14521"/>
-          <a:stretch/>
-        </p:blipFill>
-        <p:spPr bwMode="auto">
-          <a:xfrm>
-            <a:off x="6292158" y="2190780"/>
-            <a:ext cx="2353901" cy="3429000"/>
-          </a:xfrm>
-          <a:prstGeom prst="rect">
-            <a:avLst/>
-          </a:prstGeom>
-          <a:noFill/>
-          <a:extLst>
-            <a:ext uri="{909E8E84-426E-40DD-AFC4-6F175D3DCCD1}">
-              <a14:hiddenFill xmlns:a14="http://schemas.microsoft.com/office/drawing/2010/main">
-                <a:solidFill>
-                  <a:srgbClr val="FFFFFF"/>
-                </a:solidFill>
-              </a14:hiddenFill>
-            </a:ext>
-          </a:extLst>
-        </p:spPr>
-      </p:pic>
-      <p:sp>
-        <p:nvSpPr>
-          <p:cNvPr id="2" name="Rectangle 1"/>
-          <p:cNvSpPr/>
-          <p:nvPr/>
-        </p:nvSpPr>
-        <p:spPr>
-          <a:xfrm>
-            <a:off x="1262958" y="5964911"/>
-            <a:ext cx="6966642" cy="523220"/>
-          </a:xfrm>
-          <a:prstGeom prst="rect">
-            <a:avLst/>
-          </a:prstGeom>
-        </p:spPr>
-        <p:txBody>
-          <a:bodyPr wrap="square">
-            <a:spAutoFit/>
-          </a:bodyPr>
-          <a:lstStyle/>
-          <a:p>
-            <a:r>
-              <a:rPr lang="en-US" dirty="0">
-                <a:hlinkClick r:id="rId3"/>
-              </a:rPr>
-              <a:t>https://</a:t>
-            </a:r>
-            <a:r>
-              <a:rPr lang="en-US" dirty="0" smtClean="0">
-                <a:hlinkClick r:id="rId3"/>
-              </a:rPr>
-              <a:t>www.youtube.com/watch?v=58dCIdXB4lg&amp;feature=youtu.be</a:t>
-            </a:r>
-            <a:endParaRPr lang="en-US" dirty="0" smtClean="0"/>
-          </a:p>
-          <a:p>
-            <a:endParaRPr lang="en-US" dirty="0"/>
-          </a:p>
-        </p:txBody>
-      </p:sp>
-    </p:spTree>
-    <p:extLst>
-      <p:ext uri="{BB962C8B-B14F-4D97-AF65-F5344CB8AC3E}">
-        <p14:creationId xmlns:p14="http://schemas.microsoft.com/office/powerpoint/2010/main" val="3250507229"/>
-      </p:ext>
-    </p:extLst>
-  </p:cSld>
-  <p:clrMapOvr>
-    <a:masterClrMapping/>
-  </p:clrMapOvr>
-  <p:timing>
-    <p:tnLst>
-      <p:par>
-        <p:cTn id="1" dur="indefinite" restart="never" nodeType="tmRoot"/>
-      </p:par>
-    </p:tnLst>
-  </p:timing>
-</p:sld>
-</file>
-
-<file path=ppt/slides/slide23.xml><?xml version="1.0" encoding="utf-8"?>
-<p:sld xmlns:a="http://schemas.openxmlformats.org/drawingml/2006/main" xmlns:r="http://schemas.openxmlformats.org/officeDocument/2006/relationships" xmlns:p="http://schemas.openxmlformats.org/presentationml/2006/main">
-  <p:cSld>
-    <p:spTree>
-      <p:nvGrpSpPr>
-        <p:cNvPr id="1" name=""/>
-        <p:cNvGrpSpPr/>
-        <p:nvPr/>
-      </p:nvGrpSpPr>
-      <p:grpSpPr>
-        <a:xfrm>
-          <a:off x="0" y="0"/>
-          <a:ext cx="0" cy="0"/>
-          <a:chOff x="0" y="0"/>
-          <a:chExt cx="0" cy="0"/>
-        </a:xfrm>
-      </p:grpSpPr>
-      <p:sp>
-        <p:nvSpPr>
-          <p:cNvPr id="103426" name="Slide Number Placeholder 3"/>
-          <p:cNvSpPr>
-            <a:spLocks noGrp="1"/>
-          </p:cNvSpPr>
-          <p:nvPr>
-            <p:ph type="sldNum" sz="quarter" idx="10"/>
-          </p:nvPr>
-        </p:nvSpPr>
-        <p:spPr>
-          <a:noFill/>
-          <a:ln/>
-          <a:extLst>
-            <a:ext uri="{909E8E84-426E-40DD-AFC4-6F175D3DCCD1}">
-              <a14:hiddenFill xmlns:a14="http://schemas.microsoft.com/office/drawing/2010/main">
-                <a:solidFill>
-                  <a:srgbClr val="FFFFFF"/>
-                </a:solidFill>
-              </a14:hiddenFill>
-            </a:ext>
-            <a:ext uri="{91240B29-F687-4F45-9708-019B960494DF}">
-              <a14:hiddenLine xmlns:a14="http://schemas.microsoft.com/office/drawing/2010/main" w="9525">
-                <a:solidFill>
-                  <a:srgbClr val="000000"/>
-                </a:solidFill>
-                <a:miter lim="800000"/>
-                <a:headEnd/>
-                <a:tailEnd/>
-              </a14:hiddenLine>
-            </a:ext>
-          </a:extLst>
-        </p:spPr>
-        <p:txBody>
-          <a:bodyPr/>
-          <a:lstStyle>
-            <a:lvl1pPr>
-              <a:defRPr sz="1400">
-                <a:solidFill>
-                  <a:schemeClr val="tx1"/>
-                </a:solidFill>
-                <a:latin typeface="Arial" pitchFamily="34" charset="0"/>
-              </a:defRPr>
-            </a:lvl1pPr>
-            <a:lvl2pPr marL="742950" indent="-285750">
-              <a:defRPr sz="1400">
-                <a:solidFill>
-                  <a:schemeClr val="tx1"/>
-                </a:solidFill>
-                <a:latin typeface="Arial" pitchFamily="34" charset="0"/>
-              </a:defRPr>
-            </a:lvl2pPr>
-            <a:lvl3pPr marL="1143000" indent="-228600">
-              <a:defRPr sz="1400">
-                <a:solidFill>
-                  <a:schemeClr val="tx1"/>
-                </a:solidFill>
-                <a:latin typeface="Arial" pitchFamily="34" charset="0"/>
-              </a:defRPr>
-            </a:lvl3pPr>
-            <a:lvl4pPr marL="1600200" indent="-228600">
-              <a:defRPr sz="1400">
-                <a:solidFill>
-                  <a:schemeClr val="tx1"/>
-                </a:solidFill>
-                <a:latin typeface="Arial" pitchFamily="34" charset="0"/>
-              </a:defRPr>
-            </a:lvl4pPr>
-            <a:lvl5pPr marL="2057400" indent="-228600">
-              <a:defRPr sz="1400">
-                <a:solidFill>
-                  <a:schemeClr val="tx1"/>
-                </a:solidFill>
-                <a:latin typeface="Arial" pitchFamily="34" charset="0"/>
-              </a:defRPr>
-            </a:lvl5pPr>
-            <a:lvl6pPr marL="2514600" indent="-228600" algn="ctr" eaLnBrk="0" fontAlgn="base" hangingPunct="0">
-              <a:spcBef>
-                <a:spcPct val="0"/>
-              </a:spcBef>
-              <a:spcAft>
-                <a:spcPct val="0"/>
-              </a:spcAft>
-              <a:defRPr sz="1400">
-                <a:solidFill>
-                  <a:schemeClr val="tx1"/>
-                </a:solidFill>
-                <a:latin typeface="Arial" pitchFamily="34" charset="0"/>
-              </a:defRPr>
-            </a:lvl6pPr>
-            <a:lvl7pPr marL="2971800" indent="-228600" algn="ctr" eaLnBrk="0" fontAlgn="base" hangingPunct="0">
-              <a:spcBef>
-                <a:spcPct val="0"/>
-              </a:spcBef>
-              <a:spcAft>
-                <a:spcPct val="0"/>
-              </a:spcAft>
-              <a:defRPr sz="1400">
-                <a:solidFill>
-                  <a:schemeClr val="tx1"/>
-                </a:solidFill>
-                <a:latin typeface="Arial" pitchFamily="34" charset="0"/>
-              </a:defRPr>
-            </a:lvl7pPr>
-            <a:lvl8pPr marL="3429000" indent="-228600" algn="ctr" eaLnBrk="0" fontAlgn="base" hangingPunct="0">
-              <a:spcBef>
-                <a:spcPct val="0"/>
-              </a:spcBef>
-              <a:spcAft>
-                <a:spcPct val="0"/>
-              </a:spcAft>
-              <a:defRPr sz="1400">
-                <a:solidFill>
-                  <a:schemeClr val="tx1"/>
-                </a:solidFill>
-                <a:latin typeface="Arial" pitchFamily="34" charset="0"/>
-              </a:defRPr>
-            </a:lvl8pPr>
-            <a:lvl9pPr marL="3886200" indent="-228600" algn="ctr" eaLnBrk="0" fontAlgn="base" hangingPunct="0">
-              <a:spcBef>
-                <a:spcPct val="0"/>
-              </a:spcBef>
-              <a:spcAft>
-                <a:spcPct val="0"/>
-              </a:spcAft>
-              <a:defRPr sz="1400">
-                <a:solidFill>
-                  <a:schemeClr val="tx1"/>
-                </a:solidFill>
-                <a:latin typeface="Arial" pitchFamily="34" charset="0"/>
-              </a:defRPr>
-            </a:lvl9pPr>
-          </a:lstStyle>
-          <a:p>
-            <a:endParaRPr lang="en-US" smtClean="0">
-              <a:latin typeface="Times New Roman" pitchFamily="18" charset="0"/>
-            </a:endParaRPr>
-          </a:p>
-          <a:p>
-            <a:fld id="{8B531BE4-DB60-4836-A221-CAFE24BA278F}" type="slidenum">
-              <a:rPr lang="en-US" smtClean="0">
-                <a:latin typeface="Times New Roman" pitchFamily="18" charset="0"/>
-              </a:rPr>
-              <a:pPr/>
-              <a:t>23</a:t>
-            </a:fld>
-            <a:endParaRPr lang="en-US" smtClean="0">
-              <a:latin typeface="Times New Roman" pitchFamily="18" charset="0"/>
-            </a:endParaRPr>
-          </a:p>
-        </p:txBody>
-      </p:sp>
-      <p:sp>
-        <p:nvSpPr>
-          <p:cNvPr id="103427" name="Date Placeholder 4"/>
-          <p:cNvSpPr>
-            <a:spLocks noGrp="1"/>
-          </p:cNvSpPr>
-          <p:nvPr>
-            <p:ph type="dt" sz="quarter" idx="11"/>
-          </p:nvPr>
-        </p:nvSpPr>
-        <p:spPr>
-          <a:noFill/>
-          <a:ln/>
-          <a:extLst>
-            <a:ext uri="{909E8E84-426E-40DD-AFC4-6F175D3DCCD1}">
-              <a14:hiddenFill xmlns:a14="http://schemas.microsoft.com/office/drawing/2010/main">
-                <a:solidFill>
-                  <a:srgbClr val="FFFFFF"/>
-                </a:solidFill>
-              </a14:hiddenFill>
-            </a:ext>
-            <a:ext uri="{91240B29-F687-4F45-9708-019B960494DF}">
-              <a14:hiddenLine xmlns:a14="http://schemas.microsoft.com/office/drawing/2010/main" w="9525">
-                <a:solidFill>
-                  <a:srgbClr val="000000"/>
-                </a:solidFill>
-                <a:miter lim="800000"/>
-                <a:headEnd/>
-                <a:tailEnd/>
-              </a14:hiddenLine>
-            </a:ext>
-          </a:extLst>
-        </p:spPr>
-        <p:txBody>
-          <a:bodyPr/>
-          <a:lstStyle>
-            <a:lvl1pPr>
-              <a:defRPr sz="1400">
-                <a:solidFill>
-                  <a:schemeClr val="tx1"/>
-                </a:solidFill>
-                <a:latin typeface="Arial" pitchFamily="34" charset="0"/>
-              </a:defRPr>
-            </a:lvl1pPr>
-            <a:lvl2pPr marL="742950" indent="-285750">
-              <a:defRPr sz="1400">
-                <a:solidFill>
-                  <a:schemeClr val="tx1"/>
-                </a:solidFill>
-                <a:latin typeface="Arial" pitchFamily="34" charset="0"/>
-              </a:defRPr>
-            </a:lvl2pPr>
-            <a:lvl3pPr marL="1143000" indent="-228600">
-              <a:defRPr sz="1400">
-                <a:solidFill>
-                  <a:schemeClr val="tx1"/>
-                </a:solidFill>
-                <a:latin typeface="Arial" pitchFamily="34" charset="0"/>
-              </a:defRPr>
-            </a:lvl3pPr>
-            <a:lvl4pPr marL="1600200" indent="-228600">
-              <a:defRPr sz="1400">
-                <a:solidFill>
-                  <a:schemeClr val="tx1"/>
-                </a:solidFill>
-                <a:latin typeface="Arial" pitchFamily="34" charset="0"/>
-              </a:defRPr>
-            </a:lvl4pPr>
-            <a:lvl5pPr marL="2057400" indent="-228600">
-              <a:defRPr sz="1400">
-                <a:solidFill>
-                  <a:schemeClr val="tx1"/>
-                </a:solidFill>
-                <a:latin typeface="Arial" pitchFamily="34" charset="0"/>
-              </a:defRPr>
-            </a:lvl5pPr>
-            <a:lvl6pPr marL="2514600" indent="-228600" algn="ctr" eaLnBrk="0" fontAlgn="base" hangingPunct="0">
-              <a:spcBef>
-                <a:spcPct val="0"/>
-              </a:spcBef>
-              <a:spcAft>
-                <a:spcPct val="0"/>
-              </a:spcAft>
-              <a:defRPr sz="1400">
-                <a:solidFill>
-                  <a:schemeClr val="tx1"/>
-                </a:solidFill>
-                <a:latin typeface="Arial" pitchFamily="34" charset="0"/>
-              </a:defRPr>
-            </a:lvl6pPr>
-            <a:lvl7pPr marL="2971800" indent="-228600" algn="ctr" eaLnBrk="0" fontAlgn="base" hangingPunct="0">
-              <a:spcBef>
-                <a:spcPct val="0"/>
-              </a:spcBef>
-              <a:spcAft>
-                <a:spcPct val="0"/>
-              </a:spcAft>
-              <a:defRPr sz="1400">
-                <a:solidFill>
-                  <a:schemeClr val="tx1"/>
-                </a:solidFill>
-                <a:latin typeface="Arial" pitchFamily="34" charset="0"/>
-              </a:defRPr>
-            </a:lvl7pPr>
-            <a:lvl8pPr marL="3429000" indent="-228600" algn="ctr" eaLnBrk="0" fontAlgn="base" hangingPunct="0">
-              <a:spcBef>
-                <a:spcPct val="0"/>
-              </a:spcBef>
-              <a:spcAft>
-                <a:spcPct val="0"/>
-              </a:spcAft>
-              <a:defRPr sz="1400">
-                <a:solidFill>
-                  <a:schemeClr val="tx1"/>
-                </a:solidFill>
-                <a:latin typeface="Arial" pitchFamily="34" charset="0"/>
-              </a:defRPr>
-            </a:lvl8pPr>
-            <a:lvl9pPr marL="3886200" indent="-228600" algn="ctr" eaLnBrk="0" fontAlgn="base" hangingPunct="0">
-              <a:spcBef>
-                <a:spcPct val="0"/>
-              </a:spcBef>
-              <a:spcAft>
-                <a:spcPct val="0"/>
-              </a:spcAft>
-              <a:defRPr sz="1400">
-                <a:solidFill>
-                  <a:schemeClr val="tx1"/>
-                </a:solidFill>
-                <a:latin typeface="Arial" pitchFamily="34" charset="0"/>
-              </a:defRPr>
-            </a:lvl9pPr>
-          </a:lstStyle>
-          <a:p>
-            <a:endParaRPr lang="en-US" smtClean="0">
-              <a:latin typeface="Times New Roman" pitchFamily="18" charset="0"/>
-            </a:endParaRPr>
-          </a:p>
-          <a:p>
-            <a:fld id="{89F7FD29-E665-463E-BFAA-3F5452225AF8}" type="datetime3">
-              <a:rPr lang="en-US" smtClean="0">
-                <a:latin typeface="Times New Roman" pitchFamily="18" charset="0"/>
-              </a:rPr>
-              <a:pPr/>
-              <a:t>23 July 2018</a:t>
-            </a:fld>
-            <a:endParaRPr lang="en-US" smtClean="0">
-              <a:latin typeface="Times New Roman" pitchFamily="18" charset="0"/>
-            </a:endParaRPr>
-          </a:p>
-        </p:txBody>
-      </p:sp>
-      <p:sp>
-        <p:nvSpPr>
-          <p:cNvPr id="103428" name="Rectangle 2"/>
-          <p:cNvSpPr>
-            <a:spLocks noGrp="1" noChangeArrowheads="1"/>
-          </p:cNvSpPr>
-          <p:nvPr>
-            <p:ph type="title"/>
-          </p:nvPr>
-        </p:nvSpPr>
-        <p:spPr/>
-        <p:txBody>
-          <a:bodyPr/>
-          <a:lstStyle/>
-          <a:p>
-            <a:r>
-              <a:rPr lang="en-US" smtClean="0"/>
-              <a:t>Course Goals</a:t>
-            </a:r>
-          </a:p>
-        </p:txBody>
-      </p:sp>
-      <p:sp>
-        <p:nvSpPr>
-          <p:cNvPr id="103429" name="Content Placeholder 5"/>
-          <p:cNvSpPr>
-            <a:spLocks noGrp="1"/>
-          </p:cNvSpPr>
-          <p:nvPr>
-            <p:ph idx="1"/>
-          </p:nvPr>
-        </p:nvSpPr>
-        <p:spPr/>
-        <p:txBody>
-          <a:bodyPr/>
-          <a:lstStyle/>
-          <a:p>
-            <a:pPr>
-              <a:buNone/>
-            </a:pPr>
-            <a:endParaRPr lang="en-US" b="0" dirty="0" smtClean="0"/>
-          </a:p>
-          <a:p>
-            <a:pPr>
-              <a:buNone/>
-            </a:pPr>
-            <a:r>
-              <a:rPr lang="en-US" b="0" dirty="0" smtClean="0"/>
-              <a:t>Cadets </a:t>
-            </a:r>
-            <a:r>
-              <a:rPr lang="en-US" b="0" dirty="0"/>
-              <a:t>shall develop the skills to </a:t>
-            </a:r>
-            <a:r>
-              <a:rPr lang="en-US" b="0" dirty="0">
-                <a:solidFill>
-                  <a:schemeClr val="accent2"/>
-                </a:solidFill>
-              </a:rPr>
-              <a:t>design</a:t>
-            </a:r>
-            <a:r>
-              <a:rPr lang="en-US" b="0" dirty="0"/>
-              <a:t>, </a:t>
-            </a:r>
-            <a:r>
-              <a:rPr lang="en-US" b="0" dirty="0">
-                <a:solidFill>
-                  <a:schemeClr val="accent2"/>
-                </a:solidFill>
-              </a:rPr>
-              <a:t>implement</a:t>
-            </a:r>
-            <a:r>
-              <a:rPr lang="en-US" b="0" dirty="0"/>
-              <a:t>, </a:t>
-            </a:r>
-            <a:r>
-              <a:rPr lang="en-US" b="0" dirty="0" smtClean="0">
-                <a:solidFill>
-                  <a:schemeClr val="accent2"/>
-                </a:solidFill>
-              </a:rPr>
-              <a:t>test</a:t>
-            </a:r>
-            <a:r>
-              <a:rPr lang="en-US" b="0" dirty="0" smtClean="0"/>
-              <a:t>, and </a:t>
-            </a:r>
-            <a:r>
-              <a:rPr lang="en-US" b="0" dirty="0">
-                <a:solidFill>
-                  <a:schemeClr val="accent2"/>
-                </a:solidFill>
-              </a:rPr>
-              <a:t>debug</a:t>
-            </a:r>
-            <a:r>
-              <a:rPr lang="en-US" b="0" dirty="0"/>
-              <a:t> microcontroller-based systems by developing operational </a:t>
-            </a:r>
-            <a:r>
-              <a:rPr lang="en-US" b="0" dirty="0">
-                <a:solidFill>
-                  <a:schemeClr val="accent2"/>
-                </a:solidFill>
-              </a:rPr>
-              <a:t>assembly</a:t>
-            </a:r>
-            <a:r>
-              <a:rPr lang="en-US" b="0" dirty="0"/>
-              <a:t> and </a:t>
-            </a:r>
-            <a:r>
-              <a:rPr lang="en-US" b="0" dirty="0">
-                <a:solidFill>
-                  <a:schemeClr val="accent2"/>
-                </a:solidFill>
-              </a:rPr>
-              <a:t>C language</a:t>
-            </a:r>
-            <a:r>
-              <a:rPr lang="en-US" b="0" dirty="0"/>
-              <a:t> programs that incorporate the built-in microcontroller functions, and by successfully </a:t>
-            </a:r>
-            <a:r>
-              <a:rPr lang="en-US" b="0" dirty="0">
-                <a:solidFill>
-                  <a:schemeClr val="accent2"/>
-                </a:solidFill>
-              </a:rPr>
-              <a:t>interfacing the microcontroller</a:t>
-            </a:r>
-            <a:r>
-              <a:rPr lang="en-US" b="0" dirty="0"/>
-              <a:t> to the external world.</a:t>
-            </a:r>
-            <a:endParaRPr lang="en-US" dirty="0" smtClean="0"/>
-          </a:p>
-        </p:txBody>
-      </p:sp>
-    </p:spTree>
-    <p:extLst>
-      <p:ext uri="{BB962C8B-B14F-4D97-AF65-F5344CB8AC3E}">
-        <p14:creationId xmlns:p14="http://schemas.microsoft.com/office/powerpoint/2010/main" val="893745783"/>
-      </p:ext>
-    </p:extLst>
-  </p:cSld>
-  <p:clrMapOvr>
-    <a:masterClrMapping/>
-  </p:clrMapOvr>
-  <p:timing>
-    <p:tnLst>
-      <p:par>
-        <p:cTn id="1" dur="indefinite" restart="never" nodeType="tmRoot"/>
-      </p:par>
-    </p:tnLst>
-  </p:timing>
-</p:sld>
-</file>
-
-<file path=ppt/slides/slide24.xml><?xml version="1.0" encoding="utf-8"?>
-<p:sld xmlns:a="http://schemas.openxmlformats.org/drawingml/2006/main" xmlns:r="http://schemas.openxmlformats.org/officeDocument/2006/relationships" xmlns:p="http://schemas.openxmlformats.org/presentationml/2006/main">
-  <p:cSld>
-    <p:spTree>
-      <p:nvGrpSpPr>
-        <p:cNvPr id="1" name=""/>
-        <p:cNvGrpSpPr/>
-        <p:nvPr/>
-      </p:nvGrpSpPr>
-      <p:grpSpPr>
-        <a:xfrm>
-          <a:off x="0" y="0"/>
-          <a:ext cx="0" cy="0"/>
-          <a:chOff x="0" y="0"/>
-          <a:chExt cx="0" cy="0"/>
-        </a:xfrm>
-      </p:grpSpPr>
-      <p:sp>
-        <p:nvSpPr>
-          <p:cNvPr id="104450" name="Title 1"/>
-          <p:cNvSpPr>
-            <a:spLocks noGrp="1"/>
-          </p:cNvSpPr>
-          <p:nvPr>
-            <p:ph type="title"/>
-          </p:nvPr>
-        </p:nvSpPr>
-        <p:spPr/>
-        <p:txBody>
-          <a:bodyPr/>
-          <a:lstStyle/>
-          <a:p>
-            <a:r>
-              <a:rPr lang="en-US" smtClean="0"/>
-              <a:t>Course Objectives</a:t>
-            </a:r>
-          </a:p>
-        </p:txBody>
-      </p:sp>
-      <p:sp>
-        <p:nvSpPr>
-          <p:cNvPr id="13315" name="Content Placeholder 2"/>
-          <p:cNvSpPr>
-            <a:spLocks noGrp="1"/>
-          </p:cNvSpPr>
-          <p:nvPr>
-            <p:ph idx="1"/>
-          </p:nvPr>
-        </p:nvSpPr>
-        <p:spPr>
-          <a:xfrm>
-            <a:off x="425514" y="1536700"/>
-            <a:ext cx="8505762" cy="4324350"/>
-          </a:xfrm>
-        </p:spPr>
-        <p:txBody>
-          <a:bodyPr/>
-          <a:lstStyle/>
-          <a:p>
-            <a:pPr marL="0" indent="0">
-              <a:buNone/>
-            </a:pPr>
-            <a:r>
-              <a:rPr lang="en-US" sz="2000" b="0" dirty="0"/>
-              <a:t>By the end of this course, cadets shall be able to:</a:t>
-            </a:r>
-          </a:p>
-          <a:p>
-            <a:pPr marL="342900" indent="-342900">
-              <a:buFont typeface="+mj-lt"/>
-              <a:buAutoNum type="arabicPeriod"/>
-            </a:pPr>
-            <a:r>
-              <a:rPr lang="en-US" sz="2000" b="0" dirty="0"/>
-              <a:t>Utilize the built-in functional units of a specified microcontroller.</a:t>
-            </a:r>
-          </a:p>
-          <a:p>
-            <a:pPr marL="342900" indent="-342900">
-              <a:buFont typeface="+mj-lt"/>
-              <a:buAutoNum type="arabicPeriod"/>
-            </a:pPr>
-            <a:r>
-              <a:rPr lang="en-US" sz="2000" b="0" dirty="0"/>
-              <a:t>Write, assemble, link, and run microcontroller code in assembly language.</a:t>
-            </a:r>
-          </a:p>
-          <a:p>
-            <a:pPr marL="342900" indent="-342900">
-              <a:buFont typeface="+mj-lt"/>
-              <a:buAutoNum type="arabicPeriod"/>
-            </a:pPr>
-            <a:r>
-              <a:rPr lang="en-US" sz="2000" b="0" dirty="0"/>
-              <a:t>Write, compile, assemble, link, and run microcontroller code in the C programming language.</a:t>
-            </a:r>
-          </a:p>
-          <a:p>
-            <a:pPr marL="342900" indent="-342900">
-              <a:buFont typeface="+mj-lt"/>
-              <a:buAutoNum type="arabicPeriod"/>
-            </a:pPr>
-            <a:r>
-              <a:rPr lang="en-US" sz="2000" b="0" dirty="0"/>
-              <a:t>Interpret and explain orally and in writing the functions of a given assembly language or C program as well as laboratory work</a:t>
-            </a:r>
-          </a:p>
-          <a:p>
-            <a:pPr marL="342900" indent="-342900">
-              <a:buFont typeface="+mj-lt"/>
-              <a:buAutoNum type="arabicPeriod"/>
-            </a:pPr>
-            <a:r>
-              <a:rPr lang="en-US" sz="2000" b="0" dirty="0"/>
-              <a:t>Evaluate, analyze, debug, and modify a given program to improve its execution of a specified task</a:t>
-            </a:r>
-          </a:p>
-          <a:p>
-            <a:pPr marL="342900" indent="-342900">
-              <a:buFont typeface="+mj-lt"/>
-              <a:buAutoNum type="arabicPeriod"/>
-            </a:pPr>
-            <a:r>
-              <a:rPr lang="en-US" sz="2000" b="0" dirty="0"/>
-              <a:t>Demonstrate a working knowledge of the on-board hardware components of a microcontroller and implement an interface between a specified microcontroller and other hardware.</a:t>
-            </a:r>
-          </a:p>
-          <a:p>
-            <a:pPr marL="342900" indent="-342900">
-              <a:buFont typeface="+mj-lt"/>
-              <a:buAutoNum type="arabicPeriod"/>
-            </a:pPr>
-            <a:r>
-              <a:rPr lang="en-US" sz="2000" b="0" dirty="0"/>
-              <a:t>Demonstrate the ability to solve well and ill-defined </a:t>
-            </a:r>
-            <a:r>
-              <a:rPr lang="en-US" sz="2000" b="0" dirty="0" smtClean="0"/>
-              <a:t>problems</a:t>
-            </a:r>
-            <a:endParaRPr lang="en-US" sz="2000" b="0" dirty="0"/>
-          </a:p>
-        </p:txBody>
-      </p:sp>
-      <p:sp>
-        <p:nvSpPr>
-          <p:cNvPr id="104452" name="Slide Number Placeholder 3"/>
-          <p:cNvSpPr>
-            <a:spLocks noGrp="1"/>
-          </p:cNvSpPr>
-          <p:nvPr>
-            <p:ph type="sldNum" sz="quarter" idx="10"/>
-          </p:nvPr>
-        </p:nvSpPr>
-        <p:spPr>
-          <a:noFill/>
-          <a:ln/>
-          <a:extLst>
-            <a:ext uri="{909E8E84-426E-40DD-AFC4-6F175D3DCCD1}">
-              <a14:hiddenFill xmlns:a14="http://schemas.microsoft.com/office/drawing/2010/main">
-                <a:solidFill>
-                  <a:srgbClr val="FFFFFF"/>
-                </a:solidFill>
-              </a14:hiddenFill>
-            </a:ext>
-            <a:ext uri="{91240B29-F687-4F45-9708-019B960494DF}">
-              <a14:hiddenLine xmlns:a14="http://schemas.microsoft.com/office/drawing/2010/main" w="9525">
-                <a:solidFill>
-                  <a:srgbClr val="000000"/>
-                </a:solidFill>
-                <a:miter lim="800000"/>
-                <a:headEnd/>
-                <a:tailEnd/>
-              </a14:hiddenLine>
-            </a:ext>
-          </a:extLst>
-        </p:spPr>
-        <p:txBody>
-          <a:bodyPr/>
-          <a:lstStyle>
-            <a:lvl1pPr>
-              <a:defRPr sz="1400">
-                <a:solidFill>
-                  <a:schemeClr val="tx1"/>
-                </a:solidFill>
-                <a:latin typeface="Arial" pitchFamily="34" charset="0"/>
-              </a:defRPr>
-            </a:lvl1pPr>
-            <a:lvl2pPr marL="742950" indent="-285750">
-              <a:defRPr sz="1400">
-                <a:solidFill>
-                  <a:schemeClr val="tx1"/>
-                </a:solidFill>
-                <a:latin typeface="Arial" pitchFamily="34" charset="0"/>
-              </a:defRPr>
-            </a:lvl2pPr>
-            <a:lvl3pPr marL="1143000" indent="-228600">
-              <a:defRPr sz="1400">
-                <a:solidFill>
-                  <a:schemeClr val="tx1"/>
-                </a:solidFill>
-                <a:latin typeface="Arial" pitchFamily="34" charset="0"/>
-              </a:defRPr>
-            </a:lvl3pPr>
-            <a:lvl4pPr marL="1600200" indent="-228600">
-              <a:defRPr sz="1400">
-                <a:solidFill>
-                  <a:schemeClr val="tx1"/>
-                </a:solidFill>
-                <a:latin typeface="Arial" pitchFamily="34" charset="0"/>
-              </a:defRPr>
-            </a:lvl4pPr>
-            <a:lvl5pPr marL="2057400" indent="-228600">
-              <a:defRPr sz="1400">
-                <a:solidFill>
-                  <a:schemeClr val="tx1"/>
-                </a:solidFill>
-                <a:latin typeface="Arial" pitchFamily="34" charset="0"/>
-              </a:defRPr>
-            </a:lvl5pPr>
-            <a:lvl6pPr marL="2514600" indent="-228600" algn="ctr" eaLnBrk="0" fontAlgn="base" hangingPunct="0">
-              <a:spcBef>
-                <a:spcPct val="0"/>
-              </a:spcBef>
-              <a:spcAft>
-                <a:spcPct val="0"/>
-              </a:spcAft>
-              <a:defRPr sz="1400">
-                <a:solidFill>
-                  <a:schemeClr val="tx1"/>
-                </a:solidFill>
-                <a:latin typeface="Arial" pitchFamily="34" charset="0"/>
-              </a:defRPr>
-            </a:lvl6pPr>
-            <a:lvl7pPr marL="2971800" indent="-228600" algn="ctr" eaLnBrk="0" fontAlgn="base" hangingPunct="0">
-              <a:spcBef>
-                <a:spcPct val="0"/>
-              </a:spcBef>
-              <a:spcAft>
-                <a:spcPct val="0"/>
-              </a:spcAft>
-              <a:defRPr sz="1400">
-                <a:solidFill>
-                  <a:schemeClr val="tx1"/>
-                </a:solidFill>
-                <a:latin typeface="Arial" pitchFamily="34" charset="0"/>
-              </a:defRPr>
-            </a:lvl7pPr>
-            <a:lvl8pPr marL="3429000" indent="-228600" algn="ctr" eaLnBrk="0" fontAlgn="base" hangingPunct="0">
-              <a:spcBef>
-                <a:spcPct val="0"/>
-              </a:spcBef>
-              <a:spcAft>
-                <a:spcPct val="0"/>
-              </a:spcAft>
-              <a:defRPr sz="1400">
-                <a:solidFill>
-                  <a:schemeClr val="tx1"/>
-                </a:solidFill>
-                <a:latin typeface="Arial" pitchFamily="34" charset="0"/>
-              </a:defRPr>
-            </a:lvl8pPr>
-            <a:lvl9pPr marL="3886200" indent="-228600" algn="ctr" eaLnBrk="0" fontAlgn="base" hangingPunct="0">
-              <a:spcBef>
-                <a:spcPct val="0"/>
-              </a:spcBef>
-              <a:spcAft>
-                <a:spcPct val="0"/>
-              </a:spcAft>
-              <a:defRPr sz="1400">
-                <a:solidFill>
-                  <a:schemeClr val="tx1"/>
-                </a:solidFill>
-                <a:latin typeface="Arial" pitchFamily="34" charset="0"/>
-              </a:defRPr>
-            </a:lvl9pPr>
-          </a:lstStyle>
-          <a:p>
-            <a:endParaRPr lang="en-US" smtClean="0">
-              <a:latin typeface="Times New Roman" pitchFamily="18" charset="0"/>
-            </a:endParaRPr>
-          </a:p>
-          <a:p>
-            <a:fld id="{215AD355-B678-4234-977D-56DCE36CE4F3}" type="slidenum">
-              <a:rPr lang="en-US" smtClean="0">
-                <a:latin typeface="Times New Roman" pitchFamily="18" charset="0"/>
-              </a:rPr>
-              <a:pPr/>
-              <a:t>24</a:t>
-            </a:fld>
-            <a:endParaRPr lang="en-US" smtClean="0">
-              <a:latin typeface="Times New Roman" pitchFamily="18" charset="0"/>
-            </a:endParaRPr>
-          </a:p>
-        </p:txBody>
-      </p:sp>
-      <p:sp>
-        <p:nvSpPr>
-          <p:cNvPr id="104453" name="Date Placeholder 4"/>
-          <p:cNvSpPr>
-            <a:spLocks noGrp="1"/>
-          </p:cNvSpPr>
-          <p:nvPr>
-            <p:ph type="dt" sz="quarter" idx="11"/>
-          </p:nvPr>
-        </p:nvSpPr>
-        <p:spPr>
-          <a:noFill/>
-          <a:ln/>
-          <a:extLst>
-            <a:ext uri="{909E8E84-426E-40DD-AFC4-6F175D3DCCD1}">
-              <a14:hiddenFill xmlns:a14="http://schemas.microsoft.com/office/drawing/2010/main">
-                <a:solidFill>
-                  <a:srgbClr val="FFFFFF"/>
-                </a:solidFill>
-              </a14:hiddenFill>
-            </a:ext>
-            <a:ext uri="{91240B29-F687-4F45-9708-019B960494DF}">
-              <a14:hiddenLine xmlns:a14="http://schemas.microsoft.com/office/drawing/2010/main" w="9525">
-                <a:solidFill>
-                  <a:srgbClr val="000000"/>
-                </a:solidFill>
-                <a:miter lim="800000"/>
-                <a:headEnd/>
-                <a:tailEnd/>
-              </a14:hiddenLine>
-            </a:ext>
-          </a:extLst>
-        </p:spPr>
-        <p:txBody>
-          <a:bodyPr/>
-          <a:lstStyle>
-            <a:lvl1pPr>
-              <a:defRPr sz="1400">
-                <a:solidFill>
-                  <a:schemeClr val="tx1"/>
-                </a:solidFill>
-                <a:latin typeface="Arial" pitchFamily="34" charset="0"/>
-              </a:defRPr>
-            </a:lvl1pPr>
-            <a:lvl2pPr marL="742950" indent="-285750">
-              <a:defRPr sz="1400">
-                <a:solidFill>
-                  <a:schemeClr val="tx1"/>
-                </a:solidFill>
-                <a:latin typeface="Arial" pitchFamily="34" charset="0"/>
-              </a:defRPr>
-            </a:lvl2pPr>
-            <a:lvl3pPr marL="1143000" indent="-228600">
-              <a:defRPr sz="1400">
-                <a:solidFill>
-                  <a:schemeClr val="tx1"/>
-                </a:solidFill>
-                <a:latin typeface="Arial" pitchFamily="34" charset="0"/>
-              </a:defRPr>
-            </a:lvl3pPr>
-            <a:lvl4pPr marL="1600200" indent="-228600">
-              <a:defRPr sz="1400">
-                <a:solidFill>
-                  <a:schemeClr val="tx1"/>
-                </a:solidFill>
-                <a:latin typeface="Arial" pitchFamily="34" charset="0"/>
-              </a:defRPr>
-            </a:lvl4pPr>
-            <a:lvl5pPr marL="2057400" indent="-228600">
-              <a:defRPr sz="1400">
-                <a:solidFill>
-                  <a:schemeClr val="tx1"/>
-                </a:solidFill>
-                <a:latin typeface="Arial" pitchFamily="34" charset="0"/>
-              </a:defRPr>
-            </a:lvl5pPr>
-            <a:lvl6pPr marL="2514600" indent="-228600" algn="ctr" eaLnBrk="0" fontAlgn="base" hangingPunct="0">
-              <a:spcBef>
-                <a:spcPct val="0"/>
-              </a:spcBef>
-              <a:spcAft>
-                <a:spcPct val="0"/>
-              </a:spcAft>
-              <a:defRPr sz="1400">
-                <a:solidFill>
-                  <a:schemeClr val="tx1"/>
-                </a:solidFill>
-                <a:latin typeface="Arial" pitchFamily="34" charset="0"/>
-              </a:defRPr>
-            </a:lvl6pPr>
-            <a:lvl7pPr marL="2971800" indent="-228600" algn="ctr" eaLnBrk="0" fontAlgn="base" hangingPunct="0">
-              <a:spcBef>
-                <a:spcPct val="0"/>
-              </a:spcBef>
-              <a:spcAft>
-                <a:spcPct val="0"/>
-              </a:spcAft>
-              <a:defRPr sz="1400">
-                <a:solidFill>
-                  <a:schemeClr val="tx1"/>
-                </a:solidFill>
-                <a:latin typeface="Arial" pitchFamily="34" charset="0"/>
-              </a:defRPr>
-            </a:lvl7pPr>
-            <a:lvl8pPr marL="3429000" indent="-228600" algn="ctr" eaLnBrk="0" fontAlgn="base" hangingPunct="0">
-              <a:spcBef>
-                <a:spcPct val="0"/>
-              </a:spcBef>
-              <a:spcAft>
-                <a:spcPct val="0"/>
-              </a:spcAft>
-              <a:defRPr sz="1400">
-                <a:solidFill>
-                  <a:schemeClr val="tx1"/>
-                </a:solidFill>
-                <a:latin typeface="Arial" pitchFamily="34" charset="0"/>
-              </a:defRPr>
-            </a:lvl8pPr>
-            <a:lvl9pPr marL="3886200" indent="-228600" algn="ctr" eaLnBrk="0" fontAlgn="base" hangingPunct="0">
-              <a:spcBef>
-                <a:spcPct val="0"/>
-              </a:spcBef>
-              <a:spcAft>
-                <a:spcPct val="0"/>
-              </a:spcAft>
-              <a:defRPr sz="1400">
-                <a:solidFill>
-                  <a:schemeClr val="tx1"/>
-                </a:solidFill>
-                <a:latin typeface="Arial" pitchFamily="34" charset="0"/>
-              </a:defRPr>
-            </a:lvl9pPr>
-          </a:lstStyle>
-          <a:p>
-            <a:endParaRPr lang="en-US" smtClean="0">
-              <a:latin typeface="Times New Roman" pitchFamily="18" charset="0"/>
-            </a:endParaRPr>
-          </a:p>
-          <a:p>
-            <a:fld id="{8D8D6D40-E254-4C2C-855F-701558C132AE}" type="datetime3">
-              <a:rPr lang="en-US" smtClean="0">
-                <a:latin typeface="Times New Roman" pitchFamily="18" charset="0"/>
-              </a:rPr>
-              <a:pPr/>
-              <a:t>23 July 2018</a:t>
-            </a:fld>
-            <a:endParaRPr lang="en-US" smtClean="0">
-              <a:latin typeface="Times New Roman" pitchFamily="18" charset="0"/>
-            </a:endParaRPr>
-          </a:p>
-        </p:txBody>
-      </p:sp>
-    </p:spTree>
-    <p:extLst>
-      <p:ext uri="{BB962C8B-B14F-4D97-AF65-F5344CB8AC3E}">
-        <p14:creationId xmlns:p14="http://schemas.microsoft.com/office/powerpoint/2010/main" val="1552424340"/>
       </p:ext>
     </p:extLst>
   </p:cSld>
@@ -20389,7 +15537,7 @@
         </p:nvSpPr>
         <p:spPr bwMode="auto">
           <a:xfrm>
-            <a:off x="6841067" y="3158065"/>
+            <a:off x="6832590" y="3156957"/>
             <a:ext cx="237066" cy="194733"/>
           </a:xfrm>
           <a:prstGeom prst="star5">
@@ -20955,7 +16103,7 @@
         </p:nvSpPr>
         <p:spPr bwMode="auto">
           <a:xfrm>
-            <a:off x="6654799" y="3454398"/>
+            <a:off x="6358456" y="2503994"/>
             <a:ext cx="1185333" cy="559905"/>
           </a:xfrm>
           <a:prstGeom prst="rect">
@@ -21057,7 +16205,7 @@
         </p:nvSpPr>
         <p:spPr bwMode="auto">
           <a:xfrm>
-            <a:off x="7010399" y="3056465"/>
+            <a:off x="6951123" y="3351690"/>
             <a:ext cx="237066" cy="194733"/>
           </a:xfrm>
           <a:prstGeom prst="star5">
@@ -21122,7 +16270,7 @@
         </p:nvSpPr>
         <p:spPr bwMode="auto">
           <a:xfrm>
-            <a:off x="6443132" y="2425945"/>
+            <a:off x="6375389" y="3640451"/>
             <a:ext cx="1388534" cy="559905"/>
           </a:xfrm>
           <a:prstGeom prst="rect">
@@ -21179,7 +16327,7 @@
                 <a:effectLst/>
                 <a:latin typeface="Arial" pitchFamily="34" charset="0"/>
               </a:rPr>
-              <a:t>NSA</a:t>
+              <a:t>NGA</a:t>
             </a:r>
           </a:p>
           <a:p>
@@ -21201,7 +16349,7 @@
             </a:pPr>
             <a:r>
               <a:rPr lang="en-US" dirty="0" smtClean="0"/>
-              <a:t>Ft Meade, MD</a:t>
+              <a:t>Springfield, VA</a:t>
             </a:r>
             <a:endParaRPr kumimoji="0" lang="en-US" sz="1400" b="0" i="0" u="none" strike="noStrike" cap="none" normalizeH="0" baseline="0" dirty="0" smtClean="0">
               <a:ln>
@@ -22186,6 +17334,40 @@
           </a:p>
         </p:txBody>
       </p:sp>
+      <p:sp>
+        <p:nvSpPr>
+          <p:cNvPr id="10" name="TextBox 9"/>
+          <p:cNvSpPr txBox="1"/>
+          <p:nvPr/>
+        </p:nvSpPr>
+        <p:spPr>
+          <a:xfrm>
+            <a:off x="122202" y="6521548"/>
+            <a:ext cx="2215671" cy="307777"/>
+          </a:xfrm>
+          <a:prstGeom prst="rect">
+            <a:avLst/>
+          </a:prstGeom>
+          <a:noFill/>
+        </p:spPr>
+        <p:txBody>
+          <a:bodyPr wrap="none" rtlCol="0">
+            <a:spAutoFit/>
+          </a:bodyPr>
+          <a:lstStyle/>
+          <a:p>
+            <a:r>
+              <a:rPr lang="en-US" dirty="0" err="1" smtClean="0"/>
+              <a:t>Sgt</a:t>
+            </a:r>
+            <a:r>
+              <a:rPr lang="en-US" dirty="0" smtClean="0"/>
+              <a:t> Russel, Camp Liberty</a:t>
+            </a:r>
+            <a:endParaRPr lang="en-US" dirty="0"/>
+          </a:p>
+        </p:txBody>
+      </p:sp>
     </p:spTree>
     <p:extLst>
       <p:ext uri="{BB962C8B-B14F-4D97-AF65-F5344CB8AC3E}">
@@ -22465,15 +17647,7 @@
             <a:pPr lvl="1"/>
             <a:r>
               <a:rPr lang="en-US" dirty="0" smtClean="0"/>
-              <a:t>Although we will learn assembly and </a:t>
-            </a:r>
-            <a:r>
-              <a:rPr lang="en-US" dirty="0" smtClean="0"/>
-              <a:t>some C</a:t>
-            </a:r>
-            <a:r>
-              <a:rPr lang="en-US" dirty="0" smtClean="0"/>
-              <a:t>, those are just the means to use the HW</a:t>
+              <a:t>Although we will learn assembly and some C, those are just the means to use the HW</a:t>
             </a:r>
             <a:endParaRPr lang="en-US" dirty="0"/>
           </a:p>
@@ -22828,31 +18002,36 @@
           <a:p>
             <a:r>
               <a:rPr lang="en-US" dirty="0" smtClean="0"/>
-              <a:t>Grades???</a:t>
+              <a:t>Grades</a:t>
             </a:r>
             <a:endParaRPr lang="en-US" dirty="0"/>
           </a:p>
         </p:txBody>
       </p:sp>
-      <p:sp>
-        <p:nvSpPr>
-          <p:cNvPr id="3" name="Content Placeholder 2"/>
-          <p:cNvSpPr>
-            <a:spLocks noGrp="1"/>
-          </p:cNvSpPr>
-          <p:nvPr>
-            <p:ph idx="1"/>
-          </p:nvPr>
-        </p:nvSpPr>
-        <p:spPr/>
-        <p:txBody>
-          <a:bodyPr/>
-          <a:lstStyle/>
-          <a:p>
-            <a:endParaRPr lang="en-US"/>
-          </a:p>
-        </p:txBody>
-      </p:sp>
+      <p:pic>
+        <p:nvPicPr>
+          <p:cNvPr id="4" name="Picture 3"/>
+          <p:cNvPicPr>
+            <a:picLocks noChangeAspect="1"/>
+          </p:cNvPicPr>
+          <p:nvPr/>
+        </p:nvPicPr>
+        <p:blipFill>
+          <a:blip r:embed="rId2"/>
+          <a:stretch>
+            <a:fillRect/>
+          </a:stretch>
+        </p:blipFill>
+        <p:spPr>
+          <a:xfrm>
+            <a:off x="1518179" y="1862666"/>
+            <a:ext cx="6137947" cy="3890433"/>
+          </a:xfrm>
+          <a:prstGeom prst="rect">
+            <a:avLst/>
+          </a:prstGeom>
+        </p:spPr>
+      </p:pic>
     </p:spTree>
     <p:extLst>
       <p:ext uri="{BB962C8B-B14F-4D97-AF65-F5344CB8AC3E}">
@@ -22863,6 +18042,13 @@
   <p:clrMapOvr>
     <a:masterClrMapping/>
   </p:clrMapOvr>
+  <p:timing>
+    <p:tnLst>
+      <p:par>
+        <p:cTn id="1" dur="indefinite" restart="never" nodeType="tmRoot"/>
+      </p:par>
+    </p:tnLst>
+  </p:timing>
 </p:sld>
 </file>
 
@@ -22902,7 +18088,6 @@
               <a:rPr lang="en-US" dirty="0" smtClean="0"/>
               <a:t>Course Policies</a:t>
             </a:r>
-            <a:endParaRPr lang="en-US" dirty="0" smtClean="0"/>
           </a:p>
         </p:txBody>
       </p:sp>
@@ -22943,7 +18128,6 @@
               <a:rPr lang="en-US" dirty="0" smtClean="0"/>
               <a:t>Readings</a:t>
             </a:r>
-            <a:endParaRPr lang="en-US" dirty="0" smtClean="0"/>
           </a:p>
           <a:p>
             <a:pPr lvl="1"/>
@@ -22961,13 +18145,8 @@
             <a:pPr lvl="1"/>
             <a:r>
               <a:rPr lang="en-US" sz="2200" dirty="0" smtClean="0"/>
-              <a:t>Datasheet </a:t>
-            </a:r>
-            <a:r>
-              <a:rPr lang="en-US" sz="2200" dirty="0" smtClean="0"/>
-              <a:t>pages</a:t>
-            </a:r>
-            <a:endParaRPr lang="en-US" dirty="0"/>
+              <a:t>Datasheet pages</a:t>
+            </a:r>
           </a:p>
           <a:p>
             <a:r>
@@ -23021,23 +18200,11 @@
                   <a:srgbClr val="FF0000"/>
                 </a:solidFill>
               </a:rPr>
-              <a:t>Due </a:t>
-            </a:r>
-            <a:r>
-              <a:rPr lang="en-US" sz="2200" dirty="0" smtClean="0">
-                <a:solidFill>
-                  <a:srgbClr val="FF0000"/>
-                </a:solidFill>
-              </a:rPr>
-              <a:t>BOC next lesson </a:t>
+              <a:t>Due BOC next lesson </a:t>
             </a:r>
             <a:r>
               <a:rPr lang="en-US" sz="2200" dirty="0" smtClean="0"/>
-              <a:t>unless otherwise </a:t>
-            </a:r>
-            <a:r>
-              <a:rPr lang="en-US" sz="2200" dirty="0" smtClean="0"/>
-              <a:t>stated</a:t>
+              <a:t>unless otherwise stated</a:t>
             </a:r>
           </a:p>
           <a:p>
@@ -23080,7 +18247,6 @@
               <a:rPr lang="en-US" sz="2200" dirty="0" smtClean="0"/>
               <a:t>Based off quizzes and Labs</a:t>
             </a:r>
-            <a:endParaRPr lang="en-US" sz="2200" dirty="0" smtClean="0"/>
           </a:p>
         </p:txBody>
       </p:sp>
@@ -23314,7 +18480,7 @@
         </p:spPr>
         <p:txBody>
           <a:bodyPr>
-            <a:normAutofit fontScale="92500" lnSpcReduction="20000"/>
+            <a:normAutofit fontScale="85000" lnSpcReduction="20000"/>
           </a:bodyPr>
           <a:lstStyle/>
           <a:p>
@@ -23373,6 +18539,13 @@
               <a:t>bitbucket</a:t>
             </a:r>
             <a:endParaRPr lang="en-US" dirty="0" smtClean="0"/>
+          </a:p>
+          <a:p>
+            <a:pPr lvl="2"/>
+            <a:r>
+              <a:rPr lang="en-US" dirty="0" smtClean="0"/>
+              <a:t>Make sure you can log into your account</a:t>
+            </a:r>
           </a:p>
           <a:p>
             <a:pPr lvl="1"/>
@@ -23520,7 +18693,7 @@
               <a:pPr>
                 <a:defRPr/>
               </a:pPr>
-              <a:t>23 July 2018</a:t>
+              <a:t>8 August 2018</a:t>
             </a:fld>
             <a:endParaRPr lang="en-US">
               <a:solidFill>
@@ -23540,6 +18713,13 @@
   <p:clrMapOvr>
     <a:masterClrMapping/>
   </p:clrMapOvr>
+  <p:timing>
+    <p:tnLst>
+      <p:par>
+        <p:cTn id="1" dur="indefinite" restart="never" nodeType="tmRoot"/>
+      </p:par>
+    </p:tnLst>
+  </p:timing>
 </p:sld>
 </file>
 

--- a/source/lessons/lsn1/Lsn1.pptx
+++ b/source/lessons/lsn1/Lsn1.pptx
@@ -3425,7 +3425,7 @@
               <a:pPr>
                 <a:defRPr/>
               </a:pPr>
-              <a:t>8 August 2018</a:t>
+              <a:t>9 August 2018</a:t>
             </a:fld>
             <a:endParaRPr lang="en-US">
               <a:solidFill>
@@ -3650,7 +3650,7 @@
               <a:pPr>
                 <a:defRPr/>
               </a:pPr>
-              <a:t>8 August 2018</a:t>
+              <a:t>9 August 2018</a:t>
             </a:fld>
             <a:endParaRPr lang="en-US">
               <a:solidFill>
@@ -3883,7 +3883,7 @@
               <a:pPr>
                 <a:defRPr/>
               </a:pPr>
-              <a:t>8 August 2018</a:t>
+              <a:t>9 August 2018</a:t>
             </a:fld>
             <a:endParaRPr lang="en-US">
               <a:solidFill>
@@ -4219,7 +4219,7 @@
               <a:pPr>
                 <a:defRPr/>
               </a:pPr>
-              <a:t>8 August 2018</a:t>
+              <a:t>9 August 2018</a:t>
             </a:fld>
             <a:endParaRPr lang="en-US">
               <a:solidFill>
@@ -4694,7 +4694,7 @@
               <a:pPr>
                 <a:defRPr/>
               </a:pPr>
-              <a:t>8 August 2018</a:t>
+              <a:t>9 August 2018</a:t>
             </a:fld>
             <a:endParaRPr lang="en-US">
               <a:solidFill>
@@ -4860,7 +4860,7 @@
               <a:pPr>
                 <a:defRPr/>
               </a:pPr>
-              <a:t>8 August 2018</a:t>
+              <a:t>9 August 2018</a:t>
             </a:fld>
             <a:endParaRPr lang="en-US">
               <a:solidFill>
@@ -5003,7 +5003,7 @@
               <a:pPr>
                 <a:defRPr/>
               </a:pPr>
-              <a:t>8 August 2018</a:t>
+              <a:t>9 August 2018</a:t>
             </a:fld>
             <a:endParaRPr lang="en-US">
               <a:solidFill>
@@ -5328,7 +5328,7 @@
               <a:pPr>
                 <a:defRPr/>
               </a:pPr>
-              <a:t>8 August 2018</a:t>
+              <a:t>9 August 2018</a:t>
             </a:fld>
             <a:endParaRPr lang="en-US">
               <a:solidFill>
@@ -5630,7 +5630,7 @@
               <a:pPr>
                 <a:defRPr/>
               </a:pPr>
-              <a:t>8 August 2018</a:t>
+              <a:t>9 August 2018</a:t>
             </a:fld>
             <a:endParaRPr lang="en-US">
               <a:solidFill>
@@ -5848,7 +5848,7 @@
               <a:pPr>
                 <a:defRPr/>
               </a:pPr>
-              <a:t>8 August 2018</a:t>
+              <a:t>9 August 2018</a:t>
             </a:fld>
             <a:endParaRPr lang="en-US">
               <a:solidFill>
@@ -6076,7 +6076,7 @@
               <a:pPr>
                 <a:defRPr/>
               </a:pPr>
-              <a:t>8 August 2018</a:t>
+              <a:t>9 August 2018</a:t>
             </a:fld>
             <a:endParaRPr lang="en-US">
               <a:solidFill>
@@ -6272,7 +6272,7 @@
               <a:pPr>
                 <a:defRPr/>
               </a:pPr>
-              <a:t>8 August 2018</a:t>
+              <a:t>9 August 2018</a:t>
             </a:fld>
             <a:endParaRPr lang="en-US">
               <a:solidFill>
@@ -6425,7 +6425,7 @@
               <a:pPr>
                 <a:defRPr/>
               </a:pPr>
-              <a:t>8 August 2018</a:t>
+              <a:t>9 August 2018</a:t>
             </a:fld>
             <a:endParaRPr lang="en-US"/>
           </a:p>
@@ -10986,7 +10986,7 @@
               <a:pPr eaLnBrk="0" hangingPunct="0">
                 <a:defRPr/>
               </a:pPr>
-              <a:t>8 August 2018</a:t>
+              <a:t>9 August 2018</a:t>
             </a:fld>
             <a:endParaRPr lang="en-US">
               <a:solidFill>
@@ -12148,7 +12148,7 @@
               <a:pPr>
                 <a:defRPr/>
               </a:pPr>
-              <a:t>8 August 2018</a:t>
+              <a:t>9 August 2018</a:t>
             </a:fld>
             <a:endParaRPr lang="en-US" dirty="0">
               <a:solidFill>
@@ -18693,7 +18693,7 @@
               <a:pPr>
                 <a:defRPr/>
               </a:pPr>
-              <a:t>8 August 2018</a:t>
+              <a:t>9 August 2018</a:t>
             </a:fld>
             <a:endParaRPr lang="en-US">
               <a:solidFill>
@@ -21911,6 +21911,15 @@
 </file>
 
 <file path=customXml/item1.xml><?xml version="1.0" encoding="utf-8"?>
+<p:properties xmlns:p="http://schemas.microsoft.com/office/2006/metadata/properties" xmlns:xsi="http://www.w3.org/2001/XMLSchema-instance" xmlns:pc="http://schemas.microsoft.com/office/infopath/2007/PartnerControls">
+  <documentManagement>
+    <PublishingExpirationDate xmlns="http://schemas.microsoft.com/sharepoint/v3" xsi:nil="true"/>
+    <PublishingStartDate xmlns="http://schemas.microsoft.com/sharepoint/v3" xsi:nil="true"/>
+  </documentManagement>
+</p:properties>
+</file>
+
+<file path=customXml/item2.xml><?xml version="1.0" encoding="utf-8"?>
 <ct:contentTypeSchema xmlns:ct="http://schemas.microsoft.com/office/2006/metadata/contentType" xmlns:ma="http://schemas.microsoft.com/office/2006/metadata/properties/metaAttributes" ct:_="" ma:_="" ma:contentTypeName="Document" ma:contentTypeID="0x01010026B44337BE5C7D4193621DF98D151EB6" ma:contentTypeVersion="1" ma:contentTypeDescription="Create a new document." ma:contentTypeScope="" ma:versionID="97e7a7c9ce595270c3eaeb148770bcf7">
   <xsd:schema xmlns:xsd="http://www.w3.org/2001/XMLSchema" xmlns:xs="http://www.w3.org/2001/XMLSchema" xmlns:p="http://schemas.microsoft.com/office/2006/metadata/properties" xmlns:ns1="http://schemas.microsoft.com/sharepoint/v3" targetNamespace="http://schemas.microsoft.com/office/2006/metadata/properties" ma:root="true" ma:fieldsID="4dcce58c87e9fcebab8021569449a8d0" ns1:_="">
     <xsd:import namespace="http://schemas.microsoft.com/sharepoint/v3"/>
@@ -22042,15 +22051,6 @@
 </ct:contentTypeSchema>
 </file>
 
-<file path=customXml/item2.xml><?xml version="1.0" encoding="utf-8"?>
-<p:properties xmlns:p="http://schemas.microsoft.com/office/2006/metadata/properties" xmlns:xsi="http://www.w3.org/2001/XMLSchema-instance" xmlns:pc="http://schemas.microsoft.com/office/infopath/2007/PartnerControls">
-  <documentManagement>
-    <PublishingExpirationDate xmlns="http://schemas.microsoft.com/sharepoint/v3" xsi:nil="true"/>
-    <PublishingStartDate xmlns="http://schemas.microsoft.com/sharepoint/v3" xsi:nil="true"/>
-  </documentManagement>
-</p:properties>
-</file>
-
 <file path=customXml/item3.xml><?xml version="1.0" encoding="utf-8"?>
 <?mso-contentType ?>
 <FormTemplates xmlns="http://schemas.microsoft.com/sharepoint/v3/contenttype/forms">
@@ -22061,6 +22061,22 @@
 </file>
 
 <file path=customXml/itemProps1.xml><?xml version="1.0" encoding="utf-8"?>
+<ds:datastoreItem xmlns:ds="http://schemas.openxmlformats.org/officeDocument/2006/customXml" ds:itemID="{0A6BADE1-4A4A-48A5-911B-5F6548B33A51}">
+  <ds:schemaRefs>
+    <ds:schemaRef ds:uri="http://schemas.microsoft.com/office/2006/documentManagement/types"/>
+    <ds:schemaRef ds:uri="http://purl.org/dc/dcmitype/"/>
+    <ds:schemaRef ds:uri="http://schemas.microsoft.com/office/infopath/2007/PartnerControls"/>
+    <ds:schemaRef ds:uri="http://purl.org/dc/elements/1.1/"/>
+    <ds:schemaRef ds:uri="http://schemas.microsoft.com/office/2006/metadata/properties"/>
+    <ds:schemaRef ds:uri="http://schemas.microsoft.com/sharepoint/v3"/>
+    <ds:schemaRef ds:uri="http://purl.org/dc/terms/"/>
+    <ds:schemaRef ds:uri="http://schemas.openxmlformats.org/package/2006/metadata/core-properties"/>
+    <ds:schemaRef ds:uri="http://www.w3.org/XML/1998/namespace"/>
+  </ds:schemaRefs>
+</ds:datastoreItem>
+</file>
+
+<file path=customXml/itemProps2.xml><?xml version="1.0" encoding="utf-8"?>
 <ds:datastoreItem xmlns:ds="http://schemas.openxmlformats.org/officeDocument/2006/customXml" ds:itemID="{9BDBC61A-8F22-4749-B0E2-3185185CFF04}">
   <ds:schemaRefs>
     <ds:schemaRef ds:uri="http://schemas.microsoft.com/office/2006/metadata/contentType"/>
@@ -22078,22 +22094,6 @@
 </ds:datastoreItem>
 </file>
 
-<file path=customXml/itemProps2.xml><?xml version="1.0" encoding="utf-8"?>
-<ds:datastoreItem xmlns:ds="http://schemas.openxmlformats.org/officeDocument/2006/customXml" ds:itemID="{0A6BADE1-4A4A-48A5-911B-5F6548B33A51}">
-  <ds:schemaRefs>
-    <ds:schemaRef ds:uri="http://schemas.microsoft.com/office/2006/documentManagement/types"/>
-    <ds:schemaRef ds:uri="http://purl.org/dc/dcmitype/"/>
-    <ds:schemaRef ds:uri="http://schemas.microsoft.com/office/infopath/2007/PartnerControls"/>
-    <ds:schemaRef ds:uri="http://purl.org/dc/elements/1.1/"/>
-    <ds:schemaRef ds:uri="http://schemas.microsoft.com/office/2006/metadata/properties"/>
-    <ds:schemaRef ds:uri="http://schemas.microsoft.com/sharepoint/v3"/>
-    <ds:schemaRef ds:uri="http://purl.org/dc/terms/"/>
-    <ds:schemaRef ds:uri="http://schemas.openxmlformats.org/package/2006/metadata/core-properties"/>
-    <ds:schemaRef ds:uri="http://www.w3.org/XML/1998/namespace"/>
-  </ds:schemaRefs>
-</ds:datastoreItem>
-</file>
-
 <file path=customXml/itemProps3.xml><?xml version="1.0" encoding="utf-8"?>
 <ds:datastoreItem xmlns:ds="http://schemas.openxmlformats.org/officeDocument/2006/customXml" ds:itemID="{7898C6F1-02C7-4807-8DB1-44412B5FAC7D}">
   <ds:schemaRefs>
